--- a/bc/slide bv.pptx
+++ b/bc/slide bv.pptx
@@ -120,6 +120,22 @@
       </a:defRPr>
     </a:lvl9pPr>
   </p:defaultTextStyle>
+  <p:extLst>
+    <p:ext uri="{EFAFB233-063F-42B5-8137-9DF3F51BA10A}">
+      <p15:sldGuideLst xmlns:p15="http://schemas.microsoft.com/office/powerpoint/2012/main">
+        <p15:guide id="1" orient="horz" pos="2160">
+          <p15:clr>
+            <a:srgbClr val="A4A3A4"/>
+          </p15:clr>
+        </p15:guide>
+        <p15:guide id="2" pos="2880">
+          <p15:clr>
+            <a:srgbClr val="A4A3A4"/>
+          </p15:clr>
+        </p15:guide>
+      </p15:sldGuideLst>
+    </p:ext>
+  </p:extLst>
 </p:presentation>
 </file>
 
@@ -5077,29 +5093,29 @@
     </dgm:pt>
   </dgm:ptLst>
   <dgm:cxnLst>
+    <dgm:cxn modelId="{25570CE8-2413-425E-83B5-0C0B6496195C}" type="presOf" srcId="{FF02D520-EE8D-4A13-A3E2-042843DE79CD}" destId="{F7DB16CD-4669-4A31-B6FF-62DA8884E1AA}" srcOrd="0" destOrd="0" presId="urn:microsoft.com/office/officeart/2005/8/layout/chevron2"/>
+    <dgm:cxn modelId="{4F47E955-D964-4505-8CA4-2D290FBFB508}" srcId="{32BF42FD-E3B7-4B1C-AA5C-99A54BDEEBAE}" destId="{D16A74AF-8011-418C-9821-C3AB7C2E188E}" srcOrd="0" destOrd="0" parTransId="{658237BE-1B20-4A50-BB47-09273AC00314}" sibTransId="{E90B4532-8083-4399-ACBB-F9A794BE3128}"/>
+    <dgm:cxn modelId="{36261CFE-1484-411A-983E-D9A8069D662D}" type="presOf" srcId="{32BF42FD-E3B7-4B1C-AA5C-99A54BDEEBAE}" destId="{B4EACEBA-5A7F-4250-A3C4-68952DE22BF3}" srcOrd="0" destOrd="0" presId="urn:microsoft.com/office/officeart/2005/8/layout/chevron2"/>
+    <dgm:cxn modelId="{601264FF-AB8E-4AD1-968B-195D8EA47675}" type="presOf" srcId="{58E32A64-3BEE-41E1-8749-373749D5890C}" destId="{CAB4DBB5-24BF-4D9F-91A6-67666FD74987}" srcOrd="0" destOrd="0" presId="urn:microsoft.com/office/officeart/2005/8/layout/chevron2"/>
+    <dgm:cxn modelId="{A6C6E83C-C5C4-4FAF-BCE2-915C1145E180}" type="presOf" srcId="{8FA11323-030C-4099-B0C2-C31137CC72BB}" destId="{F04C89CF-DA41-4F67-97D3-70E4D29E3CF3}" srcOrd="0" destOrd="0" presId="urn:microsoft.com/office/officeart/2005/8/layout/chevron2"/>
+    <dgm:cxn modelId="{DE08F358-A81B-4858-8F45-00EF469F4B09}" srcId="{B32175A6-8333-4304-B2EC-F1B8EF5FD1C5}" destId="{32BF42FD-E3B7-4B1C-AA5C-99A54BDEEBAE}" srcOrd="1" destOrd="0" parTransId="{E6F65708-E4ED-4CC1-8943-D1690C4C6544}" sibTransId="{3AEAD35F-27E7-4040-9459-B84188334FF6}"/>
+    <dgm:cxn modelId="{9420BC96-293A-4F27-9F44-D66B1CDA23D3}" type="presOf" srcId="{FA25330C-7AB8-4453-B169-34E7A802E469}" destId="{9257CA82-F68B-4CCE-95BB-E99ED79C2833}" srcOrd="0" destOrd="0" presId="urn:microsoft.com/office/officeart/2005/8/layout/chevron2"/>
+    <dgm:cxn modelId="{DA3396AC-D7F8-4D26-837C-55917783C274}" type="presOf" srcId="{573598C8-50F4-417B-9067-AC444D3F6344}" destId="{D69DAB01-1253-4FEC-8EE7-9E1854EE819D}" srcOrd="0" destOrd="1" presId="urn:microsoft.com/office/officeart/2005/8/layout/chevron2"/>
     <dgm:cxn modelId="{351A9B57-4078-4D8C-A495-148842E9E0B4}" type="presOf" srcId="{D16A74AF-8011-418C-9821-C3AB7C2E188E}" destId="{D69DAB01-1253-4FEC-8EE7-9E1854EE819D}" srcOrd="0" destOrd="0" presId="urn:microsoft.com/office/officeart/2005/8/layout/chevron2"/>
+    <dgm:cxn modelId="{C6DF2B41-5533-4491-9221-B666DACF8778}" srcId="{E7A530B7-A881-4852-8D85-F427D21253D3}" destId="{FF02D520-EE8D-4A13-A3E2-042843DE79CD}" srcOrd="0" destOrd="0" parTransId="{27C24EC4-2872-4490-A7D4-8FB915D20B15}" sibTransId="{EBE6C19C-F382-44E7-85FD-04EC5AEE475B}"/>
+    <dgm:cxn modelId="{932B4A37-E2C0-45D6-9A08-E2A72635AF8D}" srcId="{B32175A6-8333-4304-B2EC-F1B8EF5FD1C5}" destId="{8FA11323-030C-4099-B0C2-C31137CC72BB}" srcOrd="3" destOrd="0" parTransId="{41FB0047-CAF4-46DD-9B47-D9E8C7CDCE07}" sibTransId="{EA4C1624-B97E-4958-BD12-F6305141939B}"/>
+    <dgm:cxn modelId="{6536DE6F-74A9-4BE0-8566-6D42F03C1AFE}" srcId="{8FA11323-030C-4099-B0C2-C31137CC72BB}" destId="{EF040572-375E-4CBC-B496-2BC5DCC6383B}" srcOrd="1" destOrd="0" parTransId="{74FB03AD-C467-4D8B-A55A-49B6803E509B}" sibTransId="{7B220D7D-B324-4AF0-8412-6A6F5E6E0826}"/>
+    <dgm:cxn modelId="{75C40334-48C6-4E27-B603-C0F0A745A6F9}" srcId="{B32175A6-8333-4304-B2EC-F1B8EF5FD1C5}" destId="{E7A530B7-A881-4852-8D85-F427D21253D3}" srcOrd="0" destOrd="0" parTransId="{B5CC829E-6E13-4370-BC96-092124F766C8}" sibTransId="{B193B34E-802F-440E-B75A-B5BE8CB00277}"/>
+    <dgm:cxn modelId="{5A72C2A0-CD65-4778-9DE8-F4AEB1728FB3}" type="presOf" srcId="{E7A530B7-A881-4852-8D85-F427D21253D3}" destId="{7D10DE31-4A41-421C-B654-9A30C3F245F8}" srcOrd="0" destOrd="0" presId="urn:microsoft.com/office/officeart/2005/8/layout/chevron2"/>
+    <dgm:cxn modelId="{4647DBB4-9082-4591-9A5C-2ABC12D73C3B}" srcId="{8FA11323-030C-4099-B0C2-C31137CC72BB}" destId="{E7B3BDE4-559D-4A32-BC3B-F3ED93348A67}" srcOrd="0" destOrd="0" parTransId="{8498D1E7-7427-4836-B1EC-5691610C7592}" sibTransId="{FBBC43F2-D21F-4F31-88FD-AD667B36923D}"/>
+    <dgm:cxn modelId="{94A6D8F9-62D9-4D64-B269-DC611AF56A6D}" srcId="{32BF42FD-E3B7-4B1C-AA5C-99A54BDEEBAE}" destId="{573598C8-50F4-417B-9067-AC444D3F6344}" srcOrd="1" destOrd="0" parTransId="{D37D9612-555B-42BB-9A7B-4C1D0A60C604}" sibTransId="{85258B1B-2BEC-40B4-849A-E7D06C52D441}"/>
     <dgm:cxn modelId="{826F0098-71AA-41C9-A619-A9D7E8CB9D4D}" srcId="{B32175A6-8333-4304-B2EC-F1B8EF5FD1C5}" destId="{FA25330C-7AB8-4453-B169-34E7A802E469}" srcOrd="2" destOrd="0" parTransId="{D3B9C7CF-69BF-43EF-8CCF-4433A2786C57}" sibTransId="{D1CB16A6-F48C-4171-B4EC-00F3AE725365}"/>
+    <dgm:cxn modelId="{ADA00AC1-4E16-44FD-89EF-5316AA0CBF98}" srcId="{FA25330C-7AB8-4453-B169-34E7A802E469}" destId="{58E32A64-3BEE-41E1-8749-373749D5890C}" srcOrd="0" destOrd="0" parTransId="{6BA7B968-40D1-437A-A545-85B7C3095B82}" sibTransId="{707BB7B0-FC4E-4188-BF45-2B76F3EBC2D8}"/>
+    <dgm:cxn modelId="{9A4ED964-1750-4DB3-BC29-14DE67B1E624}" type="presOf" srcId="{B32175A6-8333-4304-B2EC-F1B8EF5FD1C5}" destId="{CD3D1592-7A9F-46DB-AB7D-821A30998DB1}" srcOrd="0" destOrd="0" presId="urn:microsoft.com/office/officeart/2005/8/layout/chevron2"/>
+    <dgm:cxn modelId="{75E1CDB6-B289-475E-81A8-D14C20B8571E}" srcId="{FA25330C-7AB8-4453-B169-34E7A802E469}" destId="{3F5BCD31-33B3-4835-B63B-936131834B09}" srcOrd="1" destOrd="0" parTransId="{F5255715-4D78-4ED6-88D6-303B7B5C7747}" sibTransId="{34B72520-83B7-4C96-A119-9B5E671B572A}"/>
+    <dgm:cxn modelId="{3B789419-3036-4662-9D39-4ED60AFCC164}" type="presOf" srcId="{3F5BCD31-33B3-4835-B63B-936131834B09}" destId="{CAB4DBB5-24BF-4D9F-91A6-67666FD74987}" srcOrd="0" destOrd="1" presId="urn:microsoft.com/office/officeart/2005/8/layout/chevron2"/>
+    <dgm:cxn modelId="{FDFBFA8C-4369-4555-BA6F-3EC42EF1115C}" type="presOf" srcId="{E7B3BDE4-559D-4A32-BC3B-F3ED93348A67}" destId="{7006500E-1648-4961-83F6-142BCAB620EE}" srcOrd="0" destOrd="0" presId="urn:microsoft.com/office/officeart/2005/8/layout/chevron2"/>
     <dgm:cxn modelId="{3A015B4F-C2DF-4066-8364-781F561D32EA}" type="presOf" srcId="{EF040572-375E-4CBC-B496-2BC5DCC6383B}" destId="{7006500E-1648-4961-83F6-142BCAB620EE}" srcOrd="0" destOrd="1" presId="urn:microsoft.com/office/officeart/2005/8/layout/chevron2"/>
-    <dgm:cxn modelId="{25570CE8-2413-425E-83B5-0C0B6496195C}" type="presOf" srcId="{FF02D520-EE8D-4A13-A3E2-042843DE79CD}" destId="{F7DB16CD-4669-4A31-B6FF-62DA8884E1AA}" srcOrd="0" destOrd="0" presId="urn:microsoft.com/office/officeart/2005/8/layout/chevron2"/>
-    <dgm:cxn modelId="{C6DF2B41-5533-4491-9221-B666DACF8778}" srcId="{E7A530B7-A881-4852-8D85-F427D21253D3}" destId="{FF02D520-EE8D-4A13-A3E2-042843DE79CD}" srcOrd="0" destOrd="0" parTransId="{27C24EC4-2872-4490-A7D4-8FB915D20B15}" sibTransId="{EBE6C19C-F382-44E7-85FD-04EC5AEE475B}"/>
-    <dgm:cxn modelId="{DA3396AC-D7F8-4D26-837C-55917783C274}" type="presOf" srcId="{573598C8-50F4-417B-9067-AC444D3F6344}" destId="{D69DAB01-1253-4FEC-8EE7-9E1854EE819D}" srcOrd="0" destOrd="1" presId="urn:microsoft.com/office/officeart/2005/8/layout/chevron2"/>
-    <dgm:cxn modelId="{4647DBB4-9082-4591-9A5C-2ABC12D73C3B}" srcId="{8FA11323-030C-4099-B0C2-C31137CC72BB}" destId="{E7B3BDE4-559D-4A32-BC3B-F3ED93348A67}" srcOrd="0" destOrd="0" parTransId="{8498D1E7-7427-4836-B1EC-5691610C7592}" sibTransId="{FBBC43F2-D21F-4F31-88FD-AD667B36923D}"/>
-    <dgm:cxn modelId="{9420BC96-293A-4F27-9F44-D66B1CDA23D3}" type="presOf" srcId="{FA25330C-7AB8-4453-B169-34E7A802E469}" destId="{9257CA82-F68B-4CCE-95BB-E99ED79C2833}" srcOrd="0" destOrd="0" presId="urn:microsoft.com/office/officeart/2005/8/layout/chevron2"/>
-    <dgm:cxn modelId="{FDFBFA8C-4369-4555-BA6F-3EC42EF1115C}" type="presOf" srcId="{E7B3BDE4-559D-4A32-BC3B-F3ED93348A67}" destId="{7006500E-1648-4961-83F6-142BCAB620EE}" srcOrd="0" destOrd="0" presId="urn:microsoft.com/office/officeart/2005/8/layout/chevron2"/>
-    <dgm:cxn modelId="{5A72C2A0-CD65-4778-9DE8-F4AEB1728FB3}" type="presOf" srcId="{E7A530B7-A881-4852-8D85-F427D21253D3}" destId="{7D10DE31-4A41-421C-B654-9A30C3F245F8}" srcOrd="0" destOrd="0" presId="urn:microsoft.com/office/officeart/2005/8/layout/chevron2"/>
-    <dgm:cxn modelId="{94A6D8F9-62D9-4D64-B269-DC611AF56A6D}" srcId="{32BF42FD-E3B7-4B1C-AA5C-99A54BDEEBAE}" destId="{573598C8-50F4-417B-9067-AC444D3F6344}" srcOrd="1" destOrd="0" parTransId="{D37D9612-555B-42BB-9A7B-4C1D0A60C604}" sibTransId="{85258B1B-2BEC-40B4-849A-E7D06C52D441}"/>
-    <dgm:cxn modelId="{3B789419-3036-4662-9D39-4ED60AFCC164}" type="presOf" srcId="{3F5BCD31-33B3-4835-B63B-936131834B09}" destId="{CAB4DBB5-24BF-4D9F-91A6-67666FD74987}" srcOrd="0" destOrd="1" presId="urn:microsoft.com/office/officeart/2005/8/layout/chevron2"/>
-    <dgm:cxn modelId="{DE08F358-A81B-4858-8F45-00EF469F4B09}" srcId="{B32175A6-8333-4304-B2EC-F1B8EF5FD1C5}" destId="{32BF42FD-E3B7-4B1C-AA5C-99A54BDEEBAE}" srcOrd="1" destOrd="0" parTransId="{E6F65708-E4ED-4CC1-8943-D1690C4C6544}" sibTransId="{3AEAD35F-27E7-4040-9459-B84188334FF6}"/>
-    <dgm:cxn modelId="{932B4A37-E2C0-45D6-9A08-E2A72635AF8D}" srcId="{B32175A6-8333-4304-B2EC-F1B8EF5FD1C5}" destId="{8FA11323-030C-4099-B0C2-C31137CC72BB}" srcOrd="3" destOrd="0" parTransId="{41FB0047-CAF4-46DD-9B47-D9E8C7CDCE07}" sibTransId="{EA4C1624-B97E-4958-BD12-F6305141939B}"/>
-    <dgm:cxn modelId="{75C40334-48C6-4E27-B603-C0F0A745A6F9}" srcId="{B32175A6-8333-4304-B2EC-F1B8EF5FD1C5}" destId="{E7A530B7-A881-4852-8D85-F427D21253D3}" srcOrd="0" destOrd="0" parTransId="{B5CC829E-6E13-4370-BC96-092124F766C8}" sibTransId="{B193B34E-802F-440E-B75A-B5BE8CB00277}"/>
-    <dgm:cxn modelId="{9A4ED964-1750-4DB3-BC29-14DE67B1E624}" type="presOf" srcId="{B32175A6-8333-4304-B2EC-F1B8EF5FD1C5}" destId="{CD3D1592-7A9F-46DB-AB7D-821A30998DB1}" srcOrd="0" destOrd="0" presId="urn:microsoft.com/office/officeart/2005/8/layout/chevron2"/>
-    <dgm:cxn modelId="{A6C6E83C-C5C4-4FAF-BCE2-915C1145E180}" type="presOf" srcId="{8FA11323-030C-4099-B0C2-C31137CC72BB}" destId="{F04C89CF-DA41-4F67-97D3-70E4D29E3CF3}" srcOrd="0" destOrd="0" presId="urn:microsoft.com/office/officeart/2005/8/layout/chevron2"/>
-    <dgm:cxn modelId="{36261CFE-1484-411A-983E-D9A8069D662D}" type="presOf" srcId="{32BF42FD-E3B7-4B1C-AA5C-99A54BDEEBAE}" destId="{B4EACEBA-5A7F-4250-A3C4-68952DE22BF3}" srcOrd="0" destOrd="0" presId="urn:microsoft.com/office/officeart/2005/8/layout/chevron2"/>
-    <dgm:cxn modelId="{75E1CDB6-B289-475E-81A8-D14C20B8571E}" srcId="{FA25330C-7AB8-4453-B169-34E7A802E469}" destId="{3F5BCD31-33B3-4835-B63B-936131834B09}" srcOrd="1" destOrd="0" parTransId="{F5255715-4D78-4ED6-88D6-303B7B5C7747}" sibTransId="{34B72520-83B7-4C96-A119-9B5E671B572A}"/>
-    <dgm:cxn modelId="{ADA00AC1-4E16-44FD-89EF-5316AA0CBF98}" srcId="{FA25330C-7AB8-4453-B169-34E7A802E469}" destId="{58E32A64-3BEE-41E1-8749-373749D5890C}" srcOrd="0" destOrd="0" parTransId="{6BA7B968-40D1-437A-A545-85B7C3095B82}" sibTransId="{707BB7B0-FC4E-4188-BF45-2B76F3EBC2D8}"/>
-    <dgm:cxn modelId="{4F47E955-D964-4505-8CA4-2D290FBFB508}" srcId="{32BF42FD-E3B7-4B1C-AA5C-99A54BDEEBAE}" destId="{D16A74AF-8011-418C-9821-C3AB7C2E188E}" srcOrd="0" destOrd="0" parTransId="{658237BE-1B20-4A50-BB47-09273AC00314}" sibTransId="{E90B4532-8083-4399-ACBB-F9A794BE3128}"/>
-    <dgm:cxn modelId="{6536DE6F-74A9-4BE0-8566-6D42F03C1AFE}" srcId="{8FA11323-030C-4099-B0C2-C31137CC72BB}" destId="{EF040572-375E-4CBC-B496-2BC5DCC6383B}" srcOrd="1" destOrd="0" parTransId="{74FB03AD-C467-4D8B-A55A-49B6803E509B}" sibTransId="{7B220D7D-B324-4AF0-8412-6A6F5E6E0826}"/>
-    <dgm:cxn modelId="{601264FF-AB8E-4AD1-968B-195D8EA47675}" type="presOf" srcId="{58E32A64-3BEE-41E1-8749-373749D5890C}" destId="{CAB4DBB5-24BF-4D9F-91A6-67666FD74987}" srcOrd="0" destOrd="0" presId="urn:microsoft.com/office/officeart/2005/8/layout/chevron2"/>
     <dgm:cxn modelId="{06D7605F-DC15-4FD5-909B-DF6359C89A3C}" type="presParOf" srcId="{CD3D1592-7A9F-46DB-AB7D-821A30998DB1}" destId="{5D249C53-77E0-408D-B43E-2AECD0259F0E}" srcOrd="0" destOrd="0" presId="urn:microsoft.com/office/officeart/2005/8/layout/chevron2"/>
     <dgm:cxn modelId="{5F99E7DB-F113-4E12-B55C-AE918CDFAD52}" type="presParOf" srcId="{5D249C53-77E0-408D-B43E-2AECD0259F0E}" destId="{7D10DE31-4A41-421C-B654-9A30C3F245F8}" srcOrd="0" destOrd="0" presId="urn:microsoft.com/office/officeart/2005/8/layout/chevron2"/>
     <dgm:cxn modelId="{14B16D9B-3896-4F30-BFA3-2791F684BCC5}" type="presParOf" srcId="{5D249C53-77E0-408D-B43E-2AECD0259F0E}" destId="{F7DB16CD-4669-4A31-B6FF-62DA8884E1AA}" srcOrd="1" destOrd="0" presId="urn:microsoft.com/office/officeart/2005/8/layout/chevron2"/>
@@ -5120,7 +5136,7 @@
   <dgm:whole/>
   <dgm:extLst>
     <a:ext uri="http://schemas.microsoft.com/office/drawing/2008/diagram">
-      <dsp:dataModelExt xmlns="" xmlns:dsp="http://schemas.microsoft.com/office/drawing/2008/diagram" relId="rId7" minVer="http://schemas.openxmlformats.org/drawingml/2006/diagram"/>
+      <dsp:dataModelExt xmlns:dsp="http://schemas.microsoft.com/office/drawing/2008/diagram" relId="rId7" minVer="http://schemas.openxmlformats.org/drawingml/2006/diagram"/>
     </a:ext>
   </dgm:extLst>
 </dgm:dataModel>
@@ -5985,25 +6001,25 @@
     </dgm:pt>
   </dgm:ptLst>
   <dgm:cxnLst>
+    <dgm:cxn modelId="{7D130724-A857-4788-9640-329CE51DA208}" srcId="{65341B28-16F7-42D3-8B9A-941408E21AB4}" destId="{52160674-192A-499C-8F41-D1022B6EBC7F}" srcOrd="2" destOrd="0" parTransId="{64847DE9-C7F3-4C0E-8D6F-27669DC93EBE}" sibTransId="{A01787A8-39CB-44C1-8DC5-04CEC5598F28}"/>
+    <dgm:cxn modelId="{AAB7E0D9-4D40-4690-875C-0309D0B91D7B}" srcId="{65341B28-16F7-42D3-8B9A-941408E21AB4}" destId="{A9F79145-F002-4758-93B4-448596239D05}" srcOrd="4" destOrd="0" parTransId="{7878C60A-1892-4EA8-9C49-1A2FEC4CBD06}" sibTransId="{2D53E82C-49AF-42E0-B337-1E6D4E07B688}"/>
+    <dgm:cxn modelId="{A0F5A299-8B76-40EE-BFB0-1B47539C124C}" srcId="{65341B28-16F7-42D3-8B9A-941408E21AB4}" destId="{9A9A1DC7-8421-405C-A1B2-23E7D159420C}" srcOrd="1" destOrd="0" parTransId="{B9FFCA0D-B6E3-407A-B3A4-F6CADFC31537}" sibTransId="{D0518572-6583-4023-8076-B1F4D3A9E68D}"/>
+    <dgm:cxn modelId="{DC19770C-ED9D-42F6-83DF-B8D8D823CFA2}" srcId="{D47FB88E-1317-4B1E-8665-30FD59A1F576}" destId="{7B10193E-BA34-421D-876E-A8A569F293E3}" srcOrd="0" destOrd="0" parTransId="{DCC90F37-2631-461D-A8D6-D20C3AB44F72}" sibTransId="{B7AE08BA-6105-43B2-8FAC-D306CCF00E6D}"/>
+    <dgm:cxn modelId="{E8876ED1-BB71-4095-8E6A-49FE78177813}" srcId="{65341B28-16F7-42D3-8B9A-941408E21AB4}" destId="{7F3FA403-B4E1-4F20-9FF7-50A3F88B1FF6}" srcOrd="0" destOrd="0" parTransId="{63F40D62-1EC2-4CDA-A797-0C4CDF7970D3}" sibTransId="{C0A6FBD3-41F0-4B0C-9C10-D7BE8FD05CB1}"/>
+    <dgm:cxn modelId="{59D13042-7504-48F3-9E6C-6E8254D94E59}" type="presOf" srcId="{6EE36DDF-9E2C-466B-9202-F0EF8A13ABA9}" destId="{A95B11DE-B16C-45D3-8B04-76951D8FD7D1}" srcOrd="0" destOrd="3" presId="urn:microsoft.com/office/officeart/2005/8/layout/list1"/>
     <dgm:cxn modelId="{B2F6186E-CC80-45EC-9A8A-47E23CBBCD63}" type="presOf" srcId="{A9F79145-F002-4758-93B4-448596239D05}" destId="{A95B11DE-B16C-45D3-8B04-76951D8FD7D1}" srcOrd="0" destOrd="4" presId="urn:microsoft.com/office/officeart/2005/8/layout/list1"/>
+    <dgm:cxn modelId="{64AA224C-B9C1-4F59-A639-7A9623E3D63A}" type="presOf" srcId="{7F3FA403-B4E1-4F20-9FF7-50A3F88B1FF6}" destId="{A95B11DE-B16C-45D3-8B04-76951D8FD7D1}" srcOrd="0" destOrd="0" presId="urn:microsoft.com/office/officeart/2005/8/layout/list1"/>
+    <dgm:cxn modelId="{8A6A301C-F399-4196-BD11-16D28C8BA491}" srcId="{65341B28-16F7-42D3-8B9A-941408E21AB4}" destId="{6EE36DDF-9E2C-466B-9202-F0EF8A13ABA9}" srcOrd="3" destOrd="0" parTransId="{8B068503-8C92-4A40-988B-DCB3E10A3626}" sibTransId="{62BA0177-860C-4810-9797-C757375BCE31}"/>
     <dgm:cxn modelId="{2FB05077-42DC-4013-A970-3E1B0DC06059}" type="presOf" srcId="{D47FB88E-1317-4B1E-8665-30FD59A1F576}" destId="{6B509932-FBF7-407F-BE8A-8C3CFCA157B0}" srcOrd="0" destOrd="0" presId="urn:microsoft.com/office/officeart/2005/8/layout/list1"/>
+    <dgm:cxn modelId="{BF5018D4-64CE-4B85-B25B-ED3CDAE8F55F}" type="presOf" srcId="{9A9A1DC7-8421-405C-A1B2-23E7D159420C}" destId="{A95B11DE-B16C-45D3-8B04-76951D8FD7D1}" srcOrd="0" destOrd="1" presId="urn:microsoft.com/office/officeart/2005/8/layout/list1"/>
+    <dgm:cxn modelId="{91A1ECF6-C77A-4EC4-93E6-4D7E60667D4E}" type="presOf" srcId="{7B10193E-BA34-421D-876E-A8A569F293E3}" destId="{0B3DD3A1-DF78-4D81-9CA6-A694778A0E9A}" srcOrd="0" destOrd="0" presId="urn:microsoft.com/office/officeart/2005/8/layout/list1"/>
+    <dgm:cxn modelId="{B7149903-ACE1-4B49-B0A8-9C57986F578C}" type="presOf" srcId="{E857D96C-B8A6-4667-BDD7-AB9220603659}" destId="{62B84F78-9685-4AAB-9823-238F76CA2A03}" srcOrd="0" destOrd="0" presId="urn:microsoft.com/office/officeart/2005/8/layout/list1"/>
+    <dgm:cxn modelId="{D5205008-41F2-476A-AB9A-6ED7A50C8232}" srcId="{7B10193E-BA34-421D-876E-A8A569F293E3}" destId="{E857D96C-B8A6-4667-BDD7-AB9220603659}" srcOrd="0" destOrd="0" parTransId="{F88ADF4E-8D69-43EF-9686-C5792585901E}" sibTransId="{FE8329DD-A1AD-4B35-90A1-DD7C8257558B}"/>
+    <dgm:cxn modelId="{2A9A1768-CAB2-427A-99EE-A025EFD88562}" type="presOf" srcId="{52160674-192A-499C-8F41-D1022B6EBC7F}" destId="{A95B11DE-B16C-45D3-8B04-76951D8FD7D1}" srcOrd="0" destOrd="2" presId="urn:microsoft.com/office/officeart/2005/8/layout/list1"/>
+    <dgm:cxn modelId="{6F24F441-49DE-4162-83B5-D6B891EE185E}" srcId="{D47FB88E-1317-4B1E-8665-30FD59A1F576}" destId="{65341B28-16F7-42D3-8B9A-941408E21AB4}" srcOrd="1" destOrd="0" parTransId="{37D0A274-1012-4A26-B0EE-D5EC6F2E444C}" sibTransId="{18918162-610E-4B89-A95F-426813A95E91}"/>
+    <dgm:cxn modelId="{CD8E3563-588C-465B-8585-6A76E847E296}" type="presOf" srcId="{65341B28-16F7-42D3-8B9A-941408E21AB4}" destId="{7E60168E-9F99-4D90-89A8-4869FF84A89F}" srcOrd="0" destOrd="0" presId="urn:microsoft.com/office/officeart/2005/8/layout/list1"/>
+    <dgm:cxn modelId="{0ABCD635-ECA2-49FB-8D49-C3B0532445B9}" type="presOf" srcId="{65341B28-16F7-42D3-8B9A-941408E21AB4}" destId="{B12455D7-8C1B-4A6C-ACEA-91D56A648EE9}" srcOrd="1" destOrd="0" presId="urn:microsoft.com/office/officeart/2005/8/layout/list1"/>
     <dgm:cxn modelId="{B0639943-A88B-490D-98C7-C3B59B788402}" type="presOf" srcId="{7B10193E-BA34-421D-876E-A8A569F293E3}" destId="{507FB563-A6EC-4351-A8E4-9A40E4D08BB2}" srcOrd="1" destOrd="0" presId="urn:microsoft.com/office/officeart/2005/8/layout/list1"/>
-    <dgm:cxn modelId="{2A9A1768-CAB2-427A-99EE-A025EFD88562}" type="presOf" srcId="{52160674-192A-499C-8F41-D1022B6EBC7F}" destId="{A95B11DE-B16C-45D3-8B04-76951D8FD7D1}" srcOrd="0" destOrd="2" presId="urn:microsoft.com/office/officeart/2005/8/layout/list1"/>
-    <dgm:cxn modelId="{DC19770C-ED9D-42F6-83DF-B8D8D823CFA2}" srcId="{D47FB88E-1317-4B1E-8665-30FD59A1F576}" destId="{7B10193E-BA34-421D-876E-A8A569F293E3}" srcOrd="0" destOrd="0" parTransId="{DCC90F37-2631-461D-A8D6-D20C3AB44F72}" sibTransId="{B7AE08BA-6105-43B2-8FAC-D306CCF00E6D}"/>
-    <dgm:cxn modelId="{6F24F441-49DE-4162-83B5-D6B891EE185E}" srcId="{D47FB88E-1317-4B1E-8665-30FD59A1F576}" destId="{65341B28-16F7-42D3-8B9A-941408E21AB4}" srcOrd="1" destOrd="0" parTransId="{37D0A274-1012-4A26-B0EE-D5EC6F2E444C}" sibTransId="{18918162-610E-4B89-A95F-426813A95E91}"/>
-    <dgm:cxn modelId="{A0F5A299-8B76-40EE-BFB0-1B47539C124C}" srcId="{65341B28-16F7-42D3-8B9A-941408E21AB4}" destId="{9A9A1DC7-8421-405C-A1B2-23E7D159420C}" srcOrd="1" destOrd="0" parTransId="{B9FFCA0D-B6E3-407A-B3A4-F6CADFC31537}" sibTransId="{D0518572-6583-4023-8076-B1F4D3A9E68D}"/>
-    <dgm:cxn modelId="{B7149903-ACE1-4B49-B0A8-9C57986F578C}" type="presOf" srcId="{E857D96C-B8A6-4667-BDD7-AB9220603659}" destId="{62B84F78-9685-4AAB-9823-238F76CA2A03}" srcOrd="0" destOrd="0" presId="urn:microsoft.com/office/officeart/2005/8/layout/list1"/>
-    <dgm:cxn modelId="{AAB7E0D9-4D40-4690-875C-0309D0B91D7B}" srcId="{65341B28-16F7-42D3-8B9A-941408E21AB4}" destId="{A9F79145-F002-4758-93B4-448596239D05}" srcOrd="4" destOrd="0" parTransId="{7878C60A-1892-4EA8-9C49-1A2FEC4CBD06}" sibTransId="{2D53E82C-49AF-42E0-B337-1E6D4E07B688}"/>
-    <dgm:cxn modelId="{CD8E3563-588C-465B-8585-6A76E847E296}" type="presOf" srcId="{65341B28-16F7-42D3-8B9A-941408E21AB4}" destId="{7E60168E-9F99-4D90-89A8-4869FF84A89F}" srcOrd="0" destOrd="0" presId="urn:microsoft.com/office/officeart/2005/8/layout/list1"/>
-    <dgm:cxn modelId="{BF5018D4-64CE-4B85-B25B-ED3CDAE8F55F}" type="presOf" srcId="{9A9A1DC7-8421-405C-A1B2-23E7D159420C}" destId="{A95B11DE-B16C-45D3-8B04-76951D8FD7D1}" srcOrd="0" destOrd="1" presId="urn:microsoft.com/office/officeart/2005/8/layout/list1"/>
-    <dgm:cxn modelId="{7D130724-A857-4788-9640-329CE51DA208}" srcId="{65341B28-16F7-42D3-8B9A-941408E21AB4}" destId="{52160674-192A-499C-8F41-D1022B6EBC7F}" srcOrd="2" destOrd="0" parTransId="{64847DE9-C7F3-4C0E-8D6F-27669DC93EBE}" sibTransId="{A01787A8-39CB-44C1-8DC5-04CEC5598F28}"/>
-    <dgm:cxn modelId="{E8876ED1-BB71-4095-8E6A-49FE78177813}" srcId="{65341B28-16F7-42D3-8B9A-941408E21AB4}" destId="{7F3FA403-B4E1-4F20-9FF7-50A3F88B1FF6}" srcOrd="0" destOrd="0" parTransId="{63F40D62-1EC2-4CDA-A797-0C4CDF7970D3}" sibTransId="{C0A6FBD3-41F0-4B0C-9C10-D7BE8FD05CB1}"/>
-    <dgm:cxn modelId="{8A6A301C-F399-4196-BD11-16D28C8BA491}" srcId="{65341B28-16F7-42D3-8B9A-941408E21AB4}" destId="{6EE36DDF-9E2C-466B-9202-F0EF8A13ABA9}" srcOrd="3" destOrd="0" parTransId="{8B068503-8C92-4A40-988B-DCB3E10A3626}" sibTransId="{62BA0177-860C-4810-9797-C757375BCE31}"/>
-    <dgm:cxn modelId="{59D13042-7504-48F3-9E6C-6E8254D94E59}" type="presOf" srcId="{6EE36DDF-9E2C-466B-9202-F0EF8A13ABA9}" destId="{A95B11DE-B16C-45D3-8B04-76951D8FD7D1}" srcOrd="0" destOrd="3" presId="urn:microsoft.com/office/officeart/2005/8/layout/list1"/>
-    <dgm:cxn modelId="{64AA224C-B9C1-4F59-A639-7A9623E3D63A}" type="presOf" srcId="{7F3FA403-B4E1-4F20-9FF7-50A3F88B1FF6}" destId="{A95B11DE-B16C-45D3-8B04-76951D8FD7D1}" srcOrd="0" destOrd="0" presId="urn:microsoft.com/office/officeart/2005/8/layout/list1"/>
-    <dgm:cxn modelId="{91A1ECF6-C77A-4EC4-93E6-4D7E60667D4E}" type="presOf" srcId="{7B10193E-BA34-421D-876E-A8A569F293E3}" destId="{0B3DD3A1-DF78-4D81-9CA6-A694778A0E9A}" srcOrd="0" destOrd="0" presId="urn:microsoft.com/office/officeart/2005/8/layout/list1"/>
-    <dgm:cxn modelId="{D5205008-41F2-476A-AB9A-6ED7A50C8232}" srcId="{7B10193E-BA34-421D-876E-A8A569F293E3}" destId="{E857D96C-B8A6-4667-BDD7-AB9220603659}" srcOrd="0" destOrd="0" parTransId="{F88ADF4E-8D69-43EF-9686-C5792585901E}" sibTransId="{FE8329DD-A1AD-4B35-90A1-DD7C8257558B}"/>
-    <dgm:cxn modelId="{0ABCD635-ECA2-49FB-8D49-C3B0532445B9}" type="presOf" srcId="{65341B28-16F7-42D3-8B9A-941408E21AB4}" destId="{B12455D7-8C1B-4A6C-ACEA-91D56A648EE9}" srcOrd="1" destOrd="0" presId="urn:microsoft.com/office/officeart/2005/8/layout/list1"/>
     <dgm:cxn modelId="{F75CC656-76B4-4485-82B6-08B5775BFFF9}" type="presParOf" srcId="{6B509932-FBF7-407F-BE8A-8C3CFCA157B0}" destId="{B2418AB1-4E63-41C0-B557-17F9D878797D}" srcOrd="0" destOrd="0" presId="urn:microsoft.com/office/officeart/2005/8/layout/list1"/>
     <dgm:cxn modelId="{64A48406-5236-4F0F-8DB2-9DAE93798A54}" type="presParOf" srcId="{B2418AB1-4E63-41C0-B557-17F9D878797D}" destId="{0B3DD3A1-DF78-4D81-9CA6-A694778A0E9A}" srcOrd="0" destOrd="0" presId="urn:microsoft.com/office/officeart/2005/8/layout/list1"/>
     <dgm:cxn modelId="{266E65E0-2BD3-4284-8CEE-D35EDF181D2C}" type="presParOf" srcId="{B2418AB1-4E63-41C0-B557-17F9D878797D}" destId="{507FB563-A6EC-4351-A8E4-9A40E4D08BB2}" srcOrd="1" destOrd="0" presId="urn:microsoft.com/office/officeart/2005/8/layout/list1"/>
@@ -6020,7 +6036,7 @@
   <dgm:whole/>
   <dgm:extLst>
     <a:ext uri="http://schemas.microsoft.com/office/drawing/2008/diagram">
-      <dsp:dataModelExt xmlns="" xmlns:dsp="http://schemas.microsoft.com/office/drawing/2008/diagram" relId="rId7" minVer="http://schemas.openxmlformats.org/drawingml/2006/diagram"/>
+      <dsp:dataModelExt xmlns:dsp="http://schemas.microsoft.com/office/drawing/2008/diagram" relId="rId7" minVer="http://schemas.openxmlformats.org/drawingml/2006/diagram"/>
     </a:ext>
   </dgm:extLst>
 </dgm:dataModel>
@@ -6030,7 +6046,7 @@
 <dgm:dataModel xmlns:dgm="http://schemas.openxmlformats.org/drawingml/2006/diagram" xmlns:a="http://schemas.openxmlformats.org/drawingml/2006/main">
   <dgm:ptLst>
     <dgm:pt modelId="{710CC1B8-CF4B-42E9-8CDC-B3F60D395880}" type="doc">
-      <dgm:prSet loTypeId="urn:microsoft.com/office/officeart/2005/8/layout/vList2" loCatId="list" qsTypeId="urn:microsoft.com/office/officeart/2005/8/quickstyle/3d2" qsCatId="3D" csTypeId="urn:microsoft.com/office/officeart/2005/8/colors/accent1_2" csCatId="accent1" phldr="1"/>
+      <dgm:prSet loTypeId="urn:microsoft.com/office/officeart/2005/8/layout/vList2" loCatId="list" qsTypeId="urn:microsoft.com/office/officeart/2005/8/quickstyle/3d2#1" qsCatId="3D" csTypeId="urn:microsoft.com/office/officeart/2005/8/colors/accent1_2" csCatId="accent1" phldr="1"/>
       <dgm:spPr/>
       <dgm:t>
         <a:bodyPr/>
@@ -6443,14 +6459,14 @@
     </dgm:pt>
   </dgm:ptLst>
   <dgm:cxnLst>
+    <dgm:cxn modelId="{78467869-1B25-436B-ADD5-066BA0A879F6}" srcId="{710CC1B8-CF4B-42E9-8CDC-B3F60D395880}" destId="{EBA8BB10-FFF2-4B23-93C1-FFFBAD4AE3B5}" srcOrd="2" destOrd="0" parTransId="{1F4B02A2-69CD-4A7D-BAFF-8E13910FAEC2}" sibTransId="{987370C8-A828-490F-B24C-C270E851CF17}"/>
+    <dgm:cxn modelId="{F315943B-DF3D-4529-B2B5-9A5D6C537ADE}" type="presOf" srcId="{3EFE4FDC-EE8D-4D20-8E92-4CA4716576A8}" destId="{E01ED28F-937A-4116-BF6F-7E11AD18770D}" srcOrd="0" destOrd="0" presId="urn:microsoft.com/office/officeart/2005/8/layout/vList2"/>
+    <dgm:cxn modelId="{36A4D188-C182-4F65-96BA-31CEBC206EB7}" srcId="{710CC1B8-CF4B-42E9-8CDC-B3F60D395880}" destId="{3EFE4FDC-EE8D-4D20-8E92-4CA4716576A8}" srcOrd="0" destOrd="0" parTransId="{B0F49FC6-4E7D-49DD-ABE2-D880F53E7CC3}" sibTransId="{CAAEE6B3-D6DE-4792-831C-98F54FDA21EB}"/>
+    <dgm:cxn modelId="{81BAF2A8-CEC9-4FA1-B034-238D94099926}" srcId="{710CC1B8-CF4B-42E9-8CDC-B3F60D395880}" destId="{2E890A5F-F468-448D-A4AB-4EDADDCFDA38}" srcOrd="3" destOrd="0" parTransId="{9E087EA3-53F5-41E5-994C-095F22AE9B68}" sibTransId="{717CD5BF-EAB7-4F43-9BD0-0870C59B714D}"/>
     <dgm:cxn modelId="{C713B679-5F80-42DB-96BB-0516035E7A14}" type="presOf" srcId="{2E890A5F-F468-448D-A4AB-4EDADDCFDA38}" destId="{8E7242B7-9968-4A8D-99A5-CE8B22470EA7}" srcOrd="0" destOrd="0" presId="urn:microsoft.com/office/officeart/2005/8/layout/vList2"/>
-    <dgm:cxn modelId="{81BAF2A8-CEC9-4FA1-B034-238D94099926}" srcId="{710CC1B8-CF4B-42E9-8CDC-B3F60D395880}" destId="{2E890A5F-F468-448D-A4AB-4EDADDCFDA38}" srcOrd="3" destOrd="0" parTransId="{9E087EA3-53F5-41E5-994C-095F22AE9B68}" sibTransId="{717CD5BF-EAB7-4F43-9BD0-0870C59B714D}"/>
+    <dgm:cxn modelId="{CC41A1A8-484A-4EEC-82DE-673741255DFC}" type="presOf" srcId="{EBA8BB10-FFF2-4B23-93C1-FFFBAD4AE3B5}" destId="{DAEE6E13-5CDB-4339-BD0B-4EC02EE63957}" srcOrd="0" destOrd="0" presId="urn:microsoft.com/office/officeart/2005/8/layout/vList2"/>
     <dgm:cxn modelId="{E596543E-EFB7-4258-9A58-E92AFF79A730}" srcId="{710CC1B8-CF4B-42E9-8CDC-B3F60D395880}" destId="{28057A9C-5546-4B24-B87F-40CE960EA89B}" srcOrd="1" destOrd="0" parTransId="{92B1FAB7-E213-4D50-BF3F-A3AC568F61E2}" sibTransId="{1988D661-B6C2-4746-80D2-A5691A110A10}"/>
-    <dgm:cxn modelId="{CC41A1A8-484A-4EEC-82DE-673741255DFC}" type="presOf" srcId="{EBA8BB10-FFF2-4B23-93C1-FFFBAD4AE3B5}" destId="{DAEE6E13-5CDB-4339-BD0B-4EC02EE63957}" srcOrd="0" destOrd="0" presId="urn:microsoft.com/office/officeart/2005/8/layout/vList2"/>
-    <dgm:cxn modelId="{F315943B-DF3D-4529-B2B5-9A5D6C537ADE}" type="presOf" srcId="{3EFE4FDC-EE8D-4D20-8E92-4CA4716576A8}" destId="{E01ED28F-937A-4116-BF6F-7E11AD18770D}" srcOrd="0" destOrd="0" presId="urn:microsoft.com/office/officeart/2005/8/layout/vList2"/>
     <dgm:cxn modelId="{D99819A0-0B57-4191-9F64-69BD3C64E5B2}" type="presOf" srcId="{710CC1B8-CF4B-42E9-8CDC-B3F60D395880}" destId="{26647C80-A07D-432B-B668-26746295BD18}" srcOrd="0" destOrd="0" presId="urn:microsoft.com/office/officeart/2005/8/layout/vList2"/>
-    <dgm:cxn modelId="{78467869-1B25-436B-ADD5-066BA0A879F6}" srcId="{710CC1B8-CF4B-42E9-8CDC-B3F60D395880}" destId="{EBA8BB10-FFF2-4B23-93C1-FFFBAD4AE3B5}" srcOrd="2" destOrd="0" parTransId="{1F4B02A2-69CD-4A7D-BAFF-8E13910FAEC2}" sibTransId="{987370C8-A828-490F-B24C-C270E851CF17}"/>
-    <dgm:cxn modelId="{36A4D188-C182-4F65-96BA-31CEBC206EB7}" srcId="{710CC1B8-CF4B-42E9-8CDC-B3F60D395880}" destId="{3EFE4FDC-EE8D-4D20-8E92-4CA4716576A8}" srcOrd="0" destOrd="0" parTransId="{B0F49FC6-4E7D-49DD-ABE2-D880F53E7CC3}" sibTransId="{CAAEE6B3-D6DE-4792-831C-98F54FDA21EB}"/>
     <dgm:cxn modelId="{60910BFA-F304-4B32-B606-6452EF436FB6}" type="presOf" srcId="{28057A9C-5546-4B24-B87F-40CE960EA89B}" destId="{FE55E3FA-1C2B-4407-B92B-6DD99FA3813F}" srcOrd="0" destOrd="0" presId="urn:microsoft.com/office/officeart/2005/8/layout/vList2"/>
     <dgm:cxn modelId="{2E6897F6-90CC-4CC9-9508-B8D948B0AA8C}" type="presParOf" srcId="{26647C80-A07D-432B-B668-26746295BD18}" destId="{E01ED28F-937A-4116-BF6F-7E11AD18770D}" srcOrd="0" destOrd="0" presId="urn:microsoft.com/office/officeart/2005/8/layout/vList2"/>
     <dgm:cxn modelId="{8BED07BF-7D34-47C8-B7ED-AE088565D1C0}" type="presParOf" srcId="{26647C80-A07D-432B-B668-26746295BD18}" destId="{B3D38E42-ED58-49CF-AAE2-394BE38B8FE0}" srcOrd="1" destOrd="0" presId="urn:microsoft.com/office/officeart/2005/8/layout/vList2"/>
@@ -6464,7 +6480,7 @@
   <dgm:whole/>
   <dgm:extLst>
     <a:ext uri="http://schemas.microsoft.com/office/drawing/2008/diagram">
-      <dsp:dataModelExt xmlns="" xmlns:dsp="http://schemas.microsoft.com/office/drawing/2008/diagram" relId="rId7" minVer="http://schemas.openxmlformats.org/drawingml/2006/diagram"/>
+      <dsp:dataModelExt xmlns:dsp="http://schemas.microsoft.com/office/drawing/2008/diagram" relId="rId7" minVer="http://schemas.openxmlformats.org/drawingml/2006/diagram"/>
     </a:ext>
   </dgm:extLst>
 </dgm:dataModel>
@@ -6474,7 +6490,7 @@
 <dgm:dataModel xmlns:dgm="http://schemas.openxmlformats.org/drawingml/2006/diagram" xmlns:a="http://schemas.openxmlformats.org/drawingml/2006/main">
   <dgm:ptLst>
     <dgm:pt modelId="{E4EC5A2B-FC67-48DB-96C1-682D438DEF2A}" type="doc">
-      <dgm:prSet loTypeId="urn:microsoft.com/office/officeart/2005/8/layout/chevron2" loCatId="process" qsTypeId="urn:microsoft.com/office/officeart/2005/8/quickstyle/3d2" qsCatId="3D" csTypeId="urn:microsoft.com/office/officeart/2005/8/colors/accent1_2" csCatId="accent1" phldr="1"/>
+      <dgm:prSet loTypeId="urn:microsoft.com/office/officeart/2005/8/layout/chevron2" loCatId="process" qsTypeId="urn:microsoft.com/office/officeart/2005/8/quickstyle/3d2#2" qsCatId="3D" csTypeId="urn:microsoft.com/office/officeart/2005/8/colors/accent1_2" csCatId="accent1" phldr="1"/>
       <dgm:spPr/>
       <dgm:t>
         <a:bodyPr/>
@@ -7136,19 +7152,19 @@
     </dgm:pt>
   </dgm:ptLst>
   <dgm:cxnLst>
-    <dgm:cxn modelId="{93EFD155-506D-4756-A5C5-756880F204FB}" type="presOf" srcId="{A3768D52-7E7B-4E17-90B3-B46BD3A5EA68}" destId="{EDA8D838-EF91-43E9-B825-1A62AA959244}" srcOrd="0" destOrd="0" presId="urn:microsoft.com/office/officeart/2005/8/layout/chevron2"/>
-    <dgm:cxn modelId="{770D6014-C8E2-4AB9-BA8C-99E4B76A1A46}" srcId="{E4EC5A2B-FC67-48DB-96C1-682D438DEF2A}" destId="{0E3E75AB-D02D-43E6-B6E9-55F915E49B99}" srcOrd="0" destOrd="0" parTransId="{C3802E0B-8DEE-444F-B912-823E16396B2F}" sibTransId="{950F85E2-D8B0-4856-9033-7666834C2CAE}"/>
-    <dgm:cxn modelId="{50BB4CD5-157A-4824-BC0B-B13B1DC0C784}" srcId="{A3768D52-7E7B-4E17-90B3-B46BD3A5EA68}" destId="{A4B635B7-4E08-4D09-B6F0-EF35E4CE5365}" srcOrd="0" destOrd="0" parTransId="{0CD25F49-14F3-41A3-8497-46D47B939A1B}" sibTransId="{BD2348D6-86AC-4DDF-8906-C4635A5A2C62}"/>
-    <dgm:cxn modelId="{AC255963-926D-4B91-86F4-4829033942B6}" type="presOf" srcId="{A4B635B7-4E08-4D09-B6F0-EF35E4CE5365}" destId="{23D4629C-CFD0-4B8D-BC87-16903194FF9B}" srcOrd="0" destOrd="0" presId="urn:microsoft.com/office/officeart/2005/8/layout/chevron2"/>
-    <dgm:cxn modelId="{E5809EFD-6D39-4452-9DF3-316062FD4EFF}" type="presOf" srcId="{7F057D7F-A9AD-411E-898B-D3C6C49E0F2F}" destId="{A4842830-7F47-4762-A230-7CFFA5089535}" srcOrd="0" destOrd="0" presId="urn:microsoft.com/office/officeart/2005/8/layout/chevron2"/>
     <dgm:cxn modelId="{9DBB24C2-A34A-4D1F-A448-EC08D77BD249}" srcId="{0E3E75AB-D02D-43E6-B6E9-55F915E49B99}" destId="{7F057D7F-A9AD-411E-898B-D3C6C49E0F2F}" srcOrd="0" destOrd="0" parTransId="{5E0ED776-9BC2-4B4E-8E85-BC8A1710D946}" sibTransId="{AF096125-3F89-435F-B30C-C90261A82089}"/>
     <dgm:cxn modelId="{41E6BAE8-28D5-4270-8E42-943BB9A18C45}" type="presOf" srcId="{0E3E75AB-D02D-43E6-B6E9-55F915E49B99}" destId="{08C049D6-42D9-45ED-AEA7-EA7F4B18F6BF}" srcOrd="0" destOrd="0" presId="urn:microsoft.com/office/officeart/2005/8/layout/chevron2"/>
-    <dgm:cxn modelId="{059B9202-8157-4FC5-9CEA-75596EEDDB14}" srcId="{F9DA0276-366F-4096-9271-84737F07584E}" destId="{B00FE53E-3839-4767-BC4C-4A89B0C388E9}" srcOrd="0" destOrd="0" parTransId="{1D99933F-444B-486D-89DF-1B51F57F589C}" sibTransId="{11B4860C-08A1-4B84-B96E-CC1261B83969}"/>
-    <dgm:cxn modelId="{9A7758B5-4879-4E75-9E8A-18A2F248026E}" type="presOf" srcId="{F9DA0276-366F-4096-9271-84737F07584E}" destId="{5F30603D-CC0C-4516-9205-DD1F5FFD2F1E}" srcOrd="0" destOrd="0" presId="urn:microsoft.com/office/officeart/2005/8/layout/chevron2"/>
+    <dgm:cxn modelId="{4BCEE872-53B5-4B94-AF44-79F9353054EC}" srcId="{E4EC5A2B-FC67-48DB-96C1-682D438DEF2A}" destId="{F9DA0276-366F-4096-9271-84737F07584E}" srcOrd="1" destOrd="0" parTransId="{A67E0FF6-496A-42CC-90BF-3D2D0C56DAFE}" sibTransId="{35CDB4EB-ED13-4F68-8AC2-0544DFC1C7FB}"/>
+    <dgm:cxn modelId="{770D6014-C8E2-4AB9-BA8C-99E4B76A1A46}" srcId="{E4EC5A2B-FC67-48DB-96C1-682D438DEF2A}" destId="{0E3E75AB-D02D-43E6-B6E9-55F915E49B99}" srcOrd="0" destOrd="0" parTransId="{C3802E0B-8DEE-444F-B912-823E16396B2F}" sibTransId="{950F85E2-D8B0-4856-9033-7666834C2CAE}"/>
+    <dgm:cxn modelId="{93EFD155-506D-4756-A5C5-756880F204FB}" type="presOf" srcId="{A3768D52-7E7B-4E17-90B3-B46BD3A5EA68}" destId="{EDA8D838-EF91-43E9-B825-1A62AA959244}" srcOrd="0" destOrd="0" presId="urn:microsoft.com/office/officeart/2005/8/layout/chevron2"/>
     <dgm:cxn modelId="{0EB96B45-6591-437C-BC80-3BA27D8B2718}" type="presOf" srcId="{B00FE53E-3839-4767-BC4C-4A89B0C388E9}" destId="{69DB3F3B-CA82-4BFE-B793-DC8826C101E2}" srcOrd="0" destOrd="0" presId="urn:microsoft.com/office/officeart/2005/8/layout/chevron2"/>
     <dgm:cxn modelId="{9489CF7D-ECD7-475A-B718-041F6A9A3084}" type="presOf" srcId="{E4EC5A2B-FC67-48DB-96C1-682D438DEF2A}" destId="{30F71B18-8C96-48BA-BE8F-1DCD4652B365}" srcOrd="0" destOrd="0" presId="urn:microsoft.com/office/officeart/2005/8/layout/chevron2"/>
-    <dgm:cxn modelId="{4BCEE872-53B5-4B94-AF44-79F9353054EC}" srcId="{E4EC5A2B-FC67-48DB-96C1-682D438DEF2A}" destId="{F9DA0276-366F-4096-9271-84737F07584E}" srcOrd="1" destOrd="0" parTransId="{A67E0FF6-496A-42CC-90BF-3D2D0C56DAFE}" sibTransId="{35CDB4EB-ED13-4F68-8AC2-0544DFC1C7FB}"/>
+    <dgm:cxn modelId="{9A7758B5-4879-4E75-9E8A-18A2F248026E}" type="presOf" srcId="{F9DA0276-366F-4096-9271-84737F07584E}" destId="{5F30603D-CC0C-4516-9205-DD1F5FFD2F1E}" srcOrd="0" destOrd="0" presId="urn:microsoft.com/office/officeart/2005/8/layout/chevron2"/>
+    <dgm:cxn modelId="{AC255963-926D-4B91-86F4-4829033942B6}" type="presOf" srcId="{A4B635B7-4E08-4D09-B6F0-EF35E4CE5365}" destId="{23D4629C-CFD0-4B8D-BC87-16903194FF9B}" srcOrd="0" destOrd="0" presId="urn:microsoft.com/office/officeart/2005/8/layout/chevron2"/>
     <dgm:cxn modelId="{FB2560BD-1C9F-4739-AC23-62ECD4273B0B}" srcId="{E4EC5A2B-FC67-48DB-96C1-682D438DEF2A}" destId="{A3768D52-7E7B-4E17-90B3-B46BD3A5EA68}" srcOrd="2" destOrd="0" parTransId="{98A2519D-098A-4E1F-B4D6-23CDDF2A4214}" sibTransId="{6902AA09-E6FD-464A-82E9-C76086292E09}"/>
+    <dgm:cxn modelId="{059B9202-8157-4FC5-9CEA-75596EEDDB14}" srcId="{F9DA0276-366F-4096-9271-84737F07584E}" destId="{B00FE53E-3839-4767-BC4C-4A89B0C388E9}" srcOrd="0" destOrd="0" parTransId="{1D99933F-444B-486D-89DF-1B51F57F589C}" sibTransId="{11B4860C-08A1-4B84-B96E-CC1261B83969}"/>
+    <dgm:cxn modelId="{E5809EFD-6D39-4452-9DF3-316062FD4EFF}" type="presOf" srcId="{7F057D7F-A9AD-411E-898B-D3C6C49E0F2F}" destId="{A4842830-7F47-4762-A230-7CFFA5089535}" srcOrd="0" destOrd="0" presId="urn:microsoft.com/office/officeart/2005/8/layout/chevron2"/>
+    <dgm:cxn modelId="{50BB4CD5-157A-4824-BC0B-B13B1DC0C784}" srcId="{A3768D52-7E7B-4E17-90B3-B46BD3A5EA68}" destId="{A4B635B7-4E08-4D09-B6F0-EF35E4CE5365}" srcOrd="0" destOrd="0" parTransId="{0CD25F49-14F3-41A3-8497-46D47B939A1B}" sibTransId="{BD2348D6-86AC-4DDF-8906-C4635A5A2C62}"/>
     <dgm:cxn modelId="{8EA47E57-999C-4348-BB10-7963EB826DB5}" type="presParOf" srcId="{30F71B18-8C96-48BA-BE8F-1DCD4652B365}" destId="{E9A2C469-2E3B-4A5D-96D8-EEEF77B91FF3}" srcOrd="0" destOrd="0" presId="urn:microsoft.com/office/officeart/2005/8/layout/chevron2"/>
     <dgm:cxn modelId="{494A00EC-569A-4B86-A2AE-4B21EF658965}" type="presParOf" srcId="{E9A2C469-2E3B-4A5D-96D8-EEEF77B91FF3}" destId="{08C049D6-42D9-45ED-AEA7-EA7F4B18F6BF}" srcOrd="0" destOrd="0" presId="urn:microsoft.com/office/officeart/2005/8/layout/chevron2"/>
     <dgm:cxn modelId="{55065B95-C86C-43FD-AE76-5970336CF6C9}" type="presParOf" srcId="{E9A2C469-2E3B-4A5D-96D8-EEEF77B91FF3}" destId="{A4842830-7F47-4762-A230-7CFFA5089535}" srcOrd="1" destOrd="0" presId="urn:microsoft.com/office/officeart/2005/8/layout/chevron2"/>
@@ -7165,7 +7181,7 @@
   <dgm:whole/>
   <dgm:extLst>
     <a:ext uri="http://schemas.microsoft.com/office/drawing/2008/diagram">
-      <dsp:dataModelExt xmlns="" xmlns:dsp="http://schemas.microsoft.com/office/drawing/2008/diagram" relId="rId7" minVer="http://schemas.openxmlformats.org/drawingml/2006/diagram"/>
+      <dsp:dataModelExt xmlns:dsp="http://schemas.microsoft.com/office/drawing/2008/diagram" relId="rId7" minVer="http://schemas.openxmlformats.org/drawingml/2006/diagram"/>
     </a:ext>
   </dgm:extLst>
 </dgm:dataModel>
@@ -7601,14 +7617,14 @@
     </dgm:pt>
   </dgm:ptLst>
   <dgm:cxnLst>
+    <dgm:cxn modelId="{C4B76628-74DA-47BB-8DD9-261C6D4E9CFE}" type="presOf" srcId="{259EF1A2-6B18-47EA-98E7-DCD82ED7A230}" destId="{6878D565-5EF5-410A-8DE8-46356999E479}" srcOrd="0" destOrd="0" presId="urn:microsoft.com/office/officeart/2008/layout/VerticalCurvedList"/>
+    <dgm:cxn modelId="{C0E5E5D7-642E-4A32-B17B-9E41DA233F54}" srcId="{259EF1A2-6B18-47EA-98E7-DCD82ED7A230}" destId="{F7128183-12DC-471D-8EF7-708EEFE5C0F5}" srcOrd="1" destOrd="0" parTransId="{02D763A2-FD67-49AB-BC20-C4E26B8BD325}" sibTransId="{4FA0C82E-87B2-4962-8E3A-DC334104C476}"/>
+    <dgm:cxn modelId="{49C04B59-484D-4ABA-8EAB-E5FCD3ECBC5F}" srcId="{259EF1A2-6B18-47EA-98E7-DCD82ED7A230}" destId="{5727C46D-F3C6-4145-A21B-07823BB57F83}" srcOrd="2" destOrd="0" parTransId="{2EF633E2-09C8-4788-B4BF-D2ECF335E733}" sibTransId="{B4B55E32-52EE-4E6E-B3A6-E2A47469E088}"/>
+    <dgm:cxn modelId="{4FDDE439-99E5-40C1-BEE3-9B641C9A99DD}" type="presOf" srcId="{5727C46D-F3C6-4145-A21B-07823BB57F83}" destId="{5BCCE0D2-A96E-4552-821C-65177C1F1320}" srcOrd="0" destOrd="0" presId="urn:microsoft.com/office/officeart/2008/layout/VerticalCurvedList"/>
     <dgm:cxn modelId="{C8DB5A6F-8972-4552-8693-DE1C3A52C03F}" type="presOf" srcId="{F4CBBDCC-5BEC-4564-96B5-BFA0A1F3CF21}" destId="{21248C11-23A0-4510-9C63-C01133435F48}" srcOrd="0" destOrd="0" presId="urn:microsoft.com/office/officeart/2008/layout/VerticalCurvedList"/>
-    <dgm:cxn modelId="{C0E5E5D7-642E-4A32-B17B-9E41DA233F54}" srcId="{259EF1A2-6B18-47EA-98E7-DCD82ED7A230}" destId="{F7128183-12DC-471D-8EF7-708EEFE5C0F5}" srcOrd="1" destOrd="0" parTransId="{02D763A2-FD67-49AB-BC20-C4E26B8BD325}" sibTransId="{4FA0C82E-87B2-4962-8E3A-DC334104C476}"/>
     <dgm:cxn modelId="{4371A9DB-4C8D-4489-BB18-87150B026257}" srcId="{259EF1A2-6B18-47EA-98E7-DCD82ED7A230}" destId="{F4CBBDCC-5BEC-4564-96B5-BFA0A1F3CF21}" srcOrd="0" destOrd="0" parTransId="{7B44388B-DA66-44A1-9898-DFDC242D7CB2}" sibTransId="{CC4EFF92-25B3-4D3B-A34B-5A23F51C0322}"/>
-    <dgm:cxn modelId="{4FDDE439-99E5-40C1-BEE3-9B641C9A99DD}" type="presOf" srcId="{5727C46D-F3C6-4145-A21B-07823BB57F83}" destId="{5BCCE0D2-A96E-4552-821C-65177C1F1320}" srcOrd="0" destOrd="0" presId="urn:microsoft.com/office/officeart/2008/layout/VerticalCurvedList"/>
-    <dgm:cxn modelId="{49C04B59-484D-4ABA-8EAB-E5FCD3ECBC5F}" srcId="{259EF1A2-6B18-47EA-98E7-DCD82ED7A230}" destId="{5727C46D-F3C6-4145-A21B-07823BB57F83}" srcOrd="2" destOrd="0" parTransId="{2EF633E2-09C8-4788-B4BF-D2ECF335E733}" sibTransId="{B4B55E32-52EE-4E6E-B3A6-E2A47469E088}"/>
+    <dgm:cxn modelId="{8B8FA745-AD4C-499A-8B61-E1385E9393A2}" type="presOf" srcId="{CC4EFF92-25B3-4D3B-A34B-5A23F51C0322}" destId="{44200033-BAD5-4256-8683-97C398087933}" srcOrd="0" destOrd="0" presId="urn:microsoft.com/office/officeart/2008/layout/VerticalCurvedList"/>
     <dgm:cxn modelId="{66729D6D-4FA2-4334-9B0E-AD3283213DBD}" type="presOf" srcId="{F7128183-12DC-471D-8EF7-708EEFE5C0F5}" destId="{89975417-7058-4D30-A7D1-67B0DA2F9A34}" srcOrd="0" destOrd="0" presId="urn:microsoft.com/office/officeart/2008/layout/VerticalCurvedList"/>
-    <dgm:cxn modelId="{C4B76628-74DA-47BB-8DD9-261C6D4E9CFE}" type="presOf" srcId="{259EF1A2-6B18-47EA-98E7-DCD82ED7A230}" destId="{6878D565-5EF5-410A-8DE8-46356999E479}" srcOrd="0" destOrd="0" presId="urn:microsoft.com/office/officeart/2008/layout/VerticalCurvedList"/>
-    <dgm:cxn modelId="{8B8FA745-AD4C-499A-8B61-E1385E9393A2}" type="presOf" srcId="{CC4EFF92-25B3-4D3B-A34B-5A23F51C0322}" destId="{44200033-BAD5-4256-8683-97C398087933}" srcOrd="0" destOrd="0" presId="urn:microsoft.com/office/officeart/2008/layout/VerticalCurvedList"/>
     <dgm:cxn modelId="{63B81460-F425-4B50-B362-14E69ED53316}" type="presParOf" srcId="{6878D565-5EF5-410A-8DE8-46356999E479}" destId="{76FCB9F4-A329-4322-B49F-9955F04C312C}" srcOrd="0" destOrd="0" presId="urn:microsoft.com/office/officeart/2008/layout/VerticalCurvedList"/>
     <dgm:cxn modelId="{0D410EF1-D571-407F-B452-607501A8BE5B}" type="presParOf" srcId="{76FCB9F4-A329-4322-B49F-9955F04C312C}" destId="{ACD6F486-BC7B-44AD-8A03-F0040D40F505}" srcOrd="0" destOrd="0" presId="urn:microsoft.com/office/officeart/2008/layout/VerticalCurvedList"/>
     <dgm:cxn modelId="{72EBFE7E-60C1-4BE3-A187-94F2E83D7A91}" type="presParOf" srcId="{ACD6F486-BC7B-44AD-8A03-F0040D40F505}" destId="{FB22FFAF-ED84-46C7-AB75-0EF7CCB2EC98}" srcOrd="0" destOrd="0" presId="urn:microsoft.com/office/officeart/2008/layout/VerticalCurvedList"/>
@@ -7629,7 +7645,7 @@
   <dgm:whole/>
   <dgm:extLst>
     <a:ext uri="http://schemas.microsoft.com/office/drawing/2008/diagram">
-      <dsp:dataModelExt xmlns="" xmlns:dsp="http://schemas.microsoft.com/office/drawing/2008/diagram" relId="rId7" minVer="http://schemas.openxmlformats.org/drawingml/2006/diagram"/>
+      <dsp:dataModelExt xmlns:dsp="http://schemas.microsoft.com/office/drawing/2008/diagram" relId="rId7" minVer="http://schemas.openxmlformats.org/drawingml/2006/diagram"/>
     </a:ext>
   </dgm:extLst>
 </dgm:dataModel>
@@ -16996,7 +17012,7 @@
 </file>
 
 <file path=ppt/diagrams/quickStyle3.xml><?xml version="1.0" encoding="utf-8"?>
-<dgm:styleDef xmlns:dgm="http://schemas.openxmlformats.org/drawingml/2006/diagram" xmlns:a="http://schemas.openxmlformats.org/drawingml/2006/main" uniqueId="urn:microsoft.com/office/officeart/2005/8/quickstyle/3d2">
+<dgm:styleDef xmlns:dgm="http://schemas.openxmlformats.org/drawingml/2006/diagram" xmlns:a="http://schemas.openxmlformats.org/drawingml/2006/main" uniqueId="urn:microsoft.com/office/officeart/2005/8/quickstyle/3d2#1">
   <dgm:title val=""/>
   <dgm:desc val=""/>
   <dgm:catLst>
@@ -18258,7 +18274,7 @@
 </file>
 
 <file path=ppt/diagrams/quickStyle4.xml><?xml version="1.0" encoding="utf-8"?>
-<dgm:styleDef xmlns:dgm="http://schemas.openxmlformats.org/drawingml/2006/diagram" xmlns:a="http://schemas.openxmlformats.org/drawingml/2006/main" uniqueId="urn:microsoft.com/office/officeart/2005/8/quickstyle/3d2">
+<dgm:styleDef xmlns:dgm="http://schemas.openxmlformats.org/drawingml/2006/diagram" xmlns:a="http://schemas.openxmlformats.org/drawingml/2006/main" uniqueId="urn:microsoft.com/office/officeart/2005/8/quickstyle/3d2#2">
   <dgm:title val=""/>
   <dgm:desc val=""/>
   <dgm:catLst>
@@ -20636,7 +20652,7 @@
             <a:fld id="{37E7B2E0-EA1A-4A05-A520-0679871926B3}" type="datetimeFigureOut">
               <a:rPr lang="en-US" smtClean="0"/>
               <a:pPr/>
-              <a:t>15-01-2016</a:t>
+              <a:t>27/9/2018</a:t>
             </a:fld>
             <a:endParaRPr lang="en-US"/>
           </a:p>
@@ -20807,7 +20823,7 @@
     </p:spTree>
     <p:extLst>
       <p:ext uri="{BB962C8B-B14F-4D97-AF65-F5344CB8AC3E}">
-        <p14:creationId xmlns="" xmlns:p14="http://schemas.microsoft.com/office/powerpoint/2010/main" val="1287541048"/>
+        <p14:creationId xmlns:p14="http://schemas.microsoft.com/office/powerpoint/2010/main" val="1287541048"/>
       </p:ext>
     </p:extLst>
   </p:cSld>
@@ -21117,14 +21133,12 @@
         <p:spPr/>
         <p:txBody>
           <a:bodyPr/>
-          <a:lstStyle>
-            <a:extLst/>
-          </a:lstStyle>
+          <a:lstStyle/>
           <a:p>
             <a:fld id="{1D8BD707-D9CF-40AE-B4C6-C98DA3205C09}" type="datetimeFigureOut">
               <a:rPr lang="en-US" smtClean="0"/>
               <a:pPr/>
-              <a:t>15-01-2016</a:t>
+              <a:t>27/9/2018</a:t>
             </a:fld>
             <a:endParaRPr lang="en-US"/>
           </a:p>
@@ -21143,9 +21157,7 @@
         <p:spPr/>
         <p:txBody>
           <a:bodyPr/>
-          <a:lstStyle>
-            <a:extLst/>
-          </a:lstStyle>
+          <a:lstStyle/>
           <a:p>
             <a:endParaRPr lang="en-US"/>
           </a:p>
@@ -21164,9 +21176,7 @@
         <p:spPr/>
         <p:txBody>
           <a:bodyPr/>
-          <a:lstStyle>
-            <a:extLst/>
-          </a:lstStyle>
+          <a:lstStyle/>
           <a:p>
             <a:fld id="{B6F15528-21DE-4FAA-801E-634DDDAF4B2B}" type="slidenum">
               <a:rPr lang="en-US" smtClean="0"/>
@@ -21255,9 +21265,7 @@
         </p:style>
         <p:txBody>
           <a:bodyPr anchor="ctr"/>
-          <a:lstStyle>
-            <a:extLst/>
-          </a:lstStyle>
+          <a:lstStyle/>
           <a:p>
             <a:pPr algn="ctr" eaLnBrk="1" latinLnBrk="0" hangingPunct="1"/>
             <a:endParaRPr kumimoji="0" lang="en-US"/>
@@ -21306,9 +21314,7 @@
         </p:style>
         <p:txBody>
           <a:bodyPr anchor="ctr"/>
-          <a:lstStyle>
-            <a:extLst/>
-          </a:lstStyle>
+          <a:lstStyle/>
           <a:p>
             <a:pPr algn="ctr" eaLnBrk="1" latinLnBrk="0" hangingPunct="1"/>
             <a:endParaRPr kumimoji="0" lang="en-US"/>
@@ -21353,9 +21359,7 @@
         <p:spPr/>
         <p:txBody>
           <a:bodyPr/>
-          <a:lstStyle>
-            <a:extLst/>
-          </a:lstStyle>
+          <a:lstStyle/>
           <a:p>
             <a:r>
               <a:rPr kumimoji="0" lang="en-US" smtClean="0"/>
@@ -21378,9 +21382,7 @@
         <p:spPr/>
         <p:txBody>
           <a:bodyPr vert="eaVert"/>
-          <a:lstStyle>
-            <a:extLst/>
-          </a:lstStyle>
+          <a:lstStyle/>
           <a:p>
             <a:pPr lvl="0" eaLnBrk="1" latinLnBrk="0" hangingPunct="1"/>
             <a:r>
@@ -21432,14 +21434,12 @@
         <p:spPr/>
         <p:txBody>
           <a:bodyPr/>
-          <a:lstStyle>
-            <a:extLst/>
-          </a:lstStyle>
+          <a:lstStyle/>
           <a:p>
             <a:fld id="{1D8BD707-D9CF-40AE-B4C6-C98DA3205C09}" type="datetimeFigureOut">
               <a:rPr lang="en-US" smtClean="0"/>
               <a:pPr/>
-              <a:t>15-01-2016</a:t>
+              <a:t>27/9/2018</a:t>
             </a:fld>
             <a:endParaRPr lang="en-US"/>
           </a:p>
@@ -21458,9 +21458,7 @@
         <p:spPr/>
         <p:txBody>
           <a:bodyPr/>
-          <a:lstStyle>
-            <a:extLst/>
-          </a:lstStyle>
+          <a:lstStyle/>
           <a:p>
             <a:endParaRPr lang="en-US"/>
           </a:p>
@@ -21479,9 +21477,7 @@
         <p:spPr/>
         <p:txBody>
           <a:bodyPr/>
-          <a:lstStyle>
-            <a:extLst/>
-          </a:lstStyle>
+          <a:lstStyle/>
           <a:p>
             <a:fld id="{B6F15528-21DE-4FAA-801E-634DDDAF4B2B}" type="slidenum">
               <a:rPr lang="en-US" smtClean="0"/>
@@ -21535,9 +21531,7 @@
         </p:spPr>
         <p:txBody>
           <a:bodyPr vert="eaVert"/>
-          <a:lstStyle>
-            <a:extLst/>
-          </a:lstStyle>
+          <a:lstStyle/>
           <a:p>
             <a:r>
               <a:rPr kumimoji="0" lang="en-US" smtClean="0"/>
@@ -21565,9 +21559,7 @@
         </p:spPr>
         <p:txBody>
           <a:bodyPr vert="eaVert"/>
-          <a:lstStyle>
-            <a:extLst/>
-          </a:lstStyle>
+          <a:lstStyle/>
           <a:p>
             <a:pPr lvl="0" eaLnBrk="1" latinLnBrk="0" hangingPunct="1"/>
             <a:r>
@@ -21619,14 +21611,12 @@
         <p:spPr/>
         <p:txBody>
           <a:bodyPr/>
-          <a:lstStyle>
-            <a:extLst/>
-          </a:lstStyle>
+          <a:lstStyle/>
           <a:p>
             <a:fld id="{1D8BD707-D9CF-40AE-B4C6-C98DA3205C09}" type="datetimeFigureOut">
               <a:rPr lang="en-US" smtClean="0"/>
               <a:pPr/>
-              <a:t>15-01-2016</a:t>
+              <a:t>27/9/2018</a:t>
             </a:fld>
             <a:endParaRPr lang="en-US"/>
           </a:p>
@@ -21645,9 +21635,7 @@
         <p:spPr/>
         <p:txBody>
           <a:bodyPr/>
-          <a:lstStyle>
-            <a:extLst/>
-          </a:lstStyle>
+          <a:lstStyle/>
           <a:p>
             <a:endParaRPr lang="en-US"/>
           </a:p>
@@ -21666,9 +21654,7 @@
         <p:spPr/>
         <p:txBody>
           <a:bodyPr/>
-          <a:lstStyle>
-            <a:extLst/>
-          </a:lstStyle>
+          <a:lstStyle/>
           <a:p>
             <a:fld id="{B6F15528-21DE-4FAA-801E-634DDDAF4B2B}" type="slidenum">
               <a:rPr lang="en-US" smtClean="0"/>
@@ -21717,9 +21703,7 @@
         <p:spPr/>
         <p:txBody>
           <a:bodyPr/>
-          <a:lstStyle>
-            <a:extLst/>
-          </a:lstStyle>
+          <a:lstStyle/>
           <a:p>
             <a:r>
               <a:rPr kumimoji="0" lang="en-US" smtClean="0"/>
@@ -21742,9 +21726,7 @@
         <p:spPr/>
         <p:txBody>
           <a:bodyPr/>
-          <a:lstStyle>
-            <a:extLst/>
-          </a:lstStyle>
+          <a:lstStyle/>
           <a:p>
             <a:pPr lvl="0" eaLnBrk="1" latinLnBrk="0" hangingPunct="1"/>
             <a:r>
@@ -21796,14 +21778,12 @@
         <p:spPr/>
         <p:txBody>
           <a:bodyPr/>
-          <a:lstStyle>
-            <a:extLst/>
-          </a:lstStyle>
+          <a:lstStyle/>
           <a:p>
             <a:fld id="{1D8BD707-D9CF-40AE-B4C6-C98DA3205C09}" type="datetimeFigureOut">
               <a:rPr lang="en-US" smtClean="0"/>
               <a:pPr/>
-              <a:t>15-01-2016</a:t>
+              <a:t>27/9/2018</a:t>
             </a:fld>
             <a:endParaRPr lang="en-US"/>
           </a:p>
@@ -21822,9 +21802,7 @@
         <p:spPr/>
         <p:txBody>
           <a:bodyPr/>
-          <a:lstStyle>
-            <a:extLst/>
-          </a:lstStyle>
+          <a:lstStyle/>
           <a:p>
             <a:endParaRPr lang="en-US"/>
           </a:p>
@@ -21843,9 +21821,7 @@
         <p:spPr/>
         <p:txBody>
           <a:bodyPr/>
-          <a:lstStyle>
-            <a:extLst/>
-          </a:lstStyle>
+          <a:lstStyle/>
           <a:p>
             <a:fld id="{B6F15528-21DE-4FAA-801E-634DDDAF4B2B}" type="slidenum">
               <a:rPr lang="en-US" smtClean="0"/>
@@ -21920,9 +21896,7 @@
         </p:style>
         <p:txBody>
           <a:bodyPr anchor="ctr"/>
-          <a:lstStyle>
-            <a:extLst/>
-          </a:lstStyle>
+          <a:lstStyle/>
           <a:p>
             <a:pPr algn="ctr" eaLnBrk="1" latinLnBrk="0" hangingPunct="1"/>
             <a:endParaRPr kumimoji="0" lang="en-US"/>
@@ -22066,14 +22040,12 @@
         <p:spPr/>
         <p:txBody>
           <a:bodyPr/>
-          <a:lstStyle>
-            <a:extLst/>
-          </a:lstStyle>
+          <a:lstStyle/>
           <a:p>
             <a:fld id="{1D8BD707-D9CF-40AE-B4C6-C98DA3205C09}" type="datetimeFigureOut">
               <a:rPr lang="en-US" smtClean="0"/>
               <a:pPr/>
-              <a:t>15-01-2016</a:t>
+              <a:t>27/9/2018</a:t>
             </a:fld>
             <a:endParaRPr lang="en-US"/>
           </a:p>
@@ -22092,9 +22064,7 @@
         <p:spPr/>
         <p:txBody>
           <a:bodyPr/>
-          <a:lstStyle>
-            <a:extLst/>
-          </a:lstStyle>
+          <a:lstStyle/>
           <a:p>
             <a:endParaRPr lang="en-US"/>
           </a:p>
@@ -22113,9 +22083,7 @@
         <p:spPr/>
         <p:txBody>
           <a:bodyPr/>
-          <a:lstStyle>
-            <a:extLst/>
-          </a:lstStyle>
+          <a:lstStyle/>
           <a:p>
             <a:fld id="{B6F15528-21DE-4FAA-801E-634DDDAF4B2B}" type="slidenum">
               <a:rPr lang="en-US" smtClean="0"/>
@@ -22173,9 +22141,7 @@
         </p:style>
         <p:txBody>
           <a:bodyPr anchor="ctr"/>
-          <a:lstStyle>
-            <a:extLst/>
-          </a:lstStyle>
+          <a:lstStyle/>
           <a:p>
             <a:pPr algn="ctr" eaLnBrk="1" latinLnBrk="0" hangingPunct="1"/>
             <a:endParaRPr kumimoji="0" lang="en-US"/>
@@ -22260,9 +22226,7 @@
         </p:style>
         <p:txBody>
           <a:bodyPr anchor="ctr"/>
-          <a:lstStyle>
-            <a:extLst/>
-          </a:lstStyle>
+          <a:lstStyle/>
           <a:p>
             <a:pPr algn="ctr" eaLnBrk="1" latinLnBrk="0" hangingPunct="1"/>
             <a:endParaRPr kumimoji="0" lang="en-US"/>
@@ -22311,9 +22275,7 @@
         </p:style>
         <p:txBody>
           <a:bodyPr anchor="ctr"/>
-          <a:lstStyle>
-            <a:extLst/>
-          </a:lstStyle>
+          <a:lstStyle/>
           <a:p>
             <a:pPr algn="ctr" eaLnBrk="1" latinLnBrk="0" hangingPunct="1"/>
             <a:endParaRPr kumimoji="0" lang="en-US"/>
@@ -22363,9 +22325,7 @@
         </p:spPr>
         <p:txBody>
           <a:bodyPr/>
-          <a:lstStyle>
-            <a:extLst/>
-          </a:lstStyle>
+          <a:lstStyle/>
           <a:p>
             <a:r>
               <a:rPr kumimoji="0" lang="en-US" smtClean="0"/>
@@ -22536,14 +22496,12 @@
         <p:spPr/>
         <p:txBody>
           <a:bodyPr/>
-          <a:lstStyle>
-            <a:extLst/>
-          </a:lstStyle>
+          <a:lstStyle/>
           <a:p>
             <a:fld id="{1D8BD707-D9CF-40AE-B4C6-C98DA3205C09}" type="datetimeFigureOut">
               <a:rPr lang="en-US" smtClean="0"/>
               <a:pPr/>
-              <a:t>15-01-2016</a:t>
+              <a:t>27/9/2018</a:t>
             </a:fld>
             <a:endParaRPr lang="en-US"/>
           </a:p>
@@ -22562,9 +22520,7 @@
         <p:spPr/>
         <p:txBody>
           <a:bodyPr/>
-          <a:lstStyle>
-            <a:extLst/>
-          </a:lstStyle>
+          <a:lstStyle/>
           <a:p>
             <a:endParaRPr lang="en-US"/>
           </a:p>
@@ -22583,9 +22539,7 @@
         <p:spPr/>
         <p:txBody>
           <a:bodyPr/>
-          <a:lstStyle>
-            <a:extLst/>
-          </a:lstStyle>
+          <a:lstStyle/>
           <a:p>
             <a:fld id="{B6F15528-21DE-4FAA-801E-634DDDAF4B2B}" type="slidenum">
               <a:rPr lang="en-US" smtClean="0"/>
@@ -23027,14 +22981,12 @@
         <p:spPr/>
         <p:txBody>
           <a:bodyPr/>
-          <a:lstStyle>
-            <a:extLst/>
-          </a:lstStyle>
+          <a:lstStyle/>
           <a:p>
             <a:fld id="{1D8BD707-D9CF-40AE-B4C6-C98DA3205C09}" type="datetimeFigureOut">
               <a:rPr lang="en-US" smtClean="0"/>
               <a:pPr/>
-              <a:t>15-01-2016</a:t>
+              <a:t>27/9/2018</a:t>
             </a:fld>
             <a:endParaRPr lang="en-US"/>
           </a:p>
@@ -23053,9 +23005,7 @@
         <p:spPr/>
         <p:txBody>
           <a:bodyPr/>
-          <a:lstStyle>
-            <a:extLst/>
-          </a:lstStyle>
+          <a:lstStyle/>
           <a:p>
             <a:endParaRPr lang="en-US"/>
           </a:p>
@@ -23074,9 +23024,7 @@
         <p:spPr/>
         <p:txBody>
           <a:bodyPr/>
-          <a:lstStyle>
-            <a:extLst/>
-          </a:lstStyle>
+          <a:lstStyle/>
           <a:p>
             <a:fld id="{B6F15528-21DE-4FAA-801E-634DDDAF4B2B}" type="slidenum">
               <a:rPr lang="en-US" smtClean="0"/>
@@ -23130,9 +23078,7 @@
         </p:spPr>
         <p:txBody>
           <a:bodyPr anchor="ctr"/>
-          <a:lstStyle>
-            <a:extLst/>
-          </a:lstStyle>
+          <a:lstStyle/>
           <a:p>
             <a:r>
               <a:rPr kumimoji="0" lang="en-US" smtClean="0"/>
@@ -23155,14 +23101,12 @@
         <p:spPr/>
         <p:txBody>
           <a:bodyPr/>
-          <a:lstStyle>
-            <a:extLst/>
-          </a:lstStyle>
+          <a:lstStyle/>
           <a:p>
             <a:fld id="{1D8BD707-D9CF-40AE-B4C6-C98DA3205C09}" type="datetimeFigureOut">
               <a:rPr lang="en-US" smtClean="0"/>
               <a:pPr/>
-              <a:t>15-01-2016</a:t>
+              <a:t>27/9/2018</a:t>
             </a:fld>
             <a:endParaRPr lang="en-US"/>
           </a:p>
@@ -23181,9 +23125,7 @@
         <p:spPr/>
         <p:txBody>
           <a:bodyPr/>
-          <a:lstStyle>
-            <a:extLst/>
-          </a:lstStyle>
+          <a:lstStyle/>
           <a:p>
             <a:endParaRPr lang="en-US"/>
           </a:p>
@@ -23202,9 +23144,7 @@
         <p:spPr/>
         <p:txBody>
           <a:bodyPr/>
-          <a:lstStyle>
-            <a:extLst/>
-          </a:lstStyle>
+          <a:lstStyle/>
           <a:p>
             <a:fld id="{B6F15528-21DE-4FAA-801E-634DDDAF4B2B}" type="slidenum">
               <a:rPr lang="en-US" smtClean="0"/>
@@ -23279,9 +23219,7 @@
         </p:style>
         <p:txBody>
           <a:bodyPr anchor="ctr"/>
-          <a:lstStyle>
-            <a:extLst/>
-          </a:lstStyle>
+          <a:lstStyle/>
           <a:p>
             <a:pPr algn="ctr" eaLnBrk="1" latinLnBrk="0" hangingPunct="1"/>
             <a:endParaRPr kumimoji="0" lang="en-US"/>
@@ -23301,14 +23239,12 @@
         <p:spPr/>
         <p:txBody>
           <a:bodyPr/>
-          <a:lstStyle>
-            <a:extLst/>
-          </a:lstStyle>
+          <a:lstStyle/>
           <a:p>
             <a:fld id="{1D8BD707-D9CF-40AE-B4C6-C98DA3205C09}" type="datetimeFigureOut">
               <a:rPr lang="en-US" smtClean="0"/>
               <a:pPr/>
-              <a:t>15-01-2016</a:t>
+              <a:t>27/9/2018</a:t>
             </a:fld>
             <a:endParaRPr lang="en-US"/>
           </a:p>
@@ -23327,9 +23263,7 @@
         <p:spPr/>
         <p:txBody>
           <a:bodyPr/>
-          <a:lstStyle>
-            <a:extLst/>
-          </a:lstStyle>
+          <a:lstStyle/>
           <a:p>
             <a:endParaRPr lang="en-US"/>
           </a:p>
@@ -23348,9 +23282,7 @@
         <p:spPr/>
         <p:txBody>
           <a:bodyPr/>
-          <a:lstStyle>
-            <a:extLst/>
-          </a:lstStyle>
+          <a:lstStyle/>
           <a:p>
             <a:fld id="{B6F15528-21DE-4FAA-801E-634DDDAF4B2B}" type="slidenum">
               <a:rPr lang="en-US" smtClean="0"/>
@@ -23408,9 +23340,7 @@
         </p:style>
         <p:txBody>
           <a:bodyPr anchor="ctr"/>
-          <a:lstStyle>
-            <a:extLst/>
-          </a:lstStyle>
+          <a:lstStyle/>
           <a:p>
             <a:pPr algn="ctr" eaLnBrk="1" latinLnBrk="0" hangingPunct="1"/>
             <a:endParaRPr kumimoji="0" lang="en-US"/>
@@ -23625,14 +23555,12 @@
         <p:spPr/>
         <p:txBody>
           <a:bodyPr/>
-          <a:lstStyle>
-            <a:extLst/>
-          </a:lstStyle>
+          <a:lstStyle/>
           <a:p>
             <a:fld id="{1D8BD707-D9CF-40AE-B4C6-C98DA3205C09}" type="datetimeFigureOut">
               <a:rPr lang="en-US" smtClean="0"/>
               <a:pPr/>
-              <a:t>15-01-2016</a:t>
+              <a:t>27/9/2018</a:t>
             </a:fld>
             <a:endParaRPr lang="en-US"/>
           </a:p>
@@ -23651,9 +23579,7 @@
         <p:spPr/>
         <p:txBody>
           <a:bodyPr/>
-          <a:lstStyle>
-            <a:extLst/>
-          </a:lstStyle>
+          <a:lstStyle/>
           <a:p>
             <a:endParaRPr lang="en-US"/>
           </a:p>
@@ -23672,9 +23598,7 @@
         <p:spPr/>
         <p:txBody>
           <a:bodyPr/>
-          <a:lstStyle>
-            <a:extLst/>
-          </a:lstStyle>
+          <a:lstStyle/>
           <a:p>
             <a:fld id="{B6F15528-21DE-4FAA-801E-634DDDAF4B2B}" type="slidenum">
               <a:rPr lang="en-US" smtClean="0"/>
@@ -23761,14 +23685,12 @@
         <p:spPr/>
         <p:txBody>
           <a:bodyPr/>
-          <a:lstStyle>
-            <a:extLst/>
-          </a:lstStyle>
+          <a:lstStyle/>
           <a:p>
             <a:fld id="{1D8BD707-D9CF-40AE-B4C6-C98DA3205C09}" type="datetimeFigureOut">
               <a:rPr lang="en-US" smtClean="0"/>
               <a:pPr/>
-              <a:t>15-01-2016</a:t>
+              <a:t>27/9/2018</a:t>
             </a:fld>
             <a:endParaRPr lang="en-US"/>
           </a:p>
@@ -23787,9 +23709,7 @@
         <p:spPr/>
         <p:txBody>
           <a:bodyPr/>
-          <a:lstStyle>
-            <a:extLst/>
-          </a:lstStyle>
+          <a:lstStyle/>
           <a:p>
             <a:endParaRPr lang="en-US"/>
           </a:p>
@@ -23808,9 +23728,7 @@
         <p:spPr/>
         <p:txBody>
           <a:bodyPr/>
-          <a:lstStyle>
-            <a:extLst/>
-          </a:lstStyle>
+          <a:lstStyle/>
           <a:p>
             <a:fld id="{B6F15528-21DE-4FAA-801E-634DDDAF4B2B}" type="slidenum">
               <a:rPr lang="en-US" smtClean="0"/>
@@ -23868,9 +23786,7 @@
           <a:bodyPr lIns="91440" tIns="274320" rtlCol="0" anchor="t">
             <a:normAutofit/>
           </a:bodyPr>
-          <a:lstStyle>
-            <a:extLst/>
-          </a:lstStyle>
+          <a:lstStyle/>
           <a:p>
             <a:pPr marL="0" indent="-283464" algn="l" rtl="0" eaLnBrk="1" latinLnBrk="0" hangingPunct="1">
               <a:lnSpc>
@@ -23998,9 +23914,7 @@
         </p:style>
         <p:txBody>
           <a:bodyPr anchor="ctr"/>
-          <a:lstStyle>
-            <a:extLst/>
-          </a:lstStyle>
+          <a:lstStyle/>
           <a:p>
             <a:pPr algn="ctr" eaLnBrk="1" latinLnBrk="0" hangingPunct="1"/>
             <a:endParaRPr kumimoji="0" lang="en-US"/>
@@ -24058,9 +23972,7 @@
         </p:style>
         <p:txBody>
           <a:bodyPr anchor="ctr"/>
-          <a:lstStyle>
-            <a:extLst/>
-          </a:lstStyle>
+          <a:lstStyle/>
           <a:p>
             <a:pPr algn="ctr" eaLnBrk="1" latinLnBrk="0" hangingPunct="1"/>
             <a:endParaRPr kumimoji="0" lang="en-US" dirty="0"/>
@@ -24205,9 +24117,7 @@
         </p:style>
         <p:txBody>
           <a:bodyPr anchor="ctr"/>
-          <a:lstStyle>
-            <a:extLst/>
-          </a:lstStyle>
+          <a:lstStyle/>
           <a:p>
             <a:pPr algn="ctr" eaLnBrk="1" latinLnBrk="0" hangingPunct="1"/>
             <a:endParaRPr kumimoji="0" lang="en-US"/>
@@ -24265,9 +24175,7 @@
         </p:style>
         <p:txBody>
           <a:bodyPr anchor="ctr"/>
-          <a:lstStyle>
-            <a:extLst/>
-          </a:lstStyle>
+          <a:lstStyle/>
           <a:p>
             <a:pPr algn="ctr" eaLnBrk="1" latinLnBrk="0" hangingPunct="1"/>
             <a:endParaRPr kumimoji="0" lang="en-US"/>
@@ -24357,9 +24265,7 @@
         </p:style>
         <p:txBody>
           <a:bodyPr anchor="ctr"/>
-          <a:lstStyle>
-            <a:extLst/>
-          </a:lstStyle>
+          <a:lstStyle/>
           <a:p>
             <a:pPr algn="ctr" eaLnBrk="1" latinLnBrk="0" hangingPunct="1"/>
             <a:endParaRPr kumimoji="0" lang="en-US"/>
@@ -24405,9 +24311,7 @@
         </p:style>
         <p:txBody>
           <a:bodyPr anchor="ctr"/>
-          <a:lstStyle>
-            <a:extLst/>
-          </a:lstStyle>
+          <a:lstStyle/>
           <a:p>
             <a:pPr algn="ctr" eaLnBrk="1" latinLnBrk="0" hangingPunct="1"/>
             <a:endParaRPr kumimoji="0" lang="en-US"/>
@@ -24437,9 +24341,7 @@
           <a:bodyPr anchor="ctr">
             <a:normAutofit/>
           </a:bodyPr>
-          <a:lstStyle>
-            <a:extLst/>
-          </a:lstStyle>
+          <a:lstStyle/>
           <a:p>
             <a:r>
               <a:rPr kumimoji="0" lang="en-US" smtClean="0"/>
@@ -24472,9 +24374,7 @@
           <a:bodyPr>
             <a:normAutofit/>
           </a:bodyPr>
-          <a:lstStyle>
-            <a:extLst/>
-          </a:lstStyle>
+          <a:lstStyle/>
           <a:p>
             <a:pPr lvl="0" eaLnBrk="1" latinLnBrk="0" hangingPunct="1"/>
             <a:r>
@@ -24551,7 +24451,7 @@
             <a:fld id="{1D8BD707-D9CF-40AE-B4C6-C98DA3205C09}" type="datetimeFigureOut">
               <a:rPr lang="en-US" smtClean="0"/>
               <a:pPr/>
-              <a:t>15-01-2016</a:t>
+              <a:t>27/9/2018</a:t>
             </a:fld>
             <a:endParaRPr lang="en-US"/>
           </a:p>
@@ -24689,9 +24589,7 @@
         </p:style>
         <p:txBody>
           <a:bodyPr anchor="ctr"/>
-          <a:lstStyle>
-            <a:extLst/>
-          </a:lstStyle>
+          <a:lstStyle/>
           <a:p>
             <a:pPr algn="ctr" eaLnBrk="1" latinLnBrk="0" hangingPunct="1"/>
             <a:endParaRPr kumimoji="0" lang="en-US"/>
@@ -25093,7 +24991,37 @@
                 <a:latin typeface="Times New Roman" pitchFamily="18" charset="0"/>
                 <a:cs typeface="Times New Roman" pitchFamily="18" charset="0"/>
               </a:rPr>
-              <a:t>             TRƯỜNG CAO ĐẲNG NGHỀ BÁCH KHOA HÀ NỘI</a:t>
+              <a:t>             TRƯỜNG </a:t>
+            </a:r>
+            <a:r>
+              <a:rPr lang="en-US" sz="2400" dirty="0" smtClean="0">
+                <a:solidFill>
+                  <a:srgbClr val="002060"/>
+                </a:solidFill>
+                <a:latin typeface="Times New Roman" pitchFamily="18" charset="0"/>
+                <a:cs typeface="Times New Roman" pitchFamily="18" charset="0"/>
+              </a:rPr>
+              <a:t>ĐẠI HỌC </a:t>
+            </a:r>
+            <a:r>
+              <a:rPr lang="en-US" sz="2400" dirty="0" smtClean="0">
+                <a:solidFill>
+                  <a:srgbClr val="002060"/>
+                </a:solidFill>
+                <a:latin typeface="Times New Roman" pitchFamily="18" charset="0"/>
+                <a:cs typeface="Times New Roman" pitchFamily="18" charset="0"/>
+              </a:rPr>
+              <a:t>BÁCH </a:t>
+            </a:r>
+            <a:r>
+              <a:rPr lang="en-US" sz="2400" dirty="0" smtClean="0">
+                <a:solidFill>
+                  <a:srgbClr val="002060"/>
+                </a:solidFill>
+                <a:latin typeface="Times New Roman" pitchFamily="18" charset="0"/>
+                <a:cs typeface="Times New Roman" pitchFamily="18" charset="0"/>
+              </a:rPr>
+              <a:t>KHOA HÀ NỘI</a:t>
             </a:r>
             <a:r>
               <a:rPr lang="en-US" sz="3300" dirty="0" smtClean="0">
@@ -25221,7 +25149,7 @@
         </p:spPr>
         <p:txBody>
           <a:bodyPr>
-            <a:normAutofit/>
+            <a:normAutofit lnSpcReduction="10000"/>
           </a:bodyPr>
           <a:lstStyle/>
           <a:p>
@@ -25234,8 +25162,85 @@
                 <a:latin typeface="Times New Roman" pitchFamily="18" charset="0"/>
                 <a:cs typeface="Times New Roman" pitchFamily="18" charset="0"/>
               </a:rPr>
-              <a:t>Đề tài: Xây Dựng Website Bán Máy Tính</a:t>
+              <a:t>Đề tài: Xây Dựng Website </a:t>
             </a:r>
+            <a:r>
+              <a:rPr lang="en-US" sz="2800" dirty="0" err="1" smtClean="0">
+                <a:solidFill>
+                  <a:srgbClr val="0070C0"/>
+                </a:solidFill>
+                <a:latin typeface="Times New Roman" pitchFamily="18" charset="0"/>
+                <a:cs typeface="Times New Roman" pitchFamily="18" charset="0"/>
+              </a:rPr>
+              <a:t>Bán</a:t>
+            </a:r>
+            <a:r>
+              <a:rPr lang="en-US" sz="2800" dirty="0" smtClean="0">
+                <a:solidFill>
+                  <a:srgbClr val="0070C0"/>
+                </a:solidFill>
+                <a:latin typeface="Times New Roman" pitchFamily="18" charset="0"/>
+                <a:cs typeface="Times New Roman" pitchFamily="18" charset="0"/>
+              </a:rPr>
+              <a:t> </a:t>
+            </a:r>
+            <a:r>
+              <a:rPr lang="en-US" sz="2800" dirty="0" err="1" smtClean="0">
+                <a:solidFill>
+                  <a:srgbClr val="0070C0"/>
+                </a:solidFill>
+                <a:latin typeface="Times New Roman" pitchFamily="18" charset="0"/>
+                <a:cs typeface="Times New Roman" pitchFamily="18" charset="0"/>
+              </a:rPr>
+              <a:t>Hàng</a:t>
+            </a:r>
+            <a:r>
+              <a:rPr lang="en-US" sz="2800" dirty="0" smtClean="0">
+                <a:solidFill>
+                  <a:srgbClr val="0070C0"/>
+                </a:solidFill>
+                <a:latin typeface="Times New Roman" pitchFamily="18" charset="0"/>
+                <a:cs typeface="Times New Roman" pitchFamily="18" charset="0"/>
+              </a:rPr>
+              <a:t> </a:t>
+            </a:r>
+            <a:r>
+              <a:rPr lang="en-US" sz="2800" dirty="0" err="1" smtClean="0">
+                <a:solidFill>
+                  <a:srgbClr val="0070C0"/>
+                </a:solidFill>
+                <a:latin typeface="Times New Roman" pitchFamily="18" charset="0"/>
+                <a:cs typeface="Times New Roman" pitchFamily="18" charset="0"/>
+              </a:rPr>
+              <a:t>Bằng</a:t>
+            </a:r>
+            <a:r>
+              <a:rPr lang="en-US" sz="2800" dirty="0" smtClean="0">
+                <a:solidFill>
+                  <a:srgbClr val="0070C0"/>
+                </a:solidFill>
+                <a:latin typeface="Times New Roman" pitchFamily="18" charset="0"/>
+                <a:cs typeface="Times New Roman" pitchFamily="18" charset="0"/>
+              </a:rPr>
+              <a:t> Framework </a:t>
+            </a:r>
+            <a:r>
+              <a:rPr lang="en-US" sz="2800" dirty="0" err="1" smtClean="0">
+                <a:solidFill>
+                  <a:srgbClr val="0070C0"/>
+                </a:solidFill>
+                <a:latin typeface="Times New Roman" pitchFamily="18" charset="0"/>
+                <a:cs typeface="Times New Roman" pitchFamily="18" charset="0"/>
+              </a:rPr>
+              <a:t>Laravel</a:t>
+            </a:r>
+            <a:endParaRPr lang="en-US" sz="2800" dirty="0" smtClean="0">
+              <a:solidFill>
+                <a:srgbClr val="0070C0"/>
+              </a:solidFill>
+              <a:latin typeface="Times New Roman" pitchFamily="18" charset="0"/>
+              <a:cs typeface="Times New Roman" pitchFamily="18" charset="0"/>
+            </a:endParaRPr>
           </a:p>
           <a:p>
             <a:pPr algn="ctr"/>
@@ -25275,8 +25280,33 @@
                 <a:latin typeface="Times New Roman" pitchFamily="18" charset="0"/>
                 <a:cs typeface="Times New Roman" pitchFamily="18" charset="0"/>
               </a:rPr>
-              <a:t> Quốc Thư</a:t>
+              <a:t> </a:t>
             </a:r>
+            <a:r>
+              <a:rPr lang="en-US" sz="2200" dirty="0" err="1" smtClean="0">
+                <a:latin typeface="Times New Roman" pitchFamily="18" charset="0"/>
+                <a:cs typeface="Times New Roman" pitchFamily="18" charset="0"/>
+              </a:rPr>
+              <a:t>Quang</a:t>
+            </a:r>
+            <a:r>
+              <a:rPr lang="en-US" sz="2200" dirty="0" smtClean="0">
+                <a:latin typeface="Times New Roman" pitchFamily="18" charset="0"/>
+                <a:cs typeface="Times New Roman" pitchFamily="18" charset="0"/>
+              </a:rPr>
+              <a:t> </a:t>
+            </a:r>
+            <a:r>
+              <a:rPr lang="en-US" sz="2200" dirty="0" err="1" smtClean="0">
+                <a:latin typeface="Times New Roman" pitchFamily="18" charset="0"/>
+                <a:cs typeface="Times New Roman" pitchFamily="18" charset="0"/>
+              </a:rPr>
+              <a:t>Đức</a:t>
+            </a:r>
+            <a:endParaRPr lang="en-US" sz="2200" dirty="0" smtClean="0">
+              <a:latin typeface="Times New Roman" pitchFamily="18" charset="0"/>
+              <a:cs typeface="Times New Roman" pitchFamily="18" charset="0"/>
+            </a:endParaRPr>
           </a:p>
           <a:p>
             <a:pPr lvl="1" algn="l"/>
@@ -25323,21 +25353,28 @@
                 <a:latin typeface="Times New Roman" pitchFamily="18" charset="0"/>
                 <a:cs typeface="Times New Roman" pitchFamily="18" charset="0"/>
               </a:rPr>
-              <a:t>	:</a:t>
+              <a:t>	</a:t>
             </a:r>
             <a:r>
-              <a:rPr lang="en-US" sz="2200" dirty="0">
+              <a:rPr lang="en-US" sz="2200" smtClean="0">
+                <a:latin typeface="Times New Roman" pitchFamily="18" charset="0"/>
+                <a:cs typeface="Times New Roman" pitchFamily="18" charset="0"/>
+              </a:rPr>
+              <a:t>:</a:t>
+            </a:r>
+            <a:r>
+              <a:rPr lang="en-US" sz="2200">
                 <a:latin typeface="Times New Roman" pitchFamily="18" charset="0"/>
                 <a:cs typeface="Times New Roman" pitchFamily="18" charset="0"/>
               </a:rPr>
               <a:t> </a:t>
             </a:r>
             <a:r>
-              <a:rPr lang="en-US" sz="2200" dirty="0" smtClean="0">
+              <a:rPr lang="en-US" sz="2200" smtClean="0">
                 <a:latin typeface="Times New Roman" pitchFamily="18" charset="0"/>
                 <a:cs typeface="Times New Roman" pitchFamily="18" charset="0"/>
               </a:rPr>
-              <a:t>LTMT2-K4</a:t>
+              <a:t>CH19</a:t>
             </a:r>
             <a:endParaRPr lang="en-US" sz="2200" dirty="0">
               <a:latin typeface="Times New Roman" pitchFamily="18" charset="0"/>
@@ -25574,7 +25611,7 @@
           <a:blip r:embed="rId3">
             <a:extLst>
               <a:ext uri="{28A0092B-C50C-407E-A947-70E740481C1C}">
-                <a14:useLocalDpi xmlns="" xmlns:a14="http://schemas.microsoft.com/office/drawing/2010/main" val="0"/>
+                <a14:useLocalDpi xmlns:a14="http://schemas.microsoft.com/office/drawing/2010/main" val="0"/>
               </a:ext>
             </a:extLst>
           </a:blip>
@@ -25595,14 +25632,14 @@
           </a:ln>
           <a:extLst>
             <a:ext uri="{909E8E84-426E-40DD-AFC4-6F175D3DCCD1}">
-              <a14:hiddenFill xmlns="" xmlns:a14="http://schemas.microsoft.com/office/drawing/2010/main">
+              <a14:hiddenFill xmlns:a14="http://schemas.microsoft.com/office/drawing/2010/main">
                 <a:solidFill>
                   <a:schemeClr val="accent1"/>
                 </a:solidFill>
               </a14:hiddenFill>
             </a:ext>
             <a:ext uri="{91240B29-F687-4F45-9708-019B960494DF}">
-              <a14:hiddenLine xmlns="" xmlns:a14="http://schemas.microsoft.com/office/drawing/2010/main" w="9525">
+              <a14:hiddenLine xmlns:a14="http://schemas.microsoft.com/office/drawing/2010/main" w="9525">
                 <a:solidFill>
                   <a:schemeClr val="tx1"/>
                 </a:solidFill>
@@ -25756,7 +25793,7 @@
           <a:blip r:embed="rId3">
             <a:extLst>
               <a:ext uri="{28A0092B-C50C-407E-A947-70E740481C1C}">
-                <a14:useLocalDpi xmlns="" xmlns:a14="http://schemas.microsoft.com/office/drawing/2010/main" val="0"/>
+                <a14:useLocalDpi xmlns:a14="http://schemas.microsoft.com/office/drawing/2010/main" val="0"/>
               </a:ext>
             </a:extLst>
           </a:blip>
@@ -25777,14 +25814,14 @@
           </a:ln>
           <a:extLst>
             <a:ext uri="{909E8E84-426E-40DD-AFC4-6F175D3DCCD1}">
-              <a14:hiddenFill xmlns="" xmlns:a14="http://schemas.microsoft.com/office/drawing/2010/main">
+              <a14:hiddenFill xmlns:a14="http://schemas.microsoft.com/office/drawing/2010/main">
                 <a:solidFill>
                   <a:schemeClr val="accent1"/>
                 </a:solidFill>
               </a14:hiddenFill>
             </a:ext>
             <a:ext uri="{91240B29-F687-4F45-9708-019B960494DF}">
-              <a14:hiddenLine xmlns="" xmlns:a14="http://schemas.microsoft.com/office/drawing/2010/main" w="9525">
+              <a14:hiddenLine xmlns:a14="http://schemas.microsoft.com/office/drawing/2010/main" w="9525">
                 <a:solidFill>
                   <a:schemeClr val="tx1"/>
                 </a:solidFill>
@@ -25891,7 +25928,7 @@
     </p:spTree>
     <p:extLst>
       <p:ext uri="{BB962C8B-B14F-4D97-AF65-F5344CB8AC3E}">
-        <p14:creationId xmlns="" xmlns:p14="http://schemas.microsoft.com/office/powerpoint/2010/main" val="2769930038"/>
+        <p14:creationId xmlns:p14="http://schemas.microsoft.com/office/powerpoint/2010/main" val="2769930038"/>
       </p:ext>
     </p:extLst>
   </p:cSld>
@@ -26058,7 +26095,7 @@
             <p:ph idx="1"/>
             <p:extLst>
               <p:ext uri="{D42A27DB-BD31-4B8C-83A1-F6EECF244321}">
-                <p14:modId xmlns="" xmlns:p14="http://schemas.microsoft.com/office/powerpoint/2010/main" val="1742577044"/>
+                <p14:modId xmlns:p14="http://schemas.microsoft.com/office/powerpoint/2010/main" val="1742577044"/>
               </p:ext>
             </p:extLst>
           </p:nvPr>
@@ -26508,7 +26545,7 @@
           <p:nvPr>
             <p:extLst>
               <p:ext uri="{D42A27DB-BD31-4B8C-83A1-F6EECF244321}">
-                <p14:modId xmlns="" xmlns:p14="http://schemas.microsoft.com/office/powerpoint/2010/main" val="3538163647"/>
+                <p14:modId xmlns:p14="http://schemas.microsoft.com/office/powerpoint/2010/main" val="3538163647"/>
               </p:ext>
             </p:extLst>
           </p:nvPr>
@@ -27347,7 +27384,7 @@
             <p:ph idx="1"/>
             <p:extLst>
               <p:ext uri="{D42A27DB-BD31-4B8C-83A1-F6EECF244321}">
-                <p14:modId xmlns="" xmlns:p14="http://schemas.microsoft.com/office/powerpoint/2010/main" val="1819827868"/>
+                <p14:modId xmlns:p14="http://schemas.microsoft.com/office/powerpoint/2010/main" val="1819827868"/>
               </p:ext>
             </p:extLst>
           </p:nvPr>
@@ -27565,7 +27602,7 @@
             <p:ph idx="1"/>
             <p:extLst>
               <p:ext uri="{D42A27DB-BD31-4B8C-83A1-F6EECF244321}">
-                <p14:modId xmlns="" xmlns:p14="http://schemas.microsoft.com/office/powerpoint/2010/main" val="1273245207"/>
+                <p14:modId xmlns:p14="http://schemas.microsoft.com/office/powerpoint/2010/main" val="1273245207"/>
               </p:ext>
             </p:extLst>
           </p:nvPr>
@@ -27583,7 +27620,7 @@
     </p:spTree>
     <p:extLst>
       <p:ext uri="{BB962C8B-B14F-4D97-AF65-F5344CB8AC3E}">
-        <p14:creationId xmlns="" xmlns:p14="http://schemas.microsoft.com/office/powerpoint/2010/main" val="260845997"/>
+        <p14:creationId xmlns:p14="http://schemas.microsoft.com/office/powerpoint/2010/main" val="260845997"/>
       </p:ext>
     </p:extLst>
   </p:cSld>
@@ -27757,7 +27794,7 @@
             <p:ph idx="1"/>
             <p:extLst>
               <p:ext uri="{D42A27DB-BD31-4B8C-83A1-F6EECF244321}">
-                <p14:modId xmlns="" xmlns:p14="http://schemas.microsoft.com/office/powerpoint/2010/main" val="145164013"/>
+                <p14:modId xmlns:p14="http://schemas.microsoft.com/office/powerpoint/2010/main" val="145164013"/>
               </p:ext>
             </p:extLst>
           </p:nvPr>
@@ -27775,7 +27812,7 @@
     </p:spTree>
     <p:extLst>
       <p:ext uri="{BB962C8B-B14F-4D97-AF65-F5344CB8AC3E}">
-        <p14:creationId xmlns="" xmlns:p14="http://schemas.microsoft.com/office/powerpoint/2010/main" val="2224554452"/>
+        <p14:creationId xmlns:p14="http://schemas.microsoft.com/office/powerpoint/2010/main" val="2224554452"/>
       </p:ext>
     </p:extLst>
   </p:cSld>
@@ -29529,7 +29566,7 @@
           <a:blip r:embed="rId3">
             <a:extLst>
               <a:ext uri="{28A0092B-C50C-407E-A947-70E740481C1C}">
-                <a14:useLocalDpi xmlns="" xmlns:a14="http://schemas.microsoft.com/office/drawing/2010/main" val="0"/>
+                <a14:useLocalDpi xmlns:a14="http://schemas.microsoft.com/office/drawing/2010/main" val="0"/>
               </a:ext>
             </a:extLst>
           </a:blip>
@@ -29550,14 +29587,14 @@
           </a:ln>
           <a:extLst>
             <a:ext uri="{909E8E84-426E-40DD-AFC4-6F175D3DCCD1}">
-              <a14:hiddenFill xmlns="" xmlns:a14="http://schemas.microsoft.com/office/drawing/2010/main">
+              <a14:hiddenFill xmlns:a14="http://schemas.microsoft.com/office/drawing/2010/main">
                 <a:solidFill>
                   <a:schemeClr val="accent1"/>
                 </a:solidFill>
               </a14:hiddenFill>
             </a:ext>
             <a:ext uri="{91240B29-F687-4F45-9708-019B960494DF}">
-              <a14:hiddenLine xmlns="" xmlns:a14="http://schemas.microsoft.com/office/drawing/2010/main" w="9525">
+              <a14:hiddenLine xmlns:a14="http://schemas.microsoft.com/office/drawing/2010/main" w="9525">
                 <a:solidFill>
                   <a:schemeClr val="tx1"/>
                 </a:solidFill>
@@ -29572,7 +29609,7 @@
     </p:spTree>
     <p:extLst>
       <p:ext uri="{BB962C8B-B14F-4D97-AF65-F5344CB8AC3E}">
-        <p14:creationId xmlns="" xmlns:p14="http://schemas.microsoft.com/office/powerpoint/2010/main" val="2870949735"/>
+        <p14:creationId xmlns:p14="http://schemas.microsoft.com/office/powerpoint/2010/main" val="2870949735"/>
       </p:ext>
     </p:extLst>
   </p:cSld>
@@ -29838,7 +29875,7 @@
           <a:blip r:embed="rId3">
             <a:extLst>
               <a:ext uri="{28A0092B-C50C-407E-A947-70E740481C1C}">
-                <a14:useLocalDpi xmlns="" xmlns:a14="http://schemas.microsoft.com/office/drawing/2010/main" val="0"/>
+                <a14:useLocalDpi xmlns:a14="http://schemas.microsoft.com/office/drawing/2010/main" val="0"/>
               </a:ext>
             </a:extLst>
           </a:blip>
@@ -29855,7 +29892,7 @@
           <a:noFill/>
           <a:extLst>
             <a:ext uri="{909E8E84-426E-40DD-AFC4-6F175D3DCCD1}">
-              <a14:hiddenFill xmlns="" xmlns:a14="http://schemas.microsoft.com/office/drawing/2010/main">
+              <a14:hiddenFill xmlns:a14="http://schemas.microsoft.com/office/drawing/2010/main">
                 <a:solidFill>
                   <a:srgbClr val="FFFFFF"/>
                 </a:solidFill>
@@ -30099,7 +30136,7 @@
     </p:spTree>
     <p:extLst>
       <p:ext uri="{BB962C8B-B14F-4D97-AF65-F5344CB8AC3E}">
-        <p14:creationId xmlns="" xmlns:p14="http://schemas.microsoft.com/office/powerpoint/2010/main" val="1482056938"/>
+        <p14:creationId xmlns:p14="http://schemas.microsoft.com/office/powerpoint/2010/main" val="1482056938"/>
       </p:ext>
     </p:extLst>
   </p:cSld>

--- a/bc/slide bv.pptx
+++ b/bc/slide bv.pptx
@@ -5,7 +5,7 @@
     <p:sldMasterId id="2147484332" r:id="rId1"/>
   </p:sldMasterIdLst>
   <p:notesMasterIdLst>
-    <p:notesMasterId r:id="rId16"/>
+    <p:notesMasterId r:id="rId17"/>
   </p:notesMasterIdLst>
   <p:sldIdLst>
     <p:sldId id="256" r:id="rId2"/>
@@ -19,9 +19,10 @@
     <p:sldId id="275" r:id="rId10"/>
     <p:sldId id="263" r:id="rId11"/>
     <p:sldId id="278" r:id="rId12"/>
-    <p:sldId id="265" r:id="rId13"/>
-    <p:sldId id="266" r:id="rId14"/>
-    <p:sldId id="267" r:id="rId15"/>
+    <p:sldId id="279" r:id="rId13"/>
+    <p:sldId id="265" r:id="rId14"/>
+    <p:sldId id="266" r:id="rId15"/>
+    <p:sldId id="267" r:id="rId16"/>
   </p:sldIdLst>
   <p:sldSz cx="9144000" cy="6858000" type="screen4x3"/>
   <p:notesSz cx="6858000" cy="9144000"/>
@@ -4960,7 +4961,7 @@
       </dgm:t>
     </dgm:pt>
     <dgm:pt modelId="{F7DB16CD-4669-4A31-B6FF-62DA8884E1AA}" type="pres">
-      <dgm:prSet presAssocID="{E7A530B7-A881-4852-8D85-F427D21253D3}" presName="descendantText" presStyleLbl="alignAcc1" presStyleIdx="0" presStyleCnt="4" custScaleX="100506" custLinFactY="57434" custLinFactNeighborX="416" custLinFactNeighborY="100000">
+      <dgm:prSet presAssocID="{E7A530B7-A881-4852-8D85-F427D21253D3}" presName="descendantText" presStyleLbl="alignAcc1" presStyleIdx="0" presStyleCnt="4" custScaleX="100506" custLinFactY="57434" custLinFactNeighborX="674" custLinFactNeighborY="100000">
         <dgm:presLayoutVars>
           <dgm:bulletEnabled val="1"/>
         </dgm:presLayoutVars>
@@ -5095,8 +5096,8 @@
   <dgm:cxnLst>
     <dgm:cxn modelId="{25570CE8-2413-425E-83B5-0C0B6496195C}" type="presOf" srcId="{FF02D520-EE8D-4A13-A3E2-042843DE79CD}" destId="{F7DB16CD-4669-4A31-B6FF-62DA8884E1AA}" srcOrd="0" destOrd="0" presId="urn:microsoft.com/office/officeart/2005/8/layout/chevron2"/>
     <dgm:cxn modelId="{4F47E955-D964-4505-8CA4-2D290FBFB508}" srcId="{32BF42FD-E3B7-4B1C-AA5C-99A54BDEEBAE}" destId="{D16A74AF-8011-418C-9821-C3AB7C2E188E}" srcOrd="0" destOrd="0" parTransId="{658237BE-1B20-4A50-BB47-09273AC00314}" sibTransId="{E90B4532-8083-4399-ACBB-F9A794BE3128}"/>
+    <dgm:cxn modelId="{601264FF-AB8E-4AD1-968B-195D8EA47675}" type="presOf" srcId="{58E32A64-3BEE-41E1-8749-373749D5890C}" destId="{CAB4DBB5-24BF-4D9F-91A6-67666FD74987}" srcOrd="0" destOrd="0" presId="urn:microsoft.com/office/officeart/2005/8/layout/chevron2"/>
     <dgm:cxn modelId="{36261CFE-1484-411A-983E-D9A8069D662D}" type="presOf" srcId="{32BF42FD-E3B7-4B1C-AA5C-99A54BDEEBAE}" destId="{B4EACEBA-5A7F-4250-A3C4-68952DE22BF3}" srcOrd="0" destOrd="0" presId="urn:microsoft.com/office/officeart/2005/8/layout/chevron2"/>
-    <dgm:cxn modelId="{601264FF-AB8E-4AD1-968B-195D8EA47675}" type="presOf" srcId="{58E32A64-3BEE-41E1-8749-373749D5890C}" destId="{CAB4DBB5-24BF-4D9F-91A6-67666FD74987}" srcOrd="0" destOrd="0" presId="urn:microsoft.com/office/officeart/2005/8/layout/chevron2"/>
     <dgm:cxn modelId="{A6C6E83C-C5C4-4FAF-BCE2-915C1145E180}" type="presOf" srcId="{8FA11323-030C-4099-B0C2-C31137CC72BB}" destId="{F04C89CF-DA41-4F67-97D3-70E4D29E3CF3}" srcOrd="0" destOrd="0" presId="urn:microsoft.com/office/officeart/2005/8/layout/chevron2"/>
     <dgm:cxn modelId="{DE08F358-A81B-4858-8F45-00EF469F4B09}" srcId="{B32175A6-8333-4304-B2EC-F1B8EF5FD1C5}" destId="{32BF42FD-E3B7-4B1C-AA5C-99A54BDEEBAE}" srcOrd="1" destOrd="0" parTransId="{E6F65708-E4ED-4CC1-8943-D1690C4C6544}" sibTransId="{3AEAD35F-27E7-4040-9459-B84188334FF6}"/>
     <dgm:cxn modelId="{9420BC96-293A-4F27-9F44-D66B1CDA23D3}" type="presOf" srcId="{FA25330C-7AB8-4453-B169-34E7A802E469}" destId="{9257CA82-F68B-4CCE-95BB-E99ED79C2833}" srcOrd="0" destOrd="0" presId="urn:microsoft.com/office/officeart/2005/8/layout/chevron2"/>
@@ -5911,7 +5912,7 @@
       </dgm:t>
     </dgm:pt>
     <dgm:pt modelId="{507FB563-A6EC-4351-A8E4-9A40E4D08BB2}" type="pres">
-      <dgm:prSet presAssocID="{7B10193E-BA34-421D-876E-A8A569F293E3}" presName="parentText" presStyleLbl="node1" presStyleIdx="0" presStyleCnt="2" custLinFactNeighborX="16505" custLinFactNeighborY="3530">
+      <dgm:prSet presAssocID="{7B10193E-BA34-421D-876E-A8A569F293E3}" presName="parentText" presStyleLbl="node1" presStyleIdx="0" presStyleCnt="2" custLinFactNeighborX="-51930" custLinFactNeighborY="-43535">
         <dgm:presLayoutVars>
           <dgm:chMax val="0"/>
           <dgm:bulletEnabled val="1"/>
@@ -6018,8 +6019,8 @@
     <dgm:cxn modelId="{2A9A1768-CAB2-427A-99EE-A025EFD88562}" type="presOf" srcId="{52160674-192A-499C-8F41-D1022B6EBC7F}" destId="{A95B11DE-B16C-45D3-8B04-76951D8FD7D1}" srcOrd="0" destOrd="2" presId="urn:microsoft.com/office/officeart/2005/8/layout/list1"/>
     <dgm:cxn modelId="{6F24F441-49DE-4162-83B5-D6B891EE185E}" srcId="{D47FB88E-1317-4B1E-8665-30FD59A1F576}" destId="{65341B28-16F7-42D3-8B9A-941408E21AB4}" srcOrd="1" destOrd="0" parTransId="{37D0A274-1012-4A26-B0EE-D5EC6F2E444C}" sibTransId="{18918162-610E-4B89-A95F-426813A95E91}"/>
     <dgm:cxn modelId="{CD8E3563-588C-465B-8585-6A76E847E296}" type="presOf" srcId="{65341B28-16F7-42D3-8B9A-941408E21AB4}" destId="{7E60168E-9F99-4D90-89A8-4869FF84A89F}" srcOrd="0" destOrd="0" presId="urn:microsoft.com/office/officeart/2005/8/layout/list1"/>
+    <dgm:cxn modelId="{B0639943-A88B-490D-98C7-C3B59B788402}" type="presOf" srcId="{7B10193E-BA34-421D-876E-A8A569F293E3}" destId="{507FB563-A6EC-4351-A8E4-9A40E4D08BB2}" srcOrd="1" destOrd="0" presId="urn:microsoft.com/office/officeart/2005/8/layout/list1"/>
     <dgm:cxn modelId="{0ABCD635-ECA2-49FB-8D49-C3B0532445B9}" type="presOf" srcId="{65341B28-16F7-42D3-8B9A-941408E21AB4}" destId="{B12455D7-8C1B-4A6C-ACEA-91D56A648EE9}" srcOrd="1" destOrd="0" presId="urn:microsoft.com/office/officeart/2005/8/layout/list1"/>
-    <dgm:cxn modelId="{B0639943-A88B-490D-98C7-C3B59B788402}" type="presOf" srcId="{7B10193E-BA34-421D-876E-A8A569F293E3}" destId="{507FB563-A6EC-4351-A8E4-9A40E4D08BB2}" srcOrd="1" destOrd="0" presId="urn:microsoft.com/office/officeart/2005/8/layout/list1"/>
     <dgm:cxn modelId="{F75CC656-76B4-4485-82B6-08B5775BFFF9}" type="presParOf" srcId="{6B509932-FBF7-407F-BE8A-8C3CFCA157B0}" destId="{B2418AB1-4E63-41C0-B557-17F9D878797D}" srcOrd="0" destOrd="0" presId="urn:microsoft.com/office/officeart/2005/8/layout/list1"/>
     <dgm:cxn modelId="{64A48406-5236-4F0F-8DB2-9DAE93798A54}" type="presParOf" srcId="{B2418AB1-4E63-41C0-B557-17F9D878797D}" destId="{0B3DD3A1-DF78-4D81-9CA6-A694778A0E9A}" srcOrd="0" destOrd="0" presId="urn:microsoft.com/office/officeart/2005/8/layout/list1"/>
     <dgm:cxn modelId="{266E65E0-2BD3-4284-8CEE-D35EDF181D2C}" type="presParOf" srcId="{B2418AB1-4E63-41C0-B557-17F9D878797D}" destId="{507FB563-A6EC-4351-A8E4-9A40E4D08BB2}" srcOrd="1" destOrd="0" presId="urn:microsoft.com/office/officeart/2005/8/layout/list1"/>
@@ -6068,7 +6069,7 @@
               <a:latin typeface="Times New Roman" panose="02020603050405020304" pitchFamily="18" charset="0"/>
               <a:cs typeface="Times New Roman" panose="02020603050405020304" pitchFamily="18" charset="0"/>
             </a:rPr>
-            <a:t>1- </a:t>
+            <a:t>3.1- </a:t>
           </a:r>
           <a:r>
             <a:rPr lang="en-US" dirty="0" err="1" smtClean="0">
@@ -6188,7 +6189,7 @@
               <a:latin typeface="Times New Roman" panose="02020603050405020304" pitchFamily="18" charset="0"/>
               <a:cs typeface="Times New Roman" panose="02020603050405020304" pitchFamily="18" charset="0"/>
             </a:rPr>
-            <a:t>2- </a:t>
+            <a:t>3.2- </a:t>
           </a:r>
           <a:r>
             <a:rPr lang="en-US" dirty="0" err="1" smtClean="0">
@@ -6283,6 +6284,13 @@
             <a:t>3</a:t>
           </a:r>
           <a:r>
+            <a:rPr lang="en-US" dirty="0" smtClean="0">
+              <a:latin typeface="Times New Roman" panose="02020603050405020304" pitchFamily="18" charset="0"/>
+              <a:cs typeface="Times New Roman" panose="02020603050405020304" pitchFamily="18" charset="0"/>
+            </a:rPr>
+            <a:t>.3</a:t>
+          </a:r>
+          <a:r>
             <a:rPr lang="vi-VN" dirty="0" smtClean="0"/>
             <a:t>- </a:t>
           </a:r>
@@ -6291,7 +6299,7 @@
               <a:latin typeface="Times New Roman" panose="02020603050405020304" pitchFamily="18" charset="0"/>
               <a:cs typeface="Times New Roman" panose="02020603050405020304" pitchFamily="18" charset="0"/>
             </a:rPr>
-            <a:t>Lập trình</a:t>
+            <a:t>Cài đặt và kiểm thử chương trình</a:t>
           </a:r>
           <a:endParaRPr lang="vi-VN" dirty="0">
             <a:latin typeface="Times New Roman" panose="02020603050405020304" pitchFamily="18" charset="0"/>
@@ -6330,11 +6338,67 @@
         <a:lstStyle/>
         <a:p>
           <a:r>
+            <a:rPr lang="en-US" dirty="0" smtClean="0">
+              <a:latin typeface="Times New Roman" panose="02020603050405020304" pitchFamily="18" charset="0"/>
+              <a:cs typeface="Times New Roman" panose="02020603050405020304" pitchFamily="18" charset="0"/>
+            </a:rPr>
+            <a:t>3.</a:t>
+          </a:r>
+          <a:r>
             <a:rPr lang="vi-VN" dirty="0" smtClean="0">
               <a:latin typeface="Times New Roman" panose="02020603050405020304" pitchFamily="18" charset="0"/>
               <a:cs typeface="Times New Roman" panose="02020603050405020304" pitchFamily="18" charset="0"/>
             </a:rPr>
-            <a:t>4- Cài đặt và kiểm thử chương trình</a:t>
+            <a:t>4- </a:t>
+          </a:r>
+          <a:r>
+            <a:rPr lang="en-US" dirty="0" err="1" smtClean="0">
+              <a:latin typeface="Times New Roman" panose="02020603050405020304" pitchFamily="18" charset="0"/>
+              <a:cs typeface="Times New Roman" panose="02020603050405020304" pitchFamily="18" charset="0"/>
+            </a:rPr>
+            <a:t>Phần</a:t>
+          </a:r>
+          <a:r>
+            <a:rPr lang="en-US" dirty="0" smtClean="0">
+              <a:latin typeface="Times New Roman" panose="02020603050405020304" pitchFamily="18" charset="0"/>
+              <a:cs typeface="Times New Roman" panose="02020603050405020304" pitchFamily="18" charset="0"/>
+            </a:rPr>
+            <a:t> </a:t>
+          </a:r>
+          <a:r>
+            <a:rPr lang="en-US" dirty="0" err="1" smtClean="0">
+              <a:latin typeface="Times New Roman" panose="02020603050405020304" pitchFamily="18" charset="0"/>
+              <a:cs typeface="Times New Roman" panose="02020603050405020304" pitchFamily="18" charset="0"/>
+            </a:rPr>
+            <a:t>mềm</a:t>
+          </a:r>
+          <a:r>
+            <a:rPr lang="en-US" dirty="0" smtClean="0">
+              <a:latin typeface="Times New Roman" panose="02020603050405020304" pitchFamily="18" charset="0"/>
+              <a:cs typeface="Times New Roman" panose="02020603050405020304" pitchFamily="18" charset="0"/>
+            </a:rPr>
+            <a:t> </a:t>
+          </a:r>
+          <a:r>
+            <a:rPr lang="en-US" dirty="0" err="1" smtClean="0">
+              <a:latin typeface="Times New Roman" panose="02020603050405020304" pitchFamily="18" charset="0"/>
+              <a:cs typeface="Times New Roman" panose="02020603050405020304" pitchFamily="18" charset="0"/>
+            </a:rPr>
+            <a:t>ứng</a:t>
+          </a:r>
+          <a:r>
+            <a:rPr lang="en-US" dirty="0" smtClean="0">
+              <a:latin typeface="Times New Roman" panose="02020603050405020304" pitchFamily="18" charset="0"/>
+              <a:cs typeface="Times New Roman" panose="02020603050405020304" pitchFamily="18" charset="0"/>
+            </a:rPr>
+            <a:t> </a:t>
+          </a:r>
+          <a:r>
+            <a:rPr lang="en-US" dirty="0" err="1" smtClean="0">
+              <a:latin typeface="Times New Roman" panose="02020603050405020304" pitchFamily="18" charset="0"/>
+              <a:cs typeface="Times New Roman" panose="02020603050405020304" pitchFamily="18" charset="0"/>
+            </a:rPr>
+            <a:t>dụng</a:t>
           </a:r>
           <a:endParaRPr lang="vi-VN" dirty="0">
             <a:latin typeface="Times New Roman" panose="02020603050405020304" pitchFamily="18" charset="0"/>
@@ -6591,48 +6655,6 @@
               <a:latin typeface="Times New Roman" panose="02020603050405020304" pitchFamily="18" charset="0"/>
               <a:cs typeface="Times New Roman" panose="02020603050405020304" pitchFamily="18" charset="0"/>
             </a:rPr>
-            <a:t>cơ</a:t>
-          </a:r>
-          <a:r>
-            <a:rPr lang="en-US" dirty="0" smtClean="0">
-              <a:latin typeface="Times New Roman" panose="02020603050405020304" pitchFamily="18" charset="0"/>
-              <a:cs typeface="Times New Roman" panose="02020603050405020304" pitchFamily="18" charset="0"/>
-            </a:rPr>
-            <a:t> </a:t>
-          </a:r>
-          <a:r>
-            <a:rPr lang="en-US" dirty="0" err="1" smtClean="0">
-              <a:latin typeface="Times New Roman" panose="02020603050405020304" pitchFamily="18" charset="0"/>
-              <a:cs typeface="Times New Roman" panose="02020603050405020304" pitchFamily="18" charset="0"/>
-            </a:rPr>
-            <a:t>bản</a:t>
-          </a:r>
-          <a:r>
-            <a:rPr lang="en-US" dirty="0" smtClean="0">
-              <a:latin typeface="Times New Roman" panose="02020603050405020304" pitchFamily="18" charset="0"/>
-              <a:cs typeface="Times New Roman" panose="02020603050405020304" pitchFamily="18" charset="0"/>
-            </a:rPr>
-            <a:t> </a:t>
-          </a:r>
-          <a:r>
-            <a:rPr lang="en-US" dirty="0" err="1" smtClean="0">
-              <a:latin typeface="Times New Roman" panose="02020603050405020304" pitchFamily="18" charset="0"/>
-              <a:cs typeface="Times New Roman" panose="02020603050405020304" pitchFamily="18" charset="0"/>
-            </a:rPr>
-            <a:t>đã</a:t>
-          </a:r>
-          <a:r>
-            <a:rPr lang="en-US" dirty="0" smtClean="0">
-              <a:latin typeface="Times New Roman" panose="02020603050405020304" pitchFamily="18" charset="0"/>
-              <a:cs typeface="Times New Roman" panose="02020603050405020304" pitchFamily="18" charset="0"/>
-            </a:rPr>
-            <a:t> </a:t>
-          </a:r>
-          <a:r>
-            <a:rPr lang="en-US" dirty="0" err="1" smtClean="0">
-              <a:latin typeface="Times New Roman" panose="02020603050405020304" pitchFamily="18" charset="0"/>
-              <a:cs typeface="Times New Roman" panose="02020603050405020304" pitchFamily="18" charset="0"/>
-            </a:rPr>
             <a:t>hoàn</a:t>
           </a:r>
           <a:r>
@@ -6866,95 +6888,25 @@
         <a:lstStyle/>
         <a:p>
           <a:r>
+            <a:rPr lang="vi-VN" dirty="0" smtClean="0">
+              <a:latin typeface="Times New Roman" panose="02020603050405020304" pitchFamily="18" charset="0"/>
+              <a:cs typeface="Times New Roman" panose="02020603050405020304" pitchFamily="18" charset="0"/>
+            </a:rPr>
+            <a:t>Ư</a:t>
+          </a:r>
+          <a:r>
+            <a:rPr lang="en-US" dirty="0" smtClean="0">
+              <a:latin typeface="Times New Roman" panose="02020603050405020304" pitchFamily="18" charset="0"/>
+              <a:cs typeface="Times New Roman" panose="02020603050405020304" pitchFamily="18" charset="0"/>
+            </a:rPr>
+            <a:t>u </a:t>
+          </a:r>
+          <a:r>
             <a:rPr lang="en-US" dirty="0" err="1" smtClean="0">
               <a:latin typeface="Times New Roman" panose="02020603050405020304" pitchFamily="18" charset="0"/>
               <a:cs typeface="Times New Roman" panose="02020603050405020304" pitchFamily="18" charset="0"/>
             </a:rPr>
-            <a:t>Hệ</a:t>
-          </a:r>
-          <a:r>
-            <a:rPr lang="en-US" dirty="0" smtClean="0">
-              <a:latin typeface="Times New Roman" panose="02020603050405020304" pitchFamily="18" charset="0"/>
-              <a:cs typeface="Times New Roman" panose="02020603050405020304" pitchFamily="18" charset="0"/>
-            </a:rPr>
-            <a:t> </a:t>
-          </a:r>
-          <a:r>
-            <a:rPr lang="en-US" dirty="0" err="1" smtClean="0">
-              <a:latin typeface="Times New Roman" panose="02020603050405020304" pitchFamily="18" charset="0"/>
-              <a:cs typeface="Times New Roman" panose="02020603050405020304" pitchFamily="18" charset="0"/>
-            </a:rPr>
-            <a:t>thống</a:t>
-          </a:r>
-          <a:r>
-            <a:rPr lang="en-US" dirty="0" smtClean="0">
-              <a:latin typeface="Times New Roman" panose="02020603050405020304" pitchFamily="18" charset="0"/>
-              <a:cs typeface="Times New Roman" panose="02020603050405020304" pitchFamily="18" charset="0"/>
-            </a:rPr>
-            <a:t> </a:t>
-          </a:r>
-          <a:r>
-            <a:rPr lang="en-US" dirty="0" err="1" smtClean="0">
-              <a:latin typeface="Times New Roman" panose="02020603050405020304" pitchFamily="18" charset="0"/>
-              <a:cs typeface="Times New Roman" panose="02020603050405020304" pitchFamily="18" charset="0"/>
-            </a:rPr>
-            <a:t>còn</a:t>
-          </a:r>
-          <a:r>
-            <a:rPr lang="en-US" dirty="0" smtClean="0">
-              <a:latin typeface="Times New Roman" panose="02020603050405020304" pitchFamily="18" charset="0"/>
-              <a:cs typeface="Times New Roman" panose="02020603050405020304" pitchFamily="18" charset="0"/>
-            </a:rPr>
-            <a:t> </a:t>
-          </a:r>
-          <a:r>
-            <a:rPr lang="en-US" dirty="0" err="1" smtClean="0">
-              <a:latin typeface="Times New Roman" panose="02020603050405020304" pitchFamily="18" charset="0"/>
-              <a:cs typeface="Times New Roman" panose="02020603050405020304" pitchFamily="18" charset="0"/>
-            </a:rPr>
-            <a:t>một</a:t>
-          </a:r>
-          <a:r>
-            <a:rPr lang="en-US" dirty="0" smtClean="0">
-              <a:latin typeface="Times New Roman" panose="02020603050405020304" pitchFamily="18" charset="0"/>
-              <a:cs typeface="Times New Roman" panose="02020603050405020304" pitchFamily="18" charset="0"/>
-            </a:rPr>
-            <a:t> </a:t>
-          </a:r>
-          <a:r>
-            <a:rPr lang="en-US" dirty="0" err="1" smtClean="0">
-              <a:latin typeface="Times New Roman" panose="02020603050405020304" pitchFamily="18" charset="0"/>
-              <a:cs typeface="Times New Roman" panose="02020603050405020304" pitchFamily="18" charset="0"/>
-            </a:rPr>
-            <a:t>số</a:t>
-          </a:r>
-          <a:r>
-            <a:rPr lang="en-US" dirty="0" smtClean="0">
-              <a:latin typeface="Times New Roman" panose="02020603050405020304" pitchFamily="18" charset="0"/>
-              <a:cs typeface="Times New Roman" panose="02020603050405020304" pitchFamily="18" charset="0"/>
-            </a:rPr>
-            <a:t> </a:t>
-          </a:r>
-          <a:r>
-            <a:rPr lang="en-US" dirty="0" err="1" smtClean="0">
-              <a:latin typeface="Times New Roman" panose="02020603050405020304" pitchFamily="18" charset="0"/>
-              <a:cs typeface="Times New Roman" panose="02020603050405020304" pitchFamily="18" charset="0"/>
-            </a:rPr>
-            <a:t>hạn</a:t>
-          </a:r>
-          <a:r>
-            <a:rPr lang="en-US" dirty="0" smtClean="0">
-              <a:latin typeface="Times New Roman" panose="02020603050405020304" pitchFamily="18" charset="0"/>
-              <a:cs typeface="Times New Roman" panose="02020603050405020304" pitchFamily="18" charset="0"/>
-            </a:rPr>
-            <a:t> </a:t>
-          </a:r>
-          <a:r>
-            <a:rPr lang="en-US" dirty="0" err="1" smtClean="0">
-              <a:latin typeface="Times New Roman" panose="02020603050405020304" pitchFamily="18" charset="0"/>
-              <a:cs typeface="Times New Roman" panose="02020603050405020304" pitchFamily="18" charset="0"/>
-            </a:rPr>
-            <a:t>chế</a:t>
+            <a:t>điểm</a:t>
           </a:r>
           <a:endParaRPr lang="vi-VN" dirty="0">
             <a:latin typeface="Times New Roman" panose="02020603050405020304" pitchFamily="18" charset="0"/>
@@ -6984,6 +6936,163 @@
           <a:endParaRPr lang="vi-VN"/>
         </a:p>
       </dgm:t>
+    </dgm:pt>
+    <dgm:pt modelId="{75D4E03C-7101-4FFC-AD00-75060F5FF430}">
+      <dgm:prSet phldrT="[Text]"/>
+      <dgm:spPr/>
+      <dgm:t>
+        <a:bodyPr/>
+        <a:lstStyle/>
+        <a:p>
+          <a:r>
+            <a:rPr lang="en-US" dirty="0" err="1" smtClean="0">
+              <a:latin typeface="Times New Roman" panose="02020603050405020304" pitchFamily="18" charset="0"/>
+              <a:cs typeface="Times New Roman" panose="02020603050405020304" pitchFamily="18" charset="0"/>
+            </a:rPr>
+            <a:t>Chưa</a:t>
+          </a:r>
+          <a:r>
+            <a:rPr lang="en-US" dirty="0" smtClean="0">
+              <a:latin typeface="Times New Roman" panose="02020603050405020304" pitchFamily="18" charset="0"/>
+              <a:cs typeface="Times New Roman" panose="02020603050405020304" pitchFamily="18" charset="0"/>
+            </a:rPr>
+            <a:t> </a:t>
+          </a:r>
+          <a:r>
+            <a:rPr lang="en-US" dirty="0" err="1" smtClean="0">
+              <a:latin typeface="Times New Roman" panose="02020603050405020304" pitchFamily="18" charset="0"/>
+              <a:cs typeface="Times New Roman" panose="02020603050405020304" pitchFamily="18" charset="0"/>
+            </a:rPr>
+            <a:t>hoàn</a:t>
+          </a:r>
+          <a:r>
+            <a:rPr lang="en-US" dirty="0" smtClean="0">
+              <a:latin typeface="Times New Roman" panose="02020603050405020304" pitchFamily="18" charset="0"/>
+              <a:cs typeface="Times New Roman" panose="02020603050405020304" pitchFamily="18" charset="0"/>
+            </a:rPr>
+            <a:t> </a:t>
+          </a:r>
+          <a:r>
+            <a:rPr lang="en-US" dirty="0" err="1" smtClean="0">
+              <a:latin typeface="Times New Roman" panose="02020603050405020304" pitchFamily="18" charset="0"/>
+              <a:cs typeface="Times New Roman" panose="02020603050405020304" pitchFamily="18" charset="0"/>
+            </a:rPr>
+            <a:t>thành</a:t>
+          </a:r>
+          <a:r>
+            <a:rPr lang="en-US" dirty="0" smtClean="0">
+              <a:latin typeface="Times New Roman" panose="02020603050405020304" pitchFamily="18" charset="0"/>
+              <a:cs typeface="Times New Roman" panose="02020603050405020304" pitchFamily="18" charset="0"/>
+            </a:rPr>
+            <a:t>.</a:t>
+          </a:r>
+          <a:endParaRPr lang="vi-VN" dirty="0">
+            <a:latin typeface="Times New Roman" panose="02020603050405020304" pitchFamily="18" charset="0"/>
+            <a:cs typeface="Times New Roman" panose="02020603050405020304" pitchFamily="18" charset="0"/>
+          </a:endParaRPr>
+        </a:p>
+      </dgm:t>
+    </dgm:pt>
+    <dgm:pt modelId="{F92E3BE8-6749-49D2-B3C0-3C8B34024CF3}" type="parTrans" cxnId="{F256A9BE-13E6-4F9C-9CA5-97C319FE38E4}">
+      <dgm:prSet/>
+      <dgm:spPr/>
+    </dgm:pt>
+    <dgm:pt modelId="{ADE370EB-0DB8-44D7-8762-ABF3B0E50946}" type="sibTrans" cxnId="{F256A9BE-13E6-4F9C-9CA5-97C319FE38E4}">
+      <dgm:prSet/>
+      <dgm:spPr/>
+    </dgm:pt>
+    <dgm:pt modelId="{767BDBBF-EF48-4655-BF6D-17BC27F933B6}">
+      <dgm:prSet phldrT="[Text]"/>
+      <dgm:spPr/>
+      <dgm:t>
+        <a:bodyPr/>
+        <a:lstStyle/>
+        <a:p>
+          <a:r>
+            <a:rPr lang="en-US" dirty="0" err="1" smtClean="0">
+              <a:latin typeface="Times New Roman" panose="02020603050405020304" pitchFamily="18" charset="0"/>
+              <a:cs typeface="Times New Roman" panose="02020603050405020304" pitchFamily="18" charset="0"/>
+            </a:rPr>
+            <a:t>Đánh</a:t>
+          </a:r>
+          <a:r>
+            <a:rPr lang="en-US" dirty="0" smtClean="0">
+              <a:latin typeface="Times New Roman" panose="02020603050405020304" pitchFamily="18" charset="0"/>
+              <a:cs typeface="Times New Roman" panose="02020603050405020304" pitchFamily="18" charset="0"/>
+            </a:rPr>
+            <a:t> </a:t>
+          </a:r>
+          <a:r>
+            <a:rPr lang="en-US" dirty="0" err="1" smtClean="0">
+              <a:latin typeface="Times New Roman" panose="02020603050405020304" pitchFamily="18" charset="0"/>
+              <a:cs typeface="Times New Roman" panose="02020603050405020304" pitchFamily="18" charset="0"/>
+            </a:rPr>
+            <a:t>giá</a:t>
+          </a:r>
+          <a:r>
+            <a:rPr lang="en-US" dirty="0" smtClean="0">
+              <a:latin typeface="Times New Roman" panose="02020603050405020304" pitchFamily="18" charset="0"/>
+              <a:cs typeface="Times New Roman" panose="02020603050405020304" pitchFamily="18" charset="0"/>
+            </a:rPr>
+            <a:t>.</a:t>
+          </a:r>
+          <a:endParaRPr lang="vi-VN" dirty="0">
+            <a:latin typeface="Times New Roman" panose="02020603050405020304" pitchFamily="18" charset="0"/>
+            <a:cs typeface="Times New Roman" panose="02020603050405020304" pitchFamily="18" charset="0"/>
+          </a:endParaRPr>
+        </a:p>
+      </dgm:t>
+    </dgm:pt>
+    <dgm:pt modelId="{6608027F-079E-4BF6-8EE9-1880E1EE6C5C}" type="parTrans" cxnId="{A0A03BC6-5FB9-4B15-B264-CC520B203E66}">
+      <dgm:prSet/>
+      <dgm:spPr/>
+    </dgm:pt>
+    <dgm:pt modelId="{62206DB2-BED8-4E96-BBED-5E05466FBCF6}" type="sibTrans" cxnId="{A0A03BC6-5FB9-4B15-B264-CC520B203E66}">
+      <dgm:prSet/>
+      <dgm:spPr/>
+    </dgm:pt>
+    <dgm:pt modelId="{EB8765AC-E290-4A22-87DF-779250F52736}">
+      <dgm:prSet phldrT="[Text]"/>
+      <dgm:spPr/>
+      <dgm:t>
+        <a:bodyPr/>
+        <a:lstStyle/>
+        <a:p>
+          <a:r>
+            <a:rPr lang="en-US" dirty="0" err="1" smtClean="0">
+              <a:latin typeface="Times New Roman" panose="02020603050405020304" pitchFamily="18" charset="0"/>
+              <a:cs typeface="Times New Roman" panose="02020603050405020304" pitchFamily="18" charset="0"/>
+            </a:rPr>
+            <a:t>Hạn</a:t>
+          </a:r>
+          <a:r>
+            <a:rPr lang="en-US" dirty="0" smtClean="0">
+              <a:latin typeface="Times New Roman" panose="02020603050405020304" pitchFamily="18" charset="0"/>
+              <a:cs typeface="Times New Roman" panose="02020603050405020304" pitchFamily="18" charset="0"/>
+            </a:rPr>
+            <a:t> </a:t>
+          </a:r>
+          <a:r>
+            <a:rPr lang="en-US" dirty="0" err="1" smtClean="0">
+              <a:latin typeface="Times New Roman" panose="02020603050405020304" pitchFamily="18" charset="0"/>
+              <a:cs typeface="Times New Roman" panose="02020603050405020304" pitchFamily="18" charset="0"/>
+            </a:rPr>
+            <a:t>chế</a:t>
+          </a:r>
+          <a:endParaRPr lang="vi-VN" dirty="0">
+            <a:latin typeface="Times New Roman" panose="02020603050405020304" pitchFamily="18" charset="0"/>
+            <a:cs typeface="Times New Roman" panose="02020603050405020304" pitchFamily="18" charset="0"/>
+          </a:endParaRPr>
+        </a:p>
+      </dgm:t>
+    </dgm:pt>
+    <dgm:pt modelId="{00AAA197-5382-4013-AE68-83064CC6D9CD}" type="parTrans" cxnId="{E0231C35-87AA-4D1C-97A5-DFC8E81C7EAA}">
+      <dgm:prSet/>
+      <dgm:spPr/>
+    </dgm:pt>
+    <dgm:pt modelId="{19EAB4A2-7584-4AD9-8715-E84DC4D96AD8}" type="sibTrans" cxnId="{E0231C35-87AA-4D1C-97A5-DFC8E81C7EAA}">
+      <dgm:prSet/>
+      <dgm:spPr/>
     </dgm:pt>
     <dgm:pt modelId="{30F71B18-8C96-48BA-BE8F-1DCD4652B365}" type="pres">
       <dgm:prSet presAssocID="{E4EC5A2B-FC67-48DB-96C1-682D438DEF2A}" presName="linearFlow" presStyleCnt="0">
@@ -7157,14 +7266,20 @@
     <dgm:cxn modelId="{4BCEE872-53B5-4B94-AF44-79F9353054EC}" srcId="{E4EC5A2B-FC67-48DB-96C1-682D438DEF2A}" destId="{F9DA0276-366F-4096-9271-84737F07584E}" srcOrd="1" destOrd="0" parTransId="{A67E0FF6-496A-42CC-90BF-3D2D0C56DAFE}" sibTransId="{35CDB4EB-ED13-4F68-8AC2-0544DFC1C7FB}"/>
     <dgm:cxn modelId="{770D6014-C8E2-4AB9-BA8C-99E4B76A1A46}" srcId="{E4EC5A2B-FC67-48DB-96C1-682D438DEF2A}" destId="{0E3E75AB-D02D-43E6-B6E9-55F915E49B99}" srcOrd="0" destOrd="0" parTransId="{C3802E0B-8DEE-444F-B912-823E16396B2F}" sibTransId="{950F85E2-D8B0-4856-9033-7666834C2CAE}"/>
     <dgm:cxn modelId="{93EFD155-506D-4756-A5C5-756880F204FB}" type="presOf" srcId="{A3768D52-7E7B-4E17-90B3-B46BD3A5EA68}" destId="{EDA8D838-EF91-43E9-B825-1A62AA959244}" srcOrd="0" destOrd="0" presId="urn:microsoft.com/office/officeart/2005/8/layout/chevron2"/>
+    <dgm:cxn modelId="{5B12EC94-0FF4-47CA-B126-979C21688397}" type="presOf" srcId="{EB8765AC-E290-4A22-87DF-779250F52736}" destId="{23D4629C-CFD0-4B8D-BC87-16903194FF9B}" srcOrd="0" destOrd="1" presId="urn:microsoft.com/office/officeart/2005/8/layout/chevron2"/>
     <dgm:cxn modelId="{0EB96B45-6591-437C-BC80-3BA27D8B2718}" type="presOf" srcId="{B00FE53E-3839-4767-BC4C-4A89B0C388E9}" destId="{69DB3F3B-CA82-4BFE-B793-DC8826C101E2}" srcOrd="0" destOrd="0" presId="urn:microsoft.com/office/officeart/2005/8/layout/chevron2"/>
     <dgm:cxn modelId="{9489CF7D-ECD7-475A-B718-041F6A9A3084}" type="presOf" srcId="{E4EC5A2B-FC67-48DB-96C1-682D438DEF2A}" destId="{30F71B18-8C96-48BA-BE8F-1DCD4652B365}" srcOrd="0" destOrd="0" presId="urn:microsoft.com/office/officeart/2005/8/layout/chevron2"/>
+    <dgm:cxn modelId="{E0231C35-87AA-4D1C-97A5-DFC8E81C7EAA}" srcId="{A3768D52-7E7B-4E17-90B3-B46BD3A5EA68}" destId="{EB8765AC-E290-4A22-87DF-779250F52736}" srcOrd="1" destOrd="0" parTransId="{00AAA197-5382-4013-AE68-83064CC6D9CD}" sibTransId="{19EAB4A2-7584-4AD9-8715-E84DC4D96AD8}"/>
+    <dgm:cxn modelId="{F256A9BE-13E6-4F9C-9CA5-97C319FE38E4}" srcId="{0E3E75AB-D02D-43E6-B6E9-55F915E49B99}" destId="{75D4E03C-7101-4FFC-AD00-75060F5FF430}" srcOrd="1" destOrd="0" parTransId="{F92E3BE8-6749-49D2-B3C0-3C8B34024CF3}" sibTransId="{ADE370EB-0DB8-44D7-8762-ABF3B0E50946}"/>
     <dgm:cxn modelId="{9A7758B5-4879-4E75-9E8A-18A2F248026E}" type="presOf" srcId="{F9DA0276-366F-4096-9271-84737F07584E}" destId="{5F30603D-CC0C-4516-9205-DD1F5FFD2F1E}" srcOrd="0" destOrd="0" presId="urn:microsoft.com/office/officeart/2005/8/layout/chevron2"/>
     <dgm:cxn modelId="{AC255963-926D-4B91-86F4-4829033942B6}" type="presOf" srcId="{A4B635B7-4E08-4D09-B6F0-EF35E4CE5365}" destId="{23D4629C-CFD0-4B8D-BC87-16903194FF9B}" srcOrd="0" destOrd="0" presId="urn:microsoft.com/office/officeart/2005/8/layout/chevron2"/>
+    <dgm:cxn modelId="{EF37195D-146B-46D2-A644-60E0FD083DCE}" type="presOf" srcId="{75D4E03C-7101-4FFC-AD00-75060F5FF430}" destId="{A4842830-7F47-4762-A230-7CFFA5089535}" srcOrd="0" destOrd="1" presId="urn:microsoft.com/office/officeart/2005/8/layout/chevron2"/>
     <dgm:cxn modelId="{FB2560BD-1C9F-4739-AC23-62ECD4273B0B}" srcId="{E4EC5A2B-FC67-48DB-96C1-682D438DEF2A}" destId="{A3768D52-7E7B-4E17-90B3-B46BD3A5EA68}" srcOrd="2" destOrd="0" parTransId="{98A2519D-098A-4E1F-B4D6-23CDDF2A4214}" sibTransId="{6902AA09-E6FD-464A-82E9-C76086292E09}"/>
     <dgm:cxn modelId="{059B9202-8157-4FC5-9CEA-75596EEDDB14}" srcId="{F9DA0276-366F-4096-9271-84737F07584E}" destId="{B00FE53E-3839-4767-BC4C-4A89B0C388E9}" srcOrd="0" destOrd="0" parTransId="{1D99933F-444B-486D-89DF-1B51F57F589C}" sibTransId="{11B4860C-08A1-4B84-B96E-CC1261B83969}"/>
     <dgm:cxn modelId="{E5809EFD-6D39-4452-9DF3-316062FD4EFF}" type="presOf" srcId="{7F057D7F-A9AD-411E-898B-D3C6C49E0F2F}" destId="{A4842830-7F47-4762-A230-7CFFA5089535}" srcOrd="0" destOrd="0" presId="urn:microsoft.com/office/officeart/2005/8/layout/chevron2"/>
+    <dgm:cxn modelId="{1CFC2B1D-062B-4BFD-95EE-01DE621467E3}" type="presOf" srcId="{767BDBBF-EF48-4655-BF6D-17BC27F933B6}" destId="{69DB3F3B-CA82-4BFE-B793-DC8826C101E2}" srcOrd="0" destOrd="1" presId="urn:microsoft.com/office/officeart/2005/8/layout/chevron2"/>
     <dgm:cxn modelId="{50BB4CD5-157A-4824-BC0B-B13B1DC0C784}" srcId="{A3768D52-7E7B-4E17-90B3-B46BD3A5EA68}" destId="{A4B635B7-4E08-4D09-B6F0-EF35E4CE5365}" srcOrd="0" destOrd="0" parTransId="{0CD25F49-14F3-41A3-8497-46D47B939A1B}" sibTransId="{BD2348D6-86AC-4DDF-8906-C4635A5A2C62}"/>
+    <dgm:cxn modelId="{A0A03BC6-5FB9-4B15-B264-CC520B203E66}" srcId="{F9DA0276-366F-4096-9271-84737F07584E}" destId="{767BDBBF-EF48-4655-BF6D-17BC27F933B6}" srcOrd="1" destOrd="0" parTransId="{6608027F-079E-4BF6-8EE9-1880E1EE6C5C}" sibTransId="{62206DB2-BED8-4E96-BBED-5E05466FBCF6}"/>
     <dgm:cxn modelId="{8EA47E57-999C-4348-BB10-7963EB826DB5}" type="presParOf" srcId="{30F71B18-8C96-48BA-BE8F-1DCD4652B365}" destId="{E9A2C469-2E3B-4A5D-96D8-EEEF77B91FF3}" srcOrd="0" destOrd="0" presId="urn:microsoft.com/office/officeart/2005/8/layout/chevron2"/>
     <dgm:cxn modelId="{494A00EC-569A-4B86-A2AE-4B21EF658965}" type="presParOf" srcId="{E9A2C469-2E3B-4A5D-96D8-EEEF77B91FF3}" destId="{08C049D6-42D9-45ED-AEA7-EA7F4B18F6BF}" srcOrd="0" destOrd="0" presId="urn:microsoft.com/office/officeart/2005/8/layout/chevron2"/>
     <dgm:cxn modelId="{55065B95-C86C-43FD-AE76-5970336CF6C9}" type="presParOf" srcId="{E9A2C469-2E3B-4A5D-96D8-EEEF77B91FF3}" destId="{A4842830-7F47-4762-A230-7CFFA5089535}" srcOrd="1" destOrd="0" presId="urn:microsoft.com/office/officeart/2005/8/layout/chevron2"/>
@@ -7229,34 +7344,6 @@
             </a:rPr>
             <a:t>phục</a:t>
           </a:r>
-          <a:r>
-            <a:rPr lang="en-US" dirty="0" smtClean="0">
-              <a:latin typeface="Times New Roman" panose="02020603050405020304" pitchFamily="18" charset="0"/>
-              <a:cs typeface="Times New Roman" panose="02020603050405020304" pitchFamily="18" charset="0"/>
-            </a:rPr>
-            <a:t> </a:t>
-          </a:r>
-          <a:r>
-            <a:rPr lang="en-US" dirty="0" err="1" smtClean="0">
-              <a:latin typeface="Times New Roman" panose="02020603050405020304" pitchFamily="18" charset="0"/>
-              <a:cs typeface="Times New Roman" panose="02020603050405020304" pitchFamily="18" charset="0"/>
-            </a:rPr>
-            <a:t>hạn</a:t>
-          </a:r>
-          <a:r>
-            <a:rPr lang="en-US" dirty="0" smtClean="0">
-              <a:latin typeface="Times New Roman" panose="02020603050405020304" pitchFamily="18" charset="0"/>
-              <a:cs typeface="Times New Roman" panose="02020603050405020304" pitchFamily="18" charset="0"/>
-            </a:rPr>
-            <a:t> </a:t>
-          </a:r>
-          <a:r>
-            <a:rPr lang="en-US" dirty="0" err="1" smtClean="0">
-              <a:latin typeface="Times New Roman" panose="02020603050405020304" pitchFamily="18" charset="0"/>
-              <a:cs typeface="Times New Roman" panose="02020603050405020304" pitchFamily="18" charset="0"/>
-            </a:rPr>
-            <a:t>chế</a:t>
-          </a:r>
           <a:endParaRPr lang="vi-VN" dirty="0">
             <a:latin typeface="Times New Roman" panose="02020603050405020304" pitchFamily="18" charset="0"/>
             <a:cs typeface="Times New Roman" panose="02020603050405020304" pitchFamily="18" charset="0"/>
@@ -7298,7 +7385,7 @@
               <a:latin typeface="Times New Roman" panose="02020603050405020304" pitchFamily="18" charset="0"/>
               <a:cs typeface="Times New Roman" panose="02020603050405020304" pitchFamily="18" charset="0"/>
             </a:rPr>
-            <a:t>Phát</a:t>
+            <a:t>Định</a:t>
           </a:r>
           <a:r>
             <a:rPr lang="en-US" dirty="0" smtClean="0">
@@ -7312,49 +7399,7 @@
               <a:latin typeface="Times New Roman" panose="02020603050405020304" pitchFamily="18" charset="0"/>
               <a:cs typeface="Times New Roman" panose="02020603050405020304" pitchFamily="18" charset="0"/>
             </a:rPr>
-            <a:t>triển</a:t>
-          </a:r>
-          <a:r>
-            <a:rPr lang="en-US" dirty="0" smtClean="0">
-              <a:latin typeface="Times New Roman" panose="02020603050405020304" pitchFamily="18" charset="0"/>
-              <a:cs typeface="Times New Roman" panose="02020603050405020304" pitchFamily="18" charset="0"/>
-            </a:rPr>
-            <a:t> web </a:t>
-          </a:r>
-          <a:r>
-            <a:rPr lang="en-US" dirty="0" err="1" smtClean="0">
-              <a:latin typeface="Times New Roman" panose="02020603050405020304" pitchFamily="18" charset="0"/>
-              <a:cs typeface="Times New Roman" panose="02020603050405020304" pitchFamily="18" charset="0"/>
-            </a:rPr>
-            <a:t>theo</a:t>
-          </a:r>
-          <a:r>
-            <a:rPr lang="en-US" dirty="0" smtClean="0">
-              <a:latin typeface="Times New Roman" panose="02020603050405020304" pitchFamily="18" charset="0"/>
-              <a:cs typeface="Times New Roman" panose="02020603050405020304" pitchFamily="18" charset="0"/>
-            </a:rPr>
-            <a:t> </a:t>
-          </a:r>
-          <a:r>
-            <a:rPr lang="en-US" dirty="0" err="1" smtClean="0">
-              <a:latin typeface="Times New Roman" panose="02020603050405020304" pitchFamily="18" charset="0"/>
-              <a:cs typeface="Times New Roman" panose="02020603050405020304" pitchFamily="18" charset="0"/>
-            </a:rPr>
             <a:t>hướng</a:t>
-          </a:r>
-          <a:r>
-            <a:rPr lang="en-US" dirty="0" smtClean="0">
-              <a:latin typeface="Times New Roman" panose="02020603050405020304" pitchFamily="18" charset="0"/>
-              <a:cs typeface="Times New Roman" panose="02020603050405020304" pitchFamily="18" charset="0"/>
-            </a:rPr>
-            <a:t> </a:t>
-          </a:r>
-          <a:r>
-            <a:rPr lang="en-US" dirty="0" err="1" smtClean="0">
-              <a:latin typeface="Times New Roman" panose="02020603050405020304" pitchFamily="18" charset="0"/>
-              <a:cs typeface="Times New Roman" panose="02020603050405020304" pitchFamily="18" charset="0"/>
-            </a:rPr>
-            <a:t>mới</a:t>
           </a:r>
           <a:endParaRPr lang="vi-VN" dirty="0">
             <a:latin typeface="Times New Roman" panose="02020603050405020304" pitchFamily="18" charset="0"/>
@@ -9268,7 +9313,7 @@
       </dsp:nvSpPr>
       <dsp:spPr>
         <a:xfrm>
-          <a:off x="457200" y="76203"/>
+          <a:off x="188641" y="0"/>
           <a:ext cx="5494020" cy="797040"/>
         </a:xfrm>
         <a:prstGeom prst="roundRect">
@@ -9357,7 +9402,7 @@
         </a:p>
       </dsp:txBody>
       <dsp:txXfrm>
-        <a:off x="496108" y="115111"/>
+        <a:off x="227549" y="38908"/>
         <a:ext cx="5416204" cy="719224"/>
       </dsp:txXfrm>
     </dsp:sp>
@@ -9884,8 +9929,8 @@
       </dsp:nvSpPr>
       <dsp:spPr>
         <a:xfrm>
-          <a:off x="0" y="94140"/>
-          <a:ext cx="7848600" cy="965250"/>
+          <a:off x="0" y="215163"/>
+          <a:ext cx="7848600" cy="916987"/>
         </a:xfrm>
         <a:prstGeom prst="roundRect">
           <a:avLst/>
@@ -9985,12 +10030,12 @@
         </a:fontRef>
       </dsp:style>
       <dsp:txBody>
-        <a:bodyPr spcFirstLastPara="0" vert="horz" wrap="square" lIns="152400" tIns="152400" rIns="152400" bIns="152400" numCol="1" spcCol="1270" anchor="ctr" anchorCtr="0">
+        <a:bodyPr spcFirstLastPara="0" vert="horz" wrap="square" lIns="144780" tIns="144780" rIns="144780" bIns="144780" numCol="1" spcCol="1270" anchor="ctr" anchorCtr="0">
           <a:noAutofit/>
         </a:bodyPr>
         <a:lstStyle/>
         <a:p>
-          <a:pPr lvl="0" algn="l" defTabSz="1778000">
+          <a:pPr lvl="0" algn="l" defTabSz="1689100">
             <a:lnSpc>
               <a:spcPct val="90000"/>
             </a:lnSpc>
@@ -10002,98 +10047,98 @@
             </a:spcAft>
           </a:pPr>
           <a:r>
-            <a:rPr lang="en-US" sz="4000" kern="1200" dirty="0" smtClean="0">
-              <a:latin typeface="Times New Roman" panose="02020603050405020304" pitchFamily="18" charset="0"/>
-              <a:cs typeface="Times New Roman" panose="02020603050405020304" pitchFamily="18" charset="0"/>
-            </a:rPr>
-            <a:t>1- </a:t>
-          </a:r>
-          <a:r>
-            <a:rPr lang="en-US" sz="4000" kern="1200" dirty="0" err="1" smtClean="0">
+            <a:rPr lang="en-US" sz="3800" kern="1200" dirty="0" smtClean="0">
+              <a:latin typeface="Times New Roman" panose="02020603050405020304" pitchFamily="18" charset="0"/>
+              <a:cs typeface="Times New Roman" panose="02020603050405020304" pitchFamily="18" charset="0"/>
+            </a:rPr>
+            <a:t>3.1- </a:t>
+          </a:r>
+          <a:r>
+            <a:rPr lang="en-US" sz="3800" kern="1200" dirty="0" err="1" smtClean="0">
               <a:latin typeface="Times New Roman" panose="02020603050405020304" pitchFamily="18" charset="0"/>
               <a:cs typeface="Times New Roman" panose="02020603050405020304" pitchFamily="18" charset="0"/>
             </a:rPr>
             <a:t>Phân</a:t>
           </a:r>
           <a:r>
-            <a:rPr lang="en-US" sz="4000" kern="1200" dirty="0" smtClean="0">
+            <a:rPr lang="en-US" sz="3800" kern="1200" dirty="0" smtClean="0">
               <a:latin typeface="Times New Roman" panose="02020603050405020304" pitchFamily="18" charset="0"/>
               <a:cs typeface="Times New Roman" panose="02020603050405020304" pitchFamily="18" charset="0"/>
             </a:rPr>
             <a:t> </a:t>
           </a:r>
           <a:r>
-            <a:rPr lang="en-US" sz="4000" kern="1200" dirty="0" err="1" smtClean="0">
+            <a:rPr lang="en-US" sz="3800" kern="1200" dirty="0" err="1" smtClean="0">
               <a:latin typeface="Times New Roman" panose="02020603050405020304" pitchFamily="18" charset="0"/>
               <a:cs typeface="Times New Roman" panose="02020603050405020304" pitchFamily="18" charset="0"/>
             </a:rPr>
             <a:t>tích</a:t>
           </a:r>
           <a:r>
-            <a:rPr lang="en-US" sz="4000" kern="1200" dirty="0" smtClean="0">
+            <a:rPr lang="en-US" sz="3800" kern="1200" dirty="0" smtClean="0">
               <a:latin typeface="Times New Roman" panose="02020603050405020304" pitchFamily="18" charset="0"/>
               <a:cs typeface="Times New Roman" panose="02020603050405020304" pitchFamily="18" charset="0"/>
             </a:rPr>
             <a:t> </a:t>
           </a:r>
           <a:r>
-            <a:rPr lang="en-US" sz="4000" kern="1200" dirty="0" err="1" smtClean="0">
+            <a:rPr lang="en-US" sz="3800" kern="1200" dirty="0" err="1" smtClean="0">
               <a:latin typeface="Times New Roman" panose="02020603050405020304" pitchFamily="18" charset="0"/>
               <a:cs typeface="Times New Roman" panose="02020603050405020304" pitchFamily="18" charset="0"/>
             </a:rPr>
             <a:t>thiết</a:t>
           </a:r>
           <a:r>
-            <a:rPr lang="en-US" sz="4000" kern="1200" dirty="0" smtClean="0">
+            <a:rPr lang="en-US" sz="3800" kern="1200" dirty="0" smtClean="0">
               <a:latin typeface="Times New Roman" panose="02020603050405020304" pitchFamily="18" charset="0"/>
               <a:cs typeface="Times New Roman" panose="02020603050405020304" pitchFamily="18" charset="0"/>
             </a:rPr>
             <a:t> </a:t>
           </a:r>
           <a:r>
-            <a:rPr lang="en-US" sz="4000" kern="1200" dirty="0" err="1" smtClean="0">
+            <a:rPr lang="en-US" sz="3800" kern="1200" dirty="0" err="1" smtClean="0">
               <a:latin typeface="Times New Roman" panose="02020603050405020304" pitchFamily="18" charset="0"/>
               <a:cs typeface="Times New Roman" panose="02020603050405020304" pitchFamily="18" charset="0"/>
             </a:rPr>
             <a:t>kế</a:t>
           </a:r>
           <a:r>
-            <a:rPr lang="en-US" sz="4000" kern="1200" dirty="0" smtClean="0">
+            <a:rPr lang="en-US" sz="3800" kern="1200" dirty="0" smtClean="0">
               <a:latin typeface="Times New Roman" panose="02020603050405020304" pitchFamily="18" charset="0"/>
               <a:cs typeface="Times New Roman" panose="02020603050405020304" pitchFamily="18" charset="0"/>
             </a:rPr>
             <a:t> </a:t>
           </a:r>
           <a:r>
-            <a:rPr lang="en-US" sz="4000" kern="1200" dirty="0" err="1" smtClean="0">
+            <a:rPr lang="en-US" sz="3800" kern="1200" dirty="0" err="1" smtClean="0">
               <a:latin typeface="Times New Roman" panose="02020603050405020304" pitchFamily="18" charset="0"/>
               <a:cs typeface="Times New Roman" panose="02020603050405020304" pitchFamily="18" charset="0"/>
             </a:rPr>
             <a:t>hệ</a:t>
           </a:r>
           <a:r>
-            <a:rPr lang="en-US" sz="4000" kern="1200" dirty="0" smtClean="0">
+            <a:rPr lang="en-US" sz="3800" kern="1200" dirty="0" smtClean="0">
               <a:latin typeface="Times New Roman" panose="02020603050405020304" pitchFamily="18" charset="0"/>
               <a:cs typeface="Times New Roman" panose="02020603050405020304" pitchFamily="18" charset="0"/>
             </a:rPr>
             <a:t> </a:t>
           </a:r>
           <a:r>
-            <a:rPr lang="en-US" sz="4000" kern="1200" dirty="0" err="1" smtClean="0">
+            <a:rPr lang="en-US" sz="3800" kern="1200" dirty="0" err="1" smtClean="0">
               <a:latin typeface="Times New Roman" panose="02020603050405020304" pitchFamily="18" charset="0"/>
               <a:cs typeface="Times New Roman" panose="02020603050405020304" pitchFamily="18" charset="0"/>
             </a:rPr>
             <a:t>thống</a:t>
           </a:r>
-          <a:endParaRPr lang="vi-VN" sz="4000" kern="1200" dirty="0">
+          <a:endParaRPr lang="vi-VN" sz="3800" kern="1200" dirty="0">
             <a:latin typeface="Times New Roman" panose="02020603050405020304" pitchFamily="18" charset="0"/>
             <a:cs typeface="Times New Roman" panose="02020603050405020304" pitchFamily="18" charset="0"/>
           </a:endParaRPr>
         </a:p>
       </dsp:txBody>
       <dsp:txXfrm>
-        <a:off x="47120" y="141260"/>
-        <a:ext cx="7754360" cy="871010"/>
+        <a:off x="44764" y="259927"/>
+        <a:ext cx="7759072" cy="827459"/>
       </dsp:txXfrm>
     </dsp:sp>
     <dsp:sp modelId="{FE55E3FA-1C2B-4407-B92B-6DD99FA3813F}">
@@ -10103,8 +10148,8 @@
       </dsp:nvSpPr>
       <dsp:spPr>
         <a:xfrm>
-          <a:off x="0" y="1349185"/>
-          <a:ext cx="7848600" cy="965250"/>
+          <a:off x="0" y="1407455"/>
+          <a:ext cx="7848600" cy="916987"/>
         </a:xfrm>
         <a:prstGeom prst="roundRect">
           <a:avLst/>
@@ -10204,12 +10249,12 @@
         </a:fontRef>
       </dsp:style>
       <dsp:txBody>
-        <a:bodyPr spcFirstLastPara="0" vert="horz" wrap="square" lIns="152400" tIns="152400" rIns="152400" bIns="152400" numCol="1" spcCol="1270" anchor="ctr" anchorCtr="0">
+        <a:bodyPr spcFirstLastPara="0" vert="horz" wrap="square" lIns="144780" tIns="144780" rIns="144780" bIns="144780" numCol="1" spcCol="1270" anchor="ctr" anchorCtr="0">
           <a:noAutofit/>
         </a:bodyPr>
         <a:lstStyle/>
         <a:p>
-          <a:pPr lvl="0" algn="l" defTabSz="1778000">
+          <a:pPr lvl="0" algn="l" defTabSz="1689100">
             <a:lnSpc>
               <a:spcPct val="90000"/>
             </a:lnSpc>
@@ -10221,70 +10266,70 @@
             </a:spcAft>
           </a:pPr>
           <a:r>
-            <a:rPr lang="en-US" sz="4000" kern="1200" dirty="0" smtClean="0">
-              <a:latin typeface="Times New Roman" panose="02020603050405020304" pitchFamily="18" charset="0"/>
-              <a:cs typeface="Times New Roman" panose="02020603050405020304" pitchFamily="18" charset="0"/>
-            </a:rPr>
-            <a:t>2- </a:t>
-          </a:r>
-          <a:r>
-            <a:rPr lang="en-US" sz="4000" kern="1200" dirty="0" err="1" smtClean="0">
+            <a:rPr lang="en-US" sz="3800" kern="1200" dirty="0" smtClean="0">
+              <a:latin typeface="Times New Roman" panose="02020603050405020304" pitchFamily="18" charset="0"/>
+              <a:cs typeface="Times New Roman" panose="02020603050405020304" pitchFamily="18" charset="0"/>
+            </a:rPr>
+            <a:t>3.2- </a:t>
+          </a:r>
+          <a:r>
+            <a:rPr lang="en-US" sz="3800" kern="1200" dirty="0" err="1" smtClean="0">
               <a:latin typeface="Times New Roman" panose="02020603050405020304" pitchFamily="18" charset="0"/>
               <a:cs typeface="Times New Roman" panose="02020603050405020304" pitchFamily="18" charset="0"/>
             </a:rPr>
             <a:t>Thiết</a:t>
           </a:r>
           <a:r>
-            <a:rPr lang="en-US" sz="4000" kern="1200" dirty="0" smtClean="0">
+            <a:rPr lang="en-US" sz="3800" kern="1200" dirty="0" smtClean="0">
               <a:latin typeface="Times New Roman" panose="02020603050405020304" pitchFamily="18" charset="0"/>
               <a:cs typeface="Times New Roman" panose="02020603050405020304" pitchFamily="18" charset="0"/>
             </a:rPr>
             <a:t> </a:t>
           </a:r>
           <a:r>
-            <a:rPr lang="en-US" sz="4000" kern="1200" dirty="0" err="1" smtClean="0">
+            <a:rPr lang="en-US" sz="3800" kern="1200" dirty="0" err="1" smtClean="0">
               <a:latin typeface="Times New Roman" panose="02020603050405020304" pitchFamily="18" charset="0"/>
               <a:cs typeface="Times New Roman" panose="02020603050405020304" pitchFamily="18" charset="0"/>
             </a:rPr>
             <a:t>kế</a:t>
           </a:r>
           <a:r>
-            <a:rPr lang="en-US" sz="4000" kern="1200" dirty="0" smtClean="0">
+            <a:rPr lang="en-US" sz="3800" kern="1200" dirty="0" smtClean="0">
               <a:latin typeface="Times New Roman" panose="02020603050405020304" pitchFamily="18" charset="0"/>
               <a:cs typeface="Times New Roman" panose="02020603050405020304" pitchFamily="18" charset="0"/>
             </a:rPr>
             <a:t> </a:t>
           </a:r>
           <a:r>
-            <a:rPr lang="en-US" sz="4000" kern="1200" dirty="0" err="1" smtClean="0">
+            <a:rPr lang="en-US" sz="3800" kern="1200" dirty="0" err="1" smtClean="0">
               <a:latin typeface="Times New Roman" panose="02020603050405020304" pitchFamily="18" charset="0"/>
               <a:cs typeface="Times New Roman" panose="02020603050405020304" pitchFamily="18" charset="0"/>
             </a:rPr>
             <a:t>giao</a:t>
           </a:r>
           <a:r>
-            <a:rPr lang="en-US" sz="4000" kern="1200" dirty="0" smtClean="0">
+            <a:rPr lang="en-US" sz="3800" kern="1200" dirty="0" smtClean="0">
               <a:latin typeface="Times New Roman" panose="02020603050405020304" pitchFamily="18" charset="0"/>
               <a:cs typeface="Times New Roman" panose="02020603050405020304" pitchFamily="18" charset="0"/>
             </a:rPr>
             <a:t> </a:t>
           </a:r>
           <a:r>
-            <a:rPr lang="en-US" sz="4000" kern="1200" dirty="0" err="1" smtClean="0">
+            <a:rPr lang="en-US" sz="3800" kern="1200" dirty="0" err="1" smtClean="0">
               <a:latin typeface="Times New Roman" panose="02020603050405020304" pitchFamily="18" charset="0"/>
               <a:cs typeface="Times New Roman" panose="02020603050405020304" pitchFamily="18" charset="0"/>
             </a:rPr>
             <a:t>diện</a:t>
           </a:r>
-          <a:endParaRPr lang="vi-VN" sz="4000" kern="1200" dirty="0">
+          <a:endParaRPr lang="vi-VN" sz="3800" kern="1200" dirty="0">
             <a:latin typeface="Times New Roman" panose="02020603050405020304" pitchFamily="18" charset="0"/>
             <a:cs typeface="Times New Roman" panose="02020603050405020304" pitchFamily="18" charset="0"/>
           </a:endParaRPr>
         </a:p>
       </dsp:txBody>
       <dsp:txXfrm>
-        <a:off x="47120" y="1396305"/>
-        <a:ext cx="7754360" cy="871010"/>
+        <a:off x="44764" y="1452219"/>
+        <a:ext cx="7759072" cy="827459"/>
       </dsp:txXfrm>
     </dsp:sp>
     <dsp:sp modelId="{DAEE6E13-5CDB-4339-BD0B-4EC02EE63957}">
@@ -10294,8 +10339,8 @@
       </dsp:nvSpPr>
       <dsp:spPr>
         <a:xfrm>
-          <a:off x="0" y="2625115"/>
-          <a:ext cx="7848600" cy="965250"/>
+          <a:off x="0" y="2619590"/>
+          <a:ext cx="7848600" cy="916987"/>
         </a:xfrm>
         <a:prstGeom prst="roundRect">
           <a:avLst/>
@@ -10395,12 +10440,12 @@
         </a:fontRef>
       </dsp:style>
       <dsp:txBody>
-        <a:bodyPr spcFirstLastPara="0" vert="horz" wrap="square" lIns="152400" tIns="152400" rIns="152400" bIns="152400" numCol="1" spcCol="1270" anchor="ctr" anchorCtr="0">
+        <a:bodyPr spcFirstLastPara="0" vert="horz" wrap="square" lIns="144780" tIns="144780" rIns="144780" bIns="144780" numCol="1" spcCol="1270" anchor="ctr" anchorCtr="0">
           <a:noAutofit/>
         </a:bodyPr>
         <a:lstStyle/>
         <a:p>
-          <a:pPr lvl="0" algn="l" defTabSz="1778000">
+          <a:pPr lvl="0" algn="l" defTabSz="1689100">
             <a:lnSpc>
               <a:spcPct val="90000"/>
             </a:lnSpc>
@@ -10412,32 +10457,39 @@
             </a:spcAft>
           </a:pPr>
           <a:r>
-            <a:rPr lang="vi-VN" sz="4000" kern="1200" dirty="0" smtClean="0">
+            <a:rPr lang="vi-VN" sz="3800" kern="1200" dirty="0" smtClean="0">
               <a:latin typeface="Times New Roman" panose="02020603050405020304" pitchFamily="18" charset="0"/>
               <a:cs typeface="Times New Roman" panose="02020603050405020304" pitchFamily="18" charset="0"/>
             </a:rPr>
             <a:t>3</a:t>
           </a:r>
           <a:r>
-            <a:rPr lang="vi-VN" sz="4000" kern="1200" dirty="0" smtClean="0"/>
+            <a:rPr lang="en-US" sz="3800" kern="1200" dirty="0" smtClean="0">
+              <a:latin typeface="Times New Roman" panose="02020603050405020304" pitchFamily="18" charset="0"/>
+              <a:cs typeface="Times New Roman" panose="02020603050405020304" pitchFamily="18" charset="0"/>
+            </a:rPr>
+            <a:t>.3</a:t>
+          </a:r>
+          <a:r>
+            <a:rPr lang="vi-VN" sz="3800" kern="1200" dirty="0" smtClean="0"/>
             <a:t>- </a:t>
           </a:r>
           <a:r>
-            <a:rPr lang="vi-VN" sz="4000" kern="1200" dirty="0" smtClean="0">
-              <a:latin typeface="Times New Roman" panose="02020603050405020304" pitchFamily="18" charset="0"/>
-              <a:cs typeface="Times New Roman" panose="02020603050405020304" pitchFamily="18" charset="0"/>
-            </a:rPr>
-            <a:t>Lập trình</a:t>
-          </a:r>
-          <a:endParaRPr lang="vi-VN" sz="4000" kern="1200" dirty="0">
+            <a:rPr lang="vi-VN" sz="3800" kern="1200" dirty="0" smtClean="0">
+              <a:latin typeface="Times New Roman" panose="02020603050405020304" pitchFamily="18" charset="0"/>
+              <a:cs typeface="Times New Roman" panose="02020603050405020304" pitchFamily="18" charset="0"/>
+            </a:rPr>
+            <a:t>Cài đặt và kiểm thử chương trình</a:t>
+          </a:r>
+          <a:endParaRPr lang="vi-VN" sz="3800" kern="1200" dirty="0">
             <a:latin typeface="Times New Roman" panose="02020603050405020304" pitchFamily="18" charset="0"/>
             <a:cs typeface="Times New Roman" panose="02020603050405020304" pitchFamily="18" charset="0"/>
           </a:endParaRPr>
         </a:p>
       </dsp:txBody>
       <dsp:txXfrm>
-        <a:off x="47120" y="2672235"/>
-        <a:ext cx="7754360" cy="871010"/>
+        <a:off x="44764" y="2664354"/>
+        <a:ext cx="7759072" cy="827459"/>
       </dsp:txXfrm>
     </dsp:sp>
     <dsp:sp modelId="{8E7242B7-9968-4A8D-99A5-CE8B22470EA7}">
@@ -10447,8 +10499,8 @@
       </dsp:nvSpPr>
       <dsp:spPr>
         <a:xfrm>
-          <a:off x="0" y="3880176"/>
-          <a:ext cx="7848600" cy="965250"/>
+          <a:off x="0" y="3811897"/>
+          <a:ext cx="7848600" cy="916987"/>
         </a:xfrm>
         <a:prstGeom prst="roundRect">
           <a:avLst/>
@@ -10548,12 +10600,12 @@
         </a:fontRef>
       </dsp:style>
       <dsp:txBody>
-        <a:bodyPr spcFirstLastPara="0" vert="horz" wrap="square" lIns="152400" tIns="152400" rIns="152400" bIns="152400" numCol="1" spcCol="1270" anchor="ctr" anchorCtr="0">
+        <a:bodyPr spcFirstLastPara="0" vert="horz" wrap="square" lIns="144780" tIns="144780" rIns="144780" bIns="144780" numCol="1" spcCol="1270" anchor="ctr" anchorCtr="0">
           <a:noAutofit/>
         </a:bodyPr>
         <a:lstStyle/>
         <a:p>
-          <a:pPr lvl="0" algn="l" defTabSz="1778000">
+          <a:pPr lvl="0" algn="l" defTabSz="1689100">
             <a:lnSpc>
               <a:spcPct val="90000"/>
             </a:lnSpc>
@@ -10565,21 +10617,77 @@
             </a:spcAft>
           </a:pPr>
           <a:r>
-            <a:rPr lang="vi-VN" sz="4000" kern="1200" dirty="0" smtClean="0">
-              <a:latin typeface="Times New Roman" panose="02020603050405020304" pitchFamily="18" charset="0"/>
-              <a:cs typeface="Times New Roman" panose="02020603050405020304" pitchFamily="18" charset="0"/>
-            </a:rPr>
-            <a:t>4- Cài đặt và kiểm thử chương trình</a:t>
-          </a:r>
-          <a:endParaRPr lang="vi-VN" sz="4000" kern="1200" dirty="0">
+            <a:rPr lang="en-US" sz="3800" kern="1200" dirty="0" smtClean="0">
+              <a:latin typeface="Times New Roman" panose="02020603050405020304" pitchFamily="18" charset="0"/>
+              <a:cs typeface="Times New Roman" panose="02020603050405020304" pitchFamily="18" charset="0"/>
+            </a:rPr>
+            <a:t>3.</a:t>
+          </a:r>
+          <a:r>
+            <a:rPr lang="vi-VN" sz="3800" kern="1200" dirty="0" smtClean="0">
+              <a:latin typeface="Times New Roman" panose="02020603050405020304" pitchFamily="18" charset="0"/>
+              <a:cs typeface="Times New Roman" panose="02020603050405020304" pitchFamily="18" charset="0"/>
+            </a:rPr>
+            <a:t>4- </a:t>
+          </a:r>
+          <a:r>
+            <a:rPr lang="en-US" sz="3800" kern="1200" dirty="0" err="1" smtClean="0">
+              <a:latin typeface="Times New Roman" panose="02020603050405020304" pitchFamily="18" charset="0"/>
+              <a:cs typeface="Times New Roman" panose="02020603050405020304" pitchFamily="18" charset="0"/>
+            </a:rPr>
+            <a:t>Phần</a:t>
+          </a:r>
+          <a:r>
+            <a:rPr lang="en-US" sz="3800" kern="1200" dirty="0" smtClean="0">
+              <a:latin typeface="Times New Roman" panose="02020603050405020304" pitchFamily="18" charset="0"/>
+              <a:cs typeface="Times New Roman" panose="02020603050405020304" pitchFamily="18" charset="0"/>
+            </a:rPr>
+            <a:t> </a:t>
+          </a:r>
+          <a:r>
+            <a:rPr lang="en-US" sz="3800" kern="1200" dirty="0" err="1" smtClean="0">
+              <a:latin typeface="Times New Roman" panose="02020603050405020304" pitchFamily="18" charset="0"/>
+              <a:cs typeface="Times New Roman" panose="02020603050405020304" pitchFamily="18" charset="0"/>
+            </a:rPr>
+            <a:t>mềm</a:t>
+          </a:r>
+          <a:r>
+            <a:rPr lang="en-US" sz="3800" kern="1200" dirty="0" smtClean="0">
+              <a:latin typeface="Times New Roman" panose="02020603050405020304" pitchFamily="18" charset="0"/>
+              <a:cs typeface="Times New Roman" panose="02020603050405020304" pitchFamily="18" charset="0"/>
+            </a:rPr>
+            <a:t> </a:t>
+          </a:r>
+          <a:r>
+            <a:rPr lang="en-US" sz="3800" kern="1200" dirty="0" err="1" smtClean="0">
+              <a:latin typeface="Times New Roman" panose="02020603050405020304" pitchFamily="18" charset="0"/>
+              <a:cs typeface="Times New Roman" panose="02020603050405020304" pitchFamily="18" charset="0"/>
+            </a:rPr>
+            <a:t>ứng</a:t>
+          </a:r>
+          <a:r>
+            <a:rPr lang="en-US" sz="3800" kern="1200" dirty="0" smtClean="0">
+              <a:latin typeface="Times New Roman" panose="02020603050405020304" pitchFamily="18" charset="0"/>
+              <a:cs typeface="Times New Roman" panose="02020603050405020304" pitchFamily="18" charset="0"/>
+            </a:rPr>
+            <a:t> </a:t>
+          </a:r>
+          <a:r>
+            <a:rPr lang="en-US" sz="3800" kern="1200" dirty="0" err="1" smtClean="0">
+              <a:latin typeface="Times New Roman" panose="02020603050405020304" pitchFamily="18" charset="0"/>
+              <a:cs typeface="Times New Roman" panose="02020603050405020304" pitchFamily="18" charset="0"/>
+            </a:rPr>
+            <a:t>dụng</a:t>
+          </a:r>
+          <a:endParaRPr lang="vi-VN" sz="3800" kern="1200" dirty="0">
             <a:latin typeface="Times New Roman" panose="02020603050405020304" pitchFamily="18" charset="0"/>
             <a:cs typeface="Times New Roman" panose="02020603050405020304" pitchFamily="18" charset="0"/>
           </a:endParaRPr>
         </a:p>
       </dsp:txBody>
       <dsp:txXfrm>
-        <a:off x="47120" y="3927296"/>
-        <a:ext cx="7754360" cy="871010"/>
+        <a:off x="44764" y="3856661"/>
+        <a:ext cx="7759072" cy="827459"/>
       </dsp:txXfrm>
     </dsp:sp>
   </dsp:spTree>
@@ -10796,12 +10904,12 @@
         <a:fontRef idx="minor"/>
       </dsp:style>
       <dsp:txBody>
-        <a:bodyPr spcFirstLastPara="0" vert="horz" wrap="square" lIns="227584" tIns="20320" rIns="20320" bIns="20320" numCol="1" spcCol="1270" anchor="ctr" anchorCtr="0">
+        <a:bodyPr spcFirstLastPara="0" vert="horz" wrap="square" lIns="206248" tIns="18415" rIns="18415" bIns="18415" numCol="1" spcCol="1270" anchor="ctr" anchorCtr="0">
           <a:noAutofit/>
         </a:bodyPr>
         <a:lstStyle/>
         <a:p>
-          <a:pPr marL="285750" lvl="1" indent="-285750" algn="l" defTabSz="1422400">
+          <a:pPr marL="285750" lvl="1" indent="-285750" algn="l" defTabSz="1289050">
             <a:lnSpc>
               <a:spcPct val="90000"/>
             </a:lnSpc>
@@ -10814,111 +10922,129 @@
             <a:buChar char="••"/>
           </a:pPr>
           <a:r>
-            <a:rPr lang="en-US" sz="3200" kern="1200" dirty="0" err="1" smtClean="0">
+            <a:rPr lang="en-US" sz="2900" kern="1200" dirty="0" err="1" smtClean="0">
               <a:latin typeface="Times New Roman" panose="02020603050405020304" pitchFamily="18" charset="0"/>
               <a:cs typeface="Times New Roman" panose="02020603050405020304" pitchFamily="18" charset="0"/>
             </a:rPr>
             <a:t>Các</a:t>
           </a:r>
           <a:r>
-            <a:rPr lang="en-US" sz="3200" kern="1200" dirty="0" smtClean="0">
+            <a:rPr lang="en-US" sz="2900" kern="1200" dirty="0" smtClean="0">
               <a:latin typeface="Times New Roman" panose="02020603050405020304" pitchFamily="18" charset="0"/>
               <a:cs typeface="Times New Roman" panose="02020603050405020304" pitchFamily="18" charset="0"/>
             </a:rPr>
             <a:t> </a:t>
           </a:r>
           <a:r>
-            <a:rPr lang="en-US" sz="3200" kern="1200" dirty="0" err="1" smtClean="0">
+            <a:rPr lang="en-US" sz="2900" kern="1200" dirty="0" err="1" smtClean="0">
               <a:latin typeface="Times New Roman" panose="02020603050405020304" pitchFamily="18" charset="0"/>
               <a:cs typeface="Times New Roman" panose="02020603050405020304" pitchFamily="18" charset="0"/>
             </a:rPr>
             <a:t>chức</a:t>
           </a:r>
           <a:r>
-            <a:rPr lang="en-US" sz="3200" kern="1200" dirty="0" smtClean="0">
+            <a:rPr lang="en-US" sz="2900" kern="1200" dirty="0" smtClean="0">
               <a:latin typeface="Times New Roman" panose="02020603050405020304" pitchFamily="18" charset="0"/>
               <a:cs typeface="Times New Roman" panose="02020603050405020304" pitchFamily="18" charset="0"/>
             </a:rPr>
             <a:t> </a:t>
           </a:r>
           <a:r>
-            <a:rPr lang="en-US" sz="3200" kern="1200" dirty="0" err="1" smtClean="0">
+            <a:rPr lang="en-US" sz="2900" kern="1200" dirty="0" err="1" smtClean="0">
               <a:latin typeface="Times New Roman" panose="02020603050405020304" pitchFamily="18" charset="0"/>
               <a:cs typeface="Times New Roman" panose="02020603050405020304" pitchFamily="18" charset="0"/>
             </a:rPr>
             <a:t>năng</a:t>
           </a:r>
           <a:r>
-            <a:rPr lang="en-US" sz="3200" kern="1200" dirty="0" smtClean="0">
+            <a:rPr lang="en-US" sz="2900" kern="1200" dirty="0" smtClean="0">
               <a:latin typeface="Times New Roman" panose="02020603050405020304" pitchFamily="18" charset="0"/>
               <a:cs typeface="Times New Roman" panose="02020603050405020304" pitchFamily="18" charset="0"/>
             </a:rPr>
             <a:t> </a:t>
           </a:r>
           <a:r>
-            <a:rPr lang="en-US" sz="3200" kern="1200" dirty="0" err="1" smtClean="0">
-              <a:latin typeface="Times New Roman" panose="02020603050405020304" pitchFamily="18" charset="0"/>
-              <a:cs typeface="Times New Roman" panose="02020603050405020304" pitchFamily="18" charset="0"/>
-            </a:rPr>
-            <a:t>cơ</a:t>
-          </a:r>
-          <a:r>
-            <a:rPr lang="en-US" sz="3200" kern="1200" dirty="0" smtClean="0">
+            <a:rPr lang="en-US" sz="2900" kern="1200" dirty="0" err="1" smtClean="0">
+              <a:latin typeface="Times New Roman" panose="02020603050405020304" pitchFamily="18" charset="0"/>
+              <a:cs typeface="Times New Roman" panose="02020603050405020304" pitchFamily="18" charset="0"/>
+            </a:rPr>
+            <a:t>hoàn</a:t>
+          </a:r>
+          <a:r>
+            <a:rPr lang="en-US" sz="2900" kern="1200" dirty="0" smtClean="0">
               <a:latin typeface="Times New Roman" panose="02020603050405020304" pitchFamily="18" charset="0"/>
               <a:cs typeface="Times New Roman" panose="02020603050405020304" pitchFamily="18" charset="0"/>
             </a:rPr>
             <a:t> </a:t>
           </a:r>
           <a:r>
-            <a:rPr lang="en-US" sz="3200" kern="1200" dirty="0" err="1" smtClean="0">
-              <a:latin typeface="Times New Roman" panose="02020603050405020304" pitchFamily="18" charset="0"/>
-              <a:cs typeface="Times New Roman" panose="02020603050405020304" pitchFamily="18" charset="0"/>
-            </a:rPr>
-            <a:t>bản</a:t>
-          </a:r>
-          <a:r>
-            <a:rPr lang="en-US" sz="3200" kern="1200" dirty="0" smtClean="0">
+            <a:rPr lang="en-US" sz="2900" kern="1200" dirty="0" err="1" smtClean="0">
+              <a:latin typeface="Times New Roman" panose="02020603050405020304" pitchFamily="18" charset="0"/>
+              <a:cs typeface="Times New Roman" panose="02020603050405020304" pitchFamily="18" charset="0"/>
+            </a:rPr>
+            <a:t>thành</a:t>
+          </a:r>
+          <a:endParaRPr lang="vi-VN" sz="2900" kern="1200" dirty="0">
+            <a:latin typeface="Times New Roman" panose="02020603050405020304" pitchFamily="18" charset="0"/>
+            <a:cs typeface="Times New Roman" panose="02020603050405020304" pitchFamily="18" charset="0"/>
+          </a:endParaRPr>
+        </a:p>
+        <a:p>
+          <a:pPr marL="285750" lvl="1" indent="-285750" algn="l" defTabSz="1289050">
+            <a:lnSpc>
+              <a:spcPct val="90000"/>
+            </a:lnSpc>
+            <a:spcBef>
+              <a:spcPct val="0"/>
+            </a:spcBef>
+            <a:spcAft>
+              <a:spcPct val="15000"/>
+            </a:spcAft>
+            <a:buChar char="••"/>
+          </a:pPr>
+          <a:r>
+            <a:rPr lang="en-US" sz="2900" kern="1200" dirty="0" err="1" smtClean="0">
+              <a:latin typeface="Times New Roman" panose="02020603050405020304" pitchFamily="18" charset="0"/>
+              <a:cs typeface="Times New Roman" panose="02020603050405020304" pitchFamily="18" charset="0"/>
+            </a:rPr>
+            <a:t>Chưa</a:t>
+          </a:r>
+          <a:r>
+            <a:rPr lang="en-US" sz="2900" kern="1200" dirty="0" smtClean="0">
               <a:latin typeface="Times New Roman" panose="02020603050405020304" pitchFamily="18" charset="0"/>
               <a:cs typeface="Times New Roman" panose="02020603050405020304" pitchFamily="18" charset="0"/>
             </a:rPr>
             <a:t> </a:t>
           </a:r>
           <a:r>
-            <a:rPr lang="en-US" sz="3200" kern="1200" dirty="0" err="1" smtClean="0">
-              <a:latin typeface="Times New Roman" panose="02020603050405020304" pitchFamily="18" charset="0"/>
-              <a:cs typeface="Times New Roman" panose="02020603050405020304" pitchFamily="18" charset="0"/>
-            </a:rPr>
-            <a:t>đã</a:t>
-          </a:r>
-          <a:r>
-            <a:rPr lang="en-US" sz="3200" kern="1200" dirty="0" smtClean="0">
+            <a:rPr lang="en-US" sz="2900" kern="1200" dirty="0" err="1" smtClean="0">
+              <a:latin typeface="Times New Roman" panose="02020603050405020304" pitchFamily="18" charset="0"/>
+              <a:cs typeface="Times New Roman" panose="02020603050405020304" pitchFamily="18" charset="0"/>
+            </a:rPr>
+            <a:t>hoàn</a:t>
+          </a:r>
+          <a:r>
+            <a:rPr lang="en-US" sz="2900" kern="1200" dirty="0" smtClean="0">
               <a:latin typeface="Times New Roman" panose="02020603050405020304" pitchFamily="18" charset="0"/>
               <a:cs typeface="Times New Roman" panose="02020603050405020304" pitchFamily="18" charset="0"/>
             </a:rPr>
             <a:t> </a:t>
           </a:r>
           <a:r>
-            <a:rPr lang="en-US" sz="3200" kern="1200" dirty="0" err="1" smtClean="0">
-              <a:latin typeface="Times New Roman" panose="02020603050405020304" pitchFamily="18" charset="0"/>
-              <a:cs typeface="Times New Roman" panose="02020603050405020304" pitchFamily="18" charset="0"/>
-            </a:rPr>
-            <a:t>hoàn</a:t>
-          </a:r>
-          <a:r>
-            <a:rPr lang="en-US" sz="3200" kern="1200" dirty="0" smtClean="0">
-              <a:latin typeface="Times New Roman" panose="02020603050405020304" pitchFamily="18" charset="0"/>
-              <a:cs typeface="Times New Roman" panose="02020603050405020304" pitchFamily="18" charset="0"/>
-            </a:rPr>
-            <a:t> </a:t>
-          </a:r>
-          <a:r>
-            <a:rPr lang="en-US" sz="3200" kern="1200" dirty="0" err="1" smtClean="0">
+            <a:rPr lang="en-US" sz="2900" kern="1200" dirty="0" err="1" smtClean="0">
               <a:latin typeface="Times New Roman" panose="02020603050405020304" pitchFamily="18" charset="0"/>
               <a:cs typeface="Times New Roman" panose="02020603050405020304" pitchFamily="18" charset="0"/>
             </a:rPr>
             <a:t>thành</a:t>
           </a:r>
-          <a:endParaRPr lang="vi-VN" sz="3200" kern="1200" dirty="0">
+          <a:r>
+            <a:rPr lang="en-US" sz="2900" kern="1200" dirty="0" smtClean="0">
+              <a:latin typeface="Times New Roman" panose="02020603050405020304" pitchFamily="18" charset="0"/>
+              <a:cs typeface="Times New Roman" panose="02020603050405020304" pitchFamily="18" charset="0"/>
+            </a:rPr>
+            <a:t>.</a:t>
+          </a:r>
+          <a:endParaRPr lang="vi-VN" sz="2900" kern="1200" dirty="0">
             <a:latin typeface="Times New Roman" panose="02020603050405020304" pitchFamily="18" charset="0"/>
             <a:cs typeface="Times New Roman" panose="02020603050405020304" pitchFamily="18" charset="0"/>
           </a:endParaRPr>
@@ -11131,12 +11257,12 @@
         <a:fontRef idx="minor"/>
       </dsp:style>
       <dsp:txBody>
-        <a:bodyPr spcFirstLastPara="0" vert="horz" wrap="square" lIns="227584" tIns="20320" rIns="20320" bIns="20320" numCol="1" spcCol="1270" anchor="ctr" anchorCtr="0">
+        <a:bodyPr spcFirstLastPara="0" vert="horz" wrap="square" lIns="206248" tIns="18415" rIns="18415" bIns="18415" numCol="1" spcCol="1270" anchor="ctr" anchorCtr="0">
           <a:noAutofit/>
         </a:bodyPr>
         <a:lstStyle/>
         <a:p>
-          <a:pPr marL="285750" lvl="1" indent="-285750" algn="l" defTabSz="1422400">
+          <a:pPr marL="285750" lvl="1" indent="-285750" algn="l" defTabSz="1289050">
             <a:lnSpc>
               <a:spcPct val="90000"/>
             </a:lnSpc>
@@ -11149,76 +11275,122 @@
             <a:buChar char="••"/>
           </a:pPr>
           <a:r>
-            <a:rPr lang="en-US" sz="3200" kern="1200" dirty="0" err="1" smtClean="0">
+            <a:rPr lang="en-US" sz="2900" kern="1200" dirty="0" err="1" smtClean="0">
               <a:latin typeface="Times New Roman" panose="02020603050405020304" pitchFamily="18" charset="0"/>
               <a:cs typeface="Times New Roman" panose="02020603050405020304" pitchFamily="18" charset="0"/>
             </a:rPr>
             <a:t>Giao</a:t>
           </a:r>
           <a:r>
-            <a:rPr lang="en-US" sz="3200" kern="1200" dirty="0" smtClean="0">
+            <a:rPr lang="en-US" sz="2900" kern="1200" dirty="0" smtClean="0">
               <a:latin typeface="Times New Roman" panose="02020603050405020304" pitchFamily="18" charset="0"/>
               <a:cs typeface="Times New Roman" panose="02020603050405020304" pitchFamily="18" charset="0"/>
             </a:rPr>
             <a:t> </a:t>
           </a:r>
           <a:r>
-            <a:rPr lang="en-US" sz="3200" kern="1200" dirty="0" err="1" smtClean="0">
+            <a:rPr lang="en-US" sz="2900" kern="1200" dirty="0" err="1" smtClean="0">
               <a:latin typeface="Times New Roman" panose="02020603050405020304" pitchFamily="18" charset="0"/>
               <a:cs typeface="Times New Roman" panose="02020603050405020304" pitchFamily="18" charset="0"/>
             </a:rPr>
             <a:t>diện</a:t>
           </a:r>
           <a:r>
-            <a:rPr lang="en-US" sz="3200" kern="1200" dirty="0" smtClean="0">
+            <a:rPr lang="en-US" sz="2900" kern="1200" dirty="0" smtClean="0">
               <a:latin typeface="Times New Roman" panose="02020603050405020304" pitchFamily="18" charset="0"/>
               <a:cs typeface="Times New Roman" panose="02020603050405020304" pitchFamily="18" charset="0"/>
             </a:rPr>
             <a:t> </a:t>
           </a:r>
           <a:r>
-            <a:rPr lang="en-US" sz="3200" kern="1200" dirty="0" err="1" smtClean="0">
+            <a:rPr lang="en-US" sz="2900" kern="1200" dirty="0" err="1" smtClean="0">
               <a:latin typeface="Times New Roman" panose="02020603050405020304" pitchFamily="18" charset="0"/>
               <a:cs typeface="Times New Roman" panose="02020603050405020304" pitchFamily="18" charset="0"/>
             </a:rPr>
             <a:t>dễ</a:t>
           </a:r>
           <a:r>
-            <a:rPr lang="en-US" sz="3200" kern="1200" dirty="0" smtClean="0">
+            <a:rPr lang="en-US" sz="2900" kern="1200" dirty="0" smtClean="0">
               <a:latin typeface="Times New Roman" panose="02020603050405020304" pitchFamily="18" charset="0"/>
               <a:cs typeface="Times New Roman" panose="02020603050405020304" pitchFamily="18" charset="0"/>
             </a:rPr>
             <a:t> </a:t>
           </a:r>
           <a:r>
-            <a:rPr lang="en-US" sz="3200" kern="1200" dirty="0" err="1" smtClean="0">
+            <a:rPr lang="en-US" sz="2900" kern="1200" dirty="0" err="1" smtClean="0">
               <a:latin typeface="Times New Roman" panose="02020603050405020304" pitchFamily="18" charset="0"/>
               <a:cs typeface="Times New Roman" panose="02020603050405020304" pitchFamily="18" charset="0"/>
             </a:rPr>
             <a:t>sử</a:t>
           </a:r>
           <a:r>
-            <a:rPr lang="en-US" sz="3200" kern="1200" dirty="0" smtClean="0">
+            <a:rPr lang="en-US" sz="2900" kern="1200" dirty="0" smtClean="0">
               <a:latin typeface="Times New Roman" panose="02020603050405020304" pitchFamily="18" charset="0"/>
               <a:cs typeface="Times New Roman" panose="02020603050405020304" pitchFamily="18" charset="0"/>
             </a:rPr>
             <a:t> </a:t>
           </a:r>
           <a:r>
-            <a:rPr lang="en-US" sz="3200" kern="1200" dirty="0" err="1" smtClean="0">
+            <a:rPr lang="en-US" sz="2900" kern="1200" dirty="0" err="1" smtClean="0">
               <a:latin typeface="Times New Roman" panose="02020603050405020304" pitchFamily="18" charset="0"/>
               <a:cs typeface="Times New Roman" panose="02020603050405020304" pitchFamily="18" charset="0"/>
             </a:rPr>
             <a:t>dụng</a:t>
           </a:r>
           <a:r>
-            <a:rPr lang="en-US" sz="3200" kern="1200" dirty="0" smtClean="0">
+            <a:rPr lang="en-US" sz="2900" kern="1200" dirty="0" smtClean="0">
               <a:latin typeface="Times New Roman" panose="02020603050405020304" pitchFamily="18" charset="0"/>
               <a:cs typeface="Times New Roman" panose="02020603050405020304" pitchFamily="18" charset="0"/>
             </a:rPr>
             <a:t>.</a:t>
           </a:r>
-          <a:endParaRPr lang="vi-VN" sz="3200" kern="1200" dirty="0">
+          <a:endParaRPr lang="vi-VN" sz="2900" kern="1200" dirty="0">
+            <a:latin typeface="Times New Roman" panose="02020603050405020304" pitchFamily="18" charset="0"/>
+            <a:cs typeface="Times New Roman" panose="02020603050405020304" pitchFamily="18" charset="0"/>
+          </a:endParaRPr>
+        </a:p>
+        <a:p>
+          <a:pPr marL="285750" lvl="1" indent="-285750" algn="l" defTabSz="1289050">
+            <a:lnSpc>
+              <a:spcPct val="90000"/>
+            </a:lnSpc>
+            <a:spcBef>
+              <a:spcPct val="0"/>
+            </a:spcBef>
+            <a:spcAft>
+              <a:spcPct val="15000"/>
+            </a:spcAft>
+            <a:buChar char="••"/>
+          </a:pPr>
+          <a:r>
+            <a:rPr lang="en-US" sz="2900" kern="1200" dirty="0" err="1" smtClean="0">
+              <a:latin typeface="Times New Roman" panose="02020603050405020304" pitchFamily="18" charset="0"/>
+              <a:cs typeface="Times New Roman" panose="02020603050405020304" pitchFamily="18" charset="0"/>
+            </a:rPr>
+            <a:t>Đánh</a:t>
+          </a:r>
+          <a:r>
+            <a:rPr lang="en-US" sz="2900" kern="1200" dirty="0" smtClean="0">
+              <a:latin typeface="Times New Roman" panose="02020603050405020304" pitchFamily="18" charset="0"/>
+              <a:cs typeface="Times New Roman" panose="02020603050405020304" pitchFamily="18" charset="0"/>
+            </a:rPr>
+            <a:t> </a:t>
+          </a:r>
+          <a:r>
+            <a:rPr lang="en-US" sz="2900" kern="1200" dirty="0" err="1" smtClean="0">
+              <a:latin typeface="Times New Roman" panose="02020603050405020304" pitchFamily="18" charset="0"/>
+              <a:cs typeface="Times New Roman" panose="02020603050405020304" pitchFamily="18" charset="0"/>
+            </a:rPr>
+            <a:t>giá</a:t>
+          </a:r>
+          <a:r>
+            <a:rPr lang="en-US" sz="2900" kern="1200" dirty="0" smtClean="0">
+              <a:latin typeface="Times New Roman" panose="02020603050405020304" pitchFamily="18" charset="0"/>
+              <a:cs typeface="Times New Roman" panose="02020603050405020304" pitchFamily="18" charset="0"/>
+            </a:rPr>
+            <a:t>.</a:t>
+          </a:r>
+          <a:endParaRPr lang="vi-VN" sz="2900" kern="1200" dirty="0">
             <a:latin typeface="Times New Roman" panose="02020603050405020304" pitchFamily="18" charset="0"/>
             <a:cs typeface="Times New Roman" panose="02020603050405020304" pitchFamily="18" charset="0"/>
           </a:endParaRPr>
@@ -11431,12 +11603,12 @@
         <a:fontRef idx="minor"/>
       </dsp:style>
       <dsp:txBody>
-        <a:bodyPr spcFirstLastPara="0" vert="horz" wrap="square" lIns="227584" tIns="20320" rIns="20320" bIns="20320" numCol="1" spcCol="1270" anchor="ctr" anchorCtr="0">
+        <a:bodyPr spcFirstLastPara="0" vert="horz" wrap="square" lIns="206248" tIns="18415" rIns="18415" bIns="18415" numCol="1" spcCol="1270" anchor="ctr" anchorCtr="0">
           <a:noAutofit/>
         </a:bodyPr>
         <a:lstStyle/>
         <a:p>
-          <a:pPr marL="285750" lvl="1" indent="-285750" algn="l" defTabSz="1422400">
+          <a:pPr marL="285750" lvl="1" indent="-285750" algn="l" defTabSz="1289050">
             <a:lnSpc>
               <a:spcPct val="90000"/>
             </a:lnSpc>
@@ -11449,97 +11621,66 @@
             <a:buChar char="••"/>
           </a:pPr>
           <a:r>
-            <a:rPr lang="en-US" sz="3200" kern="1200" dirty="0" err="1" smtClean="0">
-              <a:latin typeface="Times New Roman" panose="02020603050405020304" pitchFamily="18" charset="0"/>
-              <a:cs typeface="Times New Roman" panose="02020603050405020304" pitchFamily="18" charset="0"/>
-            </a:rPr>
-            <a:t>Hệ</a:t>
-          </a:r>
-          <a:r>
-            <a:rPr lang="en-US" sz="3200" kern="1200" dirty="0" smtClean="0">
+            <a:rPr lang="vi-VN" sz="2900" kern="1200" dirty="0" smtClean="0">
+              <a:latin typeface="Times New Roman" panose="02020603050405020304" pitchFamily="18" charset="0"/>
+              <a:cs typeface="Times New Roman" panose="02020603050405020304" pitchFamily="18" charset="0"/>
+            </a:rPr>
+            <a:t>Ư</a:t>
+          </a:r>
+          <a:r>
+            <a:rPr lang="en-US" sz="2900" kern="1200" dirty="0" smtClean="0">
+              <a:latin typeface="Times New Roman" panose="02020603050405020304" pitchFamily="18" charset="0"/>
+              <a:cs typeface="Times New Roman" panose="02020603050405020304" pitchFamily="18" charset="0"/>
+            </a:rPr>
+            <a:t>u </a:t>
+          </a:r>
+          <a:r>
+            <a:rPr lang="en-US" sz="2900" kern="1200" dirty="0" err="1" smtClean="0">
+              <a:latin typeface="Times New Roman" panose="02020603050405020304" pitchFamily="18" charset="0"/>
+              <a:cs typeface="Times New Roman" panose="02020603050405020304" pitchFamily="18" charset="0"/>
+            </a:rPr>
+            <a:t>điểm</a:t>
+          </a:r>
+          <a:endParaRPr lang="vi-VN" sz="2900" kern="1200" dirty="0">
+            <a:latin typeface="Times New Roman" panose="02020603050405020304" pitchFamily="18" charset="0"/>
+            <a:cs typeface="Times New Roman" panose="02020603050405020304" pitchFamily="18" charset="0"/>
+          </a:endParaRPr>
+        </a:p>
+        <a:p>
+          <a:pPr marL="285750" lvl="1" indent="-285750" algn="l" defTabSz="1289050">
+            <a:lnSpc>
+              <a:spcPct val="90000"/>
+            </a:lnSpc>
+            <a:spcBef>
+              <a:spcPct val="0"/>
+            </a:spcBef>
+            <a:spcAft>
+              <a:spcPct val="15000"/>
+            </a:spcAft>
+            <a:buChar char="••"/>
+          </a:pPr>
+          <a:r>
+            <a:rPr lang="en-US" sz="2900" kern="1200" dirty="0" err="1" smtClean="0">
+              <a:latin typeface="Times New Roman" panose="02020603050405020304" pitchFamily="18" charset="0"/>
+              <a:cs typeface="Times New Roman" panose="02020603050405020304" pitchFamily="18" charset="0"/>
+            </a:rPr>
+            <a:t>Hạn</a:t>
+          </a:r>
+          <a:r>
+            <a:rPr lang="en-US" sz="2900" kern="1200" dirty="0" smtClean="0">
               <a:latin typeface="Times New Roman" panose="02020603050405020304" pitchFamily="18" charset="0"/>
               <a:cs typeface="Times New Roman" panose="02020603050405020304" pitchFamily="18" charset="0"/>
             </a:rPr>
             <a:t> </a:t>
           </a:r>
           <a:r>
-            <a:rPr lang="en-US" sz="3200" kern="1200" dirty="0" err="1" smtClean="0">
-              <a:latin typeface="Times New Roman" panose="02020603050405020304" pitchFamily="18" charset="0"/>
-              <a:cs typeface="Times New Roman" panose="02020603050405020304" pitchFamily="18" charset="0"/>
-            </a:rPr>
-            <a:t>thống</a:t>
-          </a:r>
-          <a:r>
-            <a:rPr lang="en-US" sz="3200" kern="1200" dirty="0" smtClean="0">
-              <a:latin typeface="Times New Roman" panose="02020603050405020304" pitchFamily="18" charset="0"/>
-              <a:cs typeface="Times New Roman" panose="02020603050405020304" pitchFamily="18" charset="0"/>
-            </a:rPr>
-            <a:t> </a:t>
-          </a:r>
-          <a:r>
-            <a:rPr lang="en-US" sz="3200" kern="1200" dirty="0" err="1" smtClean="0">
-              <a:latin typeface="Times New Roman" panose="02020603050405020304" pitchFamily="18" charset="0"/>
-              <a:cs typeface="Times New Roman" panose="02020603050405020304" pitchFamily="18" charset="0"/>
-            </a:rPr>
-            <a:t>còn</a:t>
-          </a:r>
-          <a:r>
-            <a:rPr lang="en-US" sz="3200" kern="1200" dirty="0" smtClean="0">
-              <a:latin typeface="Times New Roman" panose="02020603050405020304" pitchFamily="18" charset="0"/>
-              <a:cs typeface="Times New Roman" panose="02020603050405020304" pitchFamily="18" charset="0"/>
-            </a:rPr>
-            <a:t> </a:t>
-          </a:r>
-          <a:r>
-            <a:rPr lang="en-US" sz="3200" kern="1200" dirty="0" err="1" smtClean="0">
-              <a:latin typeface="Times New Roman" panose="02020603050405020304" pitchFamily="18" charset="0"/>
-              <a:cs typeface="Times New Roman" panose="02020603050405020304" pitchFamily="18" charset="0"/>
-            </a:rPr>
-            <a:t>một</a:t>
-          </a:r>
-          <a:r>
-            <a:rPr lang="en-US" sz="3200" kern="1200" dirty="0" smtClean="0">
-              <a:latin typeface="Times New Roman" panose="02020603050405020304" pitchFamily="18" charset="0"/>
-              <a:cs typeface="Times New Roman" panose="02020603050405020304" pitchFamily="18" charset="0"/>
-            </a:rPr>
-            <a:t> </a:t>
-          </a:r>
-          <a:r>
-            <a:rPr lang="en-US" sz="3200" kern="1200" dirty="0" err="1" smtClean="0">
-              <a:latin typeface="Times New Roman" panose="02020603050405020304" pitchFamily="18" charset="0"/>
-              <a:cs typeface="Times New Roman" panose="02020603050405020304" pitchFamily="18" charset="0"/>
-            </a:rPr>
-            <a:t>số</a:t>
-          </a:r>
-          <a:r>
-            <a:rPr lang="en-US" sz="3200" kern="1200" dirty="0" smtClean="0">
-              <a:latin typeface="Times New Roman" panose="02020603050405020304" pitchFamily="18" charset="0"/>
-              <a:cs typeface="Times New Roman" panose="02020603050405020304" pitchFamily="18" charset="0"/>
-            </a:rPr>
-            <a:t> </a:t>
-          </a:r>
-          <a:r>
-            <a:rPr lang="en-US" sz="3200" kern="1200" dirty="0" err="1" smtClean="0">
-              <a:latin typeface="Times New Roman" panose="02020603050405020304" pitchFamily="18" charset="0"/>
-              <a:cs typeface="Times New Roman" panose="02020603050405020304" pitchFamily="18" charset="0"/>
-            </a:rPr>
-            <a:t>hạn</a:t>
-          </a:r>
-          <a:r>
-            <a:rPr lang="en-US" sz="3200" kern="1200" dirty="0" smtClean="0">
-              <a:latin typeface="Times New Roman" panose="02020603050405020304" pitchFamily="18" charset="0"/>
-              <a:cs typeface="Times New Roman" panose="02020603050405020304" pitchFamily="18" charset="0"/>
-            </a:rPr>
-            <a:t> </a:t>
-          </a:r>
-          <a:r>
-            <a:rPr lang="en-US" sz="3200" kern="1200" dirty="0" err="1" smtClean="0">
+            <a:rPr lang="en-US" sz="2900" kern="1200" dirty="0" err="1" smtClean="0">
               <a:latin typeface="Times New Roman" panose="02020603050405020304" pitchFamily="18" charset="0"/>
               <a:cs typeface="Times New Roman" panose="02020603050405020304" pitchFamily="18" charset="0"/>
             </a:rPr>
             <a:t>chế</a:t>
           </a:r>
-          <a:endParaRPr lang="vi-VN" sz="3200" kern="1200" dirty="0">
+          <a:endParaRPr lang="vi-VN" sz="2900" kern="1200" dirty="0">
             <a:latin typeface="Times New Roman" panose="02020603050405020304" pitchFamily="18" charset="0"/>
             <a:cs typeface="Times New Roman" panose="02020603050405020304" pitchFamily="18" charset="0"/>
           </a:endParaRPr>
@@ -11656,12 +11797,12 @@
         </a:fontRef>
       </dsp:style>
       <dsp:txBody>
-        <a:bodyPr spcFirstLastPara="0" vert="horz" wrap="square" lIns="669354" tIns="76200" rIns="76200" bIns="76200" numCol="1" spcCol="1270" anchor="ctr" anchorCtr="0">
+        <a:bodyPr spcFirstLastPara="0" vert="horz" wrap="square" lIns="669354" tIns="81280" rIns="81280" bIns="81280" numCol="1" spcCol="1270" anchor="ctr" anchorCtr="0">
           <a:noAutofit/>
         </a:bodyPr>
         <a:lstStyle/>
         <a:p>
-          <a:pPr lvl="0" algn="l" defTabSz="1333500">
+          <a:pPr lvl="0" algn="l" defTabSz="1422400">
             <a:lnSpc>
               <a:spcPct val="90000"/>
             </a:lnSpc>
@@ -11673,55 +11814,27 @@
             </a:spcAft>
           </a:pPr>
           <a:r>
-            <a:rPr lang="en-US" sz="3000" kern="1200" dirty="0" err="1" smtClean="0">
+            <a:rPr lang="en-US" sz="3200" kern="1200" dirty="0" err="1" smtClean="0">
               <a:latin typeface="Times New Roman" panose="02020603050405020304" pitchFamily="18" charset="0"/>
               <a:cs typeface="Times New Roman" panose="02020603050405020304" pitchFamily="18" charset="0"/>
             </a:rPr>
             <a:t>Khắc</a:t>
           </a:r>
           <a:r>
-            <a:rPr lang="en-US" sz="3000" kern="1200" dirty="0" smtClean="0">
+            <a:rPr lang="en-US" sz="3200" kern="1200" dirty="0" smtClean="0">
               <a:latin typeface="Times New Roman" panose="02020603050405020304" pitchFamily="18" charset="0"/>
               <a:cs typeface="Times New Roman" panose="02020603050405020304" pitchFamily="18" charset="0"/>
             </a:rPr>
             <a:t> </a:t>
           </a:r>
           <a:r>
-            <a:rPr lang="en-US" sz="3000" kern="1200" dirty="0" err="1" smtClean="0">
+            <a:rPr lang="en-US" sz="3200" kern="1200" dirty="0" err="1" smtClean="0">
               <a:latin typeface="Times New Roman" panose="02020603050405020304" pitchFamily="18" charset="0"/>
               <a:cs typeface="Times New Roman" panose="02020603050405020304" pitchFamily="18" charset="0"/>
             </a:rPr>
             <a:t>phục</a:t>
           </a:r>
-          <a:r>
-            <a:rPr lang="en-US" sz="3000" kern="1200" dirty="0" smtClean="0">
-              <a:latin typeface="Times New Roman" panose="02020603050405020304" pitchFamily="18" charset="0"/>
-              <a:cs typeface="Times New Roman" panose="02020603050405020304" pitchFamily="18" charset="0"/>
-            </a:rPr>
-            <a:t> </a:t>
-          </a:r>
-          <a:r>
-            <a:rPr lang="en-US" sz="3000" kern="1200" dirty="0" err="1" smtClean="0">
-              <a:latin typeface="Times New Roman" panose="02020603050405020304" pitchFamily="18" charset="0"/>
-              <a:cs typeface="Times New Roman" panose="02020603050405020304" pitchFamily="18" charset="0"/>
-            </a:rPr>
-            <a:t>hạn</a:t>
-          </a:r>
-          <a:r>
-            <a:rPr lang="en-US" sz="3000" kern="1200" dirty="0" smtClean="0">
-              <a:latin typeface="Times New Roman" panose="02020603050405020304" pitchFamily="18" charset="0"/>
-              <a:cs typeface="Times New Roman" panose="02020603050405020304" pitchFamily="18" charset="0"/>
-            </a:rPr>
-            <a:t> </a:t>
-          </a:r>
-          <a:r>
-            <a:rPr lang="en-US" sz="3000" kern="1200" dirty="0" err="1" smtClean="0">
-              <a:latin typeface="Times New Roman" panose="02020603050405020304" pitchFamily="18" charset="0"/>
-              <a:cs typeface="Times New Roman" panose="02020603050405020304" pitchFamily="18" charset="0"/>
-            </a:rPr>
-            <a:t>chế</a:t>
-          </a:r>
-          <a:endParaRPr lang="vi-VN" sz="3000" kern="1200" dirty="0">
+          <a:endParaRPr lang="vi-VN" sz="3200" kern="1200" dirty="0">
             <a:latin typeface="Times New Roman" panose="02020603050405020304" pitchFamily="18" charset="0"/>
             <a:cs typeface="Times New Roman" panose="02020603050405020304" pitchFamily="18" charset="0"/>
           </a:endParaRPr>
@@ -11828,12 +11941,12 @@
         </a:fontRef>
       </dsp:style>
       <dsp:txBody>
-        <a:bodyPr spcFirstLastPara="0" vert="horz" wrap="square" lIns="669354" tIns="76200" rIns="76200" bIns="76200" numCol="1" spcCol="1270" anchor="ctr" anchorCtr="0">
+        <a:bodyPr spcFirstLastPara="0" vert="horz" wrap="square" lIns="669354" tIns="81280" rIns="81280" bIns="81280" numCol="1" spcCol="1270" anchor="ctr" anchorCtr="0">
           <a:noAutofit/>
         </a:bodyPr>
         <a:lstStyle/>
         <a:p>
-          <a:pPr lvl="0" algn="l" defTabSz="1333500">
+          <a:pPr lvl="0" algn="l" defTabSz="1422400">
             <a:lnSpc>
               <a:spcPct val="90000"/>
             </a:lnSpc>
@@ -11845,69 +11958,27 @@
             </a:spcAft>
           </a:pPr>
           <a:r>
-            <a:rPr lang="en-US" sz="3000" kern="1200" dirty="0" err="1" smtClean="0">
-              <a:latin typeface="Times New Roman" panose="02020603050405020304" pitchFamily="18" charset="0"/>
-              <a:cs typeface="Times New Roman" panose="02020603050405020304" pitchFamily="18" charset="0"/>
-            </a:rPr>
-            <a:t>Phát</a:t>
-          </a:r>
-          <a:r>
-            <a:rPr lang="en-US" sz="3000" kern="1200" dirty="0" smtClean="0">
+            <a:rPr lang="en-US" sz="3200" kern="1200" dirty="0" err="1" smtClean="0">
+              <a:latin typeface="Times New Roman" panose="02020603050405020304" pitchFamily="18" charset="0"/>
+              <a:cs typeface="Times New Roman" panose="02020603050405020304" pitchFamily="18" charset="0"/>
+            </a:rPr>
+            <a:t>Định</a:t>
+          </a:r>
+          <a:r>
+            <a:rPr lang="en-US" sz="3200" kern="1200" dirty="0" smtClean="0">
               <a:latin typeface="Times New Roman" panose="02020603050405020304" pitchFamily="18" charset="0"/>
               <a:cs typeface="Times New Roman" panose="02020603050405020304" pitchFamily="18" charset="0"/>
             </a:rPr>
             <a:t> </a:t>
           </a:r>
           <a:r>
-            <a:rPr lang="en-US" sz="3000" kern="1200" dirty="0" err="1" smtClean="0">
-              <a:latin typeface="Times New Roman" panose="02020603050405020304" pitchFamily="18" charset="0"/>
-              <a:cs typeface="Times New Roman" panose="02020603050405020304" pitchFamily="18" charset="0"/>
-            </a:rPr>
-            <a:t>triển</a:t>
-          </a:r>
-          <a:r>
-            <a:rPr lang="en-US" sz="3000" kern="1200" dirty="0" smtClean="0">
-              <a:latin typeface="Times New Roman" panose="02020603050405020304" pitchFamily="18" charset="0"/>
-              <a:cs typeface="Times New Roman" panose="02020603050405020304" pitchFamily="18" charset="0"/>
-            </a:rPr>
-            <a:t> web </a:t>
-          </a:r>
-          <a:r>
-            <a:rPr lang="en-US" sz="3000" kern="1200" dirty="0" err="1" smtClean="0">
-              <a:latin typeface="Times New Roman" panose="02020603050405020304" pitchFamily="18" charset="0"/>
-              <a:cs typeface="Times New Roman" panose="02020603050405020304" pitchFamily="18" charset="0"/>
-            </a:rPr>
-            <a:t>theo</a:t>
-          </a:r>
-          <a:r>
-            <a:rPr lang="en-US" sz="3000" kern="1200" dirty="0" smtClean="0">
-              <a:latin typeface="Times New Roman" panose="02020603050405020304" pitchFamily="18" charset="0"/>
-              <a:cs typeface="Times New Roman" panose="02020603050405020304" pitchFamily="18" charset="0"/>
-            </a:rPr>
-            <a:t> </a:t>
-          </a:r>
-          <a:r>
-            <a:rPr lang="en-US" sz="3000" kern="1200" dirty="0" err="1" smtClean="0">
+            <a:rPr lang="en-US" sz="3200" kern="1200" dirty="0" err="1" smtClean="0">
               <a:latin typeface="Times New Roman" panose="02020603050405020304" pitchFamily="18" charset="0"/>
               <a:cs typeface="Times New Roman" panose="02020603050405020304" pitchFamily="18" charset="0"/>
             </a:rPr>
             <a:t>hướng</a:t>
           </a:r>
-          <a:r>
-            <a:rPr lang="en-US" sz="3000" kern="1200" dirty="0" smtClean="0">
-              <a:latin typeface="Times New Roman" panose="02020603050405020304" pitchFamily="18" charset="0"/>
-              <a:cs typeface="Times New Roman" panose="02020603050405020304" pitchFamily="18" charset="0"/>
-            </a:rPr>
-            <a:t> </a:t>
-          </a:r>
-          <a:r>
-            <a:rPr lang="en-US" sz="3000" kern="1200" dirty="0" err="1" smtClean="0">
-              <a:latin typeface="Times New Roman" panose="02020603050405020304" pitchFamily="18" charset="0"/>
-              <a:cs typeface="Times New Roman" panose="02020603050405020304" pitchFamily="18" charset="0"/>
-            </a:rPr>
-            <a:t>mới</a:t>
-          </a:r>
-          <a:endParaRPr lang="vi-VN" sz="3000" kern="1200" dirty="0">
+          <a:endParaRPr lang="vi-VN" sz="3200" kern="1200" dirty="0">
             <a:latin typeface="Times New Roman" panose="02020603050405020304" pitchFamily="18" charset="0"/>
             <a:cs typeface="Times New Roman" panose="02020603050405020304" pitchFamily="18" charset="0"/>
           </a:endParaRPr>
@@ -12014,12 +12085,12 @@
         </a:fontRef>
       </dsp:style>
       <dsp:txBody>
-        <a:bodyPr spcFirstLastPara="0" vert="horz" wrap="square" lIns="669354" tIns="76200" rIns="76200" bIns="76200" numCol="1" spcCol="1270" anchor="ctr" anchorCtr="0">
+        <a:bodyPr spcFirstLastPara="0" vert="horz" wrap="square" lIns="669354" tIns="81280" rIns="81280" bIns="81280" numCol="1" spcCol="1270" anchor="ctr" anchorCtr="0">
           <a:noAutofit/>
         </a:bodyPr>
         <a:lstStyle/>
         <a:p>
-          <a:pPr lvl="0" algn="l" defTabSz="1333500">
+          <a:pPr lvl="0" algn="l" defTabSz="1422400">
             <a:lnSpc>
               <a:spcPct val="90000"/>
             </a:lnSpc>
@@ -12031,83 +12102,83 @@
             </a:spcAft>
           </a:pPr>
           <a:r>
-            <a:rPr lang="en-US" sz="3000" kern="1200" dirty="0" err="1" smtClean="0">
+            <a:rPr lang="en-US" sz="3200" kern="1200" dirty="0" err="1" smtClean="0">
               <a:latin typeface="Times New Roman" panose="02020603050405020304" pitchFamily="18" charset="0"/>
               <a:cs typeface="Times New Roman" panose="02020603050405020304" pitchFamily="18" charset="0"/>
             </a:rPr>
             <a:t>Mở</a:t>
           </a:r>
           <a:r>
-            <a:rPr lang="en-US" sz="3000" kern="1200" dirty="0" smtClean="0">
+            <a:rPr lang="en-US" sz="3200" kern="1200" dirty="0" smtClean="0">
               <a:latin typeface="Times New Roman" panose="02020603050405020304" pitchFamily="18" charset="0"/>
               <a:cs typeface="Times New Roman" panose="02020603050405020304" pitchFamily="18" charset="0"/>
             </a:rPr>
             <a:t> </a:t>
           </a:r>
           <a:r>
-            <a:rPr lang="en-US" sz="3000" kern="1200" dirty="0" err="1" smtClean="0">
+            <a:rPr lang="en-US" sz="3200" kern="1200" dirty="0" err="1" smtClean="0">
               <a:latin typeface="Times New Roman" panose="02020603050405020304" pitchFamily="18" charset="0"/>
               <a:cs typeface="Times New Roman" panose="02020603050405020304" pitchFamily="18" charset="0"/>
             </a:rPr>
             <a:t>rộng</a:t>
           </a:r>
           <a:r>
-            <a:rPr lang="en-US" sz="3000" kern="1200" dirty="0" smtClean="0">
+            <a:rPr lang="en-US" sz="3200" kern="1200" dirty="0" smtClean="0">
               <a:latin typeface="Times New Roman" panose="02020603050405020304" pitchFamily="18" charset="0"/>
               <a:cs typeface="Times New Roman" panose="02020603050405020304" pitchFamily="18" charset="0"/>
             </a:rPr>
             <a:t> </a:t>
           </a:r>
           <a:r>
-            <a:rPr lang="en-US" sz="3000" kern="1200" dirty="0" err="1" smtClean="0">
+            <a:rPr lang="en-US" sz="3200" kern="1200" dirty="0" err="1" smtClean="0">
               <a:latin typeface="Times New Roman" panose="02020603050405020304" pitchFamily="18" charset="0"/>
               <a:cs typeface="Times New Roman" panose="02020603050405020304" pitchFamily="18" charset="0"/>
             </a:rPr>
             <a:t>phạm</a:t>
           </a:r>
           <a:r>
-            <a:rPr lang="en-US" sz="3000" kern="1200" dirty="0" smtClean="0">
+            <a:rPr lang="en-US" sz="3200" kern="1200" dirty="0" smtClean="0">
               <a:latin typeface="Times New Roman" panose="02020603050405020304" pitchFamily="18" charset="0"/>
               <a:cs typeface="Times New Roman" panose="02020603050405020304" pitchFamily="18" charset="0"/>
             </a:rPr>
             <a:t> vi </a:t>
           </a:r>
           <a:r>
-            <a:rPr lang="en-US" sz="3000" kern="1200" dirty="0" err="1" smtClean="0">
+            <a:rPr lang="en-US" sz="3200" kern="1200" dirty="0" err="1" smtClean="0">
               <a:latin typeface="Times New Roman" panose="02020603050405020304" pitchFamily="18" charset="0"/>
               <a:cs typeface="Times New Roman" panose="02020603050405020304" pitchFamily="18" charset="0"/>
             </a:rPr>
             <a:t>của</a:t>
           </a:r>
           <a:r>
-            <a:rPr lang="en-US" sz="3000" kern="1200" dirty="0" smtClean="0">
+            <a:rPr lang="en-US" sz="3200" kern="1200" dirty="0" smtClean="0">
               <a:latin typeface="Times New Roman" panose="02020603050405020304" pitchFamily="18" charset="0"/>
               <a:cs typeface="Times New Roman" panose="02020603050405020304" pitchFamily="18" charset="0"/>
             </a:rPr>
             <a:t> </a:t>
           </a:r>
           <a:r>
-            <a:rPr lang="en-US" sz="3000" kern="1200" dirty="0" err="1" smtClean="0">
+            <a:rPr lang="en-US" sz="3200" kern="1200" dirty="0" err="1" smtClean="0">
               <a:latin typeface="Times New Roman" panose="02020603050405020304" pitchFamily="18" charset="0"/>
               <a:cs typeface="Times New Roman" panose="02020603050405020304" pitchFamily="18" charset="0"/>
             </a:rPr>
             <a:t>hệ</a:t>
           </a:r>
           <a:r>
-            <a:rPr lang="en-US" sz="3000" kern="1200" dirty="0" smtClean="0">
+            <a:rPr lang="en-US" sz="3200" kern="1200" dirty="0" smtClean="0">
               <a:latin typeface="Times New Roman" panose="02020603050405020304" pitchFamily="18" charset="0"/>
               <a:cs typeface="Times New Roman" panose="02020603050405020304" pitchFamily="18" charset="0"/>
             </a:rPr>
             <a:t> </a:t>
           </a:r>
           <a:r>
-            <a:rPr lang="en-US" sz="3000" kern="1200" dirty="0" err="1" smtClean="0">
+            <a:rPr lang="en-US" sz="3200" kern="1200" dirty="0" err="1" smtClean="0">
               <a:latin typeface="Times New Roman" panose="02020603050405020304" pitchFamily="18" charset="0"/>
               <a:cs typeface="Times New Roman" panose="02020603050405020304" pitchFamily="18" charset="0"/>
             </a:rPr>
             <a:t>thống</a:t>
           </a:r>
-          <a:endParaRPr lang="vi-VN" sz="3000" kern="1200" dirty="0">
+          <a:endParaRPr lang="vi-VN" sz="3200" kern="1200" dirty="0">
             <a:latin typeface="Times New Roman" panose="02020603050405020304" pitchFamily="18" charset="0"/>
             <a:cs typeface="Times New Roman" panose="02020603050405020304" pitchFamily="18" charset="0"/>
           </a:endParaRPr>
@@ -20652,7 +20723,7 @@
             <a:fld id="{37E7B2E0-EA1A-4A05-A520-0679871926B3}" type="datetimeFigureOut">
               <a:rPr lang="en-US" smtClean="0"/>
               <a:pPr/>
-              <a:t>27/9/2018</a:t>
+              <a:t>28/9/2018</a:t>
             </a:fld>
             <a:endParaRPr lang="en-US"/>
           </a:p>
@@ -21135,10 +21206,9 @@
           <a:bodyPr/>
           <a:lstStyle/>
           <a:p>
-            <a:fld id="{1D8BD707-D9CF-40AE-B4C6-C98DA3205C09}" type="datetimeFigureOut">
+            <a:fld id="{4C049C43-9451-4F26-AF88-92DDFCAA3539}" type="datetime1">
               <a:rPr lang="en-US" smtClean="0"/>
-              <a:pPr/>
-              <a:t>27/9/2018</a:t>
+              <a:t>28/9/2018</a:t>
             </a:fld>
             <a:endParaRPr lang="en-US"/>
           </a:p>
@@ -21436,10 +21506,9 @@
           <a:bodyPr/>
           <a:lstStyle/>
           <a:p>
-            <a:fld id="{1D8BD707-D9CF-40AE-B4C6-C98DA3205C09}" type="datetimeFigureOut">
+            <a:fld id="{F49CA06B-D3B0-4F20-BBC5-4EB75983B704}" type="datetime1">
               <a:rPr lang="en-US" smtClean="0"/>
-              <a:pPr/>
-              <a:t>27/9/2018</a:t>
+              <a:t>28/9/2018</a:t>
             </a:fld>
             <a:endParaRPr lang="en-US"/>
           </a:p>
@@ -21613,10 +21682,9 @@
           <a:bodyPr/>
           <a:lstStyle/>
           <a:p>
-            <a:fld id="{1D8BD707-D9CF-40AE-B4C6-C98DA3205C09}" type="datetimeFigureOut">
+            <a:fld id="{54E8D75A-0B7E-4FDF-91D1-8AA632CD0756}" type="datetime1">
               <a:rPr lang="en-US" smtClean="0"/>
-              <a:pPr/>
-              <a:t>27/9/2018</a:t>
+              <a:t>28/9/2018</a:t>
             </a:fld>
             <a:endParaRPr lang="en-US"/>
           </a:p>
@@ -21780,10 +21848,9 @@
           <a:bodyPr/>
           <a:lstStyle/>
           <a:p>
-            <a:fld id="{1D8BD707-D9CF-40AE-B4C6-C98DA3205C09}" type="datetimeFigureOut">
+            <a:fld id="{B70BB879-A2DE-44B2-A139-1F737218E892}" type="datetime1">
               <a:rPr lang="en-US" smtClean="0"/>
-              <a:pPr/>
-              <a:t>27/9/2018</a:t>
+              <a:t>28/9/2018</a:t>
             </a:fld>
             <a:endParaRPr lang="en-US"/>
           </a:p>
@@ -22042,10 +22109,9 @@
           <a:bodyPr/>
           <a:lstStyle/>
           <a:p>
-            <a:fld id="{1D8BD707-D9CF-40AE-B4C6-C98DA3205C09}" type="datetimeFigureOut">
+            <a:fld id="{941B27AF-2C72-48F4-9DA1-C4480ED83D2B}" type="datetime1">
               <a:rPr lang="en-US" smtClean="0"/>
-              <a:pPr/>
-              <a:t>27/9/2018</a:t>
+              <a:t>28/9/2018</a:t>
             </a:fld>
             <a:endParaRPr lang="en-US"/>
           </a:p>
@@ -22498,10 +22564,9 @@
           <a:bodyPr/>
           <a:lstStyle/>
           <a:p>
-            <a:fld id="{1D8BD707-D9CF-40AE-B4C6-C98DA3205C09}" type="datetimeFigureOut">
+            <a:fld id="{F6173013-8051-415F-95FD-FEBC86579A1C}" type="datetime1">
               <a:rPr lang="en-US" smtClean="0"/>
-              <a:pPr/>
-              <a:t>27/9/2018</a:t>
+              <a:t>28/9/2018</a:t>
             </a:fld>
             <a:endParaRPr lang="en-US"/>
           </a:p>
@@ -22983,10 +23048,9 @@
           <a:bodyPr/>
           <a:lstStyle/>
           <a:p>
-            <a:fld id="{1D8BD707-D9CF-40AE-B4C6-C98DA3205C09}" type="datetimeFigureOut">
+            <a:fld id="{94AF2053-14FC-45F4-AE04-5FB2530C577E}" type="datetime1">
               <a:rPr lang="en-US" smtClean="0"/>
-              <a:pPr/>
-              <a:t>27/9/2018</a:t>
+              <a:t>28/9/2018</a:t>
             </a:fld>
             <a:endParaRPr lang="en-US"/>
           </a:p>
@@ -23103,10 +23167,9 @@
           <a:bodyPr/>
           <a:lstStyle/>
           <a:p>
-            <a:fld id="{1D8BD707-D9CF-40AE-B4C6-C98DA3205C09}" type="datetimeFigureOut">
+            <a:fld id="{50E12EC4-6893-4D4C-898B-CA17A93736F4}" type="datetime1">
               <a:rPr lang="en-US" smtClean="0"/>
-              <a:pPr/>
-              <a:t>27/9/2018</a:t>
+              <a:t>28/9/2018</a:t>
             </a:fld>
             <a:endParaRPr lang="en-US"/>
           </a:p>
@@ -23241,10 +23304,9 @@
           <a:bodyPr/>
           <a:lstStyle/>
           <a:p>
-            <a:fld id="{1D8BD707-D9CF-40AE-B4C6-C98DA3205C09}" type="datetimeFigureOut">
+            <a:fld id="{1843A6C2-908A-4D12-A505-D0BB11B72106}" type="datetime1">
               <a:rPr lang="en-US" smtClean="0"/>
-              <a:pPr/>
-              <a:t>27/9/2018</a:t>
+              <a:t>28/9/2018</a:t>
             </a:fld>
             <a:endParaRPr lang="en-US"/>
           </a:p>
@@ -23557,10 +23619,9 @@
           <a:bodyPr/>
           <a:lstStyle/>
           <a:p>
-            <a:fld id="{1D8BD707-D9CF-40AE-B4C6-C98DA3205C09}" type="datetimeFigureOut">
+            <a:fld id="{EDECE521-040A-41F8-B0B6-8CE2A206BF92}" type="datetime1">
               <a:rPr lang="en-US" smtClean="0"/>
-              <a:pPr/>
-              <a:t>27/9/2018</a:t>
+              <a:t>28/9/2018</a:t>
             </a:fld>
             <a:endParaRPr lang="en-US"/>
           </a:p>
@@ -23687,10 +23748,9 @@
           <a:bodyPr/>
           <a:lstStyle/>
           <a:p>
-            <a:fld id="{1D8BD707-D9CF-40AE-B4C6-C98DA3205C09}" type="datetimeFigureOut">
+            <a:fld id="{832A1421-B8F2-49C0-A885-22888923FAF8}" type="datetime1">
               <a:rPr lang="en-US" smtClean="0"/>
-              <a:pPr/>
-              <a:t>27/9/2018</a:t>
+              <a:t>28/9/2018</a:t>
             </a:fld>
             <a:endParaRPr lang="en-US"/>
           </a:p>
@@ -24448,10 +24508,9 @@
             <a:extLst/>
           </a:lstStyle>
           <a:p>
-            <a:fld id="{1D8BD707-D9CF-40AE-B4C6-C98DA3205C09}" type="datetimeFigureOut">
+            <a:fld id="{F451EEF6-FCDC-46DD-92BE-5FCB674C2149}" type="datetime1">
               <a:rPr lang="en-US" smtClean="0"/>
-              <a:pPr/>
-              <a:t>27/9/2018</a:t>
+              <a:t>28/9/2018</a:t>
             </a:fld>
             <a:endParaRPr lang="en-US"/>
           </a:p>
@@ -24612,6 +24671,7 @@
     <p:sldLayoutId id="2147484342" r:id="rId10"/>
     <p:sldLayoutId id="2147484343" r:id="rId11"/>
   </p:sldLayoutIdLst>
+  <p:hf hdr="0" ftr="0" dt="0"/>
   <p:txStyles>
     <p:titleStyle>
       <a:lvl1pPr algn="l" rtl="0" eaLnBrk="1" latinLnBrk="0" hangingPunct="1">
@@ -24991,37 +25051,7 @@
                 <a:latin typeface="Times New Roman" pitchFamily="18" charset="0"/>
                 <a:cs typeface="Times New Roman" pitchFamily="18" charset="0"/>
               </a:rPr>
-              <a:t>             TRƯỜNG </a:t>
-            </a:r>
-            <a:r>
-              <a:rPr lang="en-US" sz="2400" dirty="0" smtClean="0">
-                <a:solidFill>
-                  <a:srgbClr val="002060"/>
-                </a:solidFill>
-                <a:latin typeface="Times New Roman" pitchFamily="18" charset="0"/>
-                <a:cs typeface="Times New Roman" pitchFamily="18" charset="0"/>
-              </a:rPr>
-              <a:t>ĐẠI HỌC </a:t>
-            </a:r>
-            <a:r>
-              <a:rPr lang="en-US" sz="2400" dirty="0" smtClean="0">
-                <a:solidFill>
-                  <a:srgbClr val="002060"/>
-                </a:solidFill>
-                <a:latin typeface="Times New Roman" pitchFamily="18" charset="0"/>
-                <a:cs typeface="Times New Roman" pitchFamily="18" charset="0"/>
-              </a:rPr>
-              <a:t>BÁCH </a:t>
-            </a:r>
-            <a:r>
-              <a:rPr lang="en-US" sz="2400" dirty="0" smtClean="0">
-                <a:solidFill>
-                  <a:srgbClr val="002060"/>
-                </a:solidFill>
-                <a:latin typeface="Times New Roman" pitchFamily="18" charset="0"/>
-                <a:cs typeface="Times New Roman" pitchFamily="18" charset="0"/>
-              </a:rPr>
-              <a:t>KHOA HÀ NỘI</a:t>
+              <a:t>             TRƯỜNG ĐẠI HỌC BÁCH KHOA HÀ NỘI</a:t>
             </a:r>
             <a:r>
               <a:rPr lang="en-US" sz="3300" dirty="0" smtClean="0">
@@ -25060,7 +25090,7 @@
                 <a:latin typeface="Times New Roman" pitchFamily="18" charset="0"/>
                 <a:cs typeface="Times New Roman" pitchFamily="18" charset="0"/>
               </a:rPr>
-              <a:t>KHOA CÔNG NGHỆ THÔNG TIN</a:t>
+              <a:t>VIỆN ĐÀO TẠO LIÊN TỤC</a:t>
             </a:r>
             <a:r>
               <a:rPr lang="en-US" sz="3300" dirty="0" smtClean="0">
@@ -25143,7 +25173,7 @@
         </p:nvSpPr>
         <p:spPr>
           <a:xfrm>
-            <a:off x="928662" y="2743200"/>
+            <a:off x="971600" y="3486150"/>
             <a:ext cx="7535634" cy="2819400"/>
           </a:xfrm>
         </p:spPr>
@@ -25353,24 +25383,17 @@
                 <a:latin typeface="Times New Roman" pitchFamily="18" charset="0"/>
                 <a:cs typeface="Times New Roman" pitchFamily="18" charset="0"/>
               </a:rPr>
-              <a:t>	</a:t>
-            </a:r>
-            <a:r>
-              <a:rPr lang="en-US" sz="2200" smtClean="0">
-                <a:latin typeface="Times New Roman" pitchFamily="18" charset="0"/>
-                <a:cs typeface="Times New Roman" pitchFamily="18" charset="0"/>
-              </a:rPr>
-              <a:t>:</a:t>
-            </a:r>
-            <a:r>
-              <a:rPr lang="en-US" sz="2200">
+              <a:t>	:</a:t>
+            </a:r>
+            <a:r>
+              <a:rPr lang="en-US" sz="2200" dirty="0">
                 <a:latin typeface="Times New Roman" pitchFamily="18" charset="0"/>
                 <a:cs typeface="Times New Roman" pitchFamily="18" charset="0"/>
               </a:rPr>
               <a:t> </a:t>
             </a:r>
             <a:r>
-              <a:rPr lang="en-US" sz="2200" smtClean="0">
+              <a:rPr lang="en-US" sz="2200" dirty="0" smtClean="0">
                 <a:latin typeface="Times New Roman" pitchFamily="18" charset="0"/>
                 <a:cs typeface="Times New Roman" pitchFamily="18" charset="0"/>
               </a:rPr>
@@ -25380,6 +25403,30 @@
               <a:latin typeface="Times New Roman" pitchFamily="18" charset="0"/>
               <a:cs typeface="Times New Roman" pitchFamily="18" charset="0"/>
             </a:endParaRPr>
+          </a:p>
+        </p:txBody>
+      </p:sp>
+      <p:sp>
+        <p:nvSpPr>
+          <p:cNvPr id="6" name="Slide Number Placeholder 5"/>
+          <p:cNvSpPr>
+            <a:spLocks noGrp="1"/>
+          </p:cNvSpPr>
+          <p:nvPr>
+            <p:ph type="sldNum" sz="quarter" idx="12"/>
+          </p:nvPr>
+        </p:nvSpPr>
+        <p:spPr/>
+        <p:txBody>
+          <a:bodyPr/>
+          <a:lstStyle/>
+          <a:p>
+            <a:fld id="{B6F15528-21DE-4FAA-801E-634DDDAF4B2B}" type="slidenum">
+              <a:rPr lang="en-US" smtClean="0"/>
+              <a:pPr/>
+              <a:t>1</a:t>
+            </a:fld>
+            <a:endParaRPr lang="en-US"/>
           </a:p>
         </p:txBody>
       </p:sp>
@@ -25549,7 +25596,7 @@
                 <a:latin typeface="Times New Roman" panose="02020603050405020304" pitchFamily="18" charset="0"/>
                 <a:cs typeface="Times New Roman" panose="02020603050405020304" pitchFamily="18" charset="0"/>
               </a:rPr>
-              <a:t>	</a:t>
+              <a:t>		</a:t>
             </a:r>
             <a:r>
               <a:rPr lang="en-US" sz="2800" dirty="0" err="1" smtClean="0">
@@ -25561,7 +25608,7 @@
                 <a:latin typeface="Times New Roman" panose="02020603050405020304" pitchFamily="18" charset="0"/>
                 <a:cs typeface="Times New Roman" panose="02020603050405020304" pitchFamily="18" charset="0"/>
               </a:rPr>
-              <a:t>Trang</a:t>
+              <a:t>Đăng</a:t>
             </a:r>
             <a:r>
               <a:rPr lang="en-US" sz="2800" dirty="0" smtClean="0">
@@ -25585,8 +25632,25 @@
                 <a:latin typeface="Times New Roman" panose="02020603050405020304" pitchFamily="18" charset="0"/>
                 <a:cs typeface="Times New Roman" panose="02020603050405020304" pitchFamily="18" charset="0"/>
               </a:rPr>
-              <a:t>Chủ</a:t>
-            </a:r>
+              <a:t>nhập</a:t>
+            </a:r>
+            <a:r>
+              <a:rPr lang="en-US" sz="2800" dirty="0" smtClean="0">
+                <a:solidFill>
+                  <a:schemeClr val="accent1">
+                    <a:lumMod val="75000"/>
+                  </a:schemeClr>
+                </a:solidFill>
+                <a:latin typeface="Times New Roman" panose="02020603050405020304" pitchFamily="18" charset="0"/>
+                <a:cs typeface="Times New Roman" panose="02020603050405020304" pitchFamily="18" charset="0"/>
+              </a:rPr>
+              <a:t> Admin</a:t>
+            </a:r>
+          </a:p>
+          <a:p>
+            <a:pPr marL="0" indent="0">
+              <a:buNone/>
+            </a:pPr>
             <a:endParaRPr lang="en-US" sz="2800" dirty="0">
               <a:solidFill>
                 <a:schemeClr val="accent1">
@@ -25601,56 +25665,301 @@
       </p:sp>
       <p:pic>
         <p:nvPicPr>
-          <p:cNvPr id="4" name="Picture 2"/>
-          <p:cNvPicPr>
-            <a:picLocks noChangeAspect="1" noChangeArrowheads="1"/>
-          </p:cNvPicPr>
+          <p:cNvPr id="7" name="Picture 6"/>
+          <p:cNvPicPr/>
           <p:nvPr/>
         </p:nvPicPr>
         <p:blipFill rotWithShape="1">
-          <a:blip r:embed="rId3">
-            <a:extLst>
-              <a:ext uri="{28A0092B-C50C-407E-A947-70E740481C1C}">
-                <a14:useLocalDpi xmlns:a14="http://schemas.microsoft.com/office/drawing/2010/main" val="0"/>
-              </a:ext>
-            </a:extLst>
-          </a:blip>
-          <a:srcRect l="24698" t="11397" r="25898" b="4596"/>
+          <a:blip r:embed="rId3"/>
+          <a:srcRect l="20673" t="20513" r="20032" b="13106"/>
           <a:stretch/>
         </p:blipFill>
         <p:spPr bwMode="auto">
           <a:xfrm>
-            <a:off x="2590800" y="914400"/>
-            <a:ext cx="6014339" cy="5531224"/>
+            <a:off x="1547664" y="1412777"/>
+            <a:ext cx="6624735" cy="4536504"/>
           </a:xfrm>
           <a:prstGeom prst="rect">
             <a:avLst/>
           </a:prstGeom>
-          <a:noFill/>
           <a:ln>
             <a:noFill/>
           </a:ln>
           <a:extLst>
-            <a:ext uri="{909E8E84-426E-40DD-AFC4-6F175D3DCCD1}">
-              <a14:hiddenFill xmlns:a14="http://schemas.microsoft.com/office/drawing/2010/main">
-                <a:solidFill>
-                  <a:schemeClr val="accent1"/>
-                </a:solidFill>
-              </a14:hiddenFill>
-            </a:ext>
-            <a:ext uri="{91240B29-F687-4F45-9708-019B960494DF}">
-              <a14:hiddenLine xmlns:a14="http://schemas.microsoft.com/office/drawing/2010/main" w="9525">
-                <a:solidFill>
-                  <a:schemeClr val="tx1"/>
-                </a:solidFill>
-                <a:miter lim="800000"/>
-                <a:headEnd/>
-                <a:tailEnd/>
-              </a14:hiddenLine>
+            <a:ext uri="{53640926-AAD7-44D8-BBD7-CCE9431645EC}">
+              <a14:shadowObscured xmlns:a14="http://schemas.microsoft.com/office/drawing/2010/main"/>
             </a:ext>
           </a:extLst>
         </p:spPr>
       </p:pic>
+      <p:sp>
+        <p:nvSpPr>
+          <p:cNvPr id="6" name="Slide Number Placeholder 5"/>
+          <p:cNvSpPr>
+            <a:spLocks noGrp="1"/>
+          </p:cNvSpPr>
+          <p:nvPr>
+            <p:ph type="sldNum" sz="quarter" idx="12"/>
+          </p:nvPr>
+        </p:nvSpPr>
+        <p:spPr/>
+        <p:txBody>
+          <a:bodyPr/>
+          <a:lstStyle/>
+          <a:p>
+            <a:fld id="{B6F15528-21DE-4FAA-801E-634DDDAF4B2B}" type="slidenum">
+              <a:rPr lang="en-US" smtClean="0"/>
+              <a:pPr/>
+              <a:t>10</a:t>
+            </a:fld>
+            <a:endParaRPr lang="en-US"/>
+          </a:p>
+        </p:txBody>
+      </p:sp>
+      <p:sp>
+        <p:nvSpPr>
+          <p:cNvPr id="8" name="Rectangle 7"/>
+          <p:cNvSpPr/>
+          <p:nvPr/>
+        </p:nvSpPr>
+        <p:spPr>
+          <a:xfrm>
+            <a:off x="1016000" y="6781800"/>
+            <a:ext cx="8128000" cy="76200"/>
+          </a:xfrm>
+          <a:prstGeom prst="rect">
+            <a:avLst/>
+          </a:prstGeom>
+          <a:gradFill>
+            <a:gsLst>
+              <a:gs pos="0">
+                <a:schemeClr val="accent2"/>
+              </a:gs>
+              <a:gs pos="52000">
+                <a:schemeClr val="accent1">
+                  <a:lumMod val="45000"/>
+                  <a:lumOff val="55000"/>
+                </a:schemeClr>
+              </a:gs>
+              <a:gs pos="98000">
+                <a:srgbClr val="FFC000"/>
+              </a:gs>
+            </a:gsLst>
+            <a:lin ang="0" scaled="0"/>
+          </a:gradFill>
+          <a:ln>
+            <a:noFill/>
+          </a:ln>
+        </p:spPr>
+        <p:style>
+          <a:lnRef idx="2">
+            <a:schemeClr val="accent1">
+              <a:shade val="50000"/>
+            </a:schemeClr>
+          </a:lnRef>
+          <a:fillRef idx="1">
+            <a:schemeClr val="accent1"/>
+          </a:fillRef>
+          <a:effectRef idx="0">
+            <a:schemeClr val="accent1"/>
+          </a:effectRef>
+          <a:fontRef idx="minor">
+            <a:schemeClr val="lt1"/>
+          </a:fontRef>
+        </p:style>
+        <p:txBody>
+          <a:bodyPr rtlCol="0" anchor="ctr"/>
+          <a:lstStyle/>
+          <a:p>
+            <a:pPr algn="ctr"/>
+            <a:endParaRPr lang="en-US"/>
+          </a:p>
+        </p:txBody>
+      </p:sp>
+      <p:sp>
+        <p:nvSpPr>
+          <p:cNvPr id="9" name="Rectangle 8"/>
+          <p:cNvSpPr/>
+          <p:nvPr/>
+        </p:nvSpPr>
+        <p:spPr>
+          <a:xfrm>
+            <a:off x="1016000" y="0"/>
+            <a:ext cx="8128000" cy="692696"/>
+          </a:xfrm>
+          <a:prstGeom prst="rect">
+            <a:avLst/>
+          </a:prstGeom>
+          <a:solidFill>
+            <a:schemeClr val="accent2"/>
+          </a:solidFill>
+          <a:ln>
+            <a:noFill/>
+          </a:ln>
+        </p:spPr>
+        <p:style>
+          <a:lnRef idx="2">
+            <a:schemeClr val="accent1">
+              <a:shade val="50000"/>
+            </a:schemeClr>
+          </a:lnRef>
+          <a:fillRef idx="1">
+            <a:schemeClr val="accent1"/>
+          </a:fillRef>
+          <a:effectRef idx="0">
+            <a:schemeClr val="accent1"/>
+          </a:effectRef>
+          <a:fontRef idx="minor">
+            <a:schemeClr val="lt1"/>
+          </a:fontRef>
+        </p:style>
+        <p:txBody>
+          <a:bodyPr rtlCol="0" anchor="ctr"/>
+          <a:lstStyle/>
+          <a:p>
+            <a:pPr algn="ctr"/>
+            <a:endParaRPr lang="en-US"/>
+          </a:p>
+        </p:txBody>
+      </p:sp>
+      <p:sp>
+        <p:nvSpPr>
+          <p:cNvPr id="10" name="Title 1"/>
+          <p:cNvSpPr txBox="1">
+            <a:spLocks/>
+          </p:cNvSpPr>
+          <p:nvPr/>
+        </p:nvSpPr>
+        <p:spPr>
+          <a:xfrm>
+            <a:off x="381000" y="-171400"/>
+            <a:ext cx="8229600" cy="914400"/>
+          </a:xfrm>
+          <a:prstGeom prst="rect">
+            <a:avLst/>
+          </a:prstGeom>
+        </p:spPr>
+        <p:txBody>
+          <a:bodyPr anchor="ctr">
+            <a:normAutofit/>
+          </a:bodyPr>
+          <a:lstStyle>
+            <a:lvl1pPr algn="l" rtl="0" eaLnBrk="1" latinLnBrk="0" hangingPunct="1">
+              <a:spcBef>
+                <a:spcPct val="0"/>
+              </a:spcBef>
+              <a:buNone/>
+              <a:defRPr kumimoji="0" sz="4300" kern="1200">
+                <a:solidFill>
+                  <a:schemeClr val="tx2">
+                    <a:satMod val="130000"/>
+                  </a:schemeClr>
+                </a:solidFill>
+                <a:effectLst>
+                  <a:outerShdw blurRad="50000" dist="30000" dir="5400000" algn="tl" rotWithShape="0">
+                    <a:srgbClr val="000000">
+                      <a:alpha val="30000"/>
+                    </a:srgbClr>
+                  </a:outerShdw>
+                </a:effectLst>
+                <a:latin typeface="+mj-lt"/>
+                <a:ea typeface="+mj-ea"/>
+                <a:cs typeface="+mj-cs"/>
+              </a:defRPr>
+            </a:lvl1pPr>
+            <a:extLst/>
+          </a:lstStyle>
+          <a:p>
+            <a:r>
+              <a:rPr lang="en-US" sz="3500" b="1" dirty="0" smtClean="0">
+                <a:solidFill>
+                  <a:schemeClr val="bg1"/>
+                </a:solidFill>
+                <a:latin typeface="Times New Roman" panose="02020603050405020304" pitchFamily="18" charset="0"/>
+                <a:cs typeface="Times New Roman" panose="02020603050405020304" pitchFamily="18" charset="0"/>
+              </a:rPr>
+              <a:t>       3.2. </a:t>
+            </a:r>
+            <a:r>
+              <a:rPr lang="en-US" sz="3500" b="1" dirty="0" err="1" smtClean="0">
+                <a:solidFill>
+                  <a:schemeClr val="bg1"/>
+                </a:solidFill>
+                <a:latin typeface="Times New Roman" panose="02020603050405020304" pitchFamily="18" charset="0"/>
+                <a:cs typeface="Times New Roman" panose="02020603050405020304" pitchFamily="18" charset="0"/>
+              </a:rPr>
+              <a:t>Thiết</a:t>
+            </a:r>
+            <a:r>
+              <a:rPr lang="en-US" sz="3500" b="1" dirty="0" smtClean="0">
+                <a:solidFill>
+                  <a:schemeClr val="bg1"/>
+                </a:solidFill>
+                <a:latin typeface="Times New Roman" panose="02020603050405020304" pitchFamily="18" charset="0"/>
+                <a:cs typeface="Times New Roman" panose="02020603050405020304" pitchFamily="18" charset="0"/>
+              </a:rPr>
+              <a:t> </a:t>
+            </a:r>
+            <a:r>
+              <a:rPr lang="en-US" sz="3500" b="1" dirty="0" err="1" smtClean="0">
+                <a:solidFill>
+                  <a:schemeClr val="bg1"/>
+                </a:solidFill>
+                <a:latin typeface="Times New Roman" panose="02020603050405020304" pitchFamily="18" charset="0"/>
+                <a:cs typeface="Times New Roman" panose="02020603050405020304" pitchFamily="18" charset="0"/>
+              </a:rPr>
+              <a:t>Kế</a:t>
+            </a:r>
+            <a:r>
+              <a:rPr lang="en-US" sz="3500" b="1" dirty="0" smtClean="0">
+                <a:solidFill>
+                  <a:schemeClr val="bg1"/>
+                </a:solidFill>
+                <a:latin typeface="Times New Roman" panose="02020603050405020304" pitchFamily="18" charset="0"/>
+                <a:cs typeface="Times New Roman" panose="02020603050405020304" pitchFamily="18" charset="0"/>
+              </a:rPr>
+              <a:t> </a:t>
+            </a:r>
+            <a:r>
+              <a:rPr lang="en-US" sz="3500" b="1" dirty="0" err="1" smtClean="0">
+                <a:solidFill>
+                  <a:schemeClr val="bg1"/>
+                </a:solidFill>
+                <a:latin typeface="Times New Roman" panose="02020603050405020304" pitchFamily="18" charset="0"/>
+                <a:cs typeface="Times New Roman" panose="02020603050405020304" pitchFamily="18" charset="0"/>
+              </a:rPr>
+              <a:t>Giao</a:t>
+            </a:r>
+            <a:r>
+              <a:rPr lang="en-US" sz="3500" b="1" dirty="0" smtClean="0">
+                <a:solidFill>
+                  <a:schemeClr val="bg1"/>
+                </a:solidFill>
+                <a:latin typeface="Times New Roman" panose="02020603050405020304" pitchFamily="18" charset="0"/>
+                <a:cs typeface="Times New Roman" panose="02020603050405020304" pitchFamily="18" charset="0"/>
+              </a:rPr>
+              <a:t> </a:t>
+            </a:r>
+            <a:r>
+              <a:rPr lang="en-US" sz="3500" b="1" dirty="0" err="1" smtClean="0">
+                <a:solidFill>
+                  <a:schemeClr val="bg1"/>
+                </a:solidFill>
+                <a:latin typeface="Times New Roman" panose="02020603050405020304" pitchFamily="18" charset="0"/>
+                <a:cs typeface="Times New Roman" panose="02020603050405020304" pitchFamily="18" charset="0"/>
+              </a:rPr>
+              <a:t>Diện</a:t>
+            </a:r>
+            <a:endParaRPr lang="en-US" sz="3500" b="1" dirty="0">
+              <a:solidFill>
+                <a:schemeClr val="bg1"/>
+              </a:solidFill>
+              <a:latin typeface="Times New Roman" panose="02020603050405020304" pitchFamily="18" charset="0"/>
+              <a:cs typeface="Times New Roman" panose="02020603050405020304" pitchFamily="18" charset="0"/>
+            </a:endParaRPr>
+          </a:p>
+        </p:txBody>
+      </p:sp>
     </p:spTree>
   </p:cSld>
   <p:clrMapOvr>
@@ -25781,58 +26090,6 @@
           </a:p>
         </p:txBody>
       </p:sp>
-      <p:pic>
-        <p:nvPicPr>
-          <p:cNvPr id="1026" name="Picture 2"/>
-          <p:cNvPicPr>
-            <a:picLocks noChangeAspect="1" noChangeArrowheads="1"/>
-          </p:cNvPicPr>
-          <p:nvPr/>
-        </p:nvPicPr>
-        <p:blipFill rotWithShape="1">
-          <a:blip r:embed="rId3">
-            <a:extLst>
-              <a:ext uri="{28A0092B-C50C-407E-A947-70E740481C1C}">
-                <a14:useLocalDpi xmlns:a14="http://schemas.microsoft.com/office/drawing/2010/main" val="0"/>
-              </a:ext>
-            </a:extLst>
-          </a:blip>
-          <a:srcRect l="21084" t="11765" r="22694" b="16250"/>
-          <a:stretch/>
-        </p:blipFill>
-        <p:spPr bwMode="auto">
-          <a:xfrm>
-            <a:off x="1489166" y="1371600"/>
-            <a:ext cx="6858000" cy="4936752"/>
-          </a:xfrm>
-          <a:prstGeom prst="rect">
-            <a:avLst/>
-          </a:prstGeom>
-          <a:noFill/>
-          <a:ln>
-            <a:noFill/>
-          </a:ln>
-          <a:extLst>
-            <a:ext uri="{909E8E84-426E-40DD-AFC4-6F175D3DCCD1}">
-              <a14:hiddenFill xmlns:a14="http://schemas.microsoft.com/office/drawing/2010/main">
-                <a:solidFill>
-                  <a:schemeClr val="accent1"/>
-                </a:solidFill>
-              </a14:hiddenFill>
-            </a:ext>
-            <a:ext uri="{91240B29-F687-4F45-9708-019B960494DF}">
-              <a14:hiddenLine xmlns:a14="http://schemas.microsoft.com/office/drawing/2010/main" w="9525">
-                <a:solidFill>
-                  <a:schemeClr val="tx1"/>
-                </a:solidFill>
-                <a:miter lim="800000"/>
-                <a:headEnd/>
-                <a:tailEnd/>
-              </a14:hiddenLine>
-            </a:ext>
-          </a:extLst>
-        </p:spPr>
-      </p:pic>
       <p:sp>
         <p:nvSpPr>
           <p:cNvPr id="4" name="TextBox 3"/>
@@ -25856,16 +26113,6 @@
           <a:lstStyle/>
           <a:p>
             <a:r>
-              <a:rPr lang="en-US" sz="2800" dirty="0" smtClean="0">
-                <a:solidFill>
-                  <a:srgbClr val="0070C0"/>
-                </a:solidFill>
-                <a:latin typeface="Times New Roman" panose="02020603050405020304" pitchFamily="18" charset="0"/>
-                <a:cs typeface="Times New Roman" panose="02020603050405020304" pitchFamily="18" charset="0"/>
-              </a:rPr>
-              <a:t>Chi </a:t>
-            </a:r>
-            <a:r>
               <a:rPr lang="en-US" sz="2800" dirty="0" err="1" smtClean="0">
                 <a:solidFill>
                   <a:srgbClr val="0070C0"/>
@@ -25873,7 +26120,7 @@
                 <a:latin typeface="Times New Roman" panose="02020603050405020304" pitchFamily="18" charset="0"/>
                 <a:cs typeface="Times New Roman" panose="02020603050405020304" pitchFamily="18" charset="0"/>
               </a:rPr>
-              <a:t>tiết</a:t>
+              <a:t>Quản</a:t>
             </a:r>
             <a:r>
               <a:rPr lang="en-US" sz="2800" dirty="0" smtClean="0">
@@ -25893,7 +26140,7 @@
                 <a:latin typeface="Times New Roman" panose="02020603050405020304" pitchFamily="18" charset="0"/>
                 <a:cs typeface="Times New Roman" panose="02020603050405020304" pitchFamily="18" charset="0"/>
               </a:rPr>
-              <a:t>sản</a:t>
+              <a:t>lý</a:t>
             </a:r>
             <a:r>
               <a:rPr lang="en-US" sz="2800" dirty="0" smtClean="0">
@@ -25913,11 +26160,368 @@
                 <a:latin typeface="Times New Roman" panose="02020603050405020304" pitchFamily="18" charset="0"/>
                 <a:cs typeface="Times New Roman" panose="02020603050405020304" pitchFamily="18" charset="0"/>
               </a:rPr>
+              <a:t>sản</a:t>
+            </a:r>
+            <a:r>
+              <a:rPr lang="en-US" sz="2800" dirty="0" smtClean="0">
+                <a:solidFill>
+                  <a:srgbClr val="0070C0"/>
+                </a:solidFill>
+                <a:latin typeface="Times New Roman" panose="02020603050405020304" pitchFamily="18" charset="0"/>
+                <a:cs typeface="Times New Roman" panose="02020603050405020304" pitchFamily="18" charset="0"/>
+              </a:rPr>
+              <a:t> </a:t>
+            </a:r>
+            <a:r>
+              <a:rPr lang="en-US" sz="2800" dirty="0" err="1" smtClean="0">
+                <a:solidFill>
+                  <a:srgbClr val="0070C0"/>
+                </a:solidFill>
+                <a:latin typeface="Times New Roman" panose="02020603050405020304" pitchFamily="18" charset="0"/>
+                <a:cs typeface="Times New Roman" panose="02020603050405020304" pitchFamily="18" charset="0"/>
+              </a:rPr>
               <a:t>phẩm</a:t>
             </a:r>
             <a:endParaRPr lang="vi-VN" sz="2800" dirty="0">
               <a:solidFill>
                 <a:srgbClr val="0070C0"/>
+              </a:solidFill>
+              <a:latin typeface="Times New Roman" panose="02020603050405020304" pitchFamily="18" charset="0"/>
+              <a:cs typeface="Times New Roman" panose="02020603050405020304" pitchFamily="18" charset="0"/>
+            </a:endParaRPr>
+          </a:p>
+        </p:txBody>
+      </p:sp>
+      <p:pic>
+        <p:nvPicPr>
+          <p:cNvPr id="5" name="Picture 4"/>
+          <p:cNvPicPr/>
+          <p:nvPr/>
+        </p:nvPicPr>
+        <p:blipFill rotWithShape="1">
+          <a:blip r:embed="rId3"/>
+          <a:srcRect l="-160" t="9118" r="1762" b="3419"/>
+          <a:stretch/>
+        </p:blipFill>
+        <p:spPr bwMode="auto">
+          <a:xfrm>
+            <a:off x="1259632" y="1700808"/>
+            <a:ext cx="7344815" cy="4392488"/>
+          </a:xfrm>
+          <a:prstGeom prst="rect">
+            <a:avLst/>
+          </a:prstGeom>
+          <a:ln>
+            <a:noFill/>
+          </a:ln>
+          <a:extLst>
+            <a:ext uri="{53640926-AAD7-44D8-BBD7-CCE9431645EC}">
+              <a14:shadowObscured xmlns:a14="http://schemas.microsoft.com/office/drawing/2010/main"/>
+            </a:ext>
+          </a:extLst>
+        </p:spPr>
+      </p:pic>
+      <p:sp>
+        <p:nvSpPr>
+          <p:cNvPr id="7" name="Slide Number Placeholder 6"/>
+          <p:cNvSpPr>
+            <a:spLocks noGrp="1"/>
+          </p:cNvSpPr>
+          <p:nvPr>
+            <p:ph type="sldNum" sz="quarter" idx="12"/>
+          </p:nvPr>
+        </p:nvSpPr>
+        <p:spPr/>
+        <p:txBody>
+          <a:bodyPr/>
+          <a:lstStyle/>
+          <a:p>
+            <a:fld id="{B6F15528-21DE-4FAA-801E-634DDDAF4B2B}" type="slidenum">
+              <a:rPr lang="en-US" smtClean="0"/>
+              <a:pPr/>
+              <a:t>11</a:t>
+            </a:fld>
+            <a:endParaRPr lang="en-US"/>
+          </a:p>
+        </p:txBody>
+      </p:sp>
+      <p:sp>
+        <p:nvSpPr>
+          <p:cNvPr id="6" name="Rectangle 5"/>
+          <p:cNvSpPr/>
+          <p:nvPr/>
+        </p:nvSpPr>
+        <p:spPr>
+          <a:xfrm>
+            <a:off x="1016000" y="6781800"/>
+            <a:ext cx="8128000" cy="76200"/>
+          </a:xfrm>
+          <a:prstGeom prst="rect">
+            <a:avLst/>
+          </a:prstGeom>
+          <a:gradFill>
+            <a:gsLst>
+              <a:gs pos="0">
+                <a:schemeClr val="accent2"/>
+              </a:gs>
+              <a:gs pos="52000">
+                <a:schemeClr val="accent1">
+                  <a:lumMod val="45000"/>
+                  <a:lumOff val="55000"/>
+                </a:schemeClr>
+              </a:gs>
+              <a:gs pos="98000">
+                <a:srgbClr val="FFC000"/>
+              </a:gs>
+            </a:gsLst>
+            <a:lin ang="0" scaled="0"/>
+          </a:gradFill>
+          <a:ln>
+            <a:noFill/>
+          </a:ln>
+        </p:spPr>
+        <p:style>
+          <a:lnRef idx="2">
+            <a:schemeClr val="accent1">
+              <a:shade val="50000"/>
+            </a:schemeClr>
+          </a:lnRef>
+          <a:fillRef idx="1">
+            <a:schemeClr val="accent1"/>
+          </a:fillRef>
+          <a:effectRef idx="0">
+            <a:schemeClr val="accent1"/>
+          </a:effectRef>
+          <a:fontRef idx="minor">
+            <a:schemeClr val="lt1"/>
+          </a:fontRef>
+        </p:style>
+        <p:txBody>
+          <a:bodyPr rtlCol="0" anchor="ctr"/>
+          <a:lstStyle/>
+          <a:p>
+            <a:pPr algn="ctr"/>
+            <a:endParaRPr lang="en-US"/>
+          </a:p>
+        </p:txBody>
+      </p:sp>
+      <p:sp>
+        <p:nvSpPr>
+          <p:cNvPr id="8" name="Rectangle 7"/>
+          <p:cNvSpPr/>
+          <p:nvPr/>
+        </p:nvSpPr>
+        <p:spPr>
+          <a:xfrm>
+            <a:off x="1016000" y="0"/>
+            <a:ext cx="8128000" cy="692696"/>
+          </a:xfrm>
+          <a:prstGeom prst="rect">
+            <a:avLst/>
+          </a:prstGeom>
+          <a:solidFill>
+            <a:schemeClr val="accent2"/>
+          </a:solidFill>
+          <a:ln>
+            <a:noFill/>
+          </a:ln>
+        </p:spPr>
+        <p:style>
+          <a:lnRef idx="2">
+            <a:schemeClr val="accent1">
+              <a:shade val="50000"/>
+            </a:schemeClr>
+          </a:lnRef>
+          <a:fillRef idx="1">
+            <a:schemeClr val="accent1"/>
+          </a:fillRef>
+          <a:effectRef idx="0">
+            <a:schemeClr val="accent1"/>
+          </a:effectRef>
+          <a:fontRef idx="minor">
+            <a:schemeClr val="lt1"/>
+          </a:fontRef>
+        </p:style>
+        <p:txBody>
+          <a:bodyPr rtlCol="0" anchor="ctr"/>
+          <a:lstStyle/>
+          <a:p>
+            <a:pPr algn="ctr"/>
+            <a:endParaRPr lang="en-US"/>
+          </a:p>
+        </p:txBody>
+      </p:sp>
+      <p:sp>
+        <p:nvSpPr>
+          <p:cNvPr id="9" name="Title 1"/>
+          <p:cNvSpPr txBox="1">
+            <a:spLocks/>
+          </p:cNvSpPr>
+          <p:nvPr/>
+        </p:nvSpPr>
+        <p:spPr>
+          <a:xfrm>
+            <a:off x="381000" y="-171400"/>
+            <a:ext cx="8229600" cy="914400"/>
+          </a:xfrm>
+          <a:prstGeom prst="rect">
+            <a:avLst/>
+          </a:prstGeom>
+        </p:spPr>
+        <p:txBody>
+          <a:bodyPr anchor="ctr">
+            <a:normAutofit/>
+          </a:bodyPr>
+          <a:lstStyle>
+            <a:lvl1pPr algn="l" rtl="0" eaLnBrk="1" latinLnBrk="0" hangingPunct="1">
+              <a:spcBef>
+                <a:spcPct val="0"/>
+              </a:spcBef>
+              <a:buNone/>
+              <a:defRPr kumimoji="0" sz="4300" kern="1200">
+                <a:solidFill>
+                  <a:schemeClr val="tx2">
+                    <a:satMod val="130000"/>
+                  </a:schemeClr>
+                </a:solidFill>
+                <a:effectLst>
+                  <a:outerShdw blurRad="50000" dist="30000" dir="5400000" algn="tl" rotWithShape="0">
+                    <a:srgbClr val="000000">
+                      <a:alpha val="30000"/>
+                    </a:srgbClr>
+                  </a:outerShdw>
+                </a:effectLst>
+                <a:latin typeface="+mj-lt"/>
+                <a:ea typeface="+mj-ea"/>
+                <a:cs typeface="+mj-cs"/>
+              </a:defRPr>
+            </a:lvl1pPr>
+            <a:extLst/>
+          </a:lstStyle>
+          <a:p>
+            <a:r>
+              <a:rPr lang="en-US" sz="3500" b="1" dirty="0" smtClean="0">
+                <a:solidFill>
+                  <a:schemeClr val="bg1"/>
+                </a:solidFill>
+                <a:latin typeface="Times New Roman" panose="02020603050405020304" pitchFamily="18" charset="0"/>
+                <a:cs typeface="Times New Roman" panose="02020603050405020304" pitchFamily="18" charset="0"/>
+              </a:rPr>
+              <a:t>       3.1. </a:t>
+            </a:r>
+            <a:r>
+              <a:rPr lang="en-US" sz="3500" b="1" dirty="0" err="1" smtClean="0">
+                <a:solidFill>
+                  <a:schemeClr val="bg1"/>
+                </a:solidFill>
+                <a:latin typeface="Times New Roman" panose="02020603050405020304" pitchFamily="18" charset="0"/>
+                <a:cs typeface="Times New Roman" panose="02020603050405020304" pitchFamily="18" charset="0"/>
+              </a:rPr>
+              <a:t>Phân</a:t>
+            </a:r>
+            <a:r>
+              <a:rPr lang="en-US" sz="3500" b="1" dirty="0" smtClean="0">
+                <a:solidFill>
+                  <a:schemeClr val="bg1"/>
+                </a:solidFill>
+                <a:latin typeface="Times New Roman" panose="02020603050405020304" pitchFamily="18" charset="0"/>
+                <a:cs typeface="Times New Roman" panose="02020603050405020304" pitchFamily="18" charset="0"/>
+              </a:rPr>
+              <a:t> </a:t>
+            </a:r>
+            <a:r>
+              <a:rPr lang="en-US" sz="3500" b="1" dirty="0" err="1" smtClean="0">
+                <a:solidFill>
+                  <a:schemeClr val="bg1"/>
+                </a:solidFill>
+                <a:latin typeface="Times New Roman" panose="02020603050405020304" pitchFamily="18" charset="0"/>
+                <a:cs typeface="Times New Roman" panose="02020603050405020304" pitchFamily="18" charset="0"/>
+              </a:rPr>
+              <a:t>Tích</a:t>
+            </a:r>
+            <a:r>
+              <a:rPr lang="en-US" sz="3500" b="1" dirty="0" smtClean="0">
+                <a:solidFill>
+                  <a:schemeClr val="bg1"/>
+                </a:solidFill>
+                <a:latin typeface="Times New Roman" panose="02020603050405020304" pitchFamily="18" charset="0"/>
+                <a:cs typeface="Times New Roman" panose="02020603050405020304" pitchFamily="18" charset="0"/>
+              </a:rPr>
+              <a:t> </a:t>
+            </a:r>
+            <a:r>
+              <a:rPr lang="en-US" sz="3500" b="1" dirty="0" err="1" smtClean="0">
+                <a:solidFill>
+                  <a:schemeClr val="bg1"/>
+                </a:solidFill>
+                <a:latin typeface="Times New Roman" panose="02020603050405020304" pitchFamily="18" charset="0"/>
+                <a:cs typeface="Times New Roman" panose="02020603050405020304" pitchFamily="18" charset="0"/>
+              </a:rPr>
+              <a:t>Thiết</a:t>
+            </a:r>
+            <a:r>
+              <a:rPr lang="en-US" sz="3500" b="1" dirty="0" smtClean="0">
+                <a:solidFill>
+                  <a:schemeClr val="bg1"/>
+                </a:solidFill>
+                <a:latin typeface="Times New Roman" panose="02020603050405020304" pitchFamily="18" charset="0"/>
+                <a:cs typeface="Times New Roman" panose="02020603050405020304" pitchFamily="18" charset="0"/>
+              </a:rPr>
+              <a:t> </a:t>
+            </a:r>
+            <a:r>
+              <a:rPr lang="en-US" sz="3500" b="1" dirty="0" err="1" smtClean="0">
+                <a:solidFill>
+                  <a:schemeClr val="bg1"/>
+                </a:solidFill>
+                <a:latin typeface="Times New Roman" panose="02020603050405020304" pitchFamily="18" charset="0"/>
+                <a:cs typeface="Times New Roman" panose="02020603050405020304" pitchFamily="18" charset="0"/>
+              </a:rPr>
+              <a:t>Kế</a:t>
+            </a:r>
+            <a:r>
+              <a:rPr lang="en-US" sz="3500" b="1" dirty="0" smtClean="0">
+                <a:solidFill>
+                  <a:schemeClr val="bg1"/>
+                </a:solidFill>
+                <a:latin typeface="Times New Roman" panose="02020603050405020304" pitchFamily="18" charset="0"/>
+                <a:cs typeface="Times New Roman" panose="02020603050405020304" pitchFamily="18" charset="0"/>
+              </a:rPr>
+              <a:t> </a:t>
+            </a:r>
+            <a:r>
+              <a:rPr lang="en-US" sz="3500" b="1" dirty="0" err="1" smtClean="0">
+                <a:solidFill>
+                  <a:schemeClr val="bg1"/>
+                </a:solidFill>
+                <a:latin typeface="Times New Roman" panose="02020603050405020304" pitchFamily="18" charset="0"/>
+                <a:cs typeface="Times New Roman" panose="02020603050405020304" pitchFamily="18" charset="0"/>
+              </a:rPr>
+              <a:t>Hệ</a:t>
+            </a:r>
+            <a:r>
+              <a:rPr lang="en-US" sz="3500" b="1" dirty="0" smtClean="0">
+                <a:solidFill>
+                  <a:schemeClr val="bg1"/>
+                </a:solidFill>
+                <a:latin typeface="Times New Roman" panose="02020603050405020304" pitchFamily="18" charset="0"/>
+                <a:cs typeface="Times New Roman" panose="02020603050405020304" pitchFamily="18" charset="0"/>
+              </a:rPr>
+              <a:t> </a:t>
+            </a:r>
+            <a:r>
+              <a:rPr lang="en-US" sz="3500" b="1" dirty="0" err="1" smtClean="0">
+                <a:solidFill>
+                  <a:schemeClr val="bg1"/>
+                </a:solidFill>
+                <a:latin typeface="Times New Roman" panose="02020603050405020304" pitchFamily="18" charset="0"/>
+                <a:cs typeface="Times New Roman" panose="02020603050405020304" pitchFamily="18" charset="0"/>
+              </a:rPr>
+              <a:t>Thống</a:t>
+            </a:r>
+            <a:endParaRPr lang="en-US" sz="3500" b="1" dirty="0">
+              <a:solidFill>
+                <a:schemeClr val="bg1"/>
               </a:solidFill>
               <a:latin typeface="Times New Roman" panose="02020603050405020304" pitchFamily="18" charset="0"/>
               <a:cs typeface="Times New Roman" panose="02020603050405020304" pitchFamily="18" charset="0"/>
@@ -25946,6 +26550,467 @@
 </file>
 
 <file path=ppt/slides/slide12.xml><?xml version="1.0" encoding="utf-8"?>
+<p:sld xmlns:a="http://schemas.openxmlformats.org/drawingml/2006/main" xmlns:r="http://schemas.openxmlformats.org/officeDocument/2006/relationships" xmlns:p="http://schemas.openxmlformats.org/presentationml/2006/main">
+  <p:cSld>
+    <p:spTree>
+      <p:nvGrpSpPr>
+        <p:cNvPr id="1" name=""/>
+        <p:cNvGrpSpPr/>
+        <p:nvPr/>
+      </p:nvGrpSpPr>
+      <p:grpSpPr>
+        <a:xfrm>
+          <a:off x="0" y="0"/>
+          <a:ext cx="0" cy="0"/>
+          <a:chOff x="0" y="0"/>
+          <a:chExt cx="0" cy="0"/>
+        </a:xfrm>
+      </p:grpSpPr>
+      <p:pic>
+        <p:nvPicPr>
+          <p:cNvPr id="4" name="Content Placeholder 3"/>
+          <p:cNvPicPr>
+            <a:picLocks noGrp="1" noChangeAspect="1"/>
+          </p:cNvPicPr>
+          <p:nvPr>
+            <p:ph idx="1"/>
+          </p:nvPr>
+        </p:nvPicPr>
+        <p:blipFill rotWithShape="1">
+          <a:blip r:embed="rId2"/>
+          <a:srcRect l="13022" t="9339" r="14003" b="5311"/>
+          <a:stretch/>
+        </p:blipFill>
+        <p:spPr>
+          <a:xfrm>
+            <a:off x="1619672" y="1844824"/>
+            <a:ext cx="6676582" cy="4392488"/>
+          </a:xfrm>
+          <a:prstGeom prst="rect">
+            <a:avLst/>
+          </a:prstGeom>
+        </p:spPr>
+      </p:pic>
+      <p:sp>
+        <p:nvSpPr>
+          <p:cNvPr id="6" name="Rectangle 5"/>
+          <p:cNvSpPr/>
+          <p:nvPr/>
+        </p:nvSpPr>
+        <p:spPr>
+          <a:xfrm>
+            <a:off x="1619672" y="984280"/>
+            <a:ext cx="2160240" cy="369332"/>
+          </a:xfrm>
+          <a:prstGeom prst="rect">
+            <a:avLst/>
+          </a:prstGeom>
+        </p:spPr>
+        <p:txBody>
+          <a:bodyPr wrap="square">
+            <a:spAutoFit/>
+          </a:bodyPr>
+          <a:lstStyle/>
+          <a:p>
+            <a:r>
+              <a:rPr lang="en-US" dirty="0">
+                <a:solidFill>
+                  <a:srgbClr val="0070C0"/>
+                </a:solidFill>
+                <a:latin typeface="Times New Roman" panose="02020603050405020304" pitchFamily="18" charset="0"/>
+                <a:cs typeface="Times New Roman" panose="02020603050405020304" pitchFamily="18" charset="0"/>
+              </a:rPr>
+              <a:t>Chi </a:t>
+            </a:r>
+            <a:r>
+              <a:rPr lang="en-US" dirty="0" err="1">
+                <a:solidFill>
+                  <a:srgbClr val="0070C0"/>
+                </a:solidFill>
+                <a:latin typeface="Times New Roman" panose="02020603050405020304" pitchFamily="18" charset="0"/>
+                <a:cs typeface="Times New Roman" panose="02020603050405020304" pitchFamily="18" charset="0"/>
+              </a:rPr>
+              <a:t>tiết</a:t>
+            </a:r>
+            <a:r>
+              <a:rPr lang="en-US" dirty="0">
+                <a:solidFill>
+                  <a:srgbClr val="0070C0"/>
+                </a:solidFill>
+                <a:latin typeface="Times New Roman" panose="02020603050405020304" pitchFamily="18" charset="0"/>
+                <a:cs typeface="Times New Roman" panose="02020603050405020304" pitchFamily="18" charset="0"/>
+              </a:rPr>
+              <a:t> </a:t>
+            </a:r>
+            <a:r>
+              <a:rPr lang="en-US" dirty="0" err="1">
+                <a:solidFill>
+                  <a:srgbClr val="0070C0"/>
+                </a:solidFill>
+                <a:latin typeface="Times New Roman" panose="02020603050405020304" pitchFamily="18" charset="0"/>
+                <a:cs typeface="Times New Roman" panose="02020603050405020304" pitchFamily="18" charset="0"/>
+              </a:rPr>
+              <a:t>sản</a:t>
+            </a:r>
+            <a:r>
+              <a:rPr lang="en-US" dirty="0">
+                <a:solidFill>
+                  <a:srgbClr val="0070C0"/>
+                </a:solidFill>
+                <a:latin typeface="Times New Roman" panose="02020603050405020304" pitchFamily="18" charset="0"/>
+                <a:cs typeface="Times New Roman" panose="02020603050405020304" pitchFamily="18" charset="0"/>
+              </a:rPr>
+              <a:t> </a:t>
+            </a:r>
+            <a:r>
+              <a:rPr lang="en-US" dirty="0" err="1">
+                <a:solidFill>
+                  <a:srgbClr val="0070C0"/>
+                </a:solidFill>
+                <a:latin typeface="Times New Roman" panose="02020603050405020304" pitchFamily="18" charset="0"/>
+                <a:cs typeface="Times New Roman" panose="02020603050405020304" pitchFamily="18" charset="0"/>
+              </a:rPr>
+              <a:t>phẩm</a:t>
+            </a:r>
+            <a:endParaRPr lang="vi-VN" dirty="0">
+              <a:solidFill>
+                <a:srgbClr val="0070C0"/>
+              </a:solidFill>
+              <a:latin typeface="Times New Roman" panose="02020603050405020304" pitchFamily="18" charset="0"/>
+              <a:cs typeface="Times New Roman" panose="02020603050405020304" pitchFamily="18" charset="0"/>
+            </a:endParaRPr>
+          </a:p>
+        </p:txBody>
+      </p:sp>
+      <p:sp>
+        <p:nvSpPr>
+          <p:cNvPr id="7" name="Slide Number Placeholder 6"/>
+          <p:cNvSpPr>
+            <a:spLocks noGrp="1"/>
+          </p:cNvSpPr>
+          <p:nvPr>
+            <p:ph type="sldNum" sz="quarter" idx="12"/>
+          </p:nvPr>
+        </p:nvSpPr>
+        <p:spPr/>
+        <p:txBody>
+          <a:bodyPr/>
+          <a:lstStyle/>
+          <a:p>
+            <a:fld id="{B6F15528-21DE-4FAA-801E-634DDDAF4B2B}" type="slidenum">
+              <a:rPr lang="en-US" smtClean="0"/>
+              <a:pPr/>
+              <a:t>12</a:t>
+            </a:fld>
+            <a:endParaRPr lang="en-US"/>
+          </a:p>
+        </p:txBody>
+      </p:sp>
+      <p:sp>
+        <p:nvSpPr>
+          <p:cNvPr id="8" name="Rectangle 7"/>
+          <p:cNvSpPr/>
+          <p:nvPr/>
+        </p:nvSpPr>
+        <p:spPr>
+          <a:xfrm>
+            <a:off x="1016000" y="6781800"/>
+            <a:ext cx="8128000" cy="76200"/>
+          </a:xfrm>
+          <a:prstGeom prst="rect">
+            <a:avLst/>
+          </a:prstGeom>
+          <a:gradFill>
+            <a:gsLst>
+              <a:gs pos="0">
+                <a:schemeClr val="accent2"/>
+              </a:gs>
+              <a:gs pos="52000">
+                <a:schemeClr val="accent1">
+                  <a:lumMod val="45000"/>
+                  <a:lumOff val="55000"/>
+                </a:schemeClr>
+              </a:gs>
+              <a:gs pos="98000">
+                <a:srgbClr val="FFC000"/>
+              </a:gs>
+            </a:gsLst>
+            <a:lin ang="0" scaled="0"/>
+          </a:gradFill>
+          <a:ln>
+            <a:noFill/>
+          </a:ln>
+        </p:spPr>
+        <p:style>
+          <a:lnRef idx="2">
+            <a:schemeClr val="accent1">
+              <a:shade val="50000"/>
+            </a:schemeClr>
+          </a:lnRef>
+          <a:fillRef idx="1">
+            <a:schemeClr val="accent1"/>
+          </a:fillRef>
+          <a:effectRef idx="0">
+            <a:schemeClr val="accent1"/>
+          </a:effectRef>
+          <a:fontRef idx="minor">
+            <a:schemeClr val="lt1"/>
+          </a:fontRef>
+        </p:style>
+        <p:txBody>
+          <a:bodyPr rtlCol="0" anchor="ctr"/>
+          <a:lstStyle/>
+          <a:p>
+            <a:pPr algn="ctr"/>
+            <a:endParaRPr lang="en-US"/>
+          </a:p>
+        </p:txBody>
+      </p:sp>
+      <p:sp>
+        <p:nvSpPr>
+          <p:cNvPr id="9" name="Rectangle 8"/>
+          <p:cNvSpPr/>
+          <p:nvPr/>
+        </p:nvSpPr>
+        <p:spPr>
+          <a:xfrm>
+            <a:off x="1016000" y="0"/>
+            <a:ext cx="8128000" cy="692696"/>
+          </a:xfrm>
+          <a:prstGeom prst="rect">
+            <a:avLst/>
+          </a:prstGeom>
+          <a:solidFill>
+            <a:schemeClr val="accent2"/>
+          </a:solidFill>
+          <a:ln>
+            <a:noFill/>
+          </a:ln>
+        </p:spPr>
+        <p:style>
+          <a:lnRef idx="2">
+            <a:schemeClr val="accent1">
+              <a:shade val="50000"/>
+            </a:schemeClr>
+          </a:lnRef>
+          <a:fillRef idx="1">
+            <a:schemeClr val="accent1"/>
+          </a:fillRef>
+          <a:effectRef idx="0">
+            <a:schemeClr val="accent1"/>
+          </a:effectRef>
+          <a:fontRef idx="minor">
+            <a:schemeClr val="lt1"/>
+          </a:fontRef>
+        </p:style>
+        <p:txBody>
+          <a:bodyPr rtlCol="0" anchor="ctr"/>
+          <a:lstStyle/>
+          <a:p>
+            <a:pPr algn="ctr"/>
+            <a:endParaRPr lang="en-US"/>
+          </a:p>
+        </p:txBody>
+      </p:sp>
+      <p:sp>
+        <p:nvSpPr>
+          <p:cNvPr id="10" name="Title 1"/>
+          <p:cNvSpPr txBox="1">
+            <a:spLocks/>
+          </p:cNvSpPr>
+          <p:nvPr/>
+        </p:nvSpPr>
+        <p:spPr>
+          <a:xfrm>
+            <a:off x="381000" y="-171400"/>
+            <a:ext cx="8229600" cy="914400"/>
+          </a:xfrm>
+          <a:prstGeom prst="rect">
+            <a:avLst/>
+          </a:prstGeom>
+        </p:spPr>
+        <p:txBody>
+          <a:bodyPr anchor="ctr">
+            <a:normAutofit/>
+          </a:bodyPr>
+          <a:lstStyle>
+            <a:lvl1pPr algn="l" rtl="0" eaLnBrk="1" latinLnBrk="0" hangingPunct="1">
+              <a:spcBef>
+                <a:spcPct val="0"/>
+              </a:spcBef>
+              <a:buNone/>
+              <a:defRPr kumimoji="0" sz="4300" kern="1200">
+                <a:solidFill>
+                  <a:schemeClr val="tx2">
+                    <a:satMod val="130000"/>
+                  </a:schemeClr>
+                </a:solidFill>
+                <a:effectLst>
+                  <a:outerShdw blurRad="50000" dist="30000" dir="5400000" algn="tl" rotWithShape="0">
+                    <a:srgbClr val="000000">
+                      <a:alpha val="30000"/>
+                    </a:srgbClr>
+                  </a:outerShdw>
+                </a:effectLst>
+                <a:latin typeface="+mj-lt"/>
+                <a:ea typeface="+mj-ea"/>
+                <a:cs typeface="+mj-cs"/>
+              </a:defRPr>
+            </a:lvl1pPr>
+            <a:extLst/>
+          </a:lstStyle>
+          <a:p>
+            <a:r>
+              <a:rPr lang="en-US" sz="3500" b="1" dirty="0" smtClean="0">
+                <a:solidFill>
+                  <a:schemeClr val="bg1"/>
+                </a:solidFill>
+                <a:latin typeface="Times New Roman" panose="02020603050405020304" pitchFamily="18" charset="0"/>
+                <a:cs typeface="Times New Roman" panose="02020603050405020304" pitchFamily="18" charset="0"/>
+              </a:rPr>
+              <a:t>       3.1. </a:t>
+            </a:r>
+            <a:r>
+              <a:rPr lang="en-US" sz="3500" b="1" dirty="0" err="1" smtClean="0">
+                <a:solidFill>
+                  <a:schemeClr val="bg1"/>
+                </a:solidFill>
+                <a:latin typeface="Times New Roman" panose="02020603050405020304" pitchFamily="18" charset="0"/>
+                <a:cs typeface="Times New Roman" panose="02020603050405020304" pitchFamily="18" charset="0"/>
+              </a:rPr>
+              <a:t>Phân</a:t>
+            </a:r>
+            <a:r>
+              <a:rPr lang="en-US" sz="3500" b="1" dirty="0" smtClean="0">
+                <a:solidFill>
+                  <a:schemeClr val="bg1"/>
+                </a:solidFill>
+                <a:latin typeface="Times New Roman" panose="02020603050405020304" pitchFamily="18" charset="0"/>
+                <a:cs typeface="Times New Roman" panose="02020603050405020304" pitchFamily="18" charset="0"/>
+              </a:rPr>
+              <a:t> </a:t>
+            </a:r>
+            <a:r>
+              <a:rPr lang="en-US" sz="3500" b="1" dirty="0" err="1" smtClean="0">
+                <a:solidFill>
+                  <a:schemeClr val="bg1"/>
+                </a:solidFill>
+                <a:latin typeface="Times New Roman" panose="02020603050405020304" pitchFamily="18" charset="0"/>
+                <a:cs typeface="Times New Roman" panose="02020603050405020304" pitchFamily="18" charset="0"/>
+              </a:rPr>
+              <a:t>Tích</a:t>
+            </a:r>
+            <a:r>
+              <a:rPr lang="en-US" sz="3500" b="1" dirty="0" smtClean="0">
+                <a:solidFill>
+                  <a:schemeClr val="bg1"/>
+                </a:solidFill>
+                <a:latin typeface="Times New Roman" panose="02020603050405020304" pitchFamily="18" charset="0"/>
+                <a:cs typeface="Times New Roman" panose="02020603050405020304" pitchFamily="18" charset="0"/>
+              </a:rPr>
+              <a:t> </a:t>
+            </a:r>
+            <a:r>
+              <a:rPr lang="en-US" sz="3500" b="1" dirty="0" err="1" smtClean="0">
+                <a:solidFill>
+                  <a:schemeClr val="bg1"/>
+                </a:solidFill>
+                <a:latin typeface="Times New Roman" panose="02020603050405020304" pitchFamily="18" charset="0"/>
+                <a:cs typeface="Times New Roman" panose="02020603050405020304" pitchFamily="18" charset="0"/>
+              </a:rPr>
+              <a:t>Thiết</a:t>
+            </a:r>
+            <a:r>
+              <a:rPr lang="en-US" sz="3500" b="1" dirty="0" smtClean="0">
+                <a:solidFill>
+                  <a:schemeClr val="bg1"/>
+                </a:solidFill>
+                <a:latin typeface="Times New Roman" panose="02020603050405020304" pitchFamily="18" charset="0"/>
+                <a:cs typeface="Times New Roman" panose="02020603050405020304" pitchFamily="18" charset="0"/>
+              </a:rPr>
+              <a:t> </a:t>
+            </a:r>
+            <a:r>
+              <a:rPr lang="en-US" sz="3500" b="1" dirty="0" err="1" smtClean="0">
+                <a:solidFill>
+                  <a:schemeClr val="bg1"/>
+                </a:solidFill>
+                <a:latin typeface="Times New Roman" panose="02020603050405020304" pitchFamily="18" charset="0"/>
+                <a:cs typeface="Times New Roman" panose="02020603050405020304" pitchFamily="18" charset="0"/>
+              </a:rPr>
+              <a:t>Kế</a:t>
+            </a:r>
+            <a:r>
+              <a:rPr lang="en-US" sz="3500" b="1" dirty="0" smtClean="0">
+                <a:solidFill>
+                  <a:schemeClr val="bg1"/>
+                </a:solidFill>
+                <a:latin typeface="Times New Roman" panose="02020603050405020304" pitchFamily="18" charset="0"/>
+                <a:cs typeface="Times New Roman" panose="02020603050405020304" pitchFamily="18" charset="0"/>
+              </a:rPr>
+              <a:t> </a:t>
+            </a:r>
+            <a:r>
+              <a:rPr lang="en-US" sz="3500" b="1" dirty="0" err="1" smtClean="0">
+                <a:solidFill>
+                  <a:schemeClr val="bg1"/>
+                </a:solidFill>
+                <a:latin typeface="Times New Roman" panose="02020603050405020304" pitchFamily="18" charset="0"/>
+                <a:cs typeface="Times New Roman" panose="02020603050405020304" pitchFamily="18" charset="0"/>
+              </a:rPr>
+              <a:t>Hệ</a:t>
+            </a:r>
+            <a:r>
+              <a:rPr lang="en-US" sz="3500" b="1" dirty="0" smtClean="0">
+                <a:solidFill>
+                  <a:schemeClr val="bg1"/>
+                </a:solidFill>
+                <a:latin typeface="Times New Roman" panose="02020603050405020304" pitchFamily="18" charset="0"/>
+                <a:cs typeface="Times New Roman" panose="02020603050405020304" pitchFamily="18" charset="0"/>
+              </a:rPr>
+              <a:t> </a:t>
+            </a:r>
+            <a:r>
+              <a:rPr lang="en-US" sz="3500" b="1" dirty="0" err="1" smtClean="0">
+                <a:solidFill>
+                  <a:schemeClr val="bg1"/>
+                </a:solidFill>
+                <a:latin typeface="Times New Roman" panose="02020603050405020304" pitchFamily="18" charset="0"/>
+                <a:cs typeface="Times New Roman" panose="02020603050405020304" pitchFamily="18" charset="0"/>
+              </a:rPr>
+              <a:t>Thống</a:t>
+            </a:r>
+            <a:endParaRPr lang="en-US" sz="3500" b="1" dirty="0">
+              <a:solidFill>
+                <a:schemeClr val="bg1"/>
+              </a:solidFill>
+              <a:latin typeface="Times New Roman" panose="02020603050405020304" pitchFamily="18" charset="0"/>
+              <a:cs typeface="Times New Roman" panose="02020603050405020304" pitchFamily="18" charset="0"/>
+            </a:endParaRPr>
+          </a:p>
+        </p:txBody>
+      </p:sp>
+    </p:spTree>
+    <p:extLst>
+      <p:ext uri="{BB962C8B-B14F-4D97-AF65-F5344CB8AC3E}">
+        <p14:creationId xmlns:p14="http://schemas.microsoft.com/office/powerpoint/2010/main" val="2024024650"/>
+      </p:ext>
+    </p:extLst>
+  </p:cSld>
+  <p:clrMapOvr>
+    <a:masterClrMapping/>
+  </p:clrMapOvr>
+  <p:timing>
+    <p:tnLst>
+      <p:par>
+        <p:cTn id="1" dur="indefinite" restart="never" nodeType="tmRoot"/>
+      </p:par>
+    </p:tnLst>
+  </p:timing>
+</p:sld>
+</file>
+
+<file path=ppt/slides/slide13.xml><?xml version="1.0" encoding="utf-8"?>
 <p:sld xmlns:a="http://schemas.openxmlformats.org/drawingml/2006/main" xmlns:r="http://schemas.openxmlformats.org/officeDocument/2006/relationships" xmlns:p="http://schemas.openxmlformats.org/presentationml/2006/main">
   <p:cSld>
     <p:bg>
@@ -26095,7 +27160,7 @@
             <p:ph idx="1"/>
             <p:extLst>
               <p:ext uri="{D42A27DB-BD31-4B8C-83A1-F6EECF244321}">
-                <p14:modId xmlns:p14="http://schemas.microsoft.com/office/powerpoint/2010/main" val="1742577044"/>
+                <p14:modId xmlns:p14="http://schemas.microsoft.com/office/powerpoint/2010/main" val="2366941426"/>
               </p:ext>
             </p:extLst>
           </p:nvPr>
@@ -26210,6 +27275,314 @@
           </a:p>
         </p:txBody>
       </p:sp>
+      <p:sp>
+        <p:nvSpPr>
+          <p:cNvPr id="7" name="Slide Number Placeholder 6"/>
+          <p:cNvSpPr>
+            <a:spLocks noGrp="1"/>
+          </p:cNvSpPr>
+          <p:nvPr>
+            <p:ph type="sldNum" sz="quarter" idx="12"/>
+          </p:nvPr>
+        </p:nvSpPr>
+        <p:spPr/>
+        <p:txBody>
+          <a:bodyPr/>
+          <a:lstStyle/>
+          <a:p>
+            <a:fld id="{B6F15528-21DE-4FAA-801E-634DDDAF4B2B}" type="slidenum">
+              <a:rPr lang="en-US" smtClean="0"/>
+              <a:pPr/>
+              <a:t>13</a:t>
+            </a:fld>
+            <a:endParaRPr lang="en-US"/>
+          </a:p>
+        </p:txBody>
+      </p:sp>
+      <p:sp>
+        <p:nvSpPr>
+          <p:cNvPr id="6" name="Rectangle 5"/>
+          <p:cNvSpPr/>
+          <p:nvPr/>
+        </p:nvSpPr>
+        <p:spPr>
+          <a:xfrm>
+            <a:off x="1016000" y="6781800"/>
+            <a:ext cx="8128000" cy="76200"/>
+          </a:xfrm>
+          <a:prstGeom prst="rect">
+            <a:avLst/>
+          </a:prstGeom>
+          <a:gradFill>
+            <a:gsLst>
+              <a:gs pos="0">
+                <a:schemeClr val="accent2"/>
+              </a:gs>
+              <a:gs pos="52000">
+                <a:schemeClr val="accent1">
+                  <a:lumMod val="45000"/>
+                  <a:lumOff val="55000"/>
+                </a:schemeClr>
+              </a:gs>
+              <a:gs pos="98000">
+                <a:srgbClr val="FFC000"/>
+              </a:gs>
+            </a:gsLst>
+            <a:lin ang="0" scaled="0"/>
+          </a:gradFill>
+          <a:ln>
+            <a:noFill/>
+          </a:ln>
+        </p:spPr>
+        <p:style>
+          <a:lnRef idx="2">
+            <a:schemeClr val="accent1">
+              <a:shade val="50000"/>
+            </a:schemeClr>
+          </a:lnRef>
+          <a:fillRef idx="1">
+            <a:schemeClr val="accent1"/>
+          </a:fillRef>
+          <a:effectRef idx="0">
+            <a:schemeClr val="accent1"/>
+          </a:effectRef>
+          <a:fontRef idx="minor">
+            <a:schemeClr val="lt1"/>
+          </a:fontRef>
+        </p:style>
+        <p:txBody>
+          <a:bodyPr rtlCol="0" anchor="ctr"/>
+          <a:lstStyle/>
+          <a:p>
+            <a:pPr algn="ctr"/>
+            <a:endParaRPr lang="en-US"/>
+          </a:p>
+        </p:txBody>
+      </p:sp>
+      <p:sp>
+        <p:nvSpPr>
+          <p:cNvPr id="8" name="Rectangle 7"/>
+          <p:cNvSpPr/>
+          <p:nvPr/>
+        </p:nvSpPr>
+        <p:spPr>
+          <a:xfrm>
+            <a:off x="1016000" y="0"/>
+            <a:ext cx="8128000" cy="692696"/>
+          </a:xfrm>
+          <a:prstGeom prst="rect">
+            <a:avLst/>
+          </a:prstGeom>
+          <a:solidFill>
+            <a:schemeClr val="accent2"/>
+          </a:solidFill>
+          <a:ln>
+            <a:noFill/>
+          </a:ln>
+        </p:spPr>
+        <p:style>
+          <a:lnRef idx="2">
+            <a:schemeClr val="accent1">
+              <a:shade val="50000"/>
+            </a:schemeClr>
+          </a:lnRef>
+          <a:fillRef idx="1">
+            <a:schemeClr val="accent1"/>
+          </a:fillRef>
+          <a:effectRef idx="0">
+            <a:schemeClr val="accent1"/>
+          </a:effectRef>
+          <a:fontRef idx="minor">
+            <a:schemeClr val="lt1"/>
+          </a:fontRef>
+        </p:style>
+        <p:txBody>
+          <a:bodyPr rtlCol="0" anchor="ctr"/>
+          <a:lstStyle/>
+          <a:p>
+            <a:pPr algn="ctr"/>
+            <a:endParaRPr lang="en-US"/>
+          </a:p>
+        </p:txBody>
+      </p:sp>
+      <p:sp>
+        <p:nvSpPr>
+          <p:cNvPr id="9" name="Title 1"/>
+          <p:cNvSpPr txBox="1">
+            <a:spLocks/>
+          </p:cNvSpPr>
+          <p:nvPr/>
+        </p:nvSpPr>
+        <p:spPr>
+          <a:xfrm>
+            <a:off x="381000" y="-171400"/>
+            <a:ext cx="8229600" cy="914400"/>
+          </a:xfrm>
+          <a:prstGeom prst="rect">
+            <a:avLst/>
+          </a:prstGeom>
+        </p:spPr>
+        <p:txBody>
+          <a:bodyPr anchor="ctr">
+            <a:normAutofit/>
+          </a:bodyPr>
+          <a:lstStyle>
+            <a:lvl1pPr algn="l" rtl="0" eaLnBrk="1" latinLnBrk="0" hangingPunct="1">
+              <a:spcBef>
+                <a:spcPct val="0"/>
+              </a:spcBef>
+              <a:buNone/>
+              <a:defRPr kumimoji="0" sz="4300" kern="1200">
+                <a:solidFill>
+                  <a:schemeClr val="tx2">
+                    <a:satMod val="130000"/>
+                  </a:schemeClr>
+                </a:solidFill>
+                <a:effectLst>
+                  <a:outerShdw blurRad="50000" dist="30000" dir="5400000" algn="tl" rotWithShape="0">
+                    <a:srgbClr val="000000">
+                      <a:alpha val="30000"/>
+                    </a:srgbClr>
+                  </a:outerShdw>
+                </a:effectLst>
+                <a:latin typeface="+mj-lt"/>
+                <a:ea typeface="+mj-ea"/>
+                <a:cs typeface="+mj-cs"/>
+              </a:defRPr>
+            </a:lvl1pPr>
+            <a:extLst/>
+          </a:lstStyle>
+          <a:p>
+            <a:r>
+              <a:rPr lang="en-US" sz="3500" b="1" dirty="0" smtClean="0">
+                <a:solidFill>
+                  <a:schemeClr val="bg1"/>
+                </a:solidFill>
+                <a:latin typeface="Times New Roman" panose="02020603050405020304" pitchFamily="18" charset="0"/>
+                <a:cs typeface="Times New Roman" panose="02020603050405020304" pitchFamily="18" charset="0"/>
+              </a:rPr>
+              <a:t>       4. </a:t>
+            </a:r>
+            <a:r>
+              <a:rPr lang="en-US" sz="3500" b="1" dirty="0" err="1" smtClean="0">
+                <a:solidFill>
+                  <a:schemeClr val="bg1"/>
+                </a:solidFill>
+                <a:latin typeface="Times New Roman" panose="02020603050405020304" pitchFamily="18" charset="0"/>
+                <a:cs typeface="Times New Roman" panose="02020603050405020304" pitchFamily="18" charset="0"/>
+              </a:rPr>
+              <a:t>Kết</a:t>
+            </a:r>
+            <a:r>
+              <a:rPr lang="en-US" sz="3500" b="1" dirty="0" smtClean="0">
+                <a:solidFill>
+                  <a:schemeClr val="bg1"/>
+                </a:solidFill>
+                <a:latin typeface="Times New Roman" panose="02020603050405020304" pitchFamily="18" charset="0"/>
+                <a:cs typeface="Times New Roman" panose="02020603050405020304" pitchFamily="18" charset="0"/>
+              </a:rPr>
+              <a:t> </a:t>
+            </a:r>
+            <a:r>
+              <a:rPr lang="en-US" sz="3500" b="1" dirty="0" err="1" smtClean="0">
+                <a:solidFill>
+                  <a:schemeClr val="bg1"/>
+                </a:solidFill>
+                <a:latin typeface="Times New Roman" panose="02020603050405020304" pitchFamily="18" charset="0"/>
+                <a:cs typeface="Times New Roman" panose="02020603050405020304" pitchFamily="18" charset="0"/>
+              </a:rPr>
+              <a:t>Luận</a:t>
+            </a:r>
+            <a:r>
+              <a:rPr lang="en-US" sz="3500" b="1" dirty="0" smtClean="0">
+                <a:solidFill>
+                  <a:schemeClr val="bg1"/>
+                </a:solidFill>
+                <a:latin typeface="Times New Roman" panose="02020603050405020304" pitchFamily="18" charset="0"/>
+                <a:cs typeface="Times New Roman" panose="02020603050405020304" pitchFamily="18" charset="0"/>
+              </a:rPr>
+              <a:t> </a:t>
+            </a:r>
+            <a:r>
+              <a:rPr lang="en-US" sz="3500" b="1" dirty="0" err="1" smtClean="0">
+                <a:solidFill>
+                  <a:schemeClr val="bg1"/>
+                </a:solidFill>
+                <a:latin typeface="Times New Roman" panose="02020603050405020304" pitchFamily="18" charset="0"/>
+                <a:cs typeface="Times New Roman" panose="02020603050405020304" pitchFamily="18" charset="0"/>
+              </a:rPr>
+              <a:t>Và</a:t>
+            </a:r>
+            <a:r>
+              <a:rPr lang="en-US" sz="3500" b="1" dirty="0" smtClean="0">
+                <a:solidFill>
+                  <a:schemeClr val="bg1"/>
+                </a:solidFill>
+                <a:latin typeface="Times New Roman" panose="02020603050405020304" pitchFamily="18" charset="0"/>
+                <a:cs typeface="Times New Roman" panose="02020603050405020304" pitchFamily="18" charset="0"/>
+              </a:rPr>
+              <a:t> </a:t>
+            </a:r>
+            <a:r>
+              <a:rPr lang="en-US" sz="3500" b="1" dirty="0" err="1" smtClean="0">
+                <a:solidFill>
+                  <a:schemeClr val="bg1"/>
+                </a:solidFill>
+                <a:latin typeface="Times New Roman" panose="02020603050405020304" pitchFamily="18" charset="0"/>
+                <a:cs typeface="Times New Roman" panose="02020603050405020304" pitchFamily="18" charset="0"/>
+              </a:rPr>
+              <a:t>Hướng</a:t>
+            </a:r>
+            <a:r>
+              <a:rPr lang="en-US" sz="3500" b="1" dirty="0" smtClean="0">
+                <a:solidFill>
+                  <a:schemeClr val="bg1"/>
+                </a:solidFill>
+                <a:latin typeface="Times New Roman" panose="02020603050405020304" pitchFamily="18" charset="0"/>
+                <a:cs typeface="Times New Roman" panose="02020603050405020304" pitchFamily="18" charset="0"/>
+              </a:rPr>
+              <a:t> </a:t>
+            </a:r>
+            <a:r>
+              <a:rPr lang="en-US" sz="3500" b="1" dirty="0" err="1" smtClean="0">
+                <a:solidFill>
+                  <a:schemeClr val="bg1"/>
+                </a:solidFill>
+                <a:latin typeface="Times New Roman" panose="02020603050405020304" pitchFamily="18" charset="0"/>
+                <a:cs typeface="Times New Roman" panose="02020603050405020304" pitchFamily="18" charset="0"/>
+              </a:rPr>
+              <a:t>Phát</a:t>
+            </a:r>
+            <a:r>
+              <a:rPr lang="en-US" sz="3500" b="1" dirty="0" smtClean="0">
+                <a:solidFill>
+                  <a:schemeClr val="bg1"/>
+                </a:solidFill>
+                <a:latin typeface="Times New Roman" panose="02020603050405020304" pitchFamily="18" charset="0"/>
+                <a:cs typeface="Times New Roman" panose="02020603050405020304" pitchFamily="18" charset="0"/>
+              </a:rPr>
+              <a:t> </a:t>
+            </a:r>
+            <a:r>
+              <a:rPr lang="en-US" sz="3500" b="1" dirty="0" err="1" smtClean="0">
+                <a:solidFill>
+                  <a:schemeClr val="bg1"/>
+                </a:solidFill>
+                <a:latin typeface="Times New Roman" panose="02020603050405020304" pitchFamily="18" charset="0"/>
+                <a:cs typeface="Times New Roman" panose="02020603050405020304" pitchFamily="18" charset="0"/>
+              </a:rPr>
+              <a:t>Triển</a:t>
+            </a:r>
+            <a:endParaRPr lang="en-US" sz="3500" b="1" dirty="0">
+              <a:solidFill>
+                <a:schemeClr val="bg1"/>
+              </a:solidFill>
+              <a:latin typeface="Times New Roman" panose="02020603050405020304" pitchFamily="18" charset="0"/>
+              <a:cs typeface="Times New Roman" panose="02020603050405020304" pitchFamily="18" charset="0"/>
+            </a:endParaRPr>
+          </a:p>
+        </p:txBody>
+      </p:sp>
     </p:spTree>
   </p:cSld>
   <p:clrMapOvr>
@@ -26225,7 +27598,7 @@
 </p:sld>
 </file>
 
-<file path=ppt/slides/slide13.xml><?xml version="1.0" encoding="utf-8"?>
+<file path=ppt/slides/slide14.xml><?xml version="1.0" encoding="utf-8"?>
 <p:sld xmlns:a="http://schemas.openxmlformats.org/drawingml/2006/main" xmlns:r="http://schemas.openxmlformats.org/officeDocument/2006/relationships" xmlns:p="http://schemas.openxmlformats.org/presentationml/2006/main">
   <p:cSld>
     <p:bg>
@@ -26251,123 +27624,6 @@
           <a:chExt cx="0" cy="0"/>
         </a:xfrm>
       </p:grpSpPr>
-      <p:sp>
-        <p:nvSpPr>
-          <p:cNvPr id="2" name="Title 1"/>
-          <p:cNvSpPr>
-            <a:spLocks noGrp="1"/>
-          </p:cNvSpPr>
-          <p:nvPr>
-            <p:ph type="title"/>
-          </p:nvPr>
-        </p:nvSpPr>
-        <p:spPr>
-          <a:xfrm>
-            <a:off x="304800" y="-76200"/>
-            <a:ext cx="8229600" cy="813179"/>
-          </a:xfrm>
-        </p:spPr>
-        <p:txBody>
-          <a:bodyPr>
-            <a:normAutofit/>
-          </a:bodyPr>
-          <a:lstStyle/>
-          <a:p>
-            <a:r>
-              <a:rPr lang="en-US" dirty="0" smtClean="0"/>
-              <a:t>    </a:t>
-            </a:r>
-            <a:r>
-              <a:rPr lang="en-US" sz="4000" dirty="0" smtClean="0">
-                <a:latin typeface="Times New Roman" panose="02020603050405020304" pitchFamily="18" charset="0"/>
-                <a:cs typeface="Times New Roman" panose="02020603050405020304" pitchFamily="18" charset="0"/>
-              </a:rPr>
-              <a:t>4. </a:t>
-            </a:r>
-            <a:r>
-              <a:rPr lang="en-US" sz="4000" dirty="0" err="1" smtClean="0">
-                <a:latin typeface="Times New Roman" panose="02020603050405020304" pitchFamily="18" charset="0"/>
-                <a:cs typeface="Times New Roman" panose="02020603050405020304" pitchFamily="18" charset="0"/>
-              </a:rPr>
-              <a:t>Kết</a:t>
-            </a:r>
-            <a:r>
-              <a:rPr lang="en-US" sz="4000" dirty="0" smtClean="0">
-                <a:latin typeface="Times New Roman" panose="02020603050405020304" pitchFamily="18" charset="0"/>
-                <a:cs typeface="Times New Roman" panose="02020603050405020304" pitchFamily="18" charset="0"/>
-              </a:rPr>
-              <a:t> </a:t>
-            </a:r>
-            <a:r>
-              <a:rPr lang="en-US" sz="4000" dirty="0" err="1" smtClean="0">
-                <a:latin typeface="Times New Roman" panose="02020603050405020304" pitchFamily="18" charset="0"/>
-                <a:cs typeface="Times New Roman" panose="02020603050405020304" pitchFamily="18" charset="0"/>
-              </a:rPr>
-              <a:t>luận</a:t>
-            </a:r>
-            <a:r>
-              <a:rPr lang="en-US" sz="4000" dirty="0" smtClean="0">
-                <a:latin typeface="Times New Roman" panose="02020603050405020304" pitchFamily="18" charset="0"/>
-                <a:cs typeface="Times New Roman" panose="02020603050405020304" pitchFamily="18" charset="0"/>
-              </a:rPr>
-              <a:t> </a:t>
-            </a:r>
-            <a:r>
-              <a:rPr lang="en-US" sz="4000" dirty="0" err="1">
-                <a:latin typeface="Times New Roman" panose="02020603050405020304" pitchFamily="18" charset="0"/>
-                <a:cs typeface="Times New Roman" panose="02020603050405020304" pitchFamily="18" charset="0"/>
-              </a:rPr>
-              <a:t>và</a:t>
-            </a:r>
-            <a:r>
-              <a:rPr lang="en-US" sz="4000" dirty="0">
-                <a:latin typeface="Times New Roman" panose="02020603050405020304" pitchFamily="18" charset="0"/>
-                <a:cs typeface="Times New Roman" panose="02020603050405020304" pitchFamily="18" charset="0"/>
-              </a:rPr>
-              <a:t> </a:t>
-            </a:r>
-            <a:r>
-              <a:rPr lang="en-US" sz="4000" dirty="0" err="1">
-                <a:latin typeface="Times New Roman" panose="02020603050405020304" pitchFamily="18" charset="0"/>
-                <a:cs typeface="Times New Roman" panose="02020603050405020304" pitchFamily="18" charset="0"/>
-              </a:rPr>
-              <a:t>hướng</a:t>
-            </a:r>
-            <a:r>
-              <a:rPr lang="en-US" sz="4000" dirty="0">
-                <a:latin typeface="Times New Roman" panose="02020603050405020304" pitchFamily="18" charset="0"/>
-                <a:cs typeface="Times New Roman" panose="02020603050405020304" pitchFamily="18" charset="0"/>
-              </a:rPr>
-              <a:t> </a:t>
-            </a:r>
-            <a:r>
-              <a:rPr lang="en-US" sz="4000" dirty="0" err="1">
-                <a:latin typeface="Times New Roman" panose="02020603050405020304" pitchFamily="18" charset="0"/>
-                <a:cs typeface="Times New Roman" panose="02020603050405020304" pitchFamily="18" charset="0"/>
-              </a:rPr>
-              <a:t>phát</a:t>
-            </a:r>
-            <a:r>
-              <a:rPr lang="en-US" sz="4000" dirty="0">
-                <a:latin typeface="Times New Roman" panose="02020603050405020304" pitchFamily="18" charset="0"/>
-                <a:cs typeface="Times New Roman" panose="02020603050405020304" pitchFamily="18" charset="0"/>
-              </a:rPr>
-              <a:t> </a:t>
-            </a:r>
-            <a:r>
-              <a:rPr lang="en-US" sz="4000" dirty="0" err="1">
-                <a:latin typeface="Times New Roman" panose="02020603050405020304" pitchFamily="18" charset="0"/>
-                <a:cs typeface="Times New Roman" panose="02020603050405020304" pitchFamily="18" charset="0"/>
-              </a:rPr>
-              <a:t>triển</a:t>
-            </a:r>
-            <a:endParaRPr lang="en-US" sz="4000" dirty="0">
-              <a:latin typeface="Times New Roman" panose="02020603050405020304" pitchFamily="18" charset="0"/>
-              <a:cs typeface="Times New Roman" panose="02020603050405020304" pitchFamily="18" charset="0"/>
-            </a:endParaRPr>
-          </a:p>
-        </p:txBody>
-      </p:sp>
       <p:sp>
         <p:nvSpPr>
           <p:cNvPr id="4" name="Content Placeholder 3"/>
@@ -26545,7 +27801,7 @@
           <p:nvPr>
             <p:extLst>
               <p:ext uri="{D42A27DB-BD31-4B8C-83A1-F6EECF244321}">
-                <p14:modId xmlns:p14="http://schemas.microsoft.com/office/powerpoint/2010/main" val="3538163647"/>
+                <p14:modId xmlns:p14="http://schemas.microsoft.com/office/powerpoint/2010/main" val="1886212965"/>
               </p:ext>
             </p:extLst>
           </p:nvPr>
@@ -26669,6 +27925,314 @@
           </a:p>
         </p:txBody>
       </p:sp>
+      <p:sp>
+        <p:nvSpPr>
+          <p:cNvPr id="8" name="Slide Number Placeholder 7"/>
+          <p:cNvSpPr>
+            <a:spLocks noGrp="1"/>
+          </p:cNvSpPr>
+          <p:nvPr>
+            <p:ph type="sldNum" sz="quarter" idx="12"/>
+          </p:nvPr>
+        </p:nvSpPr>
+        <p:spPr/>
+        <p:txBody>
+          <a:bodyPr/>
+          <a:lstStyle/>
+          <a:p>
+            <a:fld id="{B6F15528-21DE-4FAA-801E-634DDDAF4B2B}" type="slidenum">
+              <a:rPr lang="en-US" smtClean="0"/>
+              <a:pPr/>
+              <a:t>14</a:t>
+            </a:fld>
+            <a:endParaRPr lang="en-US"/>
+          </a:p>
+        </p:txBody>
+      </p:sp>
+      <p:sp>
+        <p:nvSpPr>
+          <p:cNvPr id="7" name="Rectangle 6"/>
+          <p:cNvSpPr/>
+          <p:nvPr/>
+        </p:nvSpPr>
+        <p:spPr>
+          <a:xfrm>
+            <a:off x="1016000" y="6781800"/>
+            <a:ext cx="8128000" cy="76200"/>
+          </a:xfrm>
+          <a:prstGeom prst="rect">
+            <a:avLst/>
+          </a:prstGeom>
+          <a:gradFill>
+            <a:gsLst>
+              <a:gs pos="0">
+                <a:schemeClr val="accent2"/>
+              </a:gs>
+              <a:gs pos="52000">
+                <a:schemeClr val="accent1">
+                  <a:lumMod val="45000"/>
+                  <a:lumOff val="55000"/>
+                </a:schemeClr>
+              </a:gs>
+              <a:gs pos="98000">
+                <a:srgbClr val="FFC000"/>
+              </a:gs>
+            </a:gsLst>
+            <a:lin ang="0" scaled="0"/>
+          </a:gradFill>
+          <a:ln>
+            <a:noFill/>
+          </a:ln>
+        </p:spPr>
+        <p:style>
+          <a:lnRef idx="2">
+            <a:schemeClr val="accent1">
+              <a:shade val="50000"/>
+            </a:schemeClr>
+          </a:lnRef>
+          <a:fillRef idx="1">
+            <a:schemeClr val="accent1"/>
+          </a:fillRef>
+          <a:effectRef idx="0">
+            <a:schemeClr val="accent1"/>
+          </a:effectRef>
+          <a:fontRef idx="minor">
+            <a:schemeClr val="lt1"/>
+          </a:fontRef>
+        </p:style>
+        <p:txBody>
+          <a:bodyPr rtlCol="0" anchor="ctr"/>
+          <a:lstStyle/>
+          <a:p>
+            <a:pPr algn="ctr"/>
+            <a:endParaRPr lang="en-US"/>
+          </a:p>
+        </p:txBody>
+      </p:sp>
+      <p:sp>
+        <p:nvSpPr>
+          <p:cNvPr id="9" name="Rectangle 8"/>
+          <p:cNvSpPr/>
+          <p:nvPr/>
+        </p:nvSpPr>
+        <p:spPr>
+          <a:xfrm>
+            <a:off x="1016000" y="0"/>
+            <a:ext cx="8128000" cy="692696"/>
+          </a:xfrm>
+          <a:prstGeom prst="rect">
+            <a:avLst/>
+          </a:prstGeom>
+          <a:solidFill>
+            <a:schemeClr val="accent2"/>
+          </a:solidFill>
+          <a:ln>
+            <a:noFill/>
+          </a:ln>
+        </p:spPr>
+        <p:style>
+          <a:lnRef idx="2">
+            <a:schemeClr val="accent1">
+              <a:shade val="50000"/>
+            </a:schemeClr>
+          </a:lnRef>
+          <a:fillRef idx="1">
+            <a:schemeClr val="accent1"/>
+          </a:fillRef>
+          <a:effectRef idx="0">
+            <a:schemeClr val="accent1"/>
+          </a:effectRef>
+          <a:fontRef idx="minor">
+            <a:schemeClr val="lt1"/>
+          </a:fontRef>
+        </p:style>
+        <p:txBody>
+          <a:bodyPr rtlCol="0" anchor="ctr"/>
+          <a:lstStyle/>
+          <a:p>
+            <a:pPr algn="ctr"/>
+            <a:endParaRPr lang="en-US"/>
+          </a:p>
+        </p:txBody>
+      </p:sp>
+      <p:sp>
+        <p:nvSpPr>
+          <p:cNvPr id="10" name="Title 1"/>
+          <p:cNvSpPr txBox="1">
+            <a:spLocks/>
+          </p:cNvSpPr>
+          <p:nvPr/>
+        </p:nvSpPr>
+        <p:spPr>
+          <a:xfrm>
+            <a:off x="381000" y="-171400"/>
+            <a:ext cx="8229600" cy="914400"/>
+          </a:xfrm>
+          <a:prstGeom prst="rect">
+            <a:avLst/>
+          </a:prstGeom>
+        </p:spPr>
+        <p:txBody>
+          <a:bodyPr anchor="ctr">
+            <a:normAutofit/>
+          </a:bodyPr>
+          <a:lstStyle>
+            <a:lvl1pPr algn="l" rtl="0" eaLnBrk="1" latinLnBrk="0" hangingPunct="1">
+              <a:spcBef>
+                <a:spcPct val="0"/>
+              </a:spcBef>
+              <a:buNone/>
+              <a:defRPr kumimoji="0" sz="4300" kern="1200">
+                <a:solidFill>
+                  <a:schemeClr val="tx2">
+                    <a:satMod val="130000"/>
+                  </a:schemeClr>
+                </a:solidFill>
+                <a:effectLst>
+                  <a:outerShdw blurRad="50000" dist="30000" dir="5400000" algn="tl" rotWithShape="0">
+                    <a:srgbClr val="000000">
+                      <a:alpha val="30000"/>
+                    </a:srgbClr>
+                  </a:outerShdw>
+                </a:effectLst>
+                <a:latin typeface="+mj-lt"/>
+                <a:ea typeface="+mj-ea"/>
+                <a:cs typeface="+mj-cs"/>
+              </a:defRPr>
+            </a:lvl1pPr>
+            <a:extLst/>
+          </a:lstStyle>
+          <a:p>
+            <a:r>
+              <a:rPr lang="en-US" sz="3500" b="1" dirty="0" smtClean="0">
+                <a:solidFill>
+                  <a:schemeClr val="bg1"/>
+                </a:solidFill>
+                <a:latin typeface="Times New Roman" panose="02020603050405020304" pitchFamily="18" charset="0"/>
+                <a:cs typeface="Times New Roman" panose="02020603050405020304" pitchFamily="18" charset="0"/>
+              </a:rPr>
+              <a:t>       4. </a:t>
+            </a:r>
+            <a:r>
+              <a:rPr lang="en-US" sz="3500" b="1" dirty="0" err="1" smtClean="0">
+                <a:solidFill>
+                  <a:schemeClr val="bg1"/>
+                </a:solidFill>
+                <a:latin typeface="Times New Roman" panose="02020603050405020304" pitchFamily="18" charset="0"/>
+                <a:cs typeface="Times New Roman" panose="02020603050405020304" pitchFamily="18" charset="0"/>
+              </a:rPr>
+              <a:t>Kết</a:t>
+            </a:r>
+            <a:r>
+              <a:rPr lang="en-US" sz="3500" b="1" dirty="0" smtClean="0">
+                <a:solidFill>
+                  <a:schemeClr val="bg1"/>
+                </a:solidFill>
+                <a:latin typeface="Times New Roman" panose="02020603050405020304" pitchFamily="18" charset="0"/>
+                <a:cs typeface="Times New Roman" panose="02020603050405020304" pitchFamily="18" charset="0"/>
+              </a:rPr>
+              <a:t> </a:t>
+            </a:r>
+            <a:r>
+              <a:rPr lang="en-US" sz="3500" b="1" dirty="0" err="1" smtClean="0">
+                <a:solidFill>
+                  <a:schemeClr val="bg1"/>
+                </a:solidFill>
+                <a:latin typeface="Times New Roman" panose="02020603050405020304" pitchFamily="18" charset="0"/>
+                <a:cs typeface="Times New Roman" panose="02020603050405020304" pitchFamily="18" charset="0"/>
+              </a:rPr>
+              <a:t>Luận</a:t>
+            </a:r>
+            <a:r>
+              <a:rPr lang="en-US" sz="3500" b="1" dirty="0" smtClean="0">
+                <a:solidFill>
+                  <a:schemeClr val="bg1"/>
+                </a:solidFill>
+                <a:latin typeface="Times New Roman" panose="02020603050405020304" pitchFamily="18" charset="0"/>
+                <a:cs typeface="Times New Roman" panose="02020603050405020304" pitchFamily="18" charset="0"/>
+              </a:rPr>
+              <a:t> </a:t>
+            </a:r>
+            <a:r>
+              <a:rPr lang="en-US" sz="3500" b="1" dirty="0" err="1" smtClean="0">
+                <a:solidFill>
+                  <a:schemeClr val="bg1"/>
+                </a:solidFill>
+                <a:latin typeface="Times New Roman" panose="02020603050405020304" pitchFamily="18" charset="0"/>
+                <a:cs typeface="Times New Roman" panose="02020603050405020304" pitchFamily="18" charset="0"/>
+              </a:rPr>
+              <a:t>Và</a:t>
+            </a:r>
+            <a:r>
+              <a:rPr lang="en-US" sz="3500" b="1" dirty="0" smtClean="0">
+                <a:solidFill>
+                  <a:schemeClr val="bg1"/>
+                </a:solidFill>
+                <a:latin typeface="Times New Roman" panose="02020603050405020304" pitchFamily="18" charset="0"/>
+                <a:cs typeface="Times New Roman" panose="02020603050405020304" pitchFamily="18" charset="0"/>
+              </a:rPr>
+              <a:t> </a:t>
+            </a:r>
+            <a:r>
+              <a:rPr lang="en-US" sz="3500" b="1" dirty="0" err="1" smtClean="0">
+                <a:solidFill>
+                  <a:schemeClr val="bg1"/>
+                </a:solidFill>
+                <a:latin typeface="Times New Roman" panose="02020603050405020304" pitchFamily="18" charset="0"/>
+                <a:cs typeface="Times New Roman" panose="02020603050405020304" pitchFamily="18" charset="0"/>
+              </a:rPr>
+              <a:t>Hướng</a:t>
+            </a:r>
+            <a:r>
+              <a:rPr lang="en-US" sz="3500" b="1" dirty="0" smtClean="0">
+                <a:solidFill>
+                  <a:schemeClr val="bg1"/>
+                </a:solidFill>
+                <a:latin typeface="Times New Roman" panose="02020603050405020304" pitchFamily="18" charset="0"/>
+                <a:cs typeface="Times New Roman" panose="02020603050405020304" pitchFamily="18" charset="0"/>
+              </a:rPr>
+              <a:t> </a:t>
+            </a:r>
+            <a:r>
+              <a:rPr lang="en-US" sz="3500" b="1" dirty="0" err="1" smtClean="0">
+                <a:solidFill>
+                  <a:schemeClr val="bg1"/>
+                </a:solidFill>
+                <a:latin typeface="Times New Roman" panose="02020603050405020304" pitchFamily="18" charset="0"/>
+                <a:cs typeface="Times New Roman" panose="02020603050405020304" pitchFamily="18" charset="0"/>
+              </a:rPr>
+              <a:t>Phát</a:t>
+            </a:r>
+            <a:r>
+              <a:rPr lang="en-US" sz="3500" b="1" dirty="0" smtClean="0">
+                <a:solidFill>
+                  <a:schemeClr val="bg1"/>
+                </a:solidFill>
+                <a:latin typeface="Times New Roman" panose="02020603050405020304" pitchFamily="18" charset="0"/>
+                <a:cs typeface="Times New Roman" panose="02020603050405020304" pitchFamily="18" charset="0"/>
+              </a:rPr>
+              <a:t> </a:t>
+            </a:r>
+            <a:r>
+              <a:rPr lang="en-US" sz="3500" b="1" dirty="0" err="1" smtClean="0">
+                <a:solidFill>
+                  <a:schemeClr val="bg1"/>
+                </a:solidFill>
+                <a:latin typeface="Times New Roman" panose="02020603050405020304" pitchFamily="18" charset="0"/>
+                <a:cs typeface="Times New Roman" panose="02020603050405020304" pitchFamily="18" charset="0"/>
+              </a:rPr>
+              <a:t>Triển</a:t>
+            </a:r>
+            <a:endParaRPr lang="en-US" sz="3500" b="1" dirty="0">
+              <a:solidFill>
+                <a:schemeClr val="bg1"/>
+              </a:solidFill>
+              <a:latin typeface="Times New Roman" panose="02020603050405020304" pitchFamily="18" charset="0"/>
+              <a:cs typeface="Times New Roman" panose="02020603050405020304" pitchFamily="18" charset="0"/>
+            </a:endParaRPr>
+          </a:p>
+        </p:txBody>
+      </p:sp>
     </p:spTree>
   </p:cSld>
   <p:clrMapOvr>
@@ -26684,7 +28248,7 @@
 </p:sld>
 </file>
 
-<file path=ppt/slides/slide14.xml><?xml version="1.0" encoding="utf-8"?>
+<file path=ppt/slides/slide15.xml><?xml version="1.0" encoding="utf-8"?>
 <p:sld xmlns:a="http://schemas.openxmlformats.org/drawingml/2006/main" xmlns:r="http://schemas.openxmlformats.org/officeDocument/2006/relationships" xmlns:p="http://schemas.openxmlformats.org/presentationml/2006/main">
   <p:cSld>
     <p:bg>
@@ -26761,6 +28325,90 @@
               <a:latin typeface="Times New Roman" panose="02020603050405020304" pitchFamily="18" charset="0"/>
               <a:cs typeface="Times New Roman" panose="02020603050405020304" pitchFamily="18" charset="0"/>
             </a:endParaRPr>
+          </a:p>
+        </p:txBody>
+      </p:sp>
+      <p:sp>
+        <p:nvSpPr>
+          <p:cNvPr id="5" name="Slide Number Placeholder 4"/>
+          <p:cNvSpPr>
+            <a:spLocks noGrp="1"/>
+          </p:cNvSpPr>
+          <p:nvPr>
+            <p:ph type="sldNum" sz="quarter" idx="12"/>
+          </p:nvPr>
+        </p:nvSpPr>
+        <p:spPr/>
+        <p:txBody>
+          <a:bodyPr/>
+          <a:lstStyle/>
+          <a:p>
+            <a:fld id="{B6F15528-21DE-4FAA-801E-634DDDAF4B2B}" type="slidenum">
+              <a:rPr lang="en-US" smtClean="0"/>
+              <a:pPr/>
+              <a:t>15</a:t>
+            </a:fld>
+            <a:endParaRPr lang="en-US"/>
+          </a:p>
+        </p:txBody>
+      </p:sp>
+      <p:sp>
+        <p:nvSpPr>
+          <p:cNvPr id="6" name="Rectangle 5"/>
+          <p:cNvSpPr/>
+          <p:nvPr/>
+        </p:nvSpPr>
+        <p:spPr>
+          <a:xfrm>
+            <a:off x="1016000" y="6781800"/>
+            <a:ext cx="8128000" cy="76200"/>
+          </a:xfrm>
+          <a:prstGeom prst="rect">
+            <a:avLst/>
+          </a:prstGeom>
+          <a:gradFill>
+            <a:gsLst>
+              <a:gs pos="0">
+                <a:schemeClr val="accent2"/>
+              </a:gs>
+              <a:gs pos="52000">
+                <a:schemeClr val="accent1">
+                  <a:lumMod val="45000"/>
+                  <a:lumOff val="55000"/>
+                </a:schemeClr>
+              </a:gs>
+              <a:gs pos="98000">
+                <a:srgbClr val="FFC000"/>
+              </a:gs>
+            </a:gsLst>
+            <a:lin ang="0" scaled="0"/>
+          </a:gradFill>
+          <a:ln>
+            <a:noFill/>
+          </a:ln>
+        </p:spPr>
+        <p:style>
+          <a:lnRef idx="2">
+            <a:schemeClr val="accent1">
+              <a:shade val="50000"/>
+            </a:schemeClr>
+          </a:lnRef>
+          <a:fillRef idx="1">
+            <a:schemeClr val="accent1"/>
+          </a:fillRef>
+          <a:effectRef idx="0">
+            <a:schemeClr val="accent1"/>
+          </a:effectRef>
+          <a:fontRef idx="minor">
+            <a:schemeClr val="lt1"/>
+          </a:fontRef>
+        </p:style>
+        <p:txBody>
+          <a:bodyPr rtlCol="0" anchor="ctr"/>
+          <a:lstStyle/>
+          <a:p>
+            <a:pPr algn="ctr"/>
+            <a:endParaRPr lang="en-US"/>
           </a:p>
         </p:txBody>
       </p:sp>
@@ -27297,6 +28945,30 @@
           </a:p>
         </p:txBody>
       </p:sp>
+      <p:sp>
+        <p:nvSpPr>
+          <p:cNvPr id="9" name="Slide Number Placeholder 8"/>
+          <p:cNvSpPr>
+            <a:spLocks noGrp="1"/>
+          </p:cNvSpPr>
+          <p:nvPr>
+            <p:ph type="sldNum" sz="quarter" idx="12"/>
+          </p:nvPr>
+        </p:nvSpPr>
+        <p:spPr/>
+        <p:txBody>
+          <a:bodyPr/>
+          <a:lstStyle/>
+          <a:p>
+            <a:fld id="{B6F15528-21DE-4FAA-801E-634DDDAF4B2B}" type="slidenum">
+              <a:rPr lang="en-US" smtClean="0"/>
+              <a:pPr/>
+              <a:t>2</a:t>
+            </a:fld>
+            <a:endParaRPr lang="en-US"/>
+          </a:p>
+        </p:txBody>
+      </p:sp>
     </p:spTree>
   </p:cSld>
   <p:clrMapOvr>
@@ -27340,6 +29012,52 @@
       </p:grpSpPr>
       <p:sp>
         <p:nvSpPr>
+          <p:cNvPr id="8" name="Rectangle 7"/>
+          <p:cNvSpPr/>
+          <p:nvPr/>
+        </p:nvSpPr>
+        <p:spPr>
+          <a:xfrm>
+            <a:off x="1016000" y="0"/>
+            <a:ext cx="8128000" cy="692696"/>
+          </a:xfrm>
+          <a:prstGeom prst="rect">
+            <a:avLst/>
+          </a:prstGeom>
+          <a:solidFill>
+            <a:schemeClr val="accent2"/>
+          </a:solidFill>
+          <a:ln>
+            <a:noFill/>
+          </a:ln>
+        </p:spPr>
+        <p:style>
+          <a:lnRef idx="2">
+            <a:schemeClr val="accent1">
+              <a:shade val="50000"/>
+            </a:schemeClr>
+          </a:lnRef>
+          <a:fillRef idx="1">
+            <a:schemeClr val="accent1"/>
+          </a:fillRef>
+          <a:effectRef idx="0">
+            <a:schemeClr val="accent1"/>
+          </a:effectRef>
+          <a:fontRef idx="minor">
+            <a:schemeClr val="lt1"/>
+          </a:fontRef>
+        </p:style>
+        <p:txBody>
+          <a:bodyPr rtlCol="0" anchor="ctr"/>
+          <a:lstStyle/>
+          <a:p>
+            <a:pPr algn="ctr"/>
+            <a:endParaRPr lang="en-US"/>
+          </a:p>
+        </p:txBody>
+      </p:sp>
+      <p:sp>
+        <p:nvSpPr>
           <p:cNvPr id="2" name="Title 1"/>
           <p:cNvSpPr>
             <a:spLocks noGrp="1"/>
@@ -27350,7 +29068,7 @@
         </p:nvSpPr>
         <p:spPr>
           <a:xfrm>
-            <a:off x="381000" y="0"/>
+            <a:off x="381000" y="-171400"/>
             <a:ext cx="8229600" cy="914400"/>
           </a:xfrm>
         </p:spPr>
@@ -27361,13 +29079,19 @@
           <a:lstStyle/>
           <a:p>
             <a:r>
-              <a:rPr lang="en-US" dirty="0" smtClean="0">
+              <a:rPr lang="en-US" sz="3500" b="1" dirty="0" smtClean="0">
+                <a:solidFill>
+                  <a:schemeClr val="bg1"/>
+                </a:solidFill>
                 <a:latin typeface="Times New Roman" panose="02020603050405020304" pitchFamily="18" charset="0"/>
                 <a:cs typeface="Times New Roman" panose="02020603050405020304" pitchFamily="18" charset="0"/>
               </a:rPr>
-              <a:t>    1. Giới Thiệu Đề Tài</a:t>
-            </a:r>
-            <a:endParaRPr lang="en-US" dirty="0">
+              <a:t>       1. Giới Thiệu Đề Tài</a:t>
+            </a:r>
+            <a:endParaRPr lang="en-US" sz="3500" b="1" dirty="0">
+              <a:solidFill>
+                <a:schemeClr val="bg1"/>
+              </a:solidFill>
               <a:latin typeface="Times New Roman" panose="02020603050405020304" pitchFamily="18" charset="0"/>
               <a:cs typeface="Times New Roman" panose="02020603050405020304" pitchFamily="18" charset="0"/>
             </a:endParaRPr>
@@ -27384,7 +29108,7 @@
             <p:ph idx="1"/>
             <p:extLst>
               <p:ext uri="{D42A27DB-BD31-4B8C-83A1-F6EECF244321}">
-                <p14:modId xmlns:p14="http://schemas.microsoft.com/office/powerpoint/2010/main" val="1819827868"/>
+                <p14:modId xmlns:p14="http://schemas.microsoft.com/office/powerpoint/2010/main" val="2266725081"/>
               </p:ext>
             </p:extLst>
           </p:nvPr>
@@ -27399,6 +29123,90 @@
           </a:graphicData>
         </a:graphic>
       </p:graphicFrame>
+      <p:sp>
+        <p:nvSpPr>
+          <p:cNvPr id="6" name="Slide Number Placeholder 5"/>
+          <p:cNvSpPr>
+            <a:spLocks noGrp="1"/>
+          </p:cNvSpPr>
+          <p:nvPr>
+            <p:ph type="sldNum" sz="quarter" idx="12"/>
+          </p:nvPr>
+        </p:nvSpPr>
+        <p:spPr/>
+        <p:txBody>
+          <a:bodyPr/>
+          <a:lstStyle/>
+          <a:p>
+            <a:fld id="{B6F15528-21DE-4FAA-801E-634DDDAF4B2B}" type="slidenum">
+              <a:rPr lang="en-US" smtClean="0"/>
+              <a:pPr/>
+              <a:t>3</a:t>
+            </a:fld>
+            <a:endParaRPr lang="en-US"/>
+          </a:p>
+        </p:txBody>
+      </p:sp>
+      <p:sp>
+        <p:nvSpPr>
+          <p:cNvPr id="7" name="Rectangle 6"/>
+          <p:cNvSpPr/>
+          <p:nvPr/>
+        </p:nvSpPr>
+        <p:spPr>
+          <a:xfrm>
+            <a:off x="1016000" y="6781800"/>
+            <a:ext cx="8128000" cy="76200"/>
+          </a:xfrm>
+          <a:prstGeom prst="rect">
+            <a:avLst/>
+          </a:prstGeom>
+          <a:gradFill>
+            <a:gsLst>
+              <a:gs pos="0">
+                <a:schemeClr val="accent2"/>
+              </a:gs>
+              <a:gs pos="52000">
+                <a:schemeClr val="accent1">
+                  <a:lumMod val="45000"/>
+                  <a:lumOff val="55000"/>
+                </a:schemeClr>
+              </a:gs>
+              <a:gs pos="98000">
+                <a:srgbClr val="FFC000"/>
+              </a:gs>
+            </a:gsLst>
+            <a:lin ang="0" scaled="0"/>
+          </a:gradFill>
+          <a:ln>
+            <a:noFill/>
+          </a:ln>
+        </p:spPr>
+        <p:style>
+          <a:lnRef idx="2">
+            <a:schemeClr val="accent1">
+              <a:shade val="50000"/>
+            </a:schemeClr>
+          </a:lnRef>
+          <a:fillRef idx="1">
+            <a:schemeClr val="accent1"/>
+          </a:fillRef>
+          <a:effectRef idx="0">
+            <a:schemeClr val="accent1"/>
+          </a:effectRef>
+          <a:fontRef idx="minor">
+            <a:schemeClr val="lt1"/>
+          </a:fontRef>
+        </p:style>
+        <p:txBody>
+          <a:bodyPr rtlCol="0" anchor="ctr"/>
+          <a:lstStyle/>
+          <a:p>
+            <a:pPr algn="ctr"/>
+            <a:endParaRPr lang="en-US"/>
+          </a:p>
+        </p:txBody>
+      </p:sp>
     </p:spTree>
   </p:cSld>
   <p:clrMapOvr>
@@ -27440,158 +29248,6 @@
           <a:chExt cx="0" cy="0"/>
         </a:xfrm>
       </p:grpSpPr>
-      <p:sp>
-        <p:nvSpPr>
-          <p:cNvPr id="2" name="Title 1"/>
-          <p:cNvSpPr>
-            <a:spLocks noGrp="1"/>
-          </p:cNvSpPr>
-          <p:nvPr>
-            <p:ph type="title"/>
-          </p:nvPr>
-        </p:nvSpPr>
-        <p:spPr>
-          <a:xfrm>
-            <a:off x="609600" y="-19594"/>
-            <a:ext cx="8763000" cy="914400"/>
-          </a:xfrm>
-        </p:spPr>
-        <p:txBody>
-          <a:bodyPr>
-            <a:normAutofit/>
-          </a:bodyPr>
-          <a:lstStyle/>
-          <a:p>
-            <a:r>
-              <a:rPr lang="en-US" sz="4000" dirty="0" smtClean="0">
-                <a:solidFill>
-                  <a:schemeClr val="tx2">
-                    <a:lumMod val="50000"/>
-                  </a:schemeClr>
-                </a:solidFill>
-                <a:latin typeface="Times New Roman" pitchFamily="18" charset="0"/>
-                <a:cs typeface="Times New Roman" pitchFamily="18" charset="0"/>
-              </a:rPr>
-              <a:t>   2 .</a:t>
-            </a:r>
-            <a:r>
-              <a:rPr lang="en-US" sz="4000" dirty="0" err="1" smtClean="0">
-                <a:solidFill>
-                  <a:schemeClr val="tx2">
-                    <a:lumMod val="50000"/>
-                  </a:schemeClr>
-                </a:solidFill>
-                <a:latin typeface="Times New Roman" pitchFamily="18" charset="0"/>
-                <a:cs typeface="Times New Roman" pitchFamily="18" charset="0"/>
-              </a:rPr>
-              <a:t>Tổng</a:t>
-            </a:r>
-            <a:r>
-              <a:rPr lang="en-US" sz="4000" dirty="0" smtClean="0">
-                <a:solidFill>
-                  <a:schemeClr val="tx2">
-                    <a:lumMod val="50000"/>
-                  </a:schemeClr>
-                </a:solidFill>
-                <a:latin typeface="Times New Roman" pitchFamily="18" charset="0"/>
-                <a:cs typeface="Times New Roman" pitchFamily="18" charset="0"/>
-              </a:rPr>
-              <a:t> </a:t>
-            </a:r>
-            <a:r>
-              <a:rPr lang="en-US" sz="4000" dirty="0" err="1" smtClean="0">
-                <a:solidFill>
-                  <a:schemeClr val="tx2">
-                    <a:lumMod val="50000"/>
-                  </a:schemeClr>
-                </a:solidFill>
-                <a:latin typeface="Times New Roman" pitchFamily="18" charset="0"/>
-                <a:cs typeface="Times New Roman" pitchFamily="18" charset="0"/>
-              </a:rPr>
-              <a:t>quan</a:t>
-            </a:r>
-            <a:r>
-              <a:rPr lang="en-US" sz="4000" dirty="0" smtClean="0">
-                <a:solidFill>
-                  <a:schemeClr val="tx2">
-                    <a:lumMod val="50000"/>
-                  </a:schemeClr>
-                </a:solidFill>
-                <a:latin typeface="Times New Roman" pitchFamily="18" charset="0"/>
-                <a:cs typeface="Times New Roman" pitchFamily="18" charset="0"/>
-              </a:rPr>
-              <a:t> </a:t>
-            </a:r>
-            <a:r>
-              <a:rPr lang="en-US" sz="4000" dirty="0" err="1" smtClean="0">
-                <a:solidFill>
-                  <a:schemeClr val="tx2">
-                    <a:lumMod val="50000"/>
-                  </a:schemeClr>
-                </a:solidFill>
-                <a:latin typeface="Times New Roman" pitchFamily="18" charset="0"/>
-                <a:cs typeface="Times New Roman" pitchFamily="18" charset="0"/>
-              </a:rPr>
-              <a:t>về</a:t>
-            </a:r>
-            <a:r>
-              <a:rPr lang="en-US" sz="4000" dirty="0" smtClean="0">
-                <a:solidFill>
-                  <a:schemeClr val="tx2">
-                    <a:lumMod val="50000"/>
-                  </a:schemeClr>
-                </a:solidFill>
-                <a:latin typeface="Times New Roman" pitchFamily="18" charset="0"/>
-                <a:cs typeface="Times New Roman" pitchFamily="18" charset="0"/>
-              </a:rPr>
-              <a:t> </a:t>
-            </a:r>
-            <a:r>
-              <a:rPr lang="en-US" sz="4000" dirty="0" err="1" smtClean="0">
-                <a:solidFill>
-                  <a:schemeClr val="tx2">
-                    <a:lumMod val="50000"/>
-                  </a:schemeClr>
-                </a:solidFill>
-                <a:latin typeface="Times New Roman" pitchFamily="18" charset="0"/>
-                <a:cs typeface="Times New Roman" pitchFamily="18" charset="0"/>
-              </a:rPr>
-              <a:t>chương</a:t>
-            </a:r>
-            <a:r>
-              <a:rPr lang="en-US" sz="4000" dirty="0" smtClean="0">
-                <a:solidFill>
-                  <a:schemeClr val="tx2">
-                    <a:lumMod val="50000"/>
-                  </a:schemeClr>
-                </a:solidFill>
-                <a:latin typeface="Times New Roman" pitchFamily="18" charset="0"/>
-                <a:cs typeface="Times New Roman" pitchFamily="18" charset="0"/>
-              </a:rPr>
-              <a:t> </a:t>
-            </a:r>
-            <a:r>
-              <a:rPr lang="en-US" sz="4000" dirty="0" err="1" smtClean="0">
-                <a:solidFill>
-                  <a:schemeClr val="tx2">
-                    <a:lumMod val="50000"/>
-                  </a:schemeClr>
-                </a:solidFill>
-                <a:latin typeface="Times New Roman" pitchFamily="18" charset="0"/>
-                <a:cs typeface="Times New Roman" pitchFamily="18" charset="0"/>
-              </a:rPr>
-              <a:t>trình</a:t>
-            </a:r>
-            <a:endParaRPr lang="vi-VN" sz="4000" dirty="0">
-              <a:solidFill>
-                <a:schemeClr val="tx2">
-                  <a:lumMod val="50000"/>
-                </a:schemeClr>
-              </a:solidFill>
-            </a:endParaRPr>
-          </a:p>
-        </p:txBody>
-      </p:sp>
       <p:graphicFrame>
         <p:nvGraphicFramePr>
           <p:cNvPr id="4" name="Content Placeholder 3"/>
@@ -27602,7 +29258,7 @@
             <p:ph idx="1"/>
             <p:extLst>
               <p:ext uri="{D42A27DB-BD31-4B8C-83A1-F6EECF244321}">
-                <p14:modId xmlns:p14="http://schemas.microsoft.com/office/powerpoint/2010/main" val="1273245207"/>
+                <p14:modId xmlns:p14="http://schemas.microsoft.com/office/powerpoint/2010/main" val="855663045"/>
               </p:ext>
             </p:extLst>
           </p:nvPr>
@@ -27617,6 +29273,294 @@
           </a:graphicData>
         </a:graphic>
       </p:graphicFrame>
+      <p:sp>
+        <p:nvSpPr>
+          <p:cNvPr id="6" name="Slide Number Placeholder 5"/>
+          <p:cNvSpPr>
+            <a:spLocks noGrp="1"/>
+          </p:cNvSpPr>
+          <p:nvPr>
+            <p:ph type="sldNum" sz="quarter" idx="12"/>
+          </p:nvPr>
+        </p:nvSpPr>
+        <p:spPr/>
+        <p:txBody>
+          <a:bodyPr/>
+          <a:lstStyle/>
+          <a:p>
+            <a:fld id="{B6F15528-21DE-4FAA-801E-634DDDAF4B2B}" type="slidenum">
+              <a:rPr lang="en-US" smtClean="0"/>
+              <a:pPr/>
+              <a:t>4</a:t>
+            </a:fld>
+            <a:endParaRPr lang="en-US"/>
+          </a:p>
+        </p:txBody>
+      </p:sp>
+      <p:sp>
+        <p:nvSpPr>
+          <p:cNvPr id="5" name="Rectangle 4"/>
+          <p:cNvSpPr/>
+          <p:nvPr/>
+        </p:nvSpPr>
+        <p:spPr>
+          <a:xfrm>
+            <a:off x="1016000" y="6781800"/>
+            <a:ext cx="8128000" cy="76200"/>
+          </a:xfrm>
+          <a:prstGeom prst="rect">
+            <a:avLst/>
+          </a:prstGeom>
+          <a:gradFill>
+            <a:gsLst>
+              <a:gs pos="0">
+                <a:schemeClr val="accent2"/>
+              </a:gs>
+              <a:gs pos="52000">
+                <a:schemeClr val="accent1">
+                  <a:lumMod val="45000"/>
+                  <a:lumOff val="55000"/>
+                </a:schemeClr>
+              </a:gs>
+              <a:gs pos="98000">
+                <a:srgbClr val="FFC000"/>
+              </a:gs>
+            </a:gsLst>
+            <a:lin ang="0" scaled="0"/>
+          </a:gradFill>
+          <a:ln>
+            <a:noFill/>
+          </a:ln>
+        </p:spPr>
+        <p:style>
+          <a:lnRef idx="2">
+            <a:schemeClr val="accent1">
+              <a:shade val="50000"/>
+            </a:schemeClr>
+          </a:lnRef>
+          <a:fillRef idx="1">
+            <a:schemeClr val="accent1"/>
+          </a:fillRef>
+          <a:effectRef idx="0">
+            <a:schemeClr val="accent1"/>
+          </a:effectRef>
+          <a:fontRef idx="minor">
+            <a:schemeClr val="lt1"/>
+          </a:fontRef>
+        </p:style>
+        <p:txBody>
+          <a:bodyPr rtlCol="0" anchor="ctr"/>
+          <a:lstStyle/>
+          <a:p>
+            <a:pPr algn="ctr"/>
+            <a:endParaRPr lang="en-US"/>
+          </a:p>
+        </p:txBody>
+      </p:sp>
+      <p:sp>
+        <p:nvSpPr>
+          <p:cNvPr id="8" name="Rectangle 7"/>
+          <p:cNvSpPr/>
+          <p:nvPr/>
+        </p:nvSpPr>
+        <p:spPr>
+          <a:xfrm>
+            <a:off x="1003300" y="0"/>
+            <a:ext cx="8128000" cy="692696"/>
+          </a:xfrm>
+          <a:prstGeom prst="rect">
+            <a:avLst/>
+          </a:prstGeom>
+          <a:solidFill>
+            <a:schemeClr val="accent2"/>
+          </a:solidFill>
+          <a:ln>
+            <a:noFill/>
+          </a:ln>
+        </p:spPr>
+        <p:style>
+          <a:lnRef idx="2">
+            <a:schemeClr val="accent1">
+              <a:shade val="50000"/>
+            </a:schemeClr>
+          </a:lnRef>
+          <a:fillRef idx="1">
+            <a:schemeClr val="accent1"/>
+          </a:fillRef>
+          <a:effectRef idx="0">
+            <a:schemeClr val="accent1"/>
+          </a:effectRef>
+          <a:fontRef idx="minor">
+            <a:schemeClr val="lt1"/>
+          </a:fontRef>
+        </p:style>
+        <p:txBody>
+          <a:bodyPr rtlCol="0" anchor="ctr"/>
+          <a:lstStyle/>
+          <a:p>
+            <a:pPr algn="ctr"/>
+            <a:endParaRPr lang="en-US"/>
+          </a:p>
+        </p:txBody>
+      </p:sp>
+      <p:sp>
+        <p:nvSpPr>
+          <p:cNvPr id="9" name="Title 1"/>
+          <p:cNvSpPr txBox="1">
+            <a:spLocks/>
+          </p:cNvSpPr>
+          <p:nvPr/>
+        </p:nvSpPr>
+        <p:spPr>
+          <a:xfrm>
+            <a:off x="381000" y="-171400"/>
+            <a:ext cx="8229600" cy="914400"/>
+          </a:xfrm>
+          <a:prstGeom prst="rect">
+            <a:avLst/>
+          </a:prstGeom>
+        </p:spPr>
+        <p:txBody>
+          <a:bodyPr anchor="ctr">
+            <a:normAutofit/>
+          </a:bodyPr>
+          <a:lstStyle>
+            <a:lvl1pPr algn="l" rtl="0" eaLnBrk="1" latinLnBrk="0" hangingPunct="1">
+              <a:spcBef>
+                <a:spcPct val="0"/>
+              </a:spcBef>
+              <a:buNone/>
+              <a:defRPr kumimoji="0" sz="4300" kern="1200">
+                <a:solidFill>
+                  <a:schemeClr val="tx2">
+                    <a:satMod val="130000"/>
+                  </a:schemeClr>
+                </a:solidFill>
+                <a:effectLst>
+                  <a:outerShdw blurRad="50000" dist="30000" dir="5400000" algn="tl" rotWithShape="0">
+                    <a:srgbClr val="000000">
+                      <a:alpha val="30000"/>
+                    </a:srgbClr>
+                  </a:outerShdw>
+                </a:effectLst>
+                <a:latin typeface="+mj-lt"/>
+                <a:ea typeface="+mj-ea"/>
+                <a:cs typeface="+mj-cs"/>
+              </a:defRPr>
+            </a:lvl1pPr>
+            <a:extLst/>
+          </a:lstStyle>
+          <a:p>
+            <a:r>
+              <a:rPr lang="en-US" sz="3500" b="1" dirty="0" smtClean="0">
+                <a:solidFill>
+                  <a:schemeClr val="bg1"/>
+                </a:solidFill>
+                <a:latin typeface="Times New Roman" panose="02020603050405020304" pitchFamily="18" charset="0"/>
+                <a:cs typeface="Times New Roman" panose="02020603050405020304" pitchFamily="18" charset="0"/>
+              </a:rPr>
+              <a:t>       2. </a:t>
+            </a:r>
+            <a:r>
+              <a:rPr lang="en-US" sz="3500" b="1" dirty="0" err="1" smtClean="0">
+                <a:solidFill>
+                  <a:schemeClr val="bg1"/>
+                </a:solidFill>
+                <a:latin typeface="Times New Roman" panose="02020603050405020304" pitchFamily="18" charset="0"/>
+                <a:cs typeface="Times New Roman" panose="02020603050405020304" pitchFamily="18" charset="0"/>
+              </a:rPr>
+              <a:t>Tổng</a:t>
+            </a:r>
+            <a:r>
+              <a:rPr lang="en-US" sz="3500" b="1" dirty="0" smtClean="0">
+                <a:solidFill>
+                  <a:schemeClr val="bg1"/>
+                </a:solidFill>
+                <a:latin typeface="Times New Roman" panose="02020603050405020304" pitchFamily="18" charset="0"/>
+                <a:cs typeface="Times New Roman" panose="02020603050405020304" pitchFamily="18" charset="0"/>
+              </a:rPr>
+              <a:t> </a:t>
+            </a:r>
+            <a:r>
+              <a:rPr lang="en-US" sz="3500" b="1" dirty="0" err="1" smtClean="0">
+                <a:solidFill>
+                  <a:schemeClr val="bg1"/>
+                </a:solidFill>
+                <a:latin typeface="Times New Roman" panose="02020603050405020304" pitchFamily="18" charset="0"/>
+                <a:cs typeface="Times New Roman" panose="02020603050405020304" pitchFamily="18" charset="0"/>
+              </a:rPr>
+              <a:t>quan</a:t>
+            </a:r>
+            <a:r>
+              <a:rPr lang="en-US" sz="3500" b="1" dirty="0" smtClean="0">
+                <a:solidFill>
+                  <a:schemeClr val="bg1"/>
+                </a:solidFill>
+                <a:latin typeface="Times New Roman" panose="02020603050405020304" pitchFamily="18" charset="0"/>
+                <a:cs typeface="Times New Roman" panose="02020603050405020304" pitchFamily="18" charset="0"/>
+              </a:rPr>
+              <a:t> </a:t>
+            </a:r>
+            <a:r>
+              <a:rPr lang="en-US" sz="3500" b="1" dirty="0" err="1" smtClean="0">
+                <a:solidFill>
+                  <a:schemeClr val="bg1"/>
+                </a:solidFill>
+                <a:latin typeface="Times New Roman" panose="02020603050405020304" pitchFamily="18" charset="0"/>
+                <a:cs typeface="Times New Roman" panose="02020603050405020304" pitchFamily="18" charset="0"/>
+              </a:rPr>
+              <a:t>về</a:t>
+            </a:r>
+            <a:r>
+              <a:rPr lang="en-US" sz="3500" b="1" dirty="0" smtClean="0">
+                <a:solidFill>
+                  <a:schemeClr val="bg1"/>
+                </a:solidFill>
+                <a:latin typeface="Times New Roman" panose="02020603050405020304" pitchFamily="18" charset="0"/>
+                <a:cs typeface="Times New Roman" panose="02020603050405020304" pitchFamily="18" charset="0"/>
+              </a:rPr>
+              <a:t> </a:t>
+            </a:r>
+            <a:r>
+              <a:rPr lang="en-US" sz="3500" b="1" dirty="0" err="1" smtClean="0">
+                <a:solidFill>
+                  <a:schemeClr val="bg1"/>
+                </a:solidFill>
+                <a:latin typeface="Times New Roman" panose="02020603050405020304" pitchFamily="18" charset="0"/>
+                <a:cs typeface="Times New Roman" panose="02020603050405020304" pitchFamily="18" charset="0"/>
+              </a:rPr>
+              <a:t>chương</a:t>
+            </a:r>
+            <a:r>
+              <a:rPr lang="en-US" sz="3500" b="1" dirty="0" smtClean="0">
+                <a:solidFill>
+                  <a:schemeClr val="bg1"/>
+                </a:solidFill>
+                <a:latin typeface="Times New Roman" panose="02020603050405020304" pitchFamily="18" charset="0"/>
+                <a:cs typeface="Times New Roman" panose="02020603050405020304" pitchFamily="18" charset="0"/>
+              </a:rPr>
+              <a:t> </a:t>
+            </a:r>
+            <a:r>
+              <a:rPr lang="en-US" sz="3500" b="1" dirty="0" err="1" smtClean="0">
+                <a:solidFill>
+                  <a:schemeClr val="bg1"/>
+                </a:solidFill>
+                <a:latin typeface="Times New Roman" panose="02020603050405020304" pitchFamily="18" charset="0"/>
+                <a:cs typeface="Times New Roman" panose="02020603050405020304" pitchFamily="18" charset="0"/>
+              </a:rPr>
+              <a:t>trình</a:t>
+            </a:r>
+            <a:endParaRPr lang="en-US" sz="3500" b="1" dirty="0">
+              <a:solidFill>
+                <a:schemeClr val="bg1"/>
+              </a:solidFill>
+              <a:latin typeface="Times New Roman" panose="02020603050405020304" pitchFamily="18" charset="0"/>
+              <a:cs typeface="Times New Roman" panose="02020603050405020304" pitchFamily="18" charset="0"/>
+            </a:endParaRPr>
+          </a:p>
+        </p:txBody>
+      </p:sp>
     </p:spTree>
     <p:extLst>
       <p:ext uri="{BB962C8B-B14F-4D97-AF65-F5344CB8AC3E}">
@@ -27794,7 +29738,7 @@
             <p:ph idx="1"/>
             <p:extLst>
               <p:ext uri="{D42A27DB-BD31-4B8C-83A1-F6EECF244321}">
-                <p14:modId xmlns:p14="http://schemas.microsoft.com/office/powerpoint/2010/main" val="145164013"/>
+                <p14:modId xmlns:p14="http://schemas.microsoft.com/office/powerpoint/2010/main" val="1890181276"/>
               </p:ext>
             </p:extLst>
           </p:nvPr>
@@ -27809,6 +29753,314 @@
           </a:graphicData>
         </a:graphic>
       </p:graphicFrame>
+      <p:sp>
+        <p:nvSpPr>
+          <p:cNvPr id="6" name="Slide Number Placeholder 5"/>
+          <p:cNvSpPr>
+            <a:spLocks noGrp="1"/>
+          </p:cNvSpPr>
+          <p:nvPr>
+            <p:ph type="sldNum" sz="quarter" idx="12"/>
+          </p:nvPr>
+        </p:nvSpPr>
+        <p:spPr/>
+        <p:txBody>
+          <a:bodyPr/>
+          <a:lstStyle/>
+          <a:p>
+            <a:fld id="{B6F15528-21DE-4FAA-801E-634DDDAF4B2B}" type="slidenum">
+              <a:rPr lang="en-US" smtClean="0"/>
+              <a:pPr/>
+              <a:t>5</a:t>
+            </a:fld>
+            <a:endParaRPr lang="en-US"/>
+          </a:p>
+        </p:txBody>
+      </p:sp>
+      <p:sp>
+        <p:nvSpPr>
+          <p:cNvPr id="5" name="Rectangle 4"/>
+          <p:cNvSpPr/>
+          <p:nvPr/>
+        </p:nvSpPr>
+        <p:spPr>
+          <a:xfrm>
+            <a:off x="1016000" y="6781800"/>
+            <a:ext cx="8128000" cy="76200"/>
+          </a:xfrm>
+          <a:prstGeom prst="rect">
+            <a:avLst/>
+          </a:prstGeom>
+          <a:gradFill>
+            <a:gsLst>
+              <a:gs pos="0">
+                <a:schemeClr val="accent2"/>
+              </a:gs>
+              <a:gs pos="52000">
+                <a:schemeClr val="accent1">
+                  <a:lumMod val="45000"/>
+                  <a:lumOff val="55000"/>
+                </a:schemeClr>
+              </a:gs>
+              <a:gs pos="98000">
+                <a:srgbClr val="FFC000"/>
+              </a:gs>
+            </a:gsLst>
+            <a:lin ang="0" scaled="0"/>
+          </a:gradFill>
+          <a:ln>
+            <a:noFill/>
+          </a:ln>
+        </p:spPr>
+        <p:style>
+          <a:lnRef idx="2">
+            <a:schemeClr val="accent1">
+              <a:shade val="50000"/>
+            </a:schemeClr>
+          </a:lnRef>
+          <a:fillRef idx="1">
+            <a:schemeClr val="accent1"/>
+          </a:fillRef>
+          <a:effectRef idx="0">
+            <a:schemeClr val="accent1"/>
+          </a:effectRef>
+          <a:fontRef idx="minor">
+            <a:schemeClr val="lt1"/>
+          </a:fontRef>
+        </p:style>
+        <p:txBody>
+          <a:bodyPr rtlCol="0" anchor="ctr"/>
+          <a:lstStyle/>
+          <a:p>
+            <a:pPr algn="ctr"/>
+            <a:endParaRPr lang="en-US"/>
+          </a:p>
+        </p:txBody>
+      </p:sp>
+      <p:sp>
+        <p:nvSpPr>
+          <p:cNvPr id="7" name="Rectangle 6"/>
+          <p:cNvSpPr/>
+          <p:nvPr/>
+        </p:nvSpPr>
+        <p:spPr>
+          <a:xfrm>
+            <a:off x="1016000" y="0"/>
+            <a:ext cx="8128000" cy="692696"/>
+          </a:xfrm>
+          <a:prstGeom prst="rect">
+            <a:avLst/>
+          </a:prstGeom>
+          <a:solidFill>
+            <a:schemeClr val="accent2"/>
+          </a:solidFill>
+          <a:ln>
+            <a:noFill/>
+          </a:ln>
+        </p:spPr>
+        <p:style>
+          <a:lnRef idx="2">
+            <a:schemeClr val="accent1">
+              <a:shade val="50000"/>
+            </a:schemeClr>
+          </a:lnRef>
+          <a:fillRef idx="1">
+            <a:schemeClr val="accent1"/>
+          </a:fillRef>
+          <a:effectRef idx="0">
+            <a:schemeClr val="accent1"/>
+          </a:effectRef>
+          <a:fontRef idx="minor">
+            <a:schemeClr val="lt1"/>
+          </a:fontRef>
+        </p:style>
+        <p:txBody>
+          <a:bodyPr rtlCol="0" anchor="ctr"/>
+          <a:lstStyle/>
+          <a:p>
+            <a:pPr algn="ctr"/>
+            <a:endParaRPr lang="en-US"/>
+          </a:p>
+        </p:txBody>
+      </p:sp>
+      <p:sp>
+        <p:nvSpPr>
+          <p:cNvPr id="8" name="Title 1"/>
+          <p:cNvSpPr txBox="1">
+            <a:spLocks/>
+          </p:cNvSpPr>
+          <p:nvPr/>
+        </p:nvSpPr>
+        <p:spPr>
+          <a:xfrm>
+            <a:off x="381000" y="-171400"/>
+            <a:ext cx="8229600" cy="914400"/>
+          </a:xfrm>
+          <a:prstGeom prst="rect">
+            <a:avLst/>
+          </a:prstGeom>
+        </p:spPr>
+        <p:txBody>
+          <a:bodyPr anchor="ctr">
+            <a:normAutofit/>
+          </a:bodyPr>
+          <a:lstStyle>
+            <a:lvl1pPr algn="l" rtl="0" eaLnBrk="1" latinLnBrk="0" hangingPunct="1">
+              <a:spcBef>
+                <a:spcPct val="0"/>
+              </a:spcBef>
+              <a:buNone/>
+              <a:defRPr kumimoji="0" sz="4300" kern="1200">
+                <a:solidFill>
+                  <a:schemeClr val="tx2">
+                    <a:satMod val="130000"/>
+                  </a:schemeClr>
+                </a:solidFill>
+                <a:effectLst>
+                  <a:outerShdw blurRad="50000" dist="30000" dir="5400000" algn="tl" rotWithShape="0">
+                    <a:srgbClr val="000000">
+                      <a:alpha val="30000"/>
+                    </a:srgbClr>
+                  </a:outerShdw>
+                </a:effectLst>
+                <a:latin typeface="+mj-lt"/>
+                <a:ea typeface="+mj-ea"/>
+                <a:cs typeface="+mj-cs"/>
+              </a:defRPr>
+            </a:lvl1pPr>
+            <a:extLst/>
+          </a:lstStyle>
+          <a:p>
+            <a:r>
+              <a:rPr lang="en-US" sz="3500" b="1" dirty="0" smtClean="0">
+                <a:solidFill>
+                  <a:schemeClr val="bg1"/>
+                </a:solidFill>
+                <a:latin typeface="Times New Roman" panose="02020603050405020304" pitchFamily="18" charset="0"/>
+                <a:cs typeface="Times New Roman" panose="02020603050405020304" pitchFamily="18" charset="0"/>
+              </a:rPr>
+              <a:t>       3. </a:t>
+            </a:r>
+            <a:r>
+              <a:rPr lang="en-US" sz="3500" b="1" dirty="0" err="1" smtClean="0">
+                <a:solidFill>
+                  <a:schemeClr val="bg1"/>
+                </a:solidFill>
+                <a:latin typeface="Times New Roman" panose="02020603050405020304" pitchFamily="18" charset="0"/>
+                <a:cs typeface="Times New Roman" panose="02020603050405020304" pitchFamily="18" charset="0"/>
+              </a:rPr>
+              <a:t>Quy</a:t>
+            </a:r>
+            <a:r>
+              <a:rPr lang="en-US" sz="3500" b="1" dirty="0" smtClean="0">
+                <a:solidFill>
+                  <a:schemeClr val="bg1"/>
+                </a:solidFill>
+                <a:latin typeface="Times New Roman" panose="02020603050405020304" pitchFamily="18" charset="0"/>
+                <a:cs typeface="Times New Roman" panose="02020603050405020304" pitchFamily="18" charset="0"/>
+              </a:rPr>
+              <a:t> </a:t>
+            </a:r>
+            <a:r>
+              <a:rPr lang="en-US" sz="3500" b="1" dirty="0" err="1" smtClean="0">
+                <a:solidFill>
+                  <a:schemeClr val="bg1"/>
+                </a:solidFill>
+                <a:latin typeface="Times New Roman" panose="02020603050405020304" pitchFamily="18" charset="0"/>
+                <a:cs typeface="Times New Roman" panose="02020603050405020304" pitchFamily="18" charset="0"/>
+              </a:rPr>
+              <a:t>trình</a:t>
+            </a:r>
+            <a:r>
+              <a:rPr lang="en-US" sz="3500" b="1" dirty="0" smtClean="0">
+                <a:solidFill>
+                  <a:schemeClr val="bg1"/>
+                </a:solidFill>
+                <a:latin typeface="Times New Roman" panose="02020603050405020304" pitchFamily="18" charset="0"/>
+                <a:cs typeface="Times New Roman" panose="02020603050405020304" pitchFamily="18" charset="0"/>
+              </a:rPr>
+              <a:t> </a:t>
+            </a:r>
+            <a:r>
+              <a:rPr lang="en-US" sz="3500" b="1" dirty="0" err="1" smtClean="0">
+                <a:solidFill>
+                  <a:schemeClr val="bg1"/>
+                </a:solidFill>
+                <a:latin typeface="Times New Roman" panose="02020603050405020304" pitchFamily="18" charset="0"/>
+                <a:cs typeface="Times New Roman" panose="02020603050405020304" pitchFamily="18" charset="0"/>
+              </a:rPr>
+              <a:t>xây</a:t>
+            </a:r>
+            <a:r>
+              <a:rPr lang="en-US" sz="3500" b="1" dirty="0" smtClean="0">
+                <a:solidFill>
+                  <a:schemeClr val="bg1"/>
+                </a:solidFill>
+                <a:latin typeface="Times New Roman" panose="02020603050405020304" pitchFamily="18" charset="0"/>
+                <a:cs typeface="Times New Roman" panose="02020603050405020304" pitchFamily="18" charset="0"/>
+              </a:rPr>
+              <a:t> </a:t>
+            </a:r>
+            <a:r>
+              <a:rPr lang="en-US" sz="3500" b="1" dirty="0" err="1" smtClean="0">
+                <a:solidFill>
+                  <a:schemeClr val="bg1"/>
+                </a:solidFill>
+                <a:latin typeface="Times New Roman" panose="02020603050405020304" pitchFamily="18" charset="0"/>
+                <a:cs typeface="Times New Roman" panose="02020603050405020304" pitchFamily="18" charset="0"/>
+              </a:rPr>
+              <a:t>dựng</a:t>
+            </a:r>
+            <a:r>
+              <a:rPr lang="en-US" sz="3500" b="1" dirty="0" smtClean="0">
+                <a:solidFill>
+                  <a:schemeClr val="bg1"/>
+                </a:solidFill>
+                <a:latin typeface="Times New Roman" panose="02020603050405020304" pitchFamily="18" charset="0"/>
+                <a:cs typeface="Times New Roman" panose="02020603050405020304" pitchFamily="18" charset="0"/>
+              </a:rPr>
+              <a:t> </a:t>
+            </a:r>
+            <a:r>
+              <a:rPr lang="en-US" sz="3500" b="1" dirty="0" err="1" smtClean="0">
+                <a:solidFill>
+                  <a:schemeClr val="bg1"/>
+                </a:solidFill>
+                <a:latin typeface="Times New Roman" panose="02020603050405020304" pitchFamily="18" charset="0"/>
+                <a:cs typeface="Times New Roman" panose="02020603050405020304" pitchFamily="18" charset="0"/>
+              </a:rPr>
+              <a:t>hệ</a:t>
+            </a:r>
+            <a:r>
+              <a:rPr lang="en-US" sz="3500" b="1" dirty="0" smtClean="0">
+                <a:solidFill>
+                  <a:schemeClr val="bg1"/>
+                </a:solidFill>
+                <a:latin typeface="Times New Roman" panose="02020603050405020304" pitchFamily="18" charset="0"/>
+                <a:cs typeface="Times New Roman" panose="02020603050405020304" pitchFamily="18" charset="0"/>
+              </a:rPr>
+              <a:t> </a:t>
+            </a:r>
+            <a:r>
+              <a:rPr lang="en-US" sz="3500" b="1" dirty="0" err="1" smtClean="0">
+                <a:solidFill>
+                  <a:schemeClr val="bg1"/>
+                </a:solidFill>
+                <a:latin typeface="Times New Roman" panose="02020603050405020304" pitchFamily="18" charset="0"/>
+                <a:cs typeface="Times New Roman" panose="02020603050405020304" pitchFamily="18" charset="0"/>
+              </a:rPr>
+              <a:t>thống</a:t>
+            </a:r>
+            <a:endParaRPr lang="en-US" sz="3500" b="1" dirty="0">
+              <a:solidFill>
+                <a:schemeClr val="bg1"/>
+              </a:solidFill>
+              <a:latin typeface="Times New Roman" panose="02020603050405020304" pitchFamily="18" charset="0"/>
+              <a:cs typeface="Times New Roman" panose="02020603050405020304" pitchFamily="18" charset="0"/>
+            </a:endParaRPr>
+          </a:p>
+        </p:txBody>
+      </p:sp>
     </p:spTree>
     <p:extLst>
       <p:ext uri="{BB962C8B-B14F-4D97-AF65-F5344CB8AC3E}">
@@ -28043,39 +30295,6 @@
           </a:p>
         </p:txBody>
       </p:sp>
-      <p:pic>
-        <p:nvPicPr>
-          <p:cNvPr id="1026" name="Picture 2"/>
-          <p:cNvPicPr>
-            <a:picLocks noGrp="1" noChangeAspect="1" noChangeArrowheads="1"/>
-          </p:cNvPicPr>
-          <p:nvPr>
-            <p:ph idx="1"/>
-          </p:nvPr>
-        </p:nvPicPr>
-        <p:blipFill rotWithShape="1">
-          <a:blip r:embed="rId4"/>
-          <a:srcRect l="27088" t="27592" r="23776" b="7767"/>
-          <a:stretch/>
-        </p:blipFill>
-        <p:spPr bwMode="auto">
-          <a:xfrm>
-            <a:off x="1447800" y="1447800"/>
-            <a:ext cx="6629399" cy="5219333"/>
-          </a:xfrm>
-          <a:prstGeom prst="rect">
-            <a:avLst/>
-          </a:prstGeom>
-          <a:noFill/>
-          <a:ln w="9525">
-            <a:noFill/>
-            <a:miter lim="800000"/>
-            <a:headEnd/>
-            <a:tailEnd/>
-          </a:ln>
-          <a:effectLst/>
-        </p:spPr>
-      </p:pic>
       <p:sp>
         <p:nvSpPr>
           <p:cNvPr id="3" name="Rectangle 2"/>
@@ -28120,6 +30339,153 @@
           <a:lstStyle/>
           <a:p>
             <a:pPr algn="ctr"/>
+            <a:r>
+              <a:rPr lang="en-US" b="1" dirty="0" smtClean="0">
+                <a:ln w="10541" cmpd="sng">
+                  <a:solidFill>
+                    <a:schemeClr val="accent1">
+                      <a:shade val="88000"/>
+                      <a:satMod val="110000"/>
+                    </a:schemeClr>
+                  </a:solidFill>
+                  <a:prstDash val="solid"/>
+                </a:ln>
+                <a:gradFill>
+                  <a:gsLst>
+                    <a:gs pos="0">
+                      <a:schemeClr val="accent1">
+                        <a:tint val="40000"/>
+                        <a:satMod val="250000"/>
+                      </a:schemeClr>
+                    </a:gs>
+                    <a:gs pos="9000">
+                      <a:schemeClr val="accent1">
+                        <a:tint val="52000"/>
+                        <a:satMod val="300000"/>
+                      </a:schemeClr>
+                    </a:gs>
+                    <a:gs pos="50000">
+                      <a:schemeClr val="accent1">
+                        <a:shade val="20000"/>
+                        <a:satMod val="300000"/>
+                      </a:schemeClr>
+                    </a:gs>
+                    <a:gs pos="79000">
+                      <a:schemeClr val="accent1">
+                        <a:tint val="52000"/>
+                        <a:satMod val="300000"/>
+                      </a:schemeClr>
+                    </a:gs>
+                    <a:gs pos="100000">
+                      <a:schemeClr val="accent1">
+                        <a:tint val="40000"/>
+                        <a:satMod val="250000"/>
+                      </a:schemeClr>
+                    </a:gs>
+                  </a:gsLst>
+                  <a:lin ang="5400000"/>
+                </a:gradFill>
+              </a:rPr>
+              <a:t>3.1.2 </a:t>
+            </a:r>
+            <a:r>
+              <a:rPr lang="en-US" b="1" dirty="0" err="1" smtClean="0">
+                <a:ln w="10541" cmpd="sng">
+                  <a:solidFill>
+                    <a:schemeClr val="accent1">
+                      <a:shade val="88000"/>
+                      <a:satMod val="110000"/>
+                    </a:schemeClr>
+                  </a:solidFill>
+                  <a:prstDash val="solid"/>
+                </a:ln>
+                <a:gradFill>
+                  <a:gsLst>
+                    <a:gs pos="0">
+                      <a:schemeClr val="accent1">
+                        <a:tint val="40000"/>
+                        <a:satMod val="250000"/>
+                      </a:schemeClr>
+                    </a:gs>
+                    <a:gs pos="9000">
+                      <a:schemeClr val="accent1">
+                        <a:tint val="52000"/>
+                        <a:satMod val="300000"/>
+                      </a:schemeClr>
+                    </a:gs>
+                    <a:gs pos="50000">
+                      <a:schemeClr val="accent1">
+                        <a:shade val="20000"/>
+                        <a:satMod val="300000"/>
+                      </a:schemeClr>
+                    </a:gs>
+                    <a:gs pos="79000">
+                      <a:schemeClr val="accent1">
+                        <a:tint val="52000"/>
+                        <a:satMod val="300000"/>
+                      </a:schemeClr>
+                    </a:gs>
+                    <a:gs pos="100000">
+                      <a:schemeClr val="accent1">
+                        <a:tint val="40000"/>
+                        <a:satMod val="250000"/>
+                      </a:schemeClr>
+                    </a:gs>
+                  </a:gsLst>
+                  <a:lin ang="5400000"/>
+                </a:gradFill>
+              </a:rPr>
+              <a:t>Biểu</a:t>
+            </a:r>
+            <a:r>
+              <a:rPr lang="en-US" b="1" dirty="0" smtClean="0">
+                <a:ln w="10541" cmpd="sng">
+                  <a:solidFill>
+                    <a:schemeClr val="accent1">
+                      <a:shade val="88000"/>
+                      <a:satMod val="110000"/>
+                    </a:schemeClr>
+                  </a:solidFill>
+                  <a:prstDash val="solid"/>
+                </a:ln>
+                <a:gradFill>
+                  <a:gsLst>
+                    <a:gs pos="0">
+                      <a:schemeClr val="accent1">
+                        <a:tint val="40000"/>
+                        <a:satMod val="250000"/>
+                      </a:schemeClr>
+                    </a:gs>
+                    <a:gs pos="9000">
+                      <a:schemeClr val="accent1">
+                        <a:tint val="52000"/>
+                        <a:satMod val="300000"/>
+                      </a:schemeClr>
+                    </a:gs>
+                    <a:gs pos="50000">
+                      <a:schemeClr val="accent1">
+                        <a:shade val="20000"/>
+                        <a:satMod val="300000"/>
+                      </a:schemeClr>
+                    </a:gs>
+                    <a:gs pos="79000">
+                      <a:schemeClr val="accent1">
+                        <a:tint val="52000"/>
+                        <a:satMod val="300000"/>
+                      </a:schemeClr>
+                    </a:gs>
+                    <a:gs pos="100000">
+                      <a:schemeClr val="accent1">
+                        <a:tint val="40000"/>
+                        <a:satMod val="250000"/>
+                      </a:schemeClr>
+                    </a:gs>
+                  </a:gsLst>
+                  <a:lin ang="5400000"/>
+                </a:gradFill>
+              </a:rPr>
+              <a:t> </a:t>
+            </a:r>
             <a:r>
               <a:rPr lang="en-US" b="1" dirty="0" err="1">
                 <a:ln w="10541" cmpd="sng">
@@ -28167,7 +30533,7 @@
                   <a:lin ang="5400000"/>
                 </a:gradFill>
               </a:rPr>
-              <a:t>Biểu</a:t>
+              <a:t>đồ</a:t>
             </a:r>
             <a:r>
               <a:rPr lang="en-US" b="1" dirty="0">
@@ -28265,7 +30631,7 @@
                   <a:lin ang="5400000"/>
                 </a:gradFill>
               </a:rPr>
-              <a:t>đồ</a:t>
+              <a:t>phân</a:t>
             </a:r>
             <a:r>
               <a:rPr lang="en-US" b="1" dirty="0">
@@ -28363,7 +30729,7 @@
                   <a:lin ang="5400000"/>
                 </a:gradFill>
               </a:rPr>
-              <a:t>phân</a:t>
+              <a:t>cấp</a:t>
             </a:r>
             <a:r>
               <a:rPr lang="en-US" b="1" dirty="0">
@@ -28461,7 +30827,7 @@
                   <a:lin ang="5400000"/>
                 </a:gradFill>
               </a:rPr>
-              <a:t>cấp</a:t>
+              <a:t>chức</a:t>
             </a:r>
             <a:r>
               <a:rPr lang="en-US" b="1" dirty="0">
@@ -28559,104 +30925,6 @@
                   <a:lin ang="5400000"/>
                 </a:gradFill>
               </a:rPr>
-              <a:t>chức</a:t>
-            </a:r>
-            <a:r>
-              <a:rPr lang="en-US" b="1" dirty="0">
-                <a:ln w="10541" cmpd="sng">
-                  <a:solidFill>
-                    <a:schemeClr val="accent1">
-                      <a:shade val="88000"/>
-                      <a:satMod val="110000"/>
-                    </a:schemeClr>
-                  </a:solidFill>
-                  <a:prstDash val="solid"/>
-                </a:ln>
-                <a:gradFill>
-                  <a:gsLst>
-                    <a:gs pos="0">
-                      <a:schemeClr val="accent1">
-                        <a:tint val="40000"/>
-                        <a:satMod val="250000"/>
-                      </a:schemeClr>
-                    </a:gs>
-                    <a:gs pos="9000">
-                      <a:schemeClr val="accent1">
-                        <a:tint val="52000"/>
-                        <a:satMod val="300000"/>
-                      </a:schemeClr>
-                    </a:gs>
-                    <a:gs pos="50000">
-                      <a:schemeClr val="accent1">
-                        <a:shade val="20000"/>
-                        <a:satMod val="300000"/>
-                      </a:schemeClr>
-                    </a:gs>
-                    <a:gs pos="79000">
-                      <a:schemeClr val="accent1">
-                        <a:tint val="52000"/>
-                        <a:satMod val="300000"/>
-                      </a:schemeClr>
-                    </a:gs>
-                    <a:gs pos="100000">
-                      <a:schemeClr val="accent1">
-                        <a:tint val="40000"/>
-                        <a:satMod val="250000"/>
-                      </a:schemeClr>
-                    </a:gs>
-                  </a:gsLst>
-                  <a:lin ang="5400000"/>
-                </a:gradFill>
-              </a:rPr>
-              <a:t> </a:t>
-            </a:r>
-            <a:r>
-              <a:rPr lang="en-US" b="1" dirty="0" err="1">
-                <a:ln w="10541" cmpd="sng">
-                  <a:solidFill>
-                    <a:schemeClr val="accent1">
-                      <a:shade val="88000"/>
-                      <a:satMod val="110000"/>
-                    </a:schemeClr>
-                  </a:solidFill>
-                  <a:prstDash val="solid"/>
-                </a:ln>
-                <a:gradFill>
-                  <a:gsLst>
-                    <a:gs pos="0">
-                      <a:schemeClr val="accent1">
-                        <a:tint val="40000"/>
-                        <a:satMod val="250000"/>
-                      </a:schemeClr>
-                    </a:gs>
-                    <a:gs pos="9000">
-                      <a:schemeClr val="accent1">
-                        <a:tint val="52000"/>
-                        <a:satMod val="300000"/>
-                      </a:schemeClr>
-                    </a:gs>
-                    <a:gs pos="50000">
-                      <a:schemeClr val="accent1">
-                        <a:shade val="20000"/>
-                        <a:satMod val="300000"/>
-                      </a:schemeClr>
-                    </a:gs>
-                    <a:gs pos="79000">
-                      <a:schemeClr val="accent1">
-                        <a:tint val="52000"/>
-                        <a:satMod val="300000"/>
-                      </a:schemeClr>
-                    </a:gs>
-                    <a:gs pos="100000">
-                      <a:schemeClr val="accent1">
-                        <a:tint val="40000"/>
-                        <a:satMod val="250000"/>
-                      </a:schemeClr>
-                    </a:gs>
-                  </a:gsLst>
-                  <a:lin ang="5400000"/>
-                </a:gradFill>
-              </a:rPr>
               <a:t>năng</a:t>
             </a:r>
             <a:endParaRPr lang="en-US" b="1" dirty="0">
@@ -28704,6 +30972,339 @@
                 </a:gsLst>
                 <a:lin ang="5400000"/>
               </a:gradFill>
+            </a:endParaRPr>
+          </a:p>
+        </p:txBody>
+      </p:sp>
+      <p:pic>
+        <p:nvPicPr>
+          <p:cNvPr id="5" name="Content Placeholder 4"/>
+          <p:cNvPicPr>
+            <a:picLocks noGrp="1" noChangeAspect="1"/>
+          </p:cNvPicPr>
+          <p:nvPr>
+            <p:ph idx="1"/>
+          </p:nvPr>
+        </p:nvPicPr>
+        <p:blipFill rotWithShape="1">
+          <a:blip r:embed="rId4"/>
+          <a:srcRect l="30306" t="26409" r="24565" b="5311"/>
+          <a:stretch/>
+        </p:blipFill>
+        <p:spPr>
+          <a:xfrm>
+            <a:off x="2267744" y="1524000"/>
+            <a:ext cx="5328592" cy="4534972"/>
+          </a:xfrm>
+          <a:prstGeom prst="rect">
+            <a:avLst/>
+          </a:prstGeom>
+        </p:spPr>
+      </p:pic>
+      <p:sp>
+        <p:nvSpPr>
+          <p:cNvPr id="7" name="Slide Number Placeholder 6"/>
+          <p:cNvSpPr>
+            <a:spLocks noGrp="1"/>
+          </p:cNvSpPr>
+          <p:nvPr>
+            <p:ph type="sldNum" sz="quarter" idx="12"/>
+          </p:nvPr>
+        </p:nvSpPr>
+        <p:spPr/>
+        <p:txBody>
+          <a:bodyPr/>
+          <a:lstStyle/>
+          <a:p>
+            <a:fld id="{B6F15528-21DE-4FAA-801E-634DDDAF4B2B}" type="slidenum">
+              <a:rPr lang="en-US" smtClean="0"/>
+              <a:pPr/>
+              <a:t>6</a:t>
+            </a:fld>
+            <a:endParaRPr lang="en-US"/>
+          </a:p>
+        </p:txBody>
+      </p:sp>
+      <p:sp>
+        <p:nvSpPr>
+          <p:cNvPr id="6" name="Rectangle 5"/>
+          <p:cNvSpPr/>
+          <p:nvPr/>
+        </p:nvSpPr>
+        <p:spPr>
+          <a:xfrm>
+            <a:off x="1016000" y="6781800"/>
+            <a:ext cx="8128000" cy="76200"/>
+          </a:xfrm>
+          <a:prstGeom prst="rect">
+            <a:avLst/>
+          </a:prstGeom>
+          <a:gradFill>
+            <a:gsLst>
+              <a:gs pos="0">
+                <a:schemeClr val="accent2"/>
+              </a:gs>
+              <a:gs pos="52000">
+                <a:schemeClr val="accent1">
+                  <a:lumMod val="45000"/>
+                  <a:lumOff val="55000"/>
+                </a:schemeClr>
+              </a:gs>
+              <a:gs pos="98000">
+                <a:srgbClr val="FFC000"/>
+              </a:gs>
+            </a:gsLst>
+            <a:lin ang="0" scaled="0"/>
+          </a:gradFill>
+          <a:ln>
+            <a:noFill/>
+          </a:ln>
+        </p:spPr>
+        <p:style>
+          <a:lnRef idx="2">
+            <a:schemeClr val="accent1">
+              <a:shade val="50000"/>
+            </a:schemeClr>
+          </a:lnRef>
+          <a:fillRef idx="1">
+            <a:schemeClr val="accent1"/>
+          </a:fillRef>
+          <a:effectRef idx="0">
+            <a:schemeClr val="accent1"/>
+          </a:effectRef>
+          <a:fontRef idx="minor">
+            <a:schemeClr val="lt1"/>
+          </a:fontRef>
+        </p:style>
+        <p:txBody>
+          <a:bodyPr rtlCol="0" anchor="ctr"/>
+          <a:lstStyle/>
+          <a:p>
+            <a:pPr algn="ctr"/>
+            <a:endParaRPr lang="en-US"/>
+          </a:p>
+        </p:txBody>
+      </p:sp>
+      <p:sp>
+        <p:nvSpPr>
+          <p:cNvPr id="8" name="Rectangle 7"/>
+          <p:cNvSpPr/>
+          <p:nvPr/>
+        </p:nvSpPr>
+        <p:spPr>
+          <a:xfrm>
+            <a:off x="1016000" y="0"/>
+            <a:ext cx="8128000" cy="692696"/>
+          </a:xfrm>
+          <a:prstGeom prst="rect">
+            <a:avLst/>
+          </a:prstGeom>
+          <a:solidFill>
+            <a:schemeClr val="accent2"/>
+          </a:solidFill>
+          <a:ln>
+            <a:noFill/>
+          </a:ln>
+        </p:spPr>
+        <p:style>
+          <a:lnRef idx="2">
+            <a:schemeClr val="accent1">
+              <a:shade val="50000"/>
+            </a:schemeClr>
+          </a:lnRef>
+          <a:fillRef idx="1">
+            <a:schemeClr val="accent1"/>
+          </a:fillRef>
+          <a:effectRef idx="0">
+            <a:schemeClr val="accent1"/>
+          </a:effectRef>
+          <a:fontRef idx="minor">
+            <a:schemeClr val="lt1"/>
+          </a:fontRef>
+        </p:style>
+        <p:txBody>
+          <a:bodyPr rtlCol="0" anchor="ctr"/>
+          <a:lstStyle/>
+          <a:p>
+            <a:pPr algn="ctr"/>
+            <a:endParaRPr lang="en-US"/>
+          </a:p>
+        </p:txBody>
+      </p:sp>
+      <p:sp>
+        <p:nvSpPr>
+          <p:cNvPr id="9" name="Title 1"/>
+          <p:cNvSpPr txBox="1">
+            <a:spLocks/>
+          </p:cNvSpPr>
+          <p:nvPr/>
+        </p:nvSpPr>
+        <p:spPr>
+          <a:xfrm>
+            <a:off x="381000" y="-171400"/>
+            <a:ext cx="8229600" cy="914400"/>
+          </a:xfrm>
+          <a:prstGeom prst="rect">
+            <a:avLst/>
+          </a:prstGeom>
+        </p:spPr>
+        <p:txBody>
+          <a:bodyPr anchor="ctr">
+            <a:normAutofit/>
+          </a:bodyPr>
+          <a:lstStyle>
+            <a:lvl1pPr algn="l" rtl="0" eaLnBrk="1" latinLnBrk="0" hangingPunct="1">
+              <a:spcBef>
+                <a:spcPct val="0"/>
+              </a:spcBef>
+              <a:buNone/>
+              <a:defRPr kumimoji="0" sz="4300" kern="1200">
+                <a:solidFill>
+                  <a:schemeClr val="tx2">
+                    <a:satMod val="130000"/>
+                  </a:schemeClr>
+                </a:solidFill>
+                <a:effectLst>
+                  <a:outerShdw blurRad="50000" dist="30000" dir="5400000" algn="tl" rotWithShape="0">
+                    <a:srgbClr val="000000">
+                      <a:alpha val="30000"/>
+                    </a:srgbClr>
+                  </a:outerShdw>
+                </a:effectLst>
+                <a:latin typeface="+mj-lt"/>
+                <a:ea typeface="+mj-ea"/>
+                <a:cs typeface="+mj-cs"/>
+              </a:defRPr>
+            </a:lvl1pPr>
+            <a:extLst/>
+          </a:lstStyle>
+          <a:p>
+            <a:r>
+              <a:rPr lang="en-US" sz="3500" b="1" dirty="0" smtClean="0">
+                <a:solidFill>
+                  <a:schemeClr val="bg1"/>
+                </a:solidFill>
+                <a:latin typeface="Times New Roman" panose="02020603050405020304" pitchFamily="18" charset="0"/>
+                <a:cs typeface="Times New Roman" panose="02020603050405020304" pitchFamily="18" charset="0"/>
+              </a:rPr>
+              <a:t>	3.1. </a:t>
+            </a:r>
+            <a:r>
+              <a:rPr lang="en-US" sz="3500" b="1" dirty="0" err="1" smtClean="0">
+                <a:solidFill>
+                  <a:schemeClr val="bg1"/>
+                </a:solidFill>
+                <a:latin typeface="Times New Roman" panose="02020603050405020304" pitchFamily="18" charset="0"/>
+                <a:cs typeface="Times New Roman" panose="02020603050405020304" pitchFamily="18" charset="0"/>
+              </a:rPr>
+              <a:t>Phân</a:t>
+            </a:r>
+            <a:r>
+              <a:rPr lang="en-US" sz="3500" b="1" dirty="0" smtClean="0">
+                <a:solidFill>
+                  <a:schemeClr val="bg1"/>
+                </a:solidFill>
+                <a:latin typeface="Times New Roman" panose="02020603050405020304" pitchFamily="18" charset="0"/>
+                <a:cs typeface="Times New Roman" panose="02020603050405020304" pitchFamily="18" charset="0"/>
+              </a:rPr>
+              <a:t> </a:t>
+            </a:r>
+            <a:r>
+              <a:rPr lang="en-US" sz="3500" b="1" dirty="0" err="1" smtClean="0">
+                <a:solidFill>
+                  <a:schemeClr val="bg1"/>
+                </a:solidFill>
+                <a:latin typeface="Times New Roman" panose="02020603050405020304" pitchFamily="18" charset="0"/>
+                <a:cs typeface="Times New Roman" panose="02020603050405020304" pitchFamily="18" charset="0"/>
+              </a:rPr>
+              <a:t>tích</a:t>
+            </a:r>
+            <a:r>
+              <a:rPr lang="en-US" sz="3500" b="1" dirty="0" smtClean="0">
+                <a:solidFill>
+                  <a:schemeClr val="bg1"/>
+                </a:solidFill>
+                <a:latin typeface="Times New Roman" panose="02020603050405020304" pitchFamily="18" charset="0"/>
+                <a:cs typeface="Times New Roman" panose="02020603050405020304" pitchFamily="18" charset="0"/>
+              </a:rPr>
+              <a:t> </a:t>
+            </a:r>
+            <a:r>
+              <a:rPr lang="en-US" sz="3500" b="1" dirty="0" err="1" smtClean="0">
+                <a:solidFill>
+                  <a:schemeClr val="bg1"/>
+                </a:solidFill>
+                <a:latin typeface="Times New Roman" panose="02020603050405020304" pitchFamily="18" charset="0"/>
+                <a:cs typeface="Times New Roman" panose="02020603050405020304" pitchFamily="18" charset="0"/>
+              </a:rPr>
+              <a:t>thiết</a:t>
+            </a:r>
+            <a:r>
+              <a:rPr lang="en-US" sz="3500" b="1" dirty="0" smtClean="0">
+                <a:solidFill>
+                  <a:schemeClr val="bg1"/>
+                </a:solidFill>
+                <a:latin typeface="Times New Roman" panose="02020603050405020304" pitchFamily="18" charset="0"/>
+                <a:cs typeface="Times New Roman" panose="02020603050405020304" pitchFamily="18" charset="0"/>
+              </a:rPr>
+              <a:t> </a:t>
+            </a:r>
+            <a:r>
+              <a:rPr lang="en-US" sz="3500" b="1" dirty="0" err="1" smtClean="0">
+                <a:solidFill>
+                  <a:schemeClr val="bg1"/>
+                </a:solidFill>
+                <a:latin typeface="Times New Roman" panose="02020603050405020304" pitchFamily="18" charset="0"/>
+                <a:cs typeface="Times New Roman" panose="02020603050405020304" pitchFamily="18" charset="0"/>
+              </a:rPr>
+              <a:t>kế</a:t>
+            </a:r>
+            <a:r>
+              <a:rPr lang="en-US" sz="3500" b="1" dirty="0" smtClean="0">
+                <a:solidFill>
+                  <a:schemeClr val="bg1"/>
+                </a:solidFill>
+                <a:latin typeface="Times New Roman" panose="02020603050405020304" pitchFamily="18" charset="0"/>
+                <a:cs typeface="Times New Roman" panose="02020603050405020304" pitchFamily="18" charset="0"/>
+              </a:rPr>
+              <a:t> </a:t>
+            </a:r>
+            <a:r>
+              <a:rPr lang="en-US" sz="3500" b="1" dirty="0" err="1" smtClean="0">
+                <a:solidFill>
+                  <a:schemeClr val="bg1"/>
+                </a:solidFill>
+                <a:latin typeface="Times New Roman" panose="02020603050405020304" pitchFamily="18" charset="0"/>
+                <a:cs typeface="Times New Roman" panose="02020603050405020304" pitchFamily="18" charset="0"/>
+              </a:rPr>
+              <a:t>hệ</a:t>
+            </a:r>
+            <a:r>
+              <a:rPr lang="en-US" sz="3500" b="1" dirty="0" smtClean="0">
+                <a:solidFill>
+                  <a:schemeClr val="bg1"/>
+                </a:solidFill>
+                <a:latin typeface="Times New Roman" panose="02020603050405020304" pitchFamily="18" charset="0"/>
+                <a:cs typeface="Times New Roman" panose="02020603050405020304" pitchFamily="18" charset="0"/>
+              </a:rPr>
+              <a:t> </a:t>
+            </a:r>
+            <a:r>
+              <a:rPr lang="en-US" sz="3500" b="1" dirty="0" err="1" smtClean="0">
+                <a:solidFill>
+                  <a:schemeClr val="bg1"/>
+                </a:solidFill>
+                <a:latin typeface="Times New Roman" panose="02020603050405020304" pitchFamily="18" charset="0"/>
+                <a:cs typeface="Times New Roman" panose="02020603050405020304" pitchFamily="18" charset="0"/>
+              </a:rPr>
+              <a:t>thống</a:t>
+            </a:r>
+            <a:endParaRPr lang="en-US" sz="3500" b="1" dirty="0">
+              <a:solidFill>
+                <a:schemeClr val="bg1"/>
+              </a:solidFill>
+              <a:latin typeface="Times New Roman" panose="02020603050405020304" pitchFamily="18" charset="0"/>
+              <a:cs typeface="Times New Roman" panose="02020603050405020304" pitchFamily="18" charset="0"/>
             </a:endParaRPr>
           </a:p>
         </p:txBody>
@@ -28768,7 +31369,7 @@
         </p:spPr>
         <p:txBody>
           <a:bodyPr vert="horz" lIns="0" rIns="0" bIns="0" anchor="b">
-            <a:normAutofit fontScale="92500" lnSpcReduction="10000"/>
+            <a:normAutofit/>
           </a:bodyPr>
           <a:lstStyle/>
           <a:p>
@@ -28778,186 +31379,6 @@
               </a:spcBef>
               <a:defRPr/>
             </a:pPr>
-            <a:r>
-              <a:rPr lang="en-US" sz="5400" dirty="0">
-                <a:solidFill>
-                  <a:schemeClr val="tx2">
-                    <a:lumMod val="50000"/>
-                  </a:schemeClr>
-                </a:solidFill>
-                <a:latin typeface="Times New Roman" panose="02020603050405020304" pitchFamily="18" charset="0"/>
-                <a:cs typeface="Times New Roman" panose="02020603050405020304" pitchFamily="18" charset="0"/>
-              </a:rPr>
-              <a:t> </a:t>
-            </a:r>
-            <a:r>
-              <a:rPr lang="en-US" sz="5400" dirty="0" smtClean="0">
-                <a:solidFill>
-                  <a:schemeClr val="tx2">
-                    <a:lumMod val="50000"/>
-                  </a:schemeClr>
-                </a:solidFill>
-                <a:latin typeface="Times New Roman" panose="02020603050405020304" pitchFamily="18" charset="0"/>
-                <a:cs typeface="Times New Roman" panose="02020603050405020304" pitchFamily="18" charset="0"/>
-              </a:rPr>
-              <a:t>   </a:t>
-            </a:r>
-            <a:r>
-              <a:rPr lang="en-US" sz="4300" dirty="0" smtClean="0">
-                <a:solidFill>
-                  <a:schemeClr val="accent5">
-                    <a:lumMod val="50000"/>
-                  </a:schemeClr>
-                </a:solidFill>
-                <a:latin typeface="Times New Roman" panose="02020603050405020304" pitchFamily="18" charset="0"/>
-                <a:cs typeface="Times New Roman" panose="02020603050405020304" pitchFamily="18" charset="0"/>
-              </a:rPr>
-              <a:t>3.1</a:t>
-            </a:r>
-            <a:r>
-              <a:rPr lang="en-US" sz="4300" dirty="0">
-                <a:solidFill>
-                  <a:schemeClr val="accent5">
-                    <a:lumMod val="50000"/>
-                  </a:schemeClr>
-                </a:solidFill>
-                <a:latin typeface="Times New Roman" panose="02020603050405020304" pitchFamily="18" charset="0"/>
-                <a:cs typeface="Times New Roman" panose="02020603050405020304" pitchFamily="18" charset="0"/>
-              </a:rPr>
-              <a:t>. </a:t>
-            </a:r>
-            <a:r>
-              <a:rPr lang="en-US" sz="4300" dirty="0" err="1" smtClean="0">
-                <a:solidFill>
-                  <a:schemeClr val="accent5">
-                    <a:lumMod val="50000"/>
-                  </a:schemeClr>
-                </a:solidFill>
-                <a:latin typeface="Times New Roman" panose="02020603050405020304" pitchFamily="18" charset="0"/>
-                <a:cs typeface="Times New Roman" panose="02020603050405020304" pitchFamily="18" charset="0"/>
-              </a:rPr>
-              <a:t>Phân</a:t>
-            </a:r>
-            <a:r>
-              <a:rPr lang="en-US" sz="4300" dirty="0" smtClean="0">
-                <a:solidFill>
-                  <a:schemeClr val="accent5">
-                    <a:lumMod val="50000"/>
-                  </a:schemeClr>
-                </a:solidFill>
-                <a:latin typeface="Times New Roman" panose="02020603050405020304" pitchFamily="18" charset="0"/>
-                <a:cs typeface="Times New Roman" panose="02020603050405020304" pitchFamily="18" charset="0"/>
-              </a:rPr>
-              <a:t> </a:t>
-            </a:r>
-            <a:r>
-              <a:rPr lang="en-US" sz="4300" dirty="0" err="1">
-                <a:solidFill>
-                  <a:schemeClr val="accent5">
-                    <a:lumMod val="50000"/>
-                  </a:schemeClr>
-                </a:solidFill>
-                <a:latin typeface="Times New Roman" panose="02020603050405020304" pitchFamily="18" charset="0"/>
-                <a:cs typeface="Times New Roman" panose="02020603050405020304" pitchFamily="18" charset="0"/>
-              </a:rPr>
-              <a:t>tích</a:t>
-            </a:r>
-            <a:r>
-              <a:rPr lang="en-US" sz="4300" dirty="0">
-                <a:solidFill>
-                  <a:schemeClr val="accent5">
-                    <a:lumMod val="50000"/>
-                  </a:schemeClr>
-                </a:solidFill>
-                <a:latin typeface="Times New Roman" panose="02020603050405020304" pitchFamily="18" charset="0"/>
-                <a:cs typeface="Times New Roman" panose="02020603050405020304" pitchFamily="18" charset="0"/>
-              </a:rPr>
-              <a:t> </a:t>
-            </a:r>
-            <a:r>
-              <a:rPr lang="en-US" sz="4300" dirty="0" err="1">
-                <a:solidFill>
-                  <a:schemeClr val="accent5">
-                    <a:lumMod val="50000"/>
-                  </a:schemeClr>
-                </a:solidFill>
-                <a:latin typeface="Times New Roman" panose="02020603050405020304" pitchFamily="18" charset="0"/>
-                <a:cs typeface="Times New Roman" panose="02020603050405020304" pitchFamily="18" charset="0"/>
-              </a:rPr>
-              <a:t>thiết</a:t>
-            </a:r>
-            <a:r>
-              <a:rPr lang="en-US" sz="4300" dirty="0">
-                <a:solidFill>
-                  <a:schemeClr val="accent5">
-                    <a:lumMod val="50000"/>
-                  </a:schemeClr>
-                </a:solidFill>
-                <a:latin typeface="Times New Roman" panose="02020603050405020304" pitchFamily="18" charset="0"/>
-                <a:cs typeface="Times New Roman" panose="02020603050405020304" pitchFamily="18" charset="0"/>
-              </a:rPr>
-              <a:t> </a:t>
-            </a:r>
-            <a:r>
-              <a:rPr lang="en-US" sz="4300" dirty="0" err="1">
-                <a:solidFill>
-                  <a:schemeClr val="accent5">
-                    <a:lumMod val="50000"/>
-                  </a:schemeClr>
-                </a:solidFill>
-                <a:latin typeface="Times New Roman" panose="02020603050405020304" pitchFamily="18" charset="0"/>
-                <a:cs typeface="Times New Roman" panose="02020603050405020304" pitchFamily="18" charset="0"/>
-              </a:rPr>
-              <a:t>kế</a:t>
-            </a:r>
-            <a:r>
-              <a:rPr lang="en-US" sz="4300" dirty="0">
-                <a:solidFill>
-                  <a:schemeClr val="accent5">
-                    <a:lumMod val="50000"/>
-                  </a:schemeClr>
-                </a:solidFill>
-                <a:latin typeface="Times New Roman" panose="02020603050405020304" pitchFamily="18" charset="0"/>
-                <a:cs typeface="Times New Roman" panose="02020603050405020304" pitchFamily="18" charset="0"/>
-              </a:rPr>
-              <a:t> </a:t>
-            </a:r>
-            <a:r>
-              <a:rPr lang="en-US" sz="4300" dirty="0" err="1">
-                <a:solidFill>
-                  <a:schemeClr val="accent5">
-                    <a:lumMod val="50000"/>
-                  </a:schemeClr>
-                </a:solidFill>
-                <a:latin typeface="Times New Roman" panose="02020603050405020304" pitchFamily="18" charset="0"/>
-                <a:cs typeface="Times New Roman" panose="02020603050405020304" pitchFamily="18" charset="0"/>
-              </a:rPr>
-              <a:t>hệ</a:t>
-            </a:r>
-            <a:r>
-              <a:rPr lang="en-US" sz="4300" dirty="0">
-                <a:solidFill>
-                  <a:schemeClr val="accent5">
-                    <a:lumMod val="50000"/>
-                  </a:schemeClr>
-                </a:solidFill>
-                <a:latin typeface="Times New Roman" panose="02020603050405020304" pitchFamily="18" charset="0"/>
-                <a:cs typeface="Times New Roman" panose="02020603050405020304" pitchFamily="18" charset="0"/>
-              </a:rPr>
-              <a:t> </a:t>
-            </a:r>
-            <a:r>
-              <a:rPr lang="en-US" sz="4300" dirty="0" err="1">
-                <a:solidFill>
-                  <a:schemeClr val="accent5">
-                    <a:lumMod val="50000"/>
-                  </a:schemeClr>
-                </a:solidFill>
-                <a:latin typeface="Times New Roman" panose="02020603050405020304" pitchFamily="18" charset="0"/>
-                <a:cs typeface="Times New Roman" panose="02020603050405020304" pitchFamily="18" charset="0"/>
-              </a:rPr>
-              <a:t>thống</a:t>
-            </a:r>
             <a:endParaRPr kumimoji="0" lang="en-US" sz="4300" b="0" i="0" u="none" strike="noStrike" kern="1200" cap="none" spc="0" normalizeH="0" baseline="0" noProof="0" dirty="0">
               <a:ln>
                 <a:noFill/>
@@ -29064,7 +31485,56 @@
                   <a:lin ang="5400000"/>
                 </a:gradFill>
               </a:rPr>
-              <a:t> Biểu đồ mức khung cảnh</a:t>
+              <a:t>3.1.2 </a:t>
+            </a:r>
+            <a:r>
+              <a:rPr lang="en-US" b="1" dirty="0" smtClean="0">
+                <a:ln w="10541" cmpd="sng">
+                  <a:solidFill>
+                    <a:schemeClr val="accent1">
+                      <a:shade val="88000"/>
+                      <a:satMod val="110000"/>
+                    </a:schemeClr>
+                  </a:solidFill>
+                  <a:prstDash val="solid"/>
+                </a:ln>
+                <a:gradFill>
+                  <a:gsLst>
+                    <a:gs pos="0">
+                      <a:schemeClr val="accent1">
+                        <a:tint val="40000"/>
+                        <a:satMod val="250000"/>
+                      </a:schemeClr>
+                    </a:gs>
+                    <a:gs pos="9000">
+                      <a:schemeClr val="accent1">
+                        <a:tint val="52000"/>
+                        <a:satMod val="300000"/>
+                      </a:schemeClr>
+                    </a:gs>
+                    <a:gs pos="50000">
+                      <a:schemeClr val="accent1">
+                        <a:shade val="20000"/>
+                        <a:satMod val="300000"/>
+                      </a:schemeClr>
+                    </a:gs>
+                    <a:gs pos="79000">
+                      <a:schemeClr val="accent1">
+                        <a:tint val="52000"/>
+                        <a:satMod val="300000"/>
+                      </a:schemeClr>
+                    </a:gs>
+                    <a:gs pos="100000">
+                      <a:schemeClr val="accent1">
+                        <a:tint val="40000"/>
+                        <a:satMod val="250000"/>
+                      </a:schemeClr>
+                    </a:gs>
+                  </a:gsLst>
+                  <a:lin ang="5400000"/>
+                </a:gradFill>
+              </a:rPr>
+              <a:t>Biểu đồ mức khung cảnh</a:t>
             </a:r>
             <a:endParaRPr lang="en-US" b="1" dirty="0">
               <a:ln w="10541" cmpd="sng">
@@ -29117,9 +31587,9 @@
       </p:sp>
       <p:pic>
         <p:nvPicPr>
-          <p:cNvPr id="2050" name="Picture 2"/>
+          <p:cNvPr id="6" name="Content Placeholder 5"/>
           <p:cNvPicPr>
-            <a:picLocks noGrp="1" noChangeAspect="1" noChangeArrowheads="1"/>
+            <a:picLocks noGrp="1" noChangeAspect="1"/>
           </p:cNvPicPr>
           <p:nvPr>
             <p:ph idx="1"/>
@@ -29127,27 +31597,321 @@
         </p:nvPicPr>
         <p:blipFill rotWithShape="1">
           <a:blip r:embed="rId3"/>
-          <a:srcRect l="26080" t="26718" r="24503" b="52026"/>
+          <a:srcRect l="25506" t="28116" r="25524" b="41158"/>
           <a:stretch/>
         </p:blipFill>
-        <p:spPr bwMode="auto">
+        <p:spPr>
           <a:xfrm>
-            <a:off x="1066800" y="2362200"/>
-            <a:ext cx="8077200" cy="2743200"/>
+            <a:off x="1307637" y="2204864"/>
+            <a:ext cx="7752862" cy="2736304"/>
           </a:xfrm>
           <a:prstGeom prst="rect">
             <a:avLst/>
           </a:prstGeom>
-          <a:noFill/>
-          <a:ln w="9525">
-            <a:noFill/>
-            <a:miter lim="800000"/>
-            <a:headEnd/>
-            <a:tailEnd/>
-          </a:ln>
-          <a:effectLst/>
         </p:spPr>
       </p:pic>
+      <p:sp>
+        <p:nvSpPr>
+          <p:cNvPr id="7" name="Slide Number Placeholder 6"/>
+          <p:cNvSpPr>
+            <a:spLocks noGrp="1"/>
+          </p:cNvSpPr>
+          <p:nvPr>
+            <p:ph type="sldNum" sz="quarter" idx="12"/>
+          </p:nvPr>
+        </p:nvSpPr>
+        <p:spPr/>
+        <p:txBody>
+          <a:bodyPr/>
+          <a:lstStyle/>
+          <a:p>
+            <a:fld id="{B6F15528-21DE-4FAA-801E-634DDDAF4B2B}" type="slidenum">
+              <a:rPr lang="en-US" smtClean="0"/>
+              <a:pPr/>
+              <a:t>7</a:t>
+            </a:fld>
+            <a:endParaRPr lang="en-US"/>
+          </a:p>
+        </p:txBody>
+      </p:sp>
+      <p:sp>
+        <p:nvSpPr>
+          <p:cNvPr id="8" name="Rectangle 7"/>
+          <p:cNvSpPr/>
+          <p:nvPr/>
+        </p:nvSpPr>
+        <p:spPr>
+          <a:xfrm>
+            <a:off x="1016000" y="6781800"/>
+            <a:ext cx="8128000" cy="76200"/>
+          </a:xfrm>
+          <a:prstGeom prst="rect">
+            <a:avLst/>
+          </a:prstGeom>
+          <a:gradFill>
+            <a:gsLst>
+              <a:gs pos="0">
+                <a:schemeClr val="accent2"/>
+              </a:gs>
+              <a:gs pos="52000">
+                <a:schemeClr val="accent1">
+                  <a:lumMod val="45000"/>
+                  <a:lumOff val="55000"/>
+                </a:schemeClr>
+              </a:gs>
+              <a:gs pos="98000">
+                <a:srgbClr val="FFC000"/>
+              </a:gs>
+            </a:gsLst>
+            <a:lin ang="0" scaled="0"/>
+          </a:gradFill>
+          <a:ln>
+            <a:noFill/>
+          </a:ln>
+        </p:spPr>
+        <p:style>
+          <a:lnRef idx="2">
+            <a:schemeClr val="accent1">
+              <a:shade val="50000"/>
+            </a:schemeClr>
+          </a:lnRef>
+          <a:fillRef idx="1">
+            <a:schemeClr val="accent1"/>
+          </a:fillRef>
+          <a:effectRef idx="0">
+            <a:schemeClr val="accent1"/>
+          </a:effectRef>
+          <a:fontRef idx="minor">
+            <a:schemeClr val="lt1"/>
+          </a:fontRef>
+        </p:style>
+        <p:txBody>
+          <a:bodyPr rtlCol="0" anchor="ctr"/>
+          <a:lstStyle/>
+          <a:p>
+            <a:pPr algn="ctr"/>
+            <a:endParaRPr lang="en-US"/>
+          </a:p>
+        </p:txBody>
+      </p:sp>
+      <p:sp>
+        <p:nvSpPr>
+          <p:cNvPr id="9" name="Rectangle 8"/>
+          <p:cNvSpPr/>
+          <p:nvPr/>
+        </p:nvSpPr>
+        <p:spPr>
+          <a:xfrm>
+            <a:off x="1016000" y="0"/>
+            <a:ext cx="8128000" cy="692696"/>
+          </a:xfrm>
+          <a:prstGeom prst="rect">
+            <a:avLst/>
+          </a:prstGeom>
+          <a:solidFill>
+            <a:schemeClr val="accent2"/>
+          </a:solidFill>
+          <a:ln>
+            <a:noFill/>
+          </a:ln>
+        </p:spPr>
+        <p:style>
+          <a:lnRef idx="2">
+            <a:schemeClr val="accent1">
+              <a:shade val="50000"/>
+            </a:schemeClr>
+          </a:lnRef>
+          <a:fillRef idx="1">
+            <a:schemeClr val="accent1"/>
+          </a:fillRef>
+          <a:effectRef idx="0">
+            <a:schemeClr val="accent1"/>
+          </a:effectRef>
+          <a:fontRef idx="minor">
+            <a:schemeClr val="lt1"/>
+          </a:fontRef>
+        </p:style>
+        <p:txBody>
+          <a:bodyPr rtlCol="0" anchor="ctr"/>
+          <a:lstStyle/>
+          <a:p>
+            <a:pPr algn="ctr"/>
+            <a:endParaRPr lang="en-US"/>
+          </a:p>
+        </p:txBody>
+      </p:sp>
+      <p:sp>
+        <p:nvSpPr>
+          <p:cNvPr id="10" name="Title 1"/>
+          <p:cNvSpPr>
+            <a:spLocks noGrp="1"/>
+          </p:cNvSpPr>
+          <p:nvPr>
+            <p:ph type="title"/>
+          </p:nvPr>
+        </p:nvSpPr>
+        <p:spPr>
+          <a:xfrm>
+            <a:off x="381000" y="-171400"/>
+            <a:ext cx="8229600" cy="914400"/>
+          </a:xfrm>
+        </p:spPr>
+        <p:txBody>
+          <a:bodyPr>
+            <a:normAutofit/>
+          </a:bodyPr>
+          <a:lstStyle/>
+          <a:p>
+            <a:r>
+              <a:rPr lang="en-US" sz="3500" b="1" dirty="0" smtClean="0">
+                <a:solidFill>
+                  <a:schemeClr val="bg1"/>
+                </a:solidFill>
+                <a:latin typeface="Times New Roman" panose="02020603050405020304" pitchFamily="18" charset="0"/>
+                <a:cs typeface="Times New Roman" panose="02020603050405020304" pitchFamily="18" charset="0"/>
+              </a:rPr>
+              <a:t>       </a:t>
+            </a:r>
+            <a:r>
+              <a:rPr lang="en-US" sz="3500" b="1" dirty="0" smtClean="0">
+                <a:solidFill>
+                  <a:schemeClr val="bg1"/>
+                </a:solidFill>
+                <a:latin typeface="Times New Roman" panose="02020603050405020304" pitchFamily="18" charset="0"/>
+                <a:cs typeface="Times New Roman" panose="02020603050405020304" pitchFamily="18" charset="0"/>
+              </a:rPr>
+              <a:t>3.1</a:t>
+            </a:r>
+            <a:r>
+              <a:rPr lang="en-US" sz="3500" b="1" dirty="0" smtClean="0">
+                <a:solidFill>
+                  <a:schemeClr val="bg1"/>
+                </a:solidFill>
+                <a:latin typeface="Times New Roman" panose="02020603050405020304" pitchFamily="18" charset="0"/>
+                <a:cs typeface="Times New Roman" panose="02020603050405020304" pitchFamily="18" charset="0"/>
+              </a:rPr>
+              <a:t>. </a:t>
+            </a:r>
+            <a:r>
+              <a:rPr lang="en-US" sz="3500" b="1" dirty="0" err="1" smtClean="0">
+                <a:solidFill>
+                  <a:schemeClr val="bg1"/>
+                </a:solidFill>
+                <a:latin typeface="Times New Roman" panose="02020603050405020304" pitchFamily="18" charset="0"/>
+                <a:cs typeface="Times New Roman" panose="02020603050405020304" pitchFamily="18" charset="0"/>
+              </a:rPr>
+              <a:t>Phân</a:t>
+            </a:r>
+            <a:r>
+              <a:rPr lang="en-US" sz="3500" b="1" dirty="0" smtClean="0">
+                <a:solidFill>
+                  <a:schemeClr val="bg1"/>
+                </a:solidFill>
+                <a:latin typeface="Times New Roman" panose="02020603050405020304" pitchFamily="18" charset="0"/>
+                <a:cs typeface="Times New Roman" panose="02020603050405020304" pitchFamily="18" charset="0"/>
+              </a:rPr>
+              <a:t> </a:t>
+            </a:r>
+            <a:r>
+              <a:rPr lang="en-US" sz="3500" b="1" dirty="0" err="1" smtClean="0">
+                <a:solidFill>
+                  <a:schemeClr val="bg1"/>
+                </a:solidFill>
+                <a:latin typeface="Times New Roman" panose="02020603050405020304" pitchFamily="18" charset="0"/>
+                <a:cs typeface="Times New Roman" panose="02020603050405020304" pitchFamily="18" charset="0"/>
+              </a:rPr>
+              <a:t>Tích</a:t>
+            </a:r>
+            <a:r>
+              <a:rPr lang="en-US" sz="3500" b="1" dirty="0" smtClean="0">
+                <a:solidFill>
+                  <a:schemeClr val="bg1"/>
+                </a:solidFill>
+                <a:latin typeface="Times New Roman" panose="02020603050405020304" pitchFamily="18" charset="0"/>
+                <a:cs typeface="Times New Roman" panose="02020603050405020304" pitchFamily="18" charset="0"/>
+              </a:rPr>
+              <a:t> </a:t>
+            </a:r>
+            <a:r>
+              <a:rPr lang="en-US" sz="3500" b="1" dirty="0" err="1" smtClean="0">
+                <a:solidFill>
+                  <a:schemeClr val="bg1"/>
+                </a:solidFill>
+                <a:latin typeface="Times New Roman" panose="02020603050405020304" pitchFamily="18" charset="0"/>
+                <a:cs typeface="Times New Roman" panose="02020603050405020304" pitchFamily="18" charset="0"/>
+              </a:rPr>
+              <a:t>Thiết</a:t>
+            </a:r>
+            <a:r>
+              <a:rPr lang="en-US" sz="3500" b="1" dirty="0" smtClean="0">
+                <a:solidFill>
+                  <a:schemeClr val="bg1"/>
+                </a:solidFill>
+                <a:latin typeface="Times New Roman" panose="02020603050405020304" pitchFamily="18" charset="0"/>
+                <a:cs typeface="Times New Roman" panose="02020603050405020304" pitchFamily="18" charset="0"/>
+              </a:rPr>
+              <a:t> </a:t>
+            </a:r>
+            <a:r>
+              <a:rPr lang="en-US" sz="3500" b="1" dirty="0" err="1" smtClean="0">
+                <a:solidFill>
+                  <a:schemeClr val="bg1"/>
+                </a:solidFill>
+                <a:latin typeface="Times New Roman" panose="02020603050405020304" pitchFamily="18" charset="0"/>
+                <a:cs typeface="Times New Roman" panose="02020603050405020304" pitchFamily="18" charset="0"/>
+              </a:rPr>
+              <a:t>Kế</a:t>
+            </a:r>
+            <a:r>
+              <a:rPr lang="en-US" sz="3500" b="1" dirty="0" smtClean="0">
+                <a:solidFill>
+                  <a:schemeClr val="bg1"/>
+                </a:solidFill>
+                <a:latin typeface="Times New Roman" panose="02020603050405020304" pitchFamily="18" charset="0"/>
+                <a:cs typeface="Times New Roman" panose="02020603050405020304" pitchFamily="18" charset="0"/>
+              </a:rPr>
+              <a:t> </a:t>
+            </a:r>
+            <a:r>
+              <a:rPr lang="en-US" sz="3500" b="1" dirty="0" err="1" smtClean="0">
+                <a:solidFill>
+                  <a:schemeClr val="bg1"/>
+                </a:solidFill>
+                <a:latin typeface="Times New Roman" panose="02020603050405020304" pitchFamily="18" charset="0"/>
+                <a:cs typeface="Times New Roman" panose="02020603050405020304" pitchFamily="18" charset="0"/>
+              </a:rPr>
+              <a:t>Hệ</a:t>
+            </a:r>
+            <a:r>
+              <a:rPr lang="en-US" sz="3500" b="1" dirty="0" smtClean="0">
+                <a:solidFill>
+                  <a:schemeClr val="bg1"/>
+                </a:solidFill>
+                <a:latin typeface="Times New Roman" panose="02020603050405020304" pitchFamily="18" charset="0"/>
+                <a:cs typeface="Times New Roman" panose="02020603050405020304" pitchFamily="18" charset="0"/>
+              </a:rPr>
+              <a:t> </a:t>
+            </a:r>
+            <a:r>
+              <a:rPr lang="en-US" sz="3500" b="1" dirty="0" err="1" smtClean="0">
+                <a:solidFill>
+                  <a:schemeClr val="bg1"/>
+                </a:solidFill>
+                <a:latin typeface="Times New Roman" panose="02020603050405020304" pitchFamily="18" charset="0"/>
+                <a:cs typeface="Times New Roman" panose="02020603050405020304" pitchFamily="18" charset="0"/>
+              </a:rPr>
+              <a:t>Thống</a:t>
+            </a:r>
+            <a:endParaRPr lang="en-US" sz="3500" b="1" dirty="0">
+              <a:solidFill>
+                <a:schemeClr val="bg1"/>
+              </a:solidFill>
+              <a:latin typeface="Times New Roman" panose="02020603050405020304" pitchFamily="18" charset="0"/>
+              <a:cs typeface="Times New Roman" panose="02020603050405020304" pitchFamily="18" charset="0"/>
+            </a:endParaRPr>
+          </a:p>
+        </p:txBody>
+      </p:sp>
     </p:spTree>
   </p:cSld>
   <p:clrMapOvr>
@@ -29403,81 +32167,295 @@
               <a:buNone/>
             </a:pPr>
             <a:r>
-              <a:rPr lang="en-US" sz="2600" dirty="0" err="1" smtClean="0">
-                <a:solidFill>
-                  <a:srgbClr val="002060"/>
-                </a:solidFill>
-                <a:latin typeface="Times New Roman" panose="02020603050405020304" pitchFamily="18" charset="0"/>
-                <a:cs typeface="Times New Roman" panose="02020603050405020304" pitchFamily="18" charset="0"/>
+              <a:rPr lang="en-US" sz="2300" b="1" dirty="0" smtClean="0">
+                <a:ln w="10541" cmpd="sng">
+                  <a:solidFill>
+                    <a:schemeClr val="accent1">
+                      <a:shade val="88000"/>
+                      <a:satMod val="110000"/>
+                    </a:schemeClr>
+                  </a:solidFill>
+                  <a:prstDash val="solid"/>
+                </a:ln>
+                <a:gradFill>
+                  <a:gsLst>
+                    <a:gs pos="0">
+                      <a:schemeClr val="accent1">
+                        <a:tint val="40000"/>
+                        <a:satMod val="250000"/>
+                      </a:schemeClr>
+                    </a:gs>
+                    <a:gs pos="9000">
+                      <a:schemeClr val="accent1">
+                        <a:tint val="52000"/>
+                        <a:satMod val="300000"/>
+                      </a:schemeClr>
+                    </a:gs>
+                    <a:gs pos="50000">
+                      <a:schemeClr val="accent1">
+                        <a:shade val="20000"/>
+                        <a:satMod val="300000"/>
+                      </a:schemeClr>
+                    </a:gs>
+                    <a:gs pos="79000">
+                      <a:schemeClr val="accent1">
+                        <a:tint val="52000"/>
+                        <a:satMod val="300000"/>
+                      </a:schemeClr>
+                    </a:gs>
+                    <a:gs pos="100000">
+                      <a:schemeClr val="accent1">
+                        <a:tint val="40000"/>
+                        <a:satMod val="250000"/>
+                      </a:schemeClr>
+                    </a:gs>
+                  </a:gsLst>
+                  <a:lin ang="5400000"/>
+                </a:gradFill>
+              </a:rPr>
+              <a:t>3.1.3 </a:t>
+            </a:r>
+            <a:r>
+              <a:rPr lang="en-US" sz="2300" b="1" dirty="0" err="1">
+                <a:ln w="10541" cmpd="sng">
+                  <a:solidFill>
+                    <a:schemeClr val="accent1">
+                      <a:shade val="88000"/>
+                      <a:satMod val="110000"/>
+                    </a:schemeClr>
+                  </a:solidFill>
+                  <a:prstDash val="solid"/>
+                </a:ln>
+                <a:gradFill>
+                  <a:gsLst>
+                    <a:gs pos="0">
+                      <a:schemeClr val="accent1">
+                        <a:tint val="40000"/>
+                        <a:satMod val="250000"/>
+                      </a:schemeClr>
+                    </a:gs>
+                    <a:gs pos="9000">
+                      <a:schemeClr val="accent1">
+                        <a:tint val="52000"/>
+                        <a:satMod val="300000"/>
+                      </a:schemeClr>
+                    </a:gs>
+                    <a:gs pos="50000">
+                      <a:schemeClr val="accent1">
+                        <a:shade val="20000"/>
+                        <a:satMod val="300000"/>
+                      </a:schemeClr>
+                    </a:gs>
+                    <a:gs pos="79000">
+                      <a:schemeClr val="accent1">
+                        <a:tint val="52000"/>
+                        <a:satMod val="300000"/>
+                      </a:schemeClr>
+                    </a:gs>
+                    <a:gs pos="100000">
+                      <a:schemeClr val="accent1">
+                        <a:tint val="40000"/>
+                        <a:satMod val="250000"/>
+                      </a:schemeClr>
+                    </a:gs>
+                  </a:gsLst>
+                  <a:lin ang="5400000"/>
+                </a:gradFill>
               </a:rPr>
               <a:t>Biểu</a:t>
             </a:r>
             <a:r>
-              <a:rPr lang="en-US" sz="2600" dirty="0" smtClean="0">
-                <a:solidFill>
-                  <a:srgbClr val="002060"/>
-                </a:solidFill>
-                <a:latin typeface="Times New Roman" panose="02020603050405020304" pitchFamily="18" charset="0"/>
-                <a:cs typeface="Times New Roman" panose="02020603050405020304" pitchFamily="18" charset="0"/>
+              <a:rPr lang="en-US" sz="2300" b="1" dirty="0">
+                <a:ln w="10541" cmpd="sng">
+                  <a:solidFill>
+                    <a:schemeClr val="accent1">
+                      <a:shade val="88000"/>
+                      <a:satMod val="110000"/>
+                    </a:schemeClr>
+                  </a:solidFill>
+                  <a:prstDash val="solid"/>
+                </a:ln>
+                <a:gradFill>
+                  <a:gsLst>
+                    <a:gs pos="0">
+                      <a:schemeClr val="accent1">
+                        <a:tint val="40000"/>
+                        <a:satMod val="250000"/>
+                      </a:schemeClr>
+                    </a:gs>
+                    <a:gs pos="9000">
+                      <a:schemeClr val="accent1">
+                        <a:tint val="52000"/>
+                        <a:satMod val="300000"/>
+                      </a:schemeClr>
+                    </a:gs>
+                    <a:gs pos="50000">
+                      <a:schemeClr val="accent1">
+                        <a:shade val="20000"/>
+                        <a:satMod val="300000"/>
+                      </a:schemeClr>
+                    </a:gs>
+                    <a:gs pos="79000">
+                      <a:schemeClr val="accent1">
+                        <a:tint val="52000"/>
+                        <a:satMod val="300000"/>
+                      </a:schemeClr>
+                    </a:gs>
+                    <a:gs pos="100000">
+                      <a:schemeClr val="accent1">
+                        <a:tint val="40000"/>
+                        <a:satMod val="250000"/>
+                      </a:schemeClr>
+                    </a:gs>
+                  </a:gsLst>
+                  <a:lin ang="5400000"/>
+                </a:gradFill>
               </a:rPr>
               <a:t> </a:t>
             </a:r>
             <a:r>
-              <a:rPr lang="en-US" sz="2600" dirty="0" err="1" smtClean="0">
-                <a:solidFill>
-                  <a:srgbClr val="002060"/>
-                </a:solidFill>
-                <a:latin typeface="Times New Roman" panose="02020603050405020304" pitchFamily="18" charset="0"/>
-                <a:cs typeface="Times New Roman" panose="02020603050405020304" pitchFamily="18" charset="0"/>
+              <a:rPr lang="en-US" sz="2300" b="1" dirty="0" err="1">
+                <a:ln w="10541" cmpd="sng">
+                  <a:solidFill>
+                    <a:schemeClr val="accent1">
+                      <a:shade val="88000"/>
+                      <a:satMod val="110000"/>
+                    </a:schemeClr>
+                  </a:solidFill>
+                  <a:prstDash val="solid"/>
+                </a:ln>
+                <a:gradFill>
+                  <a:gsLst>
+                    <a:gs pos="0">
+                      <a:schemeClr val="accent1">
+                        <a:tint val="40000"/>
+                        <a:satMod val="250000"/>
+                      </a:schemeClr>
+                    </a:gs>
+                    <a:gs pos="9000">
+                      <a:schemeClr val="accent1">
+                        <a:tint val="52000"/>
+                        <a:satMod val="300000"/>
+                      </a:schemeClr>
+                    </a:gs>
+                    <a:gs pos="50000">
+                      <a:schemeClr val="accent1">
+                        <a:shade val="20000"/>
+                        <a:satMod val="300000"/>
+                      </a:schemeClr>
+                    </a:gs>
+                    <a:gs pos="79000">
+                      <a:schemeClr val="accent1">
+                        <a:tint val="52000"/>
+                        <a:satMod val="300000"/>
+                      </a:schemeClr>
+                    </a:gs>
+                    <a:gs pos="100000">
+                      <a:schemeClr val="accent1">
+                        <a:tint val="40000"/>
+                        <a:satMod val="250000"/>
+                      </a:schemeClr>
+                    </a:gs>
+                  </a:gsLst>
+                  <a:lin ang="5400000"/>
+                </a:gradFill>
               </a:rPr>
               <a:t>đồ</a:t>
             </a:r>
             <a:r>
-              <a:rPr lang="en-US" sz="2600" dirty="0" smtClean="0">
-                <a:solidFill>
-                  <a:srgbClr val="002060"/>
-                </a:solidFill>
-                <a:latin typeface="Times New Roman" panose="02020603050405020304" pitchFamily="18" charset="0"/>
-                <a:cs typeface="Times New Roman" panose="02020603050405020304" pitchFamily="18" charset="0"/>
+              <a:rPr lang="en-US" sz="2300" b="1" dirty="0">
+                <a:ln w="10541" cmpd="sng">
+                  <a:solidFill>
+                    <a:schemeClr val="accent1">
+                      <a:shade val="88000"/>
+                      <a:satMod val="110000"/>
+                    </a:schemeClr>
+                  </a:solidFill>
+                  <a:prstDash val="solid"/>
+                </a:ln>
+                <a:gradFill>
+                  <a:gsLst>
+                    <a:gs pos="0">
+                      <a:schemeClr val="accent1">
+                        <a:tint val="40000"/>
+                        <a:satMod val="250000"/>
+                      </a:schemeClr>
+                    </a:gs>
+                    <a:gs pos="9000">
+                      <a:schemeClr val="accent1">
+                        <a:tint val="52000"/>
+                        <a:satMod val="300000"/>
+                      </a:schemeClr>
+                    </a:gs>
+                    <a:gs pos="50000">
+                      <a:schemeClr val="accent1">
+                        <a:shade val="20000"/>
+                        <a:satMod val="300000"/>
+                      </a:schemeClr>
+                    </a:gs>
+                    <a:gs pos="79000">
+                      <a:schemeClr val="accent1">
+                        <a:tint val="52000"/>
+                        <a:satMod val="300000"/>
+                      </a:schemeClr>
+                    </a:gs>
+                    <a:gs pos="100000">
+                      <a:schemeClr val="accent1">
+                        <a:tint val="40000"/>
+                        <a:satMod val="250000"/>
+                      </a:schemeClr>
+                    </a:gs>
+                  </a:gsLst>
+                  <a:lin ang="5400000"/>
+                </a:gradFill>
               </a:rPr>
               <a:t> </a:t>
             </a:r>
-            <a:r>
-              <a:rPr lang="en-US" sz="2600" dirty="0" err="1" smtClean="0">
+            <a:endParaRPr lang="en-US" sz="2300" b="1" dirty="0" smtClean="0">
+              <a:ln w="10541" cmpd="sng">
                 <a:solidFill>
-                  <a:srgbClr val="002060"/>
+                  <a:schemeClr val="accent1">
+                    <a:shade val="88000"/>
+                    <a:satMod val="110000"/>
+                  </a:schemeClr>
                 </a:solidFill>
-                <a:latin typeface="Times New Roman" panose="02020603050405020304" pitchFamily="18" charset="0"/>
-                <a:cs typeface="Times New Roman" panose="02020603050405020304" pitchFamily="18" charset="0"/>
-              </a:rPr>
-              <a:t>mức</a:t>
-            </a:r>
-            <a:r>
-              <a:rPr lang="en-US" sz="2600" dirty="0" smtClean="0">
-                <a:solidFill>
-                  <a:srgbClr val="002060"/>
-                </a:solidFill>
-                <a:latin typeface="Times New Roman" panose="02020603050405020304" pitchFamily="18" charset="0"/>
-                <a:cs typeface="Times New Roman" panose="02020603050405020304" pitchFamily="18" charset="0"/>
-              </a:rPr>
-              <a:t> </a:t>
-            </a:r>
-            <a:r>
-              <a:rPr lang="en-US" sz="2600" dirty="0" err="1" smtClean="0">
-                <a:solidFill>
-                  <a:srgbClr val="002060"/>
-                </a:solidFill>
-                <a:latin typeface="Times New Roman" panose="02020603050405020304" pitchFamily="18" charset="0"/>
-                <a:cs typeface="Times New Roman" panose="02020603050405020304" pitchFamily="18" charset="0"/>
-              </a:rPr>
-              <a:t>đỉnh</a:t>
-            </a:r>
-            <a:endParaRPr lang="en-US" sz="2600" dirty="0" smtClean="0">
-              <a:solidFill>
-                <a:srgbClr val="002060"/>
-              </a:solidFill>
-              <a:latin typeface="Times New Roman" panose="02020603050405020304" pitchFamily="18" charset="0"/>
-              <a:cs typeface="Times New Roman" panose="02020603050405020304" pitchFamily="18" charset="0"/>
+                <a:prstDash val="solid"/>
+              </a:ln>
+              <a:gradFill>
+                <a:gsLst>
+                  <a:gs pos="0">
+                    <a:schemeClr val="accent1">
+                      <a:tint val="40000"/>
+                      <a:satMod val="250000"/>
+                    </a:schemeClr>
+                  </a:gs>
+                  <a:gs pos="9000">
+                    <a:schemeClr val="accent1">
+                      <a:tint val="52000"/>
+                      <a:satMod val="300000"/>
+                    </a:schemeClr>
+                  </a:gs>
+                  <a:gs pos="50000">
+                    <a:schemeClr val="accent1">
+                      <a:shade val="20000"/>
+                      <a:satMod val="300000"/>
+                    </a:schemeClr>
+                  </a:gs>
+                  <a:gs pos="79000">
+                    <a:schemeClr val="accent1">
+                      <a:tint val="52000"/>
+                      <a:satMod val="300000"/>
+                    </a:schemeClr>
+                  </a:gs>
+                  <a:gs pos="100000">
+                    <a:schemeClr val="accent1">
+                      <a:tint val="40000"/>
+                      <a:satMod val="250000"/>
+                    </a:schemeClr>
+                  </a:gs>
+                </a:gsLst>
+                <a:lin ang="5400000"/>
+              </a:gradFill>
             </a:endParaRPr>
           </a:p>
           <a:p>
@@ -29485,65 +32463,548 @@
               <a:buNone/>
             </a:pPr>
             <a:r>
-              <a:rPr lang="en-US" sz="2600" dirty="0" smtClean="0">
-                <a:solidFill>
-                  <a:srgbClr val="002060"/>
-                </a:solidFill>
-                <a:latin typeface="Times New Roman" panose="02020603050405020304" pitchFamily="18" charset="0"/>
-                <a:cs typeface="Times New Roman" panose="02020603050405020304" pitchFamily="18" charset="0"/>
+              <a:rPr lang="en-US" sz="2300" b="1" dirty="0" err="1" smtClean="0">
+                <a:ln w="10541" cmpd="sng">
+                  <a:solidFill>
+                    <a:schemeClr val="accent1">
+                      <a:shade val="88000"/>
+                      <a:satMod val="110000"/>
+                    </a:schemeClr>
+                  </a:solidFill>
+                  <a:prstDash val="solid"/>
+                </a:ln>
+                <a:gradFill>
+                  <a:gsLst>
+                    <a:gs pos="0">
+                      <a:schemeClr val="accent1">
+                        <a:tint val="40000"/>
+                        <a:satMod val="250000"/>
+                      </a:schemeClr>
+                    </a:gs>
+                    <a:gs pos="9000">
+                      <a:schemeClr val="accent1">
+                        <a:tint val="52000"/>
+                        <a:satMod val="300000"/>
+                      </a:schemeClr>
+                    </a:gs>
+                    <a:gs pos="50000">
+                      <a:schemeClr val="accent1">
+                        <a:shade val="20000"/>
+                        <a:satMod val="300000"/>
+                      </a:schemeClr>
+                    </a:gs>
+                    <a:gs pos="79000">
+                      <a:schemeClr val="accent1">
+                        <a:tint val="52000"/>
+                        <a:satMod val="300000"/>
+                      </a:schemeClr>
+                    </a:gs>
+                    <a:gs pos="100000">
+                      <a:schemeClr val="accent1">
+                        <a:tint val="40000"/>
+                        <a:satMod val="250000"/>
+                      </a:schemeClr>
+                    </a:gs>
+                  </a:gsLst>
+                  <a:lin ang="5400000"/>
+                </a:gradFill>
+              </a:rPr>
+              <a:t>mức</a:t>
+            </a:r>
+            <a:r>
+              <a:rPr lang="en-US" sz="2300" b="1" dirty="0" smtClean="0">
+                <a:ln w="10541" cmpd="sng">
+                  <a:solidFill>
+                    <a:schemeClr val="accent1">
+                      <a:shade val="88000"/>
+                      <a:satMod val="110000"/>
+                    </a:schemeClr>
+                  </a:solidFill>
+                  <a:prstDash val="solid"/>
+                </a:ln>
+                <a:gradFill>
+                  <a:gsLst>
+                    <a:gs pos="0">
+                      <a:schemeClr val="accent1">
+                        <a:tint val="40000"/>
+                        <a:satMod val="250000"/>
+                      </a:schemeClr>
+                    </a:gs>
+                    <a:gs pos="9000">
+                      <a:schemeClr val="accent1">
+                        <a:tint val="52000"/>
+                        <a:satMod val="300000"/>
+                      </a:schemeClr>
+                    </a:gs>
+                    <a:gs pos="50000">
+                      <a:schemeClr val="accent1">
+                        <a:shade val="20000"/>
+                        <a:satMod val="300000"/>
+                      </a:schemeClr>
+                    </a:gs>
+                    <a:gs pos="79000">
+                      <a:schemeClr val="accent1">
+                        <a:tint val="52000"/>
+                        <a:satMod val="300000"/>
+                      </a:schemeClr>
+                    </a:gs>
+                    <a:gs pos="100000">
+                      <a:schemeClr val="accent1">
+                        <a:tint val="40000"/>
+                        <a:satMod val="250000"/>
+                      </a:schemeClr>
+                    </a:gs>
+                  </a:gsLst>
+                  <a:lin ang="5400000"/>
+                </a:gradFill>
               </a:rPr>
               <a:t> </a:t>
             </a:r>
             <a:r>
-              <a:rPr lang="en-US" sz="2600" dirty="0" err="1" smtClean="0">
-                <a:solidFill>
-                  <a:srgbClr val="002060"/>
-                </a:solidFill>
-                <a:latin typeface="Times New Roman" panose="02020603050405020304" pitchFamily="18" charset="0"/>
-                <a:cs typeface="Times New Roman" panose="02020603050405020304" pitchFamily="18" charset="0"/>
+              <a:rPr lang="en-US" sz="2300" b="1" dirty="0" err="1" smtClean="0">
+                <a:ln w="10541" cmpd="sng">
+                  <a:solidFill>
+                    <a:schemeClr val="accent1">
+                      <a:shade val="88000"/>
+                      <a:satMod val="110000"/>
+                    </a:schemeClr>
+                  </a:solidFill>
+                  <a:prstDash val="solid"/>
+                </a:ln>
+                <a:gradFill>
+                  <a:gsLst>
+                    <a:gs pos="0">
+                      <a:schemeClr val="accent1">
+                        <a:tint val="40000"/>
+                        <a:satMod val="250000"/>
+                      </a:schemeClr>
+                    </a:gs>
+                    <a:gs pos="9000">
+                      <a:schemeClr val="accent1">
+                        <a:tint val="52000"/>
+                        <a:satMod val="300000"/>
+                      </a:schemeClr>
+                    </a:gs>
+                    <a:gs pos="50000">
+                      <a:schemeClr val="accent1">
+                        <a:shade val="20000"/>
+                        <a:satMod val="300000"/>
+                      </a:schemeClr>
+                    </a:gs>
+                    <a:gs pos="79000">
+                      <a:schemeClr val="accent1">
+                        <a:tint val="52000"/>
+                        <a:satMod val="300000"/>
+                      </a:schemeClr>
+                    </a:gs>
+                    <a:gs pos="100000">
+                      <a:schemeClr val="accent1">
+                        <a:tint val="40000"/>
+                        <a:satMod val="250000"/>
+                      </a:schemeClr>
+                    </a:gs>
+                  </a:gsLst>
+                  <a:lin ang="5400000"/>
+                </a:gradFill>
+              </a:rPr>
+              <a:t>đỉnh</a:t>
+            </a:r>
+            <a:r>
+              <a:rPr lang="en-US" sz="2300" b="1" dirty="0" smtClean="0">
+                <a:ln w="10541" cmpd="sng">
+                  <a:solidFill>
+                    <a:schemeClr val="accent1">
+                      <a:shade val="88000"/>
+                      <a:satMod val="110000"/>
+                    </a:schemeClr>
+                  </a:solidFill>
+                  <a:prstDash val="solid"/>
+                </a:ln>
+                <a:gradFill>
+                  <a:gsLst>
+                    <a:gs pos="0">
+                      <a:schemeClr val="accent1">
+                        <a:tint val="40000"/>
+                        <a:satMod val="250000"/>
+                      </a:schemeClr>
+                    </a:gs>
+                    <a:gs pos="9000">
+                      <a:schemeClr val="accent1">
+                        <a:tint val="52000"/>
+                        <a:satMod val="300000"/>
+                      </a:schemeClr>
+                    </a:gs>
+                    <a:gs pos="50000">
+                      <a:schemeClr val="accent1">
+                        <a:shade val="20000"/>
+                        <a:satMod val="300000"/>
+                      </a:schemeClr>
+                    </a:gs>
+                    <a:gs pos="79000">
+                      <a:schemeClr val="accent1">
+                        <a:tint val="52000"/>
+                        <a:satMod val="300000"/>
+                      </a:schemeClr>
+                    </a:gs>
+                    <a:gs pos="100000">
+                      <a:schemeClr val="accent1">
+                        <a:tint val="40000"/>
+                        <a:satMod val="250000"/>
+                      </a:schemeClr>
+                    </a:gs>
+                  </a:gsLst>
+                  <a:lin ang="5400000"/>
+                </a:gradFill>
+              </a:rPr>
+              <a:t> </a:t>
+            </a:r>
+            <a:r>
+              <a:rPr lang="en-US" sz="2300" b="1" dirty="0" err="1" smtClean="0">
+                <a:ln w="10541" cmpd="sng">
+                  <a:solidFill>
+                    <a:schemeClr val="accent1">
+                      <a:shade val="88000"/>
+                      <a:satMod val="110000"/>
+                    </a:schemeClr>
+                  </a:solidFill>
+                  <a:prstDash val="solid"/>
+                </a:ln>
+                <a:gradFill>
+                  <a:gsLst>
+                    <a:gs pos="0">
+                      <a:schemeClr val="accent1">
+                        <a:tint val="40000"/>
+                        <a:satMod val="250000"/>
+                      </a:schemeClr>
+                    </a:gs>
+                    <a:gs pos="9000">
+                      <a:schemeClr val="accent1">
+                        <a:tint val="52000"/>
+                        <a:satMod val="300000"/>
+                      </a:schemeClr>
+                    </a:gs>
+                    <a:gs pos="50000">
+                      <a:schemeClr val="accent1">
+                        <a:shade val="20000"/>
+                        <a:satMod val="300000"/>
+                      </a:schemeClr>
+                    </a:gs>
+                    <a:gs pos="79000">
+                      <a:schemeClr val="accent1">
+                        <a:tint val="52000"/>
+                        <a:satMod val="300000"/>
+                      </a:schemeClr>
+                    </a:gs>
+                    <a:gs pos="100000">
+                      <a:schemeClr val="accent1">
+                        <a:tint val="40000"/>
+                        <a:satMod val="250000"/>
+                      </a:schemeClr>
+                    </a:gs>
+                  </a:gsLst>
+                  <a:lin ang="5400000"/>
+                </a:gradFill>
               </a:rPr>
               <a:t>của</a:t>
             </a:r>
-            <a:r>
-              <a:rPr lang="en-US" sz="2600" dirty="0" smtClean="0">
+            <a:endParaRPr lang="en-US" sz="2300" b="1" dirty="0" smtClean="0">
+              <a:ln w="10541" cmpd="sng">
                 <a:solidFill>
-                  <a:srgbClr val="002060"/>
+                  <a:schemeClr val="accent1">
+                    <a:shade val="88000"/>
+                    <a:satMod val="110000"/>
+                  </a:schemeClr>
                 </a:solidFill>
-                <a:latin typeface="Times New Roman" panose="02020603050405020304" pitchFamily="18" charset="0"/>
-                <a:cs typeface="Times New Roman" panose="02020603050405020304" pitchFamily="18" charset="0"/>
+                <a:prstDash val="solid"/>
+              </a:ln>
+              <a:gradFill>
+                <a:gsLst>
+                  <a:gs pos="0">
+                    <a:schemeClr val="accent1">
+                      <a:tint val="40000"/>
+                      <a:satMod val="250000"/>
+                    </a:schemeClr>
+                  </a:gs>
+                  <a:gs pos="9000">
+                    <a:schemeClr val="accent1">
+                      <a:tint val="52000"/>
+                      <a:satMod val="300000"/>
+                    </a:schemeClr>
+                  </a:gs>
+                  <a:gs pos="50000">
+                    <a:schemeClr val="accent1">
+                      <a:shade val="20000"/>
+                      <a:satMod val="300000"/>
+                    </a:schemeClr>
+                  </a:gs>
+                  <a:gs pos="79000">
+                    <a:schemeClr val="accent1">
+                      <a:tint val="52000"/>
+                      <a:satMod val="300000"/>
+                    </a:schemeClr>
+                  </a:gs>
+                  <a:gs pos="100000">
+                    <a:schemeClr val="accent1">
+                      <a:tint val="40000"/>
+                      <a:satMod val="250000"/>
+                    </a:schemeClr>
+                  </a:gs>
+                </a:gsLst>
+                <a:lin ang="5400000"/>
+              </a:gradFill>
+            </a:endParaRPr>
+          </a:p>
+          <a:p>
+            <a:pPr marL="82296" indent="0">
+              <a:buNone/>
+            </a:pPr>
+            <a:r>
+              <a:rPr lang="en-US" sz="2300" b="1" dirty="0" smtClean="0">
+                <a:ln w="10541" cmpd="sng">
+                  <a:solidFill>
+                    <a:schemeClr val="accent1">
+                      <a:shade val="88000"/>
+                      <a:satMod val="110000"/>
+                    </a:schemeClr>
+                  </a:solidFill>
+                  <a:prstDash val="solid"/>
+                </a:ln>
+                <a:gradFill>
+                  <a:gsLst>
+                    <a:gs pos="0">
+                      <a:schemeClr val="accent1">
+                        <a:tint val="40000"/>
+                        <a:satMod val="250000"/>
+                      </a:schemeClr>
+                    </a:gs>
+                    <a:gs pos="9000">
+                      <a:schemeClr val="accent1">
+                        <a:tint val="52000"/>
+                        <a:satMod val="300000"/>
+                      </a:schemeClr>
+                    </a:gs>
+                    <a:gs pos="50000">
+                      <a:schemeClr val="accent1">
+                        <a:shade val="20000"/>
+                        <a:satMod val="300000"/>
+                      </a:schemeClr>
+                    </a:gs>
+                    <a:gs pos="79000">
+                      <a:schemeClr val="accent1">
+                        <a:tint val="52000"/>
+                        <a:satMod val="300000"/>
+                      </a:schemeClr>
+                    </a:gs>
+                    <a:gs pos="100000">
+                      <a:schemeClr val="accent1">
+                        <a:tint val="40000"/>
+                        <a:satMod val="250000"/>
+                      </a:schemeClr>
+                    </a:gs>
+                  </a:gsLst>
+                  <a:lin ang="5400000"/>
+                </a:gradFill>
               </a:rPr>
               <a:t> </a:t>
             </a:r>
             <a:r>
-              <a:rPr lang="en-US" sz="2600" dirty="0" err="1" smtClean="0">
-                <a:solidFill>
-                  <a:srgbClr val="002060"/>
-                </a:solidFill>
-                <a:latin typeface="Times New Roman" panose="02020603050405020304" pitchFamily="18" charset="0"/>
-                <a:cs typeface="Times New Roman" panose="02020603050405020304" pitchFamily="18" charset="0"/>
+              <a:rPr lang="en-US" sz="2300" b="1" dirty="0" err="1" smtClean="0">
+                <a:ln w="10541" cmpd="sng">
+                  <a:solidFill>
+                    <a:schemeClr val="accent1">
+                      <a:shade val="88000"/>
+                      <a:satMod val="110000"/>
+                    </a:schemeClr>
+                  </a:solidFill>
+                  <a:prstDash val="solid"/>
+                </a:ln>
+                <a:gradFill>
+                  <a:gsLst>
+                    <a:gs pos="0">
+                      <a:schemeClr val="accent1">
+                        <a:tint val="40000"/>
+                        <a:satMod val="250000"/>
+                      </a:schemeClr>
+                    </a:gs>
+                    <a:gs pos="9000">
+                      <a:schemeClr val="accent1">
+                        <a:tint val="52000"/>
+                        <a:satMod val="300000"/>
+                      </a:schemeClr>
+                    </a:gs>
+                    <a:gs pos="50000">
+                      <a:schemeClr val="accent1">
+                        <a:shade val="20000"/>
+                        <a:satMod val="300000"/>
+                      </a:schemeClr>
+                    </a:gs>
+                    <a:gs pos="79000">
+                      <a:schemeClr val="accent1">
+                        <a:tint val="52000"/>
+                        <a:satMod val="300000"/>
+                      </a:schemeClr>
+                    </a:gs>
+                    <a:gs pos="100000">
+                      <a:schemeClr val="accent1">
+                        <a:tint val="40000"/>
+                        <a:satMod val="250000"/>
+                      </a:schemeClr>
+                    </a:gs>
+                  </a:gsLst>
+                  <a:lin ang="5400000"/>
+                </a:gradFill>
               </a:rPr>
               <a:t>hệ</a:t>
             </a:r>
             <a:r>
-              <a:rPr lang="en-US" sz="2600" dirty="0" smtClean="0">
-                <a:solidFill>
-                  <a:srgbClr val="002060"/>
-                </a:solidFill>
-                <a:latin typeface="Times New Roman" panose="02020603050405020304" pitchFamily="18" charset="0"/>
-                <a:cs typeface="Times New Roman" panose="02020603050405020304" pitchFamily="18" charset="0"/>
+              <a:rPr lang="en-US" sz="2300" b="1" dirty="0" smtClean="0">
+                <a:ln w="10541" cmpd="sng">
+                  <a:solidFill>
+                    <a:schemeClr val="accent1">
+                      <a:shade val="88000"/>
+                      <a:satMod val="110000"/>
+                    </a:schemeClr>
+                  </a:solidFill>
+                  <a:prstDash val="solid"/>
+                </a:ln>
+                <a:gradFill>
+                  <a:gsLst>
+                    <a:gs pos="0">
+                      <a:schemeClr val="accent1">
+                        <a:tint val="40000"/>
+                        <a:satMod val="250000"/>
+                      </a:schemeClr>
+                    </a:gs>
+                    <a:gs pos="9000">
+                      <a:schemeClr val="accent1">
+                        <a:tint val="52000"/>
+                        <a:satMod val="300000"/>
+                      </a:schemeClr>
+                    </a:gs>
+                    <a:gs pos="50000">
+                      <a:schemeClr val="accent1">
+                        <a:shade val="20000"/>
+                        <a:satMod val="300000"/>
+                      </a:schemeClr>
+                    </a:gs>
+                    <a:gs pos="79000">
+                      <a:schemeClr val="accent1">
+                        <a:tint val="52000"/>
+                        <a:satMod val="300000"/>
+                      </a:schemeClr>
+                    </a:gs>
+                    <a:gs pos="100000">
+                      <a:schemeClr val="accent1">
+                        <a:tint val="40000"/>
+                        <a:satMod val="250000"/>
+                      </a:schemeClr>
+                    </a:gs>
+                  </a:gsLst>
+                  <a:lin ang="5400000"/>
+                </a:gradFill>
               </a:rPr>
               <a:t> </a:t>
             </a:r>
             <a:r>
-              <a:rPr lang="en-US" sz="2600" dirty="0" err="1" smtClean="0">
-                <a:solidFill>
-                  <a:srgbClr val="002060"/>
-                </a:solidFill>
-                <a:latin typeface="Times New Roman" panose="02020603050405020304" pitchFamily="18" charset="0"/>
-                <a:cs typeface="Times New Roman" panose="02020603050405020304" pitchFamily="18" charset="0"/>
+              <a:rPr lang="en-US" sz="2300" b="1" dirty="0" err="1" smtClean="0">
+                <a:ln w="10541" cmpd="sng">
+                  <a:solidFill>
+                    <a:schemeClr val="accent1">
+                      <a:shade val="88000"/>
+                      <a:satMod val="110000"/>
+                    </a:schemeClr>
+                  </a:solidFill>
+                  <a:prstDash val="solid"/>
+                </a:ln>
+                <a:gradFill>
+                  <a:gsLst>
+                    <a:gs pos="0">
+                      <a:schemeClr val="accent1">
+                        <a:tint val="40000"/>
+                        <a:satMod val="250000"/>
+                      </a:schemeClr>
+                    </a:gs>
+                    <a:gs pos="9000">
+                      <a:schemeClr val="accent1">
+                        <a:tint val="52000"/>
+                        <a:satMod val="300000"/>
+                      </a:schemeClr>
+                    </a:gs>
+                    <a:gs pos="50000">
+                      <a:schemeClr val="accent1">
+                        <a:shade val="20000"/>
+                        <a:satMod val="300000"/>
+                      </a:schemeClr>
+                    </a:gs>
+                    <a:gs pos="79000">
+                      <a:schemeClr val="accent1">
+                        <a:tint val="52000"/>
+                        <a:satMod val="300000"/>
+                      </a:schemeClr>
+                    </a:gs>
+                    <a:gs pos="100000">
+                      <a:schemeClr val="accent1">
+                        <a:tint val="40000"/>
+                        <a:satMod val="250000"/>
+                      </a:schemeClr>
+                    </a:gs>
+                  </a:gsLst>
+                  <a:lin ang="5400000"/>
+                </a:gradFill>
               </a:rPr>
               <a:t>thống</a:t>
             </a:r>
+            <a:endParaRPr lang="en-US" sz="2300" b="1" dirty="0">
+              <a:ln w="10541" cmpd="sng">
+                <a:solidFill>
+                  <a:schemeClr val="accent1">
+                    <a:shade val="88000"/>
+                    <a:satMod val="110000"/>
+                  </a:schemeClr>
+                </a:solidFill>
+                <a:prstDash val="solid"/>
+              </a:ln>
+              <a:gradFill>
+                <a:gsLst>
+                  <a:gs pos="0">
+                    <a:schemeClr val="accent1">
+                      <a:tint val="40000"/>
+                      <a:satMod val="250000"/>
+                    </a:schemeClr>
+                  </a:gs>
+                  <a:gs pos="9000">
+                    <a:schemeClr val="accent1">
+                      <a:tint val="52000"/>
+                      <a:satMod val="300000"/>
+                    </a:schemeClr>
+                  </a:gs>
+                  <a:gs pos="50000">
+                    <a:schemeClr val="accent1">
+                      <a:shade val="20000"/>
+                      <a:satMod val="300000"/>
+                    </a:schemeClr>
+                  </a:gs>
+                  <a:gs pos="79000">
+                    <a:schemeClr val="accent1">
+                      <a:tint val="52000"/>
+                      <a:satMod val="300000"/>
+                    </a:schemeClr>
+                  </a:gs>
+                  <a:gs pos="100000">
+                    <a:schemeClr val="accent1">
+                      <a:tint val="40000"/>
+                      <a:satMod val="250000"/>
+                    </a:schemeClr>
+                  </a:gs>
+                </a:gsLst>
+                <a:lin ang="5400000"/>
+              </a:gradFill>
+            </a:endParaRPr>
+          </a:p>
+          <a:p>
+            <a:pPr marL="82296" indent="0">
+              <a:buNone/>
+            </a:pPr>
             <a:endParaRPr lang="vi-VN" sz="2600" dirty="0">
               <a:solidFill>
                 <a:srgbClr val="002060"/>
@@ -29606,6 +33067,314 @@
           </a:extLst>
         </p:spPr>
       </p:pic>
+      <p:sp>
+        <p:nvSpPr>
+          <p:cNvPr id="6" name="Slide Number Placeholder 5"/>
+          <p:cNvSpPr>
+            <a:spLocks noGrp="1"/>
+          </p:cNvSpPr>
+          <p:nvPr>
+            <p:ph type="sldNum" sz="quarter" idx="12"/>
+          </p:nvPr>
+        </p:nvSpPr>
+        <p:spPr/>
+        <p:txBody>
+          <a:bodyPr/>
+          <a:lstStyle/>
+          <a:p>
+            <a:fld id="{B6F15528-21DE-4FAA-801E-634DDDAF4B2B}" type="slidenum">
+              <a:rPr lang="en-US" smtClean="0"/>
+              <a:pPr/>
+              <a:t>8</a:t>
+            </a:fld>
+            <a:endParaRPr lang="en-US"/>
+          </a:p>
+        </p:txBody>
+      </p:sp>
+      <p:sp>
+        <p:nvSpPr>
+          <p:cNvPr id="7" name="Rectangle 6"/>
+          <p:cNvSpPr/>
+          <p:nvPr/>
+        </p:nvSpPr>
+        <p:spPr>
+          <a:xfrm>
+            <a:off x="1016000" y="6781800"/>
+            <a:ext cx="8128000" cy="76200"/>
+          </a:xfrm>
+          <a:prstGeom prst="rect">
+            <a:avLst/>
+          </a:prstGeom>
+          <a:gradFill>
+            <a:gsLst>
+              <a:gs pos="0">
+                <a:schemeClr val="accent2"/>
+              </a:gs>
+              <a:gs pos="52000">
+                <a:schemeClr val="accent1">
+                  <a:lumMod val="45000"/>
+                  <a:lumOff val="55000"/>
+                </a:schemeClr>
+              </a:gs>
+              <a:gs pos="98000">
+                <a:srgbClr val="FFC000"/>
+              </a:gs>
+            </a:gsLst>
+            <a:lin ang="0" scaled="0"/>
+          </a:gradFill>
+          <a:ln>
+            <a:noFill/>
+          </a:ln>
+        </p:spPr>
+        <p:style>
+          <a:lnRef idx="2">
+            <a:schemeClr val="accent1">
+              <a:shade val="50000"/>
+            </a:schemeClr>
+          </a:lnRef>
+          <a:fillRef idx="1">
+            <a:schemeClr val="accent1"/>
+          </a:fillRef>
+          <a:effectRef idx="0">
+            <a:schemeClr val="accent1"/>
+          </a:effectRef>
+          <a:fontRef idx="minor">
+            <a:schemeClr val="lt1"/>
+          </a:fontRef>
+        </p:style>
+        <p:txBody>
+          <a:bodyPr rtlCol="0" anchor="ctr"/>
+          <a:lstStyle/>
+          <a:p>
+            <a:pPr algn="ctr"/>
+            <a:endParaRPr lang="en-US"/>
+          </a:p>
+        </p:txBody>
+      </p:sp>
+      <p:sp>
+        <p:nvSpPr>
+          <p:cNvPr id="8" name="Rectangle 7"/>
+          <p:cNvSpPr/>
+          <p:nvPr/>
+        </p:nvSpPr>
+        <p:spPr>
+          <a:xfrm>
+            <a:off x="1016000" y="0"/>
+            <a:ext cx="8128000" cy="692696"/>
+          </a:xfrm>
+          <a:prstGeom prst="rect">
+            <a:avLst/>
+          </a:prstGeom>
+          <a:solidFill>
+            <a:schemeClr val="accent2"/>
+          </a:solidFill>
+          <a:ln>
+            <a:noFill/>
+          </a:ln>
+        </p:spPr>
+        <p:style>
+          <a:lnRef idx="2">
+            <a:schemeClr val="accent1">
+              <a:shade val="50000"/>
+            </a:schemeClr>
+          </a:lnRef>
+          <a:fillRef idx="1">
+            <a:schemeClr val="accent1"/>
+          </a:fillRef>
+          <a:effectRef idx="0">
+            <a:schemeClr val="accent1"/>
+          </a:effectRef>
+          <a:fontRef idx="minor">
+            <a:schemeClr val="lt1"/>
+          </a:fontRef>
+        </p:style>
+        <p:txBody>
+          <a:bodyPr rtlCol="0" anchor="ctr"/>
+          <a:lstStyle/>
+          <a:p>
+            <a:pPr algn="ctr"/>
+            <a:endParaRPr lang="en-US"/>
+          </a:p>
+        </p:txBody>
+      </p:sp>
+      <p:sp>
+        <p:nvSpPr>
+          <p:cNvPr id="9" name="Title 1"/>
+          <p:cNvSpPr txBox="1">
+            <a:spLocks/>
+          </p:cNvSpPr>
+          <p:nvPr/>
+        </p:nvSpPr>
+        <p:spPr>
+          <a:xfrm>
+            <a:off x="381000" y="-171400"/>
+            <a:ext cx="8229600" cy="914400"/>
+          </a:xfrm>
+          <a:prstGeom prst="rect">
+            <a:avLst/>
+          </a:prstGeom>
+        </p:spPr>
+        <p:txBody>
+          <a:bodyPr anchor="ctr">
+            <a:normAutofit/>
+          </a:bodyPr>
+          <a:lstStyle>
+            <a:lvl1pPr algn="l" rtl="0" eaLnBrk="1" latinLnBrk="0" hangingPunct="1">
+              <a:spcBef>
+                <a:spcPct val="0"/>
+              </a:spcBef>
+              <a:buNone/>
+              <a:defRPr kumimoji="0" sz="4300" kern="1200">
+                <a:solidFill>
+                  <a:schemeClr val="tx2">
+                    <a:satMod val="130000"/>
+                  </a:schemeClr>
+                </a:solidFill>
+                <a:effectLst>
+                  <a:outerShdw blurRad="50000" dist="30000" dir="5400000" algn="tl" rotWithShape="0">
+                    <a:srgbClr val="000000">
+                      <a:alpha val="30000"/>
+                    </a:srgbClr>
+                  </a:outerShdw>
+                </a:effectLst>
+                <a:latin typeface="+mj-lt"/>
+                <a:ea typeface="+mj-ea"/>
+                <a:cs typeface="+mj-cs"/>
+              </a:defRPr>
+            </a:lvl1pPr>
+            <a:extLst/>
+          </a:lstStyle>
+          <a:p>
+            <a:r>
+              <a:rPr lang="en-US" sz="3500" b="1" dirty="0" smtClean="0">
+                <a:solidFill>
+                  <a:schemeClr val="bg1"/>
+                </a:solidFill>
+                <a:latin typeface="Times New Roman" panose="02020603050405020304" pitchFamily="18" charset="0"/>
+                <a:cs typeface="Times New Roman" panose="02020603050405020304" pitchFamily="18" charset="0"/>
+              </a:rPr>
+              <a:t>       3.1 </a:t>
+            </a:r>
+            <a:r>
+              <a:rPr lang="en-US" sz="3500" b="1" dirty="0" err="1" smtClean="0">
+                <a:solidFill>
+                  <a:schemeClr val="bg1"/>
+                </a:solidFill>
+                <a:latin typeface="Times New Roman" panose="02020603050405020304" pitchFamily="18" charset="0"/>
+                <a:cs typeface="Times New Roman" panose="02020603050405020304" pitchFamily="18" charset="0"/>
+              </a:rPr>
+              <a:t>Phân</a:t>
+            </a:r>
+            <a:r>
+              <a:rPr lang="en-US" sz="3500" b="1" dirty="0" smtClean="0">
+                <a:solidFill>
+                  <a:schemeClr val="bg1"/>
+                </a:solidFill>
+                <a:latin typeface="Times New Roman" panose="02020603050405020304" pitchFamily="18" charset="0"/>
+                <a:cs typeface="Times New Roman" panose="02020603050405020304" pitchFamily="18" charset="0"/>
+              </a:rPr>
+              <a:t> </a:t>
+            </a:r>
+            <a:r>
+              <a:rPr lang="en-US" sz="3500" b="1" dirty="0" err="1" smtClean="0">
+                <a:solidFill>
+                  <a:schemeClr val="bg1"/>
+                </a:solidFill>
+                <a:latin typeface="Times New Roman" panose="02020603050405020304" pitchFamily="18" charset="0"/>
+                <a:cs typeface="Times New Roman" panose="02020603050405020304" pitchFamily="18" charset="0"/>
+              </a:rPr>
+              <a:t>Tích</a:t>
+            </a:r>
+            <a:r>
+              <a:rPr lang="en-US" sz="3500" b="1" dirty="0" smtClean="0">
+                <a:solidFill>
+                  <a:schemeClr val="bg1"/>
+                </a:solidFill>
+                <a:latin typeface="Times New Roman" panose="02020603050405020304" pitchFamily="18" charset="0"/>
+                <a:cs typeface="Times New Roman" panose="02020603050405020304" pitchFamily="18" charset="0"/>
+              </a:rPr>
+              <a:t> </a:t>
+            </a:r>
+            <a:r>
+              <a:rPr lang="en-US" sz="3500" b="1" dirty="0" err="1" smtClean="0">
+                <a:solidFill>
+                  <a:schemeClr val="bg1"/>
+                </a:solidFill>
+                <a:latin typeface="Times New Roman" panose="02020603050405020304" pitchFamily="18" charset="0"/>
+                <a:cs typeface="Times New Roman" panose="02020603050405020304" pitchFamily="18" charset="0"/>
+              </a:rPr>
+              <a:t>Thiết</a:t>
+            </a:r>
+            <a:r>
+              <a:rPr lang="en-US" sz="3500" b="1" dirty="0" smtClean="0">
+                <a:solidFill>
+                  <a:schemeClr val="bg1"/>
+                </a:solidFill>
+                <a:latin typeface="Times New Roman" panose="02020603050405020304" pitchFamily="18" charset="0"/>
+                <a:cs typeface="Times New Roman" panose="02020603050405020304" pitchFamily="18" charset="0"/>
+              </a:rPr>
+              <a:t> </a:t>
+            </a:r>
+            <a:r>
+              <a:rPr lang="en-US" sz="3500" b="1" dirty="0" err="1" smtClean="0">
+                <a:solidFill>
+                  <a:schemeClr val="bg1"/>
+                </a:solidFill>
+                <a:latin typeface="Times New Roman" panose="02020603050405020304" pitchFamily="18" charset="0"/>
+                <a:cs typeface="Times New Roman" panose="02020603050405020304" pitchFamily="18" charset="0"/>
+              </a:rPr>
+              <a:t>Kế</a:t>
+            </a:r>
+            <a:r>
+              <a:rPr lang="en-US" sz="3500" b="1" dirty="0" smtClean="0">
+                <a:solidFill>
+                  <a:schemeClr val="bg1"/>
+                </a:solidFill>
+                <a:latin typeface="Times New Roman" panose="02020603050405020304" pitchFamily="18" charset="0"/>
+                <a:cs typeface="Times New Roman" panose="02020603050405020304" pitchFamily="18" charset="0"/>
+              </a:rPr>
+              <a:t> </a:t>
+            </a:r>
+            <a:r>
+              <a:rPr lang="en-US" sz="3500" b="1" dirty="0" err="1" smtClean="0">
+                <a:solidFill>
+                  <a:schemeClr val="bg1"/>
+                </a:solidFill>
+                <a:latin typeface="Times New Roman" panose="02020603050405020304" pitchFamily="18" charset="0"/>
+                <a:cs typeface="Times New Roman" panose="02020603050405020304" pitchFamily="18" charset="0"/>
+              </a:rPr>
+              <a:t>Hệ</a:t>
+            </a:r>
+            <a:r>
+              <a:rPr lang="en-US" sz="3500" b="1" dirty="0" smtClean="0">
+                <a:solidFill>
+                  <a:schemeClr val="bg1"/>
+                </a:solidFill>
+                <a:latin typeface="Times New Roman" panose="02020603050405020304" pitchFamily="18" charset="0"/>
+                <a:cs typeface="Times New Roman" panose="02020603050405020304" pitchFamily="18" charset="0"/>
+              </a:rPr>
+              <a:t> </a:t>
+            </a:r>
+            <a:r>
+              <a:rPr lang="en-US" sz="3500" b="1" dirty="0" err="1" smtClean="0">
+                <a:solidFill>
+                  <a:schemeClr val="bg1"/>
+                </a:solidFill>
+                <a:latin typeface="Times New Roman" panose="02020603050405020304" pitchFamily="18" charset="0"/>
+                <a:cs typeface="Times New Roman" panose="02020603050405020304" pitchFamily="18" charset="0"/>
+              </a:rPr>
+              <a:t>Thống</a:t>
+            </a:r>
+            <a:endParaRPr lang="en-US" sz="3500" b="1" dirty="0">
+              <a:solidFill>
+                <a:schemeClr val="bg1"/>
+              </a:solidFill>
+              <a:latin typeface="Times New Roman" panose="02020603050405020304" pitchFamily="18" charset="0"/>
+              <a:cs typeface="Times New Roman" panose="02020603050405020304" pitchFamily="18" charset="0"/>
+            </a:endParaRPr>
+          </a:p>
+        </p:txBody>
+      </p:sp>
     </p:spTree>
     <p:extLst>
       <p:ext uri="{BB962C8B-B14F-4D97-AF65-F5344CB8AC3E}">
@@ -29693,7 +33462,7 @@
                 <a:latin typeface="Times New Roman" panose="02020603050405020304" pitchFamily="18" charset="0"/>
                 <a:cs typeface="Times New Roman" panose="02020603050405020304" pitchFamily="18" charset="0"/>
               </a:rPr>
-              <a:t>  </a:t>
+              <a:t>  	</a:t>
             </a:r>
             <a:r>
               <a:rPr lang="en-US" sz="4000" dirty="0" smtClean="0">
@@ -29861,46 +33630,6 @@
           </a:p>
         </p:txBody>
       </p:sp>
-      <p:pic>
-        <p:nvPicPr>
-          <p:cNvPr id="3074" name="Picture 2" descr="C:\Users\Bich D5_QLNN\Desktop\Untitled.png"/>
-          <p:cNvPicPr>
-            <a:picLocks noGrp="1" noChangeAspect="1" noChangeArrowheads="1"/>
-          </p:cNvPicPr>
-          <p:nvPr>
-            <p:ph idx="1"/>
-          </p:nvPr>
-        </p:nvPicPr>
-        <p:blipFill rotWithShape="1">
-          <a:blip r:embed="rId3">
-            <a:extLst>
-              <a:ext uri="{28A0092B-C50C-407E-A947-70E740481C1C}">
-                <a14:useLocalDpi xmlns:a14="http://schemas.microsoft.com/office/drawing/2010/main" val="0"/>
-              </a:ext>
-            </a:extLst>
-          </a:blip>
-          <a:stretch/>
-        </p:blipFill>
-        <p:spPr bwMode="auto">
-          <a:xfrm>
-            <a:off x="1828800" y="1447800"/>
-            <a:ext cx="7010400" cy="5387030"/>
-          </a:xfrm>
-          <a:prstGeom prst="rect">
-            <a:avLst/>
-          </a:prstGeom>
-          <a:noFill/>
-          <a:extLst>
-            <a:ext uri="{909E8E84-426E-40DD-AFC4-6F175D3DCCD1}">
-              <a14:hiddenFill xmlns:a14="http://schemas.microsoft.com/office/drawing/2010/main">
-                <a:solidFill>
-                  <a:srgbClr val="FFFFFF"/>
-                </a:solidFill>
-              </a14:hiddenFill>
-            </a:ext>
-          </a:extLst>
-        </p:spPr>
-      </p:pic>
       <p:sp>
         <p:nvSpPr>
           <p:cNvPr id="4" name="Rectangle 3"/>
@@ -29909,8 +33638,8 @@
         </p:nvSpPr>
         <p:spPr>
           <a:xfrm>
-            <a:off x="762000" y="686889"/>
-            <a:ext cx="4953000" cy="533400"/>
+            <a:off x="2065020" y="836712"/>
+            <a:ext cx="6179388" cy="533400"/>
           </a:xfrm>
           <a:prstGeom prst="rect">
             <a:avLst/>
@@ -29942,23 +33671,910 @@
           <a:p>
             <a:pPr algn="ctr"/>
             <a:r>
-              <a:rPr lang="en-US" sz="2800" dirty="0" err="1" smtClean="0">
+              <a:rPr lang="en-US" sz="2800" b="1" dirty="0" smtClean="0">
+                <a:ln w="10541" cmpd="sng">
+                  <a:solidFill>
+                    <a:schemeClr val="accent1">
+                      <a:shade val="88000"/>
+                      <a:satMod val="110000"/>
+                    </a:schemeClr>
+                  </a:solidFill>
+                  <a:prstDash val="solid"/>
+                </a:ln>
+                <a:gradFill>
+                  <a:gsLst>
+                    <a:gs pos="0">
+                      <a:schemeClr val="accent1">
+                        <a:tint val="40000"/>
+                        <a:satMod val="250000"/>
+                      </a:schemeClr>
+                    </a:gs>
+                    <a:gs pos="9000">
+                      <a:schemeClr val="accent1">
+                        <a:tint val="52000"/>
+                        <a:satMod val="300000"/>
+                      </a:schemeClr>
+                    </a:gs>
+                    <a:gs pos="50000">
+                      <a:schemeClr val="accent1">
+                        <a:shade val="20000"/>
+                        <a:satMod val="300000"/>
+                      </a:schemeClr>
+                    </a:gs>
+                    <a:gs pos="79000">
+                      <a:schemeClr val="accent1">
+                        <a:tint val="52000"/>
+                        <a:satMod val="300000"/>
+                      </a:schemeClr>
+                    </a:gs>
+                    <a:gs pos="100000">
+                      <a:schemeClr val="accent1">
+                        <a:tint val="40000"/>
+                        <a:satMod val="250000"/>
+                      </a:schemeClr>
+                    </a:gs>
+                  </a:gsLst>
+                  <a:lin ang="5400000"/>
+                </a:gradFill>
+              </a:rPr>
+              <a:t>3.1.4 </a:t>
+            </a:r>
+            <a:r>
+              <a:rPr lang="en-US" sz="2800" b="1" dirty="0" err="1" smtClean="0">
+                <a:ln w="10541" cmpd="sng">
+                  <a:solidFill>
+                    <a:schemeClr val="accent1">
+                      <a:shade val="88000"/>
+                      <a:satMod val="110000"/>
+                    </a:schemeClr>
+                  </a:solidFill>
+                  <a:prstDash val="solid"/>
+                </a:ln>
+                <a:gradFill>
+                  <a:gsLst>
+                    <a:gs pos="0">
+                      <a:schemeClr val="accent1">
+                        <a:tint val="40000"/>
+                        <a:satMod val="250000"/>
+                      </a:schemeClr>
+                    </a:gs>
+                    <a:gs pos="9000">
+                      <a:schemeClr val="accent1">
+                        <a:tint val="52000"/>
+                        <a:satMod val="300000"/>
+                      </a:schemeClr>
+                    </a:gs>
+                    <a:gs pos="50000">
+                      <a:schemeClr val="accent1">
+                        <a:shade val="20000"/>
+                        <a:satMod val="300000"/>
+                      </a:schemeClr>
+                    </a:gs>
+                    <a:gs pos="79000">
+                      <a:schemeClr val="accent1">
+                        <a:tint val="52000"/>
+                        <a:satMod val="300000"/>
+                      </a:schemeClr>
+                    </a:gs>
+                    <a:gs pos="100000">
+                      <a:schemeClr val="accent1">
+                        <a:tint val="40000"/>
+                        <a:satMod val="250000"/>
+                      </a:schemeClr>
+                    </a:gs>
+                  </a:gsLst>
+                  <a:lin ang="5400000"/>
+                </a:gradFill>
+              </a:rPr>
+              <a:t>Sơ</a:t>
+            </a:r>
+            <a:r>
+              <a:rPr lang="en-US" sz="2800" b="1" dirty="0" smtClean="0">
+                <a:ln w="10541" cmpd="sng">
+                  <a:solidFill>
+                    <a:schemeClr val="accent1">
+                      <a:shade val="88000"/>
+                      <a:satMod val="110000"/>
+                    </a:schemeClr>
+                  </a:solidFill>
+                  <a:prstDash val="solid"/>
+                </a:ln>
+                <a:gradFill>
+                  <a:gsLst>
+                    <a:gs pos="0">
+                      <a:schemeClr val="accent1">
+                        <a:tint val="40000"/>
+                        <a:satMod val="250000"/>
+                      </a:schemeClr>
+                    </a:gs>
+                    <a:gs pos="9000">
+                      <a:schemeClr val="accent1">
+                        <a:tint val="52000"/>
+                        <a:satMod val="300000"/>
+                      </a:schemeClr>
+                    </a:gs>
+                    <a:gs pos="50000">
+                      <a:schemeClr val="accent1">
+                        <a:shade val="20000"/>
+                        <a:satMod val="300000"/>
+                      </a:schemeClr>
+                    </a:gs>
+                    <a:gs pos="79000">
+                      <a:schemeClr val="accent1">
+                        <a:tint val="52000"/>
+                        <a:satMod val="300000"/>
+                      </a:schemeClr>
+                    </a:gs>
+                    <a:gs pos="100000">
+                      <a:schemeClr val="accent1">
+                        <a:tint val="40000"/>
+                        <a:satMod val="250000"/>
+                      </a:schemeClr>
+                    </a:gs>
+                  </a:gsLst>
+                  <a:lin ang="5400000"/>
+                </a:gradFill>
+              </a:rPr>
+              <a:t> </a:t>
+            </a:r>
+            <a:r>
+              <a:rPr lang="en-US" sz="2800" b="1" dirty="0" err="1" smtClean="0">
+                <a:ln w="10541" cmpd="sng">
+                  <a:solidFill>
+                    <a:schemeClr val="accent1">
+                      <a:shade val="88000"/>
+                      <a:satMod val="110000"/>
+                    </a:schemeClr>
+                  </a:solidFill>
+                  <a:prstDash val="solid"/>
+                </a:ln>
+                <a:gradFill>
+                  <a:gsLst>
+                    <a:gs pos="0">
+                      <a:schemeClr val="accent1">
+                        <a:tint val="40000"/>
+                        <a:satMod val="250000"/>
+                      </a:schemeClr>
+                    </a:gs>
+                    <a:gs pos="9000">
+                      <a:schemeClr val="accent1">
+                        <a:tint val="52000"/>
+                        <a:satMod val="300000"/>
+                      </a:schemeClr>
+                    </a:gs>
+                    <a:gs pos="50000">
+                      <a:schemeClr val="accent1">
+                        <a:shade val="20000"/>
+                        <a:satMod val="300000"/>
+                      </a:schemeClr>
+                    </a:gs>
+                    <a:gs pos="79000">
+                      <a:schemeClr val="accent1">
+                        <a:tint val="52000"/>
+                        <a:satMod val="300000"/>
+                      </a:schemeClr>
+                    </a:gs>
+                    <a:gs pos="100000">
+                      <a:schemeClr val="accent1">
+                        <a:tint val="40000"/>
+                        <a:satMod val="250000"/>
+                      </a:schemeClr>
+                    </a:gs>
+                  </a:gsLst>
+                  <a:lin ang="5400000"/>
+                </a:gradFill>
+              </a:rPr>
+              <a:t>đồ</a:t>
+            </a:r>
+            <a:r>
+              <a:rPr lang="en-US" sz="2800" b="1" dirty="0" smtClean="0">
+                <a:ln w="10541" cmpd="sng">
+                  <a:solidFill>
+                    <a:schemeClr val="accent1">
+                      <a:shade val="88000"/>
+                      <a:satMod val="110000"/>
+                    </a:schemeClr>
+                  </a:solidFill>
+                  <a:prstDash val="solid"/>
+                </a:ln>
+                <a:gradFill>
+                  <a:gsLst>
+                    <a:gs pos="0">
+                      <a:schemeClr val="accent1">
+                        <a:tint val="40000"/>
+                        <a:satMod val="250000"/>
+                      </a:schemeClr>
+                    </a:gs>
+                    <a:gs pos="9000">
+                      <a:schemeClr val="accent1">
+                        <a:tint val="52000"/>
+                        <a:satMod val="300000"/>
+                      </a:schemeClr>
+                    </a:gs>
+                    <a:gs pos="50000">
+                      <a:schemeClr val="accent1">
+                        <a:shade val="20000"/>
+                        <a:satMod val="300000"/>
+                      </a:schemeClr>
+                    </a:gs>
+                    <a:gs pos="79000">
+                      <a:schemeClr val="accent1">
+                        <a:tint val="52000"/>
+                        <a:satMod val="300000"/>
+                      </a:schemeClr>
+                    </a:gs>
+                    <a:gs pos="100000">
+                      <a:schemeClr val="accent1">
+                        <a:tint val="40000"/>
+                        <a:satMod val="250000"/>
+                      </a:schemeClr>
+                    </a:gs>
+                  </a:gsLst>
+                  <a:lin ang="5400000"/>
+                </a:gradFill>
+              </a:rPr>
+              <a:t> </a:t>
+            </a:r>
+            <a:r>
+              <a:rPr lang="en-US" sz="2800" b="1" dirty="0" err="1" smtClean="0">
+                <a:ln w="10541" cmpd="sng">
+                  <a:solidFill>
+                    <a:schemeClr val="accent1">
+                      <a:shade val="88000"/>
+                      <a:satMod val="110000"/>
+                    </a:schemeClr>
+                  </a:solidFill>
+                  <a:prstDash val="solid"/>
+                </a:ln>
+                <a:gradFill>
+                  <a:gsLst>
+                    <a:gs pos="0">
+                      <a:schemeClr val="accent1">
+                        <a:tint val="40000"/>
+                        <a:satMod val="250000"/>
+                      </a:schemeClr>
+                    </a:gs>
+                    <a:gs pos="9000">
+                      <a:schemeClr val="accent1">
+                        <a:tint val="52000"/>
+                        <a:satMod val="300000"/>
+                      </a:schemeClr>
+                    </a:gs>
+                    <a:gs pos="50000">
+                      <a:schemeClr val="accent1">
+                        <a:shade val="20000"/>
+                        <a:satMod val="300000"/>
+                      </a:schemeClr>
+                    </a:gs>
+                    <a:gs pos="79000">
+                      <a:schemeClr val="accent1">
+                        <a:tint val="52000"/>
+                        <a:satMod val="300000"/>
+                      </a:schemeClr>
+                    </a:gs>
+                    <a:gs pos="100000">
+                      <a:schemeClr val="accent1">
+                        <a:tint val="40000"/>
+                        <a:satMod val="250000"/>
+                      </a:schemeClr>
+                    </a:gs>
+                  </a:gsLst>
+                  <a:lin ang="5400000"/>
+                </a:gradFill>
+              </a:rPr>
+              <a:t>thực</a:t>
+            </a:r>
+            <a:r>
+              <a:rPr lang="en-US" sz="2800" b="1" dirty="0" smtClean="0">
+                <a:ln w="10541" cmpd="sng">
+                  <a:solidFill>
+                    <a:schemeClr val="accent1">
+                      <a:shade val="88000"/>
+                      <a:satMod val="110000"/>
+                    </a:schemeClr>
+                  </a:solidFill>
+                  <a:prstDash val="solid"/>
+                </a:ln>
+                <a:gradFill>
+                  <a:gsLst>
+                    <a:gs pos="0">
+                      <a:schemeClr val="accent1">
+                        <a:tint val="40000"/>
+                        <a:satMod val="250000"/>
+                      </a:schemeClr>
+                    </a:gs>
+                    <a:gs pos="9000">
+                      <a:schemeClr val="accent1">
+                        <a:tint val="52000"/>
+                        <a:satMod val="300000"/>
+                      </a:schemeClr>
+                    </a:gs>
+                    <a:gs pos="50000">
+                      <a:schemeClr val="accent1">
+                        <a:shade val="20000"/>
+                        <a:satMod val="300000"/>
+                      </a:schemeClr>
+                    </a:gs>
+                    <a:gs pos="79000">
+                      <a:schemeClr val="accent1">
+                        <a:tint val="52000"/>
+                        <a:satMod val="300000"/>
+                      </a:schemeClr>
+                    </a:gs>
+                    <a:gs pos="100000">
+                      <a:schemeClr val="accent1">
+                        <a:tint val="40000"/>
+                        <a:satMod val="250000"/>
+                      </a:schemeClr>
+                    </a:gs>
+                  </a:gsLst>
+                  <a:lin ang="5400000"/>
+                </a:gradFill>
+              </a:rPr>
+              <a:t> </a:t>
+            </a:r>
+            <a:r>
+              <a:rPr lang="en-US" sz="2800" b="1" dirty="0" err="1" smtClean="0">
+                <a:ln w="10541" cmpd="sng">
+                  <a:solidFill>
+                    <a:schemeClr val="accent1">
+                      <a:shade val="88000"/>
+                      <a:satMod val="110000"/>
+                    </a:schemeClr>
+                  </a:solidFill>
+                  <a:prstDash val="solid"/>
+                </a:ln>
+                <a:gradFill>
+                  <a:gsLst>
+                    <a:gs pos="0">
+                      <a:schemeClr val="accent1">
+                        <a:tint val="40000"/>
+                        <a:satMod val="250000"/>
+                      </a:schemeClr>
+                    </a:gs>
+                    <a:gs pos="9000">
+                      <a:schemeClr val="accent1">
+                        <a:tint val="52000"/>
+                        <a:satMod val="300000"/>
+                      </a:schemeClr>
+                    </a:gs>
+                    <a:gs pos="50000">
+                      <a:schemeClr val="accent1">
+                        <a:shade val="20000"/>
+                        <a:satMod val="300000"/>
+                      </a:schemeClr>
+                    </a:gs>
+                    <a:gs pos="79000">
+                      <a:schemeClr val="accent1">
+                        <a:tint val="52000"/>
+                        <a:satMod val="300000"/>
+                      </a:schemeClr>
+                    </a:gs>
+                    <a:gs pos="100000">
+                      <a:schemeClr val="accent1">
+                        <a:tint val="40000"/>
+                        <a:satMod val="250000"/>
+                      </a:schemeClr>
+                    </a:gs>
+                  </a:gsLst>
+                  <a:lin ang="5400000"/>
+                </a:gradFill>
+              </a:rPr>
+              <a:t>thể</a:t>
+            </a:r>
+            <a:r>
+              <a:rPr lang="en-US" sz="2800" b="1" dirty="0" smtClean="0">
+                <a:ln w="10541" cmpd="sng">
+                  <a:solidFill>
+                    <a:schemeClr val="accent1">
+                      <a:shade val="88000"/>
+                      <a:satMod val="110000"/>
+                    </a:schemeClr>
+                  </a:solidFill>
+                  <a:prstDash val="solid"/>
+                </a:ln>
+                <a:gradFill>
+                  <a:gsLst>
+                    <a:gs pos="0">
+                      <a:schemeClr val="accent1">
+                        <a:tint val="40000"/>
+                        <a:satMod val="250000"/>
+                      </a:schemeClr>
+                    </a:gs>
+                    <a:gs pos="9000">
+                      <a:schemeClr val="accent1">
+                        <a:tint val="52000"/>
+                        <a:satMod val="300000"/>
+                      </a:schemeClr>
+                    </a:gs>
+                    <a:gs pos="50000">
+                      <a:schemeClr val="accent1">
+                        <a:shade val="20000"/>
+                        <a:satMod val="300000"/>
+                      </a:schemeClr>
+                    </a:gs>
+                    <a:gs pos="79000">
+                      <a:schemeClr val="accent1">
+                        <a:tint val="52000"/>
+                        <a:satMod val="300000"/>
+                      </a:schemeClr>
+                    </a:gs>
+                    <a:gs pos="100000">
+                      <a:schemeClr val="accent1">
+                        <a:tint val="40000"/>
+                        <a:satMod val="250000"/>
+                      </a:schemeClr>
+                    </a:gs>
+                  </a:gsLst>
+                  <a:lin ang="5400000"/>
+                </a:gradFill>
+              </a:rPr>
+              <a:t> </a:t>
+            </a:r>
+            <a:r>
+              <a:rPr lang="en-US" sz="2800" b="1" dirty="0" err="1" smtClean="0">
+                <a:ln w="10541" cmpd="sng">
+                  <a:solidFill>
+                    <a:schemeClr val="accent1">
+                      <a:shade val="88000"/>
+                      <a:satMod val="110000"/>
+                    </a:schemeClr>
+                  </a:solidFill>
+                  <a:prstDash val="solid"/>
+                </a:ln>
+                <a:gradFill>
+                  <a:gsLst>
+                    <a:gs pos="0">
+                      <a:schemeClr val="accent1">
+                        <a:tint val="40000"/>
+                        <a:satMod val="250000"/>
+                      </a:schemeClr>
+                    </a:gs>
+                    <a:gs pos="9000">
+                      <a:schemeClr val="accent1">
+                        <a:tint val="52000"/>
+                        <a:satMod val="300000"/>
+                      </a:schemeClr>
+                    </a:gs>
+                    <a:gs pos="50000">
+                      <a:schemeClr val="accent1">
+                        <a:shade val="20000"/>
+                        <a:satMod val="300000"/>
+                      </a:schemeClr>
+                    </a:gs>
+                    <a:gs pos="79000">
+                      <a:schemeClr val="accent1">
+                        <a:tint val="52000"/>
+                        <a:satMod val="300000"/>
+                      </a:schemeClr>
+                    </a:gs>
+                    <a:gs pos="100000">
+                      <a:schemeClr val="accent1">
+                        <a:tint val="40000"/>
+                        <a:satMod val="250000"/>
+                      </a:schemeClr>
+                    </a:gs>
+                  </a:gsLst>
+                  <a:lin ang="5400000"/>
+                </a:gradFill>
+              </a:rPr>
+              <a:t>liên</a:t>
+            </a:r>
+            <a:r>
+              <a:rPr lang="en-US" sz="2800" b="1" dirty="0" smtClean="0">
+                <a:ln w="10541" cmpd="sng">
+                  <a:solidFill>
+                    <a:schemeClr val="accent1">
+                      <a:shade val="88000"/>
+                      <a:satMod val="110000"/>
+                    </a:schemeClr>
+                  </a:solidFill>
+                  <a:prstDash val="solid"/>
+                </a:ln>
+                <a:gradFill>
+                  <a:gsLst>
+                    <a:gs pos="0">
+                      <a:schemeClr val="accent1">
+                        <a:tint val="40000"/>
+                        <a:satMod val="250000"/>
+                      </a:schemeClr>
+                    </a:gs>
+                    <a:gs pos="9000">
+                      <a:schemeClr val="accent1">
+                        <a:tint val="52000"/>
+                        <a:satMod val="300000"/>
+                      </a:schemeClr>
+                    </a:gs>
+                    <a:gs pos="50000">
+                      <a:schemeClr val="accent1">
+                        <a:shade val="20000"/>
+                        <a:satMod val="300000"/>
+                      </a:schemeClr>
+                    </a:gs>
+                    <a:gs pos="79000">
+                      <a:schemeClr val="accent1">
+                        <a:tint val="52000"/>
+                        <a:satMod val="300000"/>
+                      </a:schemeClr>
+                    </a:gs>
+                    <a:gs pos="100000">
+                      <a:schemeClr val="accent1">
+                        <a:tint val="40000"/>
+                        <a:satMod val="250000"/>
+                      </a:schemeClr>
+                    </a:gs>
+                  </a:gsLst>
+                  <a:lin ang="5400000"/>
+                </a:gradFill>
+              </a:rPr>
+              <a:t> </a:t>
+            </a:r>
+            <a:r>
+              <a:rPr lang="en-US" sz="2800" b="1" dirty="0" err="1" smtClean="0">
+                <a:ln w="10541" cmpd="sng">
+                  <a:solidFill>
+                    <a:schemeClr val="accent1">
+                      <a:shade val="88000"/>
+                      <a:satMod val="110000"/>
+                    </a:schemeClr>
+                  </a:solidFill>
+                  <a:prstDash val="solid"/>
+                </a:ln>
+                <a:gradFill>
+                  <a:gsLst>
+                    <a:gs pos="0">
+                      <a:schemeClr val="accent1">
+                        <a:tint val="40000"/>
+                        <a:satMod val="250000"/>
+                      </a:schemeClr>
+                    </a:gs>
+                    <a:gs pos="9000">
+                      <a:schemeClr val="accent1">
+                        <a:tint val="52000"/>
+                        <a:satMod val="300000"/>
+                      </a:schemeClr>
+                    </a:gs>
+                    <a:gs pos="50000">
+                      <a:schemeClr val="accent1">
+                        <a:shade val="20000"/>
+                        <a:satMod val="300000"/>
+                      </a:schemeClr>
+                    </a:gs>
+                    <a:gs pos="79000">
+                      <a:schemeClr val="accent1">
+                        <a:tint val="52000"/>
+                        <a:satMod val="300000"/>
+                      </a:schemeClr>
+                    </a:gs>
+                    <a:gs pos="100000">
+                      <a:schemeClr val="accent1">
+                        <a:tint val="40000"/>
+                        <a:satMod val="250000"/>
+                      </a:schemeClr>
+                    </a:gs>
+                  </a:gsLst>
+                  <a:lin ang="5400000"/>
+                </a:gradFill>
+              </a:rPr>
+              <a:t>kết</a:t>
+            </a:r>
+            <a:endParaRPr lang="en-US" sz="2800" b="1" dirty="0">
+              <a:ln w="10541" cmpd="sng">
                 <a:solidFill>
                   <a:schemeClr val="accent1">
-                    <a:lumMod val="75000"/>
+                    <a:shade val="88000"/>
+                    <a:satMod val="110000"/>
                   </a:schemeClr>
+                </a:solidFill>
+                <a:prstDash val="solid"/>
+              </a:ln>
+              <a:gradFill>
+                <a:gsLst>
+                  <a:gs pos="0">
+                    <a:schemeClr val="accent1">
+                      <a:tint val="40000"/>
+                      <a:satMod val="250000"/>
+                    </a:schemeClr>
+                  </a:gs>
+                  <a:gs pos="9000">
+                    <a:schemeClr val="accent1">
+                      <a:tint val="52000"/>
+                      <a:satMod val="300000"/>
+                    </a:schemeClr>
+                  </a:gs>
+                  <a:gs pos="50000">
+                    <a:schemeClr val="accent1">
+                      <a:shade val="20000"/>
+                      <a:satMod val="300000"/>
+                    </a:schemeClr>
+                  </a:gs>
+                  <a:gs pos="79000">
+                    <a:schemeClr val="accent1">
+                      <a:tint val="52000"/>
+                      <a:satMod val="300000"/>
+                    </a:schemeClr>
+                  </a:gs>
+                  <a:gs pos="100000">
+                    <a:schemeClr val="accent1">
+                      <a:tint val="40000"/>
+                      <a:satMod val="250000"/>
+                    </a:schemeClr>
+                  </a:gs>
+                </a:gsLst>
+                <a:lin ang="5400000"/>
+              </a:gradFill>
+            </a:endParaRPr>
+          </a:p>
+          <a:p>
+            <a:pPr algn="ctr"/>
+            <a:endParaRPr lang="vi-VN" sz="2800" dirty="0">
+              <a:solidFill>
+                <a:schemeClr val="accent1">
+                  <a:lumMod val="75000"/>
+                </a:schemeClr>
+              </a:solidFill>
+              <a:latin typeface="Times New Roman" panose="02020603050405020304" pitchFamily="18" charset="0"/>
+              <a:cs typeface="Times New Roman" panose="02020603050405020304" pitchFamily="18" charset="0"/>
+            </a:endParaRPr>
+          </a:p>
+        </p:txBody>
+      </p:sp>
+      <p:pic>
+        <p:nvPicPr>
+          <p:cNvPr id="1026" name="Picture 1"/>
+          <p:cNvPicPr>
+            <a:picLocks noChangeAspect="1" noChangeArrowheads="1"/>
+          </p:cNvPicPr>
+          <p:nvPr/>
+        </p:nvPicPr>
+        <p:blipFill>
+          <a:blip r:embed="rId3">
+            <a:extLst>
+              <a:ext uri="{28A0092B-C50C-407E-A947-70E740481C1C}">
+                <a14:useLocalDpi xmlns:a14="http://schemas.microsoft.com/office/drawing/2010/main" val="0"/>
+              </a:ext>
+            </a:extLst>
+          </a:blip>
+          <a:srcRect l="36604" t="19148" r="26791" b="24924"/>
+          <a:stretch>
+            <a:fillRect/>
+          </a:stretch>
+        </p:blipFill>
+        <p:spPr bwMode="auto">
+          <a:xfrm>
+            <a:off x="2123728" y="1601289"/>
+            <a:ext cx="5600700" cy="4838700"/>
+          </a:xfrm>
+          <a:prstGeom prst="rect">
+            <a:avLst/>
+          </a:prstGeom>
+          <a:noFill/>
+          <a:ln>
+            <a:noFill/>
+          </a:ln>
+          <a:extLst>
+            <a:ext uri="{909E8E84-426E-40DD-AFC4-6F175D3DCCD1}">
+              <a14:hiddenFill xmlns:a14="http://schemas.microsoft.com/office/drawing/2010/main">
+                <a:solidFill>
+                  <a:srgbClr val="FFFFFF"/>
+                </a:solidFill>
+              </a14:hiddenFill>
+            </a:ext>
+            <a:ext uri="{91240B29-F687-4F45-9708-019B960494DF}">
+              <a14:hiddenLine xmlns:a14="http://schemas.microsoft.com/office/drawing/2010/main" w="9525">
+                <a:solidFill>
+                  <a:srgbClr val="000000"/>
+                </a:solidFill>
+                <a:miter lim="800000"/>
+                <a:headEnd/>
+                <a:tailEnd/>
+              </a14:hiddenLine>
+            </a:ext>
+          </a:extLst>
+        </p:spPr>
+      </p:pic>
+      <p:sp>
+        <p:nvSpPr>
+          <p:cNvPr id="6" name="Slide Number Placeholder 5"/>
+          <p:cNvSpPr>
+            <a:spLocks noGrp="1"/>
+          </p:cNvSpPr>
+          <p:nvPr>
+            <p:ph type="sldNum" sz="quarter" idx="12"/>
+          </p:nvPr>
+        </p:nvSpPr>
+        <p:spPr/>
+        <p:txBody>
+          <a:bodyPr/>
+          <a:lstStyle/>
+          <a:p>
+            <a:fld id="{B6F15528-21DE-4FAA-801E-634DDDAF4B2B}" type="slidenum">
+              <a:rPr lang="en-US" smtClean="0"/>
+              <a:pPr/>
+              <a:t>9</a:t>
+            </a:fld>
+            <a:endParaRPr lang="en-US"/>
+          </a:p>
+        </p:txBody>
+      </p:sp>
+      <p:sp>
+        <p:nvSpPr>
+          <p:cNvPr id="7" name="Rectangle 6"/>
+          <p:cNvSpPr/>
+          <p:nvPr/>
+        </p:nvSpPr>
+        <p:spPr>
+          <a:xfrm>
+            <a:off x="1016000" y="6781800"/>
+            <a:ext cx="8128000" cy="76200"/>
+          </a:xfrm>
+          <a:prstGeom prst="rect">
+            <a:avLst/>
+          </a:prstGeom>
+          <a:gradFill>
+            <a:gsLst>
+              <a:gs pos="0">
+                <a:schemeClr val="accent2"/>
+              </a:gs>
+              <a:gs pos="52000">
+                <a:schemeClr val="accent1">
+                  <a:lumMod val="45000"/>
+                  <a:lumOff val="55000"/>
+                </a:schemeClr>
+              </a:gs>
+              <a:gs pos="98000">
+                <a:srgbClr val="FFC000"/>
+              </a:gs>
+            </a:gsLst>
+            <a:lin ang="0" scaled="0"/>
+          </a:gradFill>
+          <a:ln>
+            <a:noFill/>
+          </a:ln>
+        </p:spPr>
+        <p:style>
+          <a:lnRef idx="2">
+            <a:schemeClr val="accent1">
+              <a:shade val="50000"/>
+            </a:schemeClr>
+          </a:lnRef>
+          <a:fillRef idx="1">
+            <a:schemeClr val="accent1"/>
+          </a:fillRef>
+          <a:effectRef idx="0">
+            <a:schemeClr val="accent1"/>
+          </a:effectRef>
+          <a:fontRef idx="minor">
+            <a:schemeClr val="lt1"/>
+          </a:fontRef>
+        </p:style>
+        <p:txBody>
+          <a:bodyPr rtlCol="0" anchor="ctr"/>
+          <a:lstStyle/>
+          <a:p>
+            <a:pPr algn="ctr"/>
+            <a:endParaRPr lang="en-US"/>
+          </a:p>
+        </p:txBody>
+      </p:sp>
+      <p:sp>
+        <p:nvSpPr>
+          <p:cNvPr id="8" name="Rectangle 7"/>
+          <p:cNvSpPr/>
+          <p:nvPr/>
+        </p:nvSpPr>
+        <p:spPr>
+          <a:xfrm>
+            <a:off x="1016000" y="0"/>
+            <a:ext cx="8128000" cy="692696"/>
+          </a:xfrm>
+          <a:prstGeom prst="rect">
+            <a:avLst/>
+          </a:prstGeom>
+          <a:solidFill>
+            <a:schemeClr val="accent2"/>
+          </a:solidFill>
+          <a:ln>
+            <a:noFill/>
+          </a:ln>
+        </p:spPr>
+        <p:style>
+          <a:lnRef idx="2">
+            <a:schemeClr val="accent1">
+              <a:shade val="50000"/>
+            </a:schemeClr>
+          </a:lnRef>
+          <a:fillRef idx="1">
+            <a:schemeClr val="accent1"/>
+          </a:fillRef>
+          <a:effectRef idx="0">
+            <a:schemeClr val="accent1"/>
+          </a:effectRef>
+          <a:fontRef idx="minor">
+            <a:schemeClr val="lt1"/>
+          </a:fontRef>
+        </p:style>
+        <p:txBody>
+          <a:bodyPr rtlCol="0" anchor="ctr"/>
+          <a:lstStyle/>
+          <a:p>
+            <a:pPr algn="ctr"/>
+            <a:endParaRPr lang="en-US"/>
+          </a:p>
+        </p:txBody>
+      </p:sp>
+      <p:sp>
+        <p:nvSpPr>
+          <p:cNvPr id="9" name="Title 1"/>
+          <p:cNvSpPr txBox="1">
+            <a:spLocks/>
+          </p:cNvSpPr>
+          <p:nvPr/>
+        </p:nvSpPr>
+        <p:spPr>
+          <a:xfrm>
+            <a:off x="381000" y="-171400"/>
+            <a:ext cx="8229600" cy="914400"/>
+          </a:xfrm>
+          <a:prstGeom prst="rect">
+            <a:avLst/>
+          </a:prstGeom>
+        </p:spPr>
+        <p:txBody>
+          <a:bodyPr anchor="ctr">
+            <a:normAutofit/>
+          </a:bodyPr>
+          <a:lstStyle>
+            <a:lvl1pPr algn="l" rtl="0" eaLnBrk="1" latinLnBrk="0" hangingPunct="1">
+              <a:spcBef>
+                <a:spcPct val="0"/>
+              </a:spcBef>
+              <a:buNone/>
+              <a:defRPr kumimoji="0" sz="4300" kern="1200">
+                <a:solidFill>
+                  <a:schemeClr val="tx2">
+                    <a:satMod val="130000"/>
+                  </a:schemeClr>
+                </a:solidFill>
+                <a:effectLst>
+                  <a:outerShdw blurRad="50000" dist="30000" dir="5400000" algn="tl" rotWithShape="0">
+                    <a:srgbClr val="000000">
+                      <a:alpha val="30000"/>
+                    </a:srgbClr>
+                  </a:outerShdw>
+                </a:effectLst>
+                <a:latin typeface="+mj-lt"/>
+                <a:ea typeface="+mj-ea"/>
+                <a:cs typeface="+mj-cs"/>
+              </a:defRPr>
+            </a:lvl1pPr>
+            <a:extLst/>
+          </a:lstStyle>
+          <a:p>
+            <a:r>
+              <a:rPr lang="en-US" sz="3500" b="1" dirty="0" smtClean="0">
+                <a:solidFill>
+                  <a:schemeClr val="bg1"/>
                 </a:solidFill>
                 <a:latin typeface="Times New Roman" panose="02020603050405020304" pitchFamily="18" charset="0"/>
                 <a:cs typeface="Times New Roman" panose="02020603050405020304" pitchFamily="18" charset="0"/>
               </a:rPr>
-              <a:t>Mô</a:t>
-            </a:r>
-            <a:r>
-              <a:rPr lang="en-US" sz="2800" dirty="0" smtClean="0">
+              <a:t>       3.1. </a:t>
+            </a:r>
+            <a:r>
+              <a:rPr lang="en-US" sz="3500" b="1" dirty="0" err="1" smtClean="0">
                 <a:solidFill>
-                  <a:schemeClr val="accent1">
-                    <a:lumMod val="75000"/>
-                  </a:schemeClr>
+                  <a:schemeClr val="bg1"/>
+                </a:solidFill>
+                <a:latin typeface="Times New Roman" panose="02020603050405020304" pitchFamily="18" charset="0"/>
+                <a:cs typeface="Times New Roman" panose="02020603050405020304" pitchFamily="18" charset="0"/>
+              </a:rPr>
+              <a:t>Phân</a:t>
+            </a:r>
+            <a:r>
+              <a:rPr lang="en-US" sz="3500" b="1" dirty="0" smtClean="0">
+                <a:solidFill>
+                  <a:schemeClr val="bg1"/>
                 </a:solidFill>
                 <a:latin typeface="Times New Roman" panose="02020603050405020304" pitchFamily="18" charset="0"/>
                 <a:cs typeface="Times New Roman" panose="02020603050405020304" pitchFamily="18" charset="0"/>
@@ -29966,23 +34582,19 @@
               <a:t> </a:t>
             </a:r>
             <a:r>
-              <a:rPr lang="en-US" sz="2800" dirty="0" err="1" smtClean="0">
+              <a:rPr lang="en-US" sz="3500" b="1" dirty="0" err="1" smtClean="0">
                 <a:solidFill>
-                  <a:schemeClr val="accent1">
-                    <a:lumMod val="75000"/>
-                  </a:schemeClr>
+                  <a:schemeClr val="bg1"/>
                 </a:solidFill>
                 <a:latin typeface="Times New Roman" panose="02020603050405020304" pitchFamily="18" charset="0"/>
                 <a:cs typeface="Times New Roman" panose="02020603050405020304" pitchFamily="18" charset="0"/>
               </a:rPr>
-              <a:t>hình</a:t>
-            </a:r>
-            <a:r>
-              <a:rPr lang="en-US" sz="2800" dirty="0" smtClean="0">
+              <a:t>Tích</a:t>
+            </a:r>
+            <a:r>
+              <a:rPr lang="en-US" sz="3500" b="1" dirty="0" smtClean="0">
                 <a:solidFill>
-                  <a:schemeClr val="accent1">
-                    <a:lumMod val="75000"/>
-                  </a:schemeClr>
+                  <a:schemeClr val="bg1"/>
                 </a:solidFill>
                 <a:latin typeface="Times New Roman" panose="02020603050405020304" pitchFamily="18" charset="0"/>
                 <a:cs typeface="Times New Roman" panose="02020603050405020304" pitchFamily="18" charset="0"/>
@@ -29990,23 +34602,19 @@
               <a:t> </a:t>
             </a:r>
             <a:r>
-              <a:rPr lang="en-US" sz="2800" dirty="0" err="1" smtClean="0">
+              <a:rPr lang="en-US" sz="3500" b="1" dirty="0" err="1" smtClean="0">
                 <a:solidFill>
-                  <a:schemeClr val="accent1">
-                    <a:lumMod val="75000"/>
-                  </a:schemeClr>
+                  <a:schemeClr val="bg1"/>
                 </a:solidFill>
                 <a:latin typeface="Times New Roman" panose="02020603050405020304" pitchFamily="18" charset="0"/>
                 <a:cs typeface="Times New Roman" panose="02020603050405020304" pitchFamily="18" charset="0"/>
               </a:rPr>
-              <a:t>liên</a:t>
-            </a:r>
-            <a:r>
-              <a:rPr lang="en-US" sz="2800" dirty="0" smtClean="0">
+              <a:t>Thiết</a:t>
+            </a:r>
+            <a:r>
+              <a:rPr lang="en-US" sz="3500" b="1" dirty="0" smtClean="0">
                 <a:solidFill>
-                  <a:schemeClr val="accent1">
-                    <a:lumMod val="75000"/>
-                  </a:schemeClr>
+                  <a:schemeClr val="bg1"/>
                 </a:solidFill>
                 <a:latin typeface="Times New Roman" panose="02020603050405020304" pitchFamily="18" charset="0"/>
                 <a:cs typeface="Times New Roman" panose="02020603050405020304" pitchFamily="18" charset="0"/>
@@ -30014,23 +34622,19 @@
               <a:t> </a:t>
             </a:r>
             <a:r>
-              <a:rPr lang="en-US" sz="2800" dirty="0" err="1" smtClean="0">
+              <a:rPr lang="en-US" sz="3500" b="1" dirty="0" err="1" smtClean="0">
                 <a:solidFill>
-                  <a:schemeClr val="accent1">
-                    <a:lumMod val="75000"/>
-                  </a:schemeClr>
+                  <a:schemeClr val="bg1"/>
                 </a:solidFill>
                 <a:latin typeface="Times New Roman" panose="02020603050405020304" pitchFamily="18" charset="0"/>
                 <a:cs typeface="Times New Roman" panose="02020603050405020304" pitchFamily="18" charset="0"/>
               </a:rPr>
-              <a:t>kết</a:t>
-            </a:r>
-            <a:r>
-              <a:rPr lang="en-US" sz="2800" dirty="0" smtClean="0">
+              <a:t>Kế</a:t>
+            </a:r>
+            <a:r>
+              <a:rPr lang="en-US" sz="3500" b="1" dirty="0" smtClean="0">
                 <a:solidFill>
-                  <a:schemeClr val="accent1">
-                    <a:lumMod val="75000"/>
-                  </a:schemeClr>
+                  <a:schemeClr val="bg1"/>
                 </a:solidFill>
                 <a:latin typeface="Times New Roman" panose="02020603050405020304" pitchFamily="18" charset="0"/>
                 <a:cs typeface="Times New Roman" panose="02020603050405020304" pitchFamily="18" charset="0"/>
@@ -30038,23 +34642,19 @@
               <a:t> </a:t>
             </a:r>
             <a:r>
-              <a:rPr lang="en-US" sz="2800" dirty="0" err="1" smtClean="0">
+              <a:rPr lang="en-US" sz="3500" b="1" dirty="0" err="1" smtClean="0">
                 <a:solidFill>
-                  <a:schemeClr val="accent1">
-                    <a:lumMod val="75000"/>
-                  </a:schemeClr>
+                  <a:schemeClr val="bg1"/>
                 </a:solidFill>
                 <a:latin typeface="Times New Roman" panose="02020603050405020304" pitchFamily="18" charset="0"/>
                 <a:cs typeface="Times New Roman" panose="02020603050405020304" pitchFamily="18" charset="0"/>
               </a:rPr>
-              <a:t>cơ</a:t>
-            </a:r>
-            <a:r>
-              <a:rPr lang="en-US" sz="2800" dirty="0" smtClean="0">
+              <a:t>Hệ</a:t>
+            </a:r>
+            <a:r>
+              <a:rPr lang="en-US" sz="3500" b="1" dirty="0" smtClean="0">
                 <a:solidFill>
-                  <a:schemeClr val="accent1">
-                    <a:lumMod val="75000"/>
-                  </a:schemeClr>
+                  <a:schemeClr val="bg1"/>
                 </a:solidFill>
                 <a:latin typeface="Times New Roman" panose="02020603050405020304" pitchFamily="18" charset="0"/>
                 <a:cs typeface="Times New Roman" panose="02020603050405020304" pitchFamily="18" charset="0"/>
@@ -30062,70 +34662,18 @@
               <a:t> </a:t>
             </a:r>
             <a:r>
-              <a:rPr lang="en-US" sz="2800" dirty="0" err="1" smtClean="0">
+              <a:rPr lang="en-US" sz="3500" b="1" dirty="0" err="1" smtClean="0">
                 <a:solidFill>
-                  <a:schemeClr val="accent1">
-                    <a:lumMod val="75000"/>
-                  </a:schemeClr>
+                  <a:schemeClr val="bg1"/>
                 </a:solidFill>
                 <a:latin typeface="Times New Roman" panose="02020603050405020304" pitchFamily="18" charset="0"/>
                 <a:cs typeface="Times New Roman" panose="02020603050405020304" pitchFamily="18" charset="0"/>
               </a:rPr>
-              <a:t>sở</a:t>
-            </a:r>
-            <a:r>
-              <a:rPr lang="en-US" sz="2800" dirty="0" smtClean="0">
-                <a:solidFill>
-                  <a:schemeClr val="accent1">
-                    <a:lumMod val="75000"/>
-                  </a:schemeClr>
-                </a:solidFill>
-                <a:latin typeface="Times New Roman" panose="02020603050405020304" pitchFamily="18" charset="0"/>
-                <a:cs typeface="Times New Roman" panose="02020603050405020304" pitchFamily="18" charset="0"/>
-              </a:rPr>
-              <a:t> </a:t>
-            </a:r>
-            <a:r>
-              <a:rPr lang="en-US" sz="2800" dirty="0" err="1" smtClean="0">
-                <a:solidFill>
-                  <a:schemeClr val="accent1">
-                    <a:lumMod val="75000"/>
-                  </a:schemeClr>
-                </a:solidFill>
-                <a:latin typeface="Times New Roman" panose="02020603050405020304" pitchFamily="18" charset="0"/>
-                <a:cs typeface="Times New Roman" panose="02020603050405020304" pitchFamily="18" charset="0"/>
-              </a:rPr>
-              <a:t>dữ</a:t>
-            </a:r>
-            <a:r>
-              <a:rPr lang="en-US" sz="2800" dirty="0" smtClean="0">
-                <a:solidFill>
-                  <a:schemeClr val="accent1">
-                    <a:lumMod val="75000"/>
-                  </a:schemeClr>
-                </a:solidFill>
-                <a:latin typeface="Times New Roman" panose="02020603050405020304" pitchFamily="18" charset="0"/>
-                <a:cs typeface="Times New Roman" panose="02020603050405020304" pitchFamily="18" charset="0"/>
-              </a:rPr>
-              <a:t> </a:t>
-            </a:r>
-            <a:r>
-              <a:rPr lang="en-US" sz="2800" dirty="0" err="1" smtClean="0">
-                <a:solidFill>
-                  <a:schemeClr val="accent1">
-                    <a:lumMod val="75000"/>
-                  </a:schemeClr>
-                </a:solidFill>
-                <a:latin typeface="Times New Roman" panose="02020603050405020304" pitchFamily="18" charset="0"/>
-                <a:cs typeface="Times New Roman" panose="02020603050405020304" pitchFamily="18" charset="0"/>
-              </a:rPr>
-              <a:t>liệu</a:t>
-            </a:r>
-            <a:endParaRPr lang="vi-VN" sz="2800" dirty="0">
+              <a:t>Thống</a:t>
+            </a:r>
+            <a:endParaRPr lang="en-US" sz="3500" b="1" dirty="0">
               <a:solidFill>
-                <a:schemeClr val="accent1">
-                  <a:lumMod val="75000"/>
-                </a:schemeClr>
+                <a:schemeClr val="bg1"/>
               </a:solidFill>
               <a:latin typeface="Times New Roman" panose="02020603050405020304" pitchFamily="18" charset="0"/>
               <a:cs typeface="Times New Roman" panose="02020603050405020304" pitchFamily="18" charset="0"/>
